--- a/others/DeTechtive Presentation.pptx
+++ b/others/DeTechtive Presentation.pptx
@@ -1,39 +1,39 @@
 
 <file path=ppt/presentation.xml><?xml version="1.0" encoding="utf-8"?>
-<p:presentation xmlns:a="http://schemas.openxmlformats.org/drawingml/2006/main" xmlns:r="http://schemas.openxmlformats.org/officeDocument/2006/relationships" xmlns:mc="http://schemas.openxmlformats.org/markup-compatibility/2006" xmlns:mv="urn:schemas-microsoft-com:mac:vml" xmlns:p="http://schemas.openxmlformats.org/presentationml/2006/main" xmlns:c="http://schemas.openxmlformats.org/drawingml/2006/chart" xmlns:dgm="http://schemas.openxmlformats.org/drawingml/2006/diagram" xmlns:o="urn:schemas-microsoft-com:office:office" xmlns:v="urn:schemas-microsoft-com:vml" xmlns:pvml="urn:schemas-microsoft-com:office:powerpoint" xmlns:com="http://schemas.openxmlformats.org/drawingml/2006/compatibility" xmlns:p14="http://schemas.microsoft.com/office/powerpoint/2010/main" xmlns:p15="http://schemas.microsoft.com/office/powerpoint/2012/main" xmlns:ahyp="http://schemas.microsoft.com/office/drawing/2018/hyperlinkcolor" autoCompressPictures="0" embedTrueTypeFonts="1" strictFirstAndLastChars="0" saveSubsetFonts="1">
+<p:presentation xmlns:a="http://schemas.openxmlformats.org/drawingml/2006/main" xmlns:r="http://schemas.openxmlformats.org/officeDocument/2006/relationships" xmlns:p="http://schemas.openxmlformats.org/presentationml/2006/main" strictFirstAndLastChars="0" embedTrueTypeFonts="1" saveSubsetFonts="1" autoCompressPictures="0">
   <p:sldMasterIdLst>
-    <p:sldMasterId id="2147483659" r:id="rId4"/>
+    <p:sldMasterId id="2147483659" r:id="rId1"/>
   </p:sldMasterIdLst>
   <p:notesMasterIdLst>
-    <p:notesMasterId r:id="rId5"/>
+    <p:notesMasterId r:id="rId11"/>
   </p:notesMasterIdLst>
   <p:sldIdLst>
-    <p:sldId id="256" r:id="rId6"/>
-    <p:sldId id="257" r:id="rId7"/>
-    <p:sldId id="258" r:id="rId8"/>
-    <p:sldId id="259" r:id="rId9"/>
-    <p:sldId id="260" r:id="rId10"/>
-    <p:sldId id="261" r:id="rId11"/>
-    <p:sldId id="262" r:id="rId12"/>
-    <p:sldId id="263" r:id="rId13"/>
-    <p:sldId id="264" r:id="rId14"/>
+    <p:sldId id="256" r:id="rId2"/>
+    <p:sldId id="257" r:id="rId3"/>
+    <p:sldId id="258" r:id="rId4"/>
+    <p:sldId id="259" r:id="rId5"/>
+    <p:sldId id="260" r:id="rId6"/>
+    <p:sldId id="261" r:id="rId7"/>
+    <p:sldId id="262" r:id="rId8"/>
+    <p:sldId id="263" r:id="rId9"/>
+    <p:sldId id="264" r:id="rId10"/>
   </p:sldIdLst>
-  <p:sldSz cy="6858000" cx="12192000"/>
+  <p:sldSz cx="12192000" cy="6858000"/>
   <p:notesSz cx="6858000" cy="9144000"/>
   <p:embeddedFontLst>
     <p:embeddedFont>
-      <p:font typeface="Orbitron"/>
-      <p:regular r:id="rId15"/>
-      <p:bold r:id="rId16"/>
+      <p:font typeface="Orbitron" pitchFamily="2" charset="0"/>
+      <p:regular r:id="rId12"/>
+      <p:bold r:id="rId13"/>
     </p:embeddedFont>
     <p:embeddedFont>
-      <p:font typeface="Rajdhani"/>
-      <p:regular r:id="rId17"/>
-      <p:bold r:id="rId18"/>
+      <p:font typeface="Rajdhani" panose="02000000000000000000" pitchFamily="2" charset="77"/>
+      <p:regular r:id="rId14"/>
+      <p:bold r:id="rId15"/>
     </p:embeddedFont>
   </p:embeddedFontLst>
   <p:defaultTextStyle>
-    <a:defPPr lvl="0" marR="0" rtl="0" algn="l">
+    <a:defPPr marR="0" lvl="0" algn="l" rtl="0">
       <a:lnSpc>
         <a:spcPct val="100000"/>
       </a:lnSpc>
@@ -44,7 +44,7 @@
         <a:spcPts val="0"/>
       </a:spcAft>
     </a:defPPr>
-    <a:lvl1pPr lvl="0" marR="0" rtl="0" algn="l">
+    <a:lvl1pPr marR="0" lvl="0" algn="l" rtl="0">
       <a:lnSpc>
         <a:spcPct val="100000"/>
       </a:lnSpc>
@@ -58,7 +58,7 @@
         <a:srgbClr val="000000"/>
       </a:buClr>
       <a:buFont typeface="Arial"/>
-      <a:defRPr b="0" i="0" sz="1400" u="none" cap="none" strike="noStrike">
+      <a:defRPr sz="1400" b="0" i="0" u="none" strike="noStrike" cap="none">
         <a:solidFill>
           <a:srgbClr val="000000"/>
         </a:solidFill>
@@ -68,7 +68,7 @@
         <a:sym typeface="Arial"/>
       </a:defRPr>
     </a:lvl1pPr>
-    <a:lvl2pPr lvl="1" marR="0" rtl="0" algn="l">
+    <a:lvl2pPr marR="0" lvl="1" algn="l" rtl="0">
       <a:lnSpc>
         <a:spcPct val="100000"/>
       </a:lnSpc>
@@ -82,7 +82,7 @@
         <a:srgbClr val="000000"/>
       </a:buClr>
       <a:buFont typeface="Arial"/>
-      <a:defRPr b="0" i="0" sz="1400" u="none" cap="none" strike="noStrike">
+      <a:defRPr sz="1400" b="0" i="0" u="none" strike="noStrike" cap="none">
         <a:solidFill>
           <a:srgbClr val="000000"/>
         </a:solidFill>
@@ -92,7 +92,7 @@
         <a:sym typeface="Arial"/>
       </a:defRPr>
     </a:lvl2pPr>
-    <a:lvl3pPr lvl="2" marR="0" rtl="0" algn="l">
+    <a:lvl3pPr marR="0" lvl="2" algn="l" rtl="0">
       <a:lnSpc>
         <a:spcPct val="100000"/>
       </a:lnSpc>
@@ -106,7 +106,7 @@
         <a:srgbClr val="000000"/>
       </a:buClr>
       <a:buFont typeface="Arial"/>
-      <a:defRPr b="0" i="0" sz="1400" u="none" cap="none" strike="noStrike">
+      <a:defRPr sz="1400" b="0" i="0" u="none" strike="noStrike" cap="none">
         <a:solidFill>
           <a:srgbClr val="000000"/>
         </a:solidFill>
@@ -116,7 +116,7 @@
         <a:sym typeface="Arial"/>
       </a:defRPr>
     </a:lvl3pPr>
-    <a:lvl4pPr lvl="3" marR="0" rtl="0" algn="l">
+    <a:lvl4pPr marR="0" lvl="3" algn="l" rtl="0">
       <a:lnSpc>
         <a:spcPct val="100000"/>
       </a:lnSpc>
@@ -130,7 +130,7 @@
         <a:srgbClr val="000000"/>
       </a:buClr>
       <a:buFont typeface="Arial"/>
-      <a:defRPr b="0" i="0" sz="1400" u="none" cap="none" strike="noStrike">
+      <a:defRPr sz="1400" b="0" i="0" u="none" strike="noStrike" cap="none">
         <a:solidFill>
           <a:srgbClr val="000000"/>
         </a:solidFill>
@@ -140,7 +140,7 @@
         <a:sym typeface="Arial"/>
       </a:defRPr>
     </a:lvl4pPr>
-    <a:lvl5pPr lvl="4" marR="0" rtl="0" algn="l">
+    <a:lvl5pPr marR="0" lvl="4" algn="l" rtl="0">
       <a:lnSpc>
         <a:spcPct val="100000"/>
       </a:lnSpc>
@@ -154,7 +154,7 @@
         <a:srgbClr val="000000"/>
       </a:buClr>
       <a:buFont typeface="Arial"/>
-      <a:defRPr b="0" i="0" sz="1400" u="none" cap="none" strike="noStrike">
+      <a:defRPr sz="1400" b="0" i="0" u="none" strike="noStrike" cap="none">
         <a:solidFill>
           <a:srgbClr val="000000"/>
         </a:solidFill>
@@ -164,7 +164,7 @@
         <a:sym typeface="Arial"/>
       </a:defRPr>
     </a:lvl5pPr>
-    <a:lvl6pPr lvl="5" marR="0" rtl="0" algn="l">
+    <a:lvl6pPr marR="0" lvl="5" algn="l" rtl="0">
       <a:lnSpc>
         <a:spcPct val="100000"/>
       </a:lnSpc>
@@ -178,7 +178,7 @@
         <a:srgbClr val="000000"/>
       </a:buClr>
       <a:buFont typeface="Arial"/>
-      <a:defRPr b="0" i="0" sz="1400" u="none" cap="none" strike="noStrike">
+      <a:defRPr sz="1400" b="0" i="0" u="none" strike="noStrike" cap="none">
         <a:solidFill>
           <a:srgbClr val="000000"/>
         </a:solidFill>
@@ -188,7 +188,7 @@
         <a:sym typeface="Arial"/>
       </a:defRPr>
     </a:lvl6pPr>
-    <a:lvl7pPr lvl="6" marR="0" rtl="0" algn="l">
+    <a:lvl7pPr marR="0" lvl="6" algn="l" rtl="0">
       <a:lnSpc>
         <a:spcPct val="100000"/>
       </a:lnSpc>
@@ -202,7 +202,7 @@
         <a:srgbClr val="000000"/>
       </a:buClr>
       <a:buFont typeface="Arial"/>
-      <a:defRPr b="0" i="0" sz="1400" u="none" cap="none" strike="noStrike">
+      <a:defRPr sz="1400" b="0" i="0" u="none" strike="noStrike" cap="none">
         <a:solidFill>
           <a:srgbClr val="000000"/>
         </a:solidFill>
@@ -212,7 +212,7 @@
         <a:sym typeface="Arial"/>
       </a:defRPr>
     </a:lvl7pPr>
-    <a:lvl8pPr lvl="7" marR="0" rtl="0" algn="l">
+    <a:lvl8pPr marR="0" lvl="7" algn="l" rtl="0">
       <a:lnSpc>
         <a:spcPct val="100000"/>
       </a:lnSpc>
@@ -226,7 +226,7 @@
         <a:srgbClr val="000000"/>
       </a:buClr>
       <a:buFont typeface="Arial"/>
-      <a:defRPr b="0" i="0" sz="1400" u="none" cap="none" strike="noStrike">
+      <a:defRPr sz="1400" b="0" i="0" u="none" strike="noStrike" cap="none">
         <a:solidFill>
           <a:srgbClr val="000000"/>
         </a:solidFill>
@@ -236,7 +236,7 @@
         <a:sym typeface="Arial"/>
       </a:defRPr>
     </a:lvl8pPr>
-    <a:lvl9pPr lvl="8" marR="0" rtl="0" algn="l">
+    <a:lvl9pPr marR="0" lvl="8" algn="l" rtl="0">
       <a:lnSpc>
         <a:spcPct val="100000"/>
       </a:lnSpc>
@@ -250,7 +250,7 @@
         <a:srgbClr val="000000"/>
       </a:buClr>
       <a:buFont typeface="Arial"/>
-      <a:defRPr b="0" i="0" sz="1400" u="none" cap="none" strike="noStrike">
+      <a:defRPr sz="1400" b="0" i="0" u="none" strike="noStrike" cap="none">
         <a:solidFill>
           <a:srgbClr val="000000"/>
         </a:solidFill>
@@ -263,7 +263,7 @@
   </p:defaultTextStyle>
   <p:extLst>
     <p:ext uri="{EFAFB233-063F-42B5-8137-9DF3F51BA10A}">
-      <p15:sldGuideLst>
+      <p15:sldGuideLst xmlns:p15="http://schemas.microsoft.com/office/powerpoint/2012/main">
         <p15:guide id="1" orient="horz" pos="2160">
           <p15:clr>
             <a:srgbClr val="000000"/>
@@ -281,11 +281,16 @@
 </file>
 
 <file path=ppt/notesMasters/notesMaster1.xml><?xml version="1.0" encoding="utf-8"?>
-<p:notesMaster xmlns:a="http://schemas.openxmlformats.org/drawingml/2006/main" xmlns:r="http://schemas.openxmlformats.org/officeDocument/2006/relationships" xmlns:mc="http://schemas.openxmlformats.org/markup-compatibility/2006" xmlns:mv="urn:schemas-microsoft-com:mac:vml" xmlns:p="http://schemas.openxmlformats.org/presentationml/2006/main" xmlns:c="http://schemas.openxmlformats.org/drawingml/2006/chart" xmlns:dgm="http://schemas.openxmlformats.org/drawingml/2006/diagram" xmlns:o="urn:schemas-microsoft-com:office:office" xmlns:v="urn:schemas-microsoft-com:vml" xmlns:pvml="urn:schemas-microsoft-com:office:powerpoint" xmlns:com="http://schemas.openxmlformats.org/drawingml/2006/compatibility" xmlns:p14="http://schemas.microsoft.com/office/powerpoint/2010/main" xmlns:p15="http://schemas.microsoft.com/office/powerpoint/2012/main" xmlns:ahyp="http://schemas.microsoft.com/office/drawing/2018/hyperlinkcolor">
+<p:notesMaster xmlns:a="http://schemas.openxmlformats.org/drawingml/2006/main" xmlns:r="http://schemas.openxmlformats.org/officeDocument/2006/relationships" xmlns:p="http://schemas.openxmlformats.org/presentationml/2006/main">
   <p:cSld>
+    <p:bg>
+      <p:bgRef idx="1001">
+        <a:schemeClr val="bg1"/>
+      </p:bgRef>
+    </p:bg>
     <p:spTree>
       <p:nvGrpSpPr>
-        <p:cNvPr id="2" name="Shape 2"/>
+        <p:cNvPr id="1" name="Shape 2"/>
         <p:cNvGrpSpPr/>
         <p:nvPr/>
       </p:nvGrpSpPr>
@@ -300,9 +305,11 @@
       <p:sp>
         <p:nvSpPr>
           <p:cNvPr id="3" name="Google Shape;3;n"/>
-          <p:cNvSpPr/>
+          <p:cNvSpPr>
+            <a:spLocks noGrp="1" noRot="1" noChangeAspect="1"/>
+          </p:cNvSpPr>
           <p:nvPr>
-            <p:ph idx="2" type="sldImg"/>
+            <p:ph type="sldImg" idx="2"/>
           </p:nvPr>
         </p:nvSpPr>
         <p:spPr>
@@ -311,9 +318,13 @@
             <a:ext cx="4572225" cy="3429000"/>
           </a:xfrm>
           <a:custGeom>
-            <a:rect b="b" l="l" r="r" t="t"/>
+            <a:avLst/>
+            <a:gdLst/>
+            <a:ahLst/>
+            <a:cxnLst/>
+            <a:rect l="l" t="t" r="r" b="b"/>
             <a:pathLst>
-              <a:path extrusionOk="0" h="120000" w="120000">
+              <a:path w="120000" h="120000" extrusionOk="0">
                 <a:moveTo>
                   <a:pt x="0" y="0"/>
                 </a:moveTo>
@@ -331,23 +342,25 @@
             </a:pathLst>
           </a:custGeom>
           <a:noFill/>
-          <a:ln cap="flat" cmpd="sng" w="9525">
+          <a:ln w="9525" cap="flat" cmpd="sng">
             <a:solidFill>
               <a:srgbClr val="000000"/>
             </a:solidFill>
             <a:prstDash val="solid"/>
             <a:round/>
-            <a:headEnd len="sm" w="sm" type="none"/>
-            <a:tailEnd len="sm" w="sm" type="none"/>
+            <a:headEnd type="none" w="sm" len="sm"/>
+            <a:tailEnd type="none" w="sm" len="sm"/>
           </a:ln>
         </p:spPr>
       </p:sp>
       <p:sp>
         <p:nvSpPr>
           <p:cNvPr id="4" name="Google Shape;4;n"/>
-          <p:cNvSpPr txBox="1"/>
+          <p:cNvSpPr txBox="1">
+            <a:spLocks noGrp="1"/>
+          </p:cNvSpPr>
           <p:nvPr>
-            <p:ph idx="1" type="body"/>
+            <p:ph type="body" idx="1"/>
           </p:nvPr>
         </p:nvSpPr>
         <p:spPr>
@@ -364,11 +377,11 @@
           </a:ln>
         </p:spPr>
         <p:txBody>
-          <a:bodyPr anchorCtr="0" anchor="t" bIns="91425" lIns="91425" spcFirstLastPara="1" rIns="91425" wrap="square" tIns="91425">
+          <a:bodyPr spcFirstLastPara="1" wrap="square" lIns="91425" tIns="91425" rIns="91425" bIns="91425" anchor="t" anchorCtr="0">
             <a:noAutofit/>
           </a:bodyPr>
           <a:lstStyle>
-            <a:lvl1pPr indent="-298450" lvl="0" marL="457200">
+            <a:lvl1pPr marL="457200" lvl="0" indent="-298450">
               <a:spcBef>
                 <a:spcPts val="0"/>
               </a:spcBef>
@@ -379,7 +392,7 @@
               <a:buChar char="●"/>
               <a:defRPr sz="1100"/>
             </a:lvl1pPr>
-            <a:lvl2pPr indent="-298450" lvl="1" marL="914400">
+            <a:lvl2pPr marL="914400" lvl="1" indent="-298450">
               <a:spcBef>
                 <a:spcPts val="0"/>
               </a:spcBef>
@@ -390,7 +403,7 @@
               <a:buChar char="○"/>
               <a:defRPr sz="1100"/>
             </a:lvl2pPr>
-            <a:lvl3pPr indent="-298450" lvl="2" marL="1371600">
+            <a:lvl3pPr marL="1371600" lvl="2" indent="-298450">
               <a:spcBef>
                 <a:spcPts val="0"/>
               </a:spcBef>
@@ -401,7 +414,7 @@
               <a:buChar char="■"/>
               <a:defRPr sz="1100"/>
             </a:lvl3pPr>
-            <a:lvl4pPr indent="-298450" lvl="3" marL="1828800">
+            <a:lvl4pPr marL="1828800" lvl="3" indent="-298450">
               <a:spcBef>
                 <a:spcPts val="0"/>
               </a:spcBef>
@@ -412,7 +425,7 @@
               <a:buChar char="●"/>
               <a:defRPr sz="1100"/>
             </a:lvl4pPr>
-            <a:lvl5pPr indent="-298450" lvl="4" marL="2286000">
+            <a:lvl5pPr marL="2286000" lvl="4" indent="-298450">
               <a:spcBef>
                 <a:spcPts val="0"/>
               </a:spcBef>
@@ -423,7 +436,7 @@
               <a:buChar char="○"/>
               <a:defRPr sz="1100"/>
             </a:lvl5pPr>
-            <a:lvl6pPr indent="-298450" lvl="5" marL="2743200">
+            <a:lvl6pPr marL="2743200" lvl="5" indent="-298450">
               <a:spcBef>
                 <a:spcPts val="0"/>
               </a:spcBef>
@@ -434,7 +447,7 @@
               <a:buChar char="■"/>
               <a:defRPr sz="1100"/>
             </a:lvl6pPr>
-            <a:lvl7pPr indent="-298450" lvl="6" marL="3200400">
+            <a:lvl7pPr marL="3200400" lvl="6" indent="-298450">
               <a:spcBef>
                 <a:spcPts val="0"/>
               </a:spcBef>
@@ -445,7 +458,7 @@
               <a:buChar char="●"/>
               <a:defRPr sz="1100"/>
             </a:lvl7pPr>
-            <a:lvl8pPr indent="-298450" lvl="7" marL="3657600">
+            <a:lvl8pPr marL="3657600" lvl="7" indent="-298450">
               <a:spcBef>
                 <a:spcPts val="0"/>
               </a:spcBef>
@@ -456,7 +469,7 @@
               <a:buChar char="○"/>
               <a:defRPr sz="1100"/>
             </a:lvl8pPr>
-            <a:lvl9pPr indent="-298450" lvl="8" marL="4114800">
+            <a:lvl9pPr marL="4114800" lvl="8" indent="-298450">
               <a:spcBef>
                 <a:spcPts val="0"/>
               </a:spcBef>
@@ -468,14 +481,16 @@
               <a:defRPr sz="1100"/>
             </a:lvl9pPr>
           </a:lstStyle>
-          <a:p/>
+          <a:p>
+            <a:endParaRPr/>
+          </a:p>
         </p:txBody>
       </p:sp>
     </p:spTree>
   </p:cSld>
-  <p:clrMap accent1="accent1" accent2="accent2" accent3="accent3" accent4="accent4" accent5="accent5" accent6="accent6" bg1="lt1" bg2="dk2" tx1="dk1" tx2="lt2" folHlink="folHlink" hlink="hlink"/>
+  <p:clrMap bg1="lt1" tx1="dk1" bg2="dk2" tx2="lt2" accent1="accent1" accent2="accent2" accent3="accent3" accent4="accent4" accent5="accent5" accent6="accent6" hlink="hlink" folHlink="folHlink"/>
   <p:notesStyle>
-    <a:defPPr lvl="0" marR="0" rtl="0" algn="l">
+    <a:defPPr marR="0" lvl="0" algn="l" rtl="0">
       <a:lnSpc>
         <a:spcPct val="100000"/>
       </a:lnSpc>
@@ -486,7 +501,7 @@
         <a:spcPts val="0"/>
       </a:spcAft>
     </a:defPPr>
-    <a:lvl1pPr lvl="0" marR="0" rtl="0" algn="l">
+    <a:lvl1pPr marR="0" lvl="0" algn="l" rtl="0">
       <a:lnSpc>
         <a:spcPct val="100000"/>
       </a:lnSpc>
@@ -500,7 +515,7 @@
         <a:srgbClr val="000000"/>
       </a:buClr>
       <a:buFont typeface="Arial"/>
-      <a:defRPr b="0" i="0" sz="1400" u="none" cap="none" strike="noStrike">
+      <a:defRPr sz="1400" b="0" i="0" u="none" strike="noStrike" cap="none">
         <a:solidFill>
           <a:srgbClr val="000000"/>
         </a:solidFill>
@@ -510,7 +525,7 @@
         <a:sym typeface="Arial"/>
       </a:defRPr>
     </a:lvl1pPr>
-    <a:lvl2pPr lvl="1" marR="0" rtl="0" algn="l">
+    <a:lvl2pPr marR="0" lvl="1" algn="l" rtl="0">
       <a:lnSpc>
         <a:spcPct val="100000"/>
       </a:lnSpc>
@@ -524,7 +539,7 @@
         <a:srgbClr val="000000"/>
       </a:buClr>
       <a:buFont typeface="Arial"/>
-      <a:defRPr b="0" i="0" sz="1400" u="none" cap="none" strike="noStrike">
+      <a:defRPr sz="1400" b="0" i="0" u="none" strike="noStrike" cap="none">
         <a:solidFill>
           <a:srgbClr val="000000"/>
         </a:solidFill>
@@ -534,7 +549,7 @@
         <a:sym typeface="Arial"/>
       </a:defRPr>
     </a:lvl2pPr>
-    <a:lvl3pPr lvl="2" marR="0" rtl="0" algn="l">
+    <a:lvl3pPr marR="0" lvl="2" algn="l" rtl="0">
       <a:lnSpc>
         <a:spcPct val="100000"/>
       </a:lnSpc>
@@ -548,7 +563,7 @@
         <a:srgbClr val="000000"/>
       </a:buClr>
       <a:buFont typeface="Arial"/>
-      <a:defRPr b="0" i="0" sz="1400" u="none" cap="none" strike="noStrike">
+      <a:defRPr sz="1400" b="0" i="0" u="none" strike="noStrike" cap="none">
         <a:solidFill>
           <a:srgbClr val="000000"/>
         </a:solidFill>
@@ -558,7 +573,7 @@
         <a:sym typeface="Arial"/>
       </a:defRPr>
     </a:lvl3pPr>
-    <a:lvl4pPr lvl="3" marR="0" rtl="0" algn="l">
+    <a:lvl4pPr marR="0" lvl="3" algn="l" rtl="0">
       <a:lnSpc>
         <a:spcPct val="100000"/>
       </a:lnSpc>
@@ -572,7 +587,7 @@
         <a:srgbClr val="000000"/>
       </a:buClr>
       <a:buFont typeface="Arial"/>
-      <a:defRPr b="0" i="0" sz="1400" u="none" cap="none" strike="noStrike">
+      <a:defRPr sz="1400" b="0" i="0" u="none" strike="noStrike" cap="none">
         <a:solidFill>
           <a:srgbClr val="000000"/>
         </a:solidFill>
@@ -582,7 +597,7 @@
         <a:sym typeface="Arial"/>
       </a:defRPr>
     </a:lvl4pPr>
-    <a:lvl5pPr lvl="4" marR="0" rtl="0" algn="l">
+    <a:lvl5pPr marR="0" lvl="4" algn="l" rtl="0">
       <a:lnSpc>
         <a:spcPct val="100000"/>
       </a:lnSpc>
@@ -596,7 +611,7 @@
         <a:srgbClr val="000000"/>
       </a:buClr>
       <a:buFont typeface="Arial"/>
-      <a:defRPr b="0" i="0" sz="1400" u="none" cap="none" strike="noStrike">
+      <a:defRPr sz="1400" b="0" i="0" u="none" strike="noStrike" cap="none">
         <a:solidFill>
           <a:srgbClr val="000000"/>
         </a:solidFill>
@@ -606,7 +621,7 @@
         <a:sym typeface="Arial"/>
       </a:defRPr>
     </a:lvl5pPr>
-    <a:lvl6pPr lvl="5" marR="0" rtl="0" algn="l">
+    <a:lvl6pPr marR="0" lvl="5" algn="l" rtl="0">
       <a:lnSpc>
         <a:spcPct val="100000"/>
       </a:lnSpc>
@@ -620,7 +635,7 @@
         <a:srgbClr val="000000"/>
       </a:buClr>
       <a:buFont typeface="Arial"/>
-      <a:defRPr b="0" i="0" sz="1400" u="none" cap="none" strike="noStrike">
+      <a:defRPr sz="1400" b="0" i="0" u="none" strike="noStrike" cap="none">
         <a:solidFill>
           <a:srgbClr val="000000"/>
         </a:solidFill>
@@ -630,7 +645,7 @@
         <a:sym typeface="Arial"/>
       </a:defRPr>
     </a:lvl6pPr>
-    <a:lvl7pPr lvl="6" marR="0" rtl="0" algn="l">
+    <a:lvl7pPr marR="0" lvl="6" algn="l" rtl="0">
       <a:lnSpc>
         <a:spcPct val="100000"/>
       </a:lnSpc>
@@ -644,7 +659,7 @@
         <a:srgbClr val="000000"/>
       </a:buClr>
       <a:buFont typeface="Arial"/>
-      <a:defRPr b="0" i="0" sz="1400" u="none" cap="none" strike="noStrike">
+      <a:defRPr sz="1400" b="0" i="0" u="none" strike="noStrike" cap="none">
         <a:solidFill>
           <a:srgbClr val="000000"/>
         </a:solidFill>
@@ -654,7 +669,7 @@
         <a:sym typeface="Arial"/>
       </a:defRPr>
     </a:lvl7pPr>
-    <a:lvl8pPr lvl="7" marR="0" rtl="0" algn="l">
+    <a:lvl8pPr marR="0" lvl="7" algn="l" rtl="0">
       <a:lnSpc>
         <a:spcPct val="100000"/>
       </a:lnSpc>
@@ -668,7 +683,7 @@
         <a:srgbClr val="000000"/>
       </a:buClr>
       <a:buFont typeface="Arial"/>
-      <a:defRPr b="0" i="0" sz="1400" u="none" cap="none" strike="noStrike">
+      <a:defRPr sz="1400" b="0" i="0" u="none" strike="noStrike" cap="none">
         <a:solidFill>
           <a:srgbClr val="000000"/>
         </a:solidFill>
@@ -678,7 +693,7 @@
         <a:sym typeface="Arial"/>
       </a:defRPr>
     </a:lvl8pPr>
-    <a:lvl9pPr lvl="8" marR="0" rtl="0" algn="l">
+    <a:lvl9pPr marR="0" lvl="8" algn="l" rtl="0">
       <a:lnSpc>
         <a:spcPct val="100000"/>
       </a:lnSpc>
@@ -692,7 +707,7 @@
         <a:srgbClr val="000000"/>
       </a:buClr>
       <a:buFont typeface="Arial"/>
-      <a:defRPr b="0" i="0" sz="1400" u="none" cap="none" strike="noStrike">
+      <a:defRPr sz="1400" b="0" i="0" u="none" strike="noStrike" cap="none">
         <a:solidFill>
           <a:srgbClr val="000000"/>
         </a:solidFill>
@@ -707,11 +722,11 @@
 </file>
 
 <file path=ppt/notesSlides/notesSlide1.xml><?xml version="1.0" encoding="utf-8"?>
-<p:notes xmlns:a="http://schemas.openxmlformats.org/drawingml/2006/main" xmlns:r="http://schemas.openxmlformats.org/officeDocument/2006/relationships" xmlns:mc="http://schemas.openxmlformats.org/markup-compatibility/2006" xmlns:mv="urn:schemas-microsoft-com:mac:vml" xmlns:p="http://schemas.openxmlformats.org/presentationml/2006/main" xmlns:c="http://schemas.openxmlformats.org/drawingml/2006/chart" xmlns:dgm="http://schemas.openxmlformats.org/drawingml/2006/diagram" xmlns:o="urn:schemas-microsoft-com:office:office" xmlns:v="urn:schemas-microsoft-com:vml" xmlns:pvml="urn:schemas-microsoft-com:office:powerpoint" xmlns:com="http://schemas.openxmlformats.org/drawingml/2006/compatibility" xmlns:p14="http://schemas.microsoft.com/office/powerpoint/2010/main" xmlns:p15="http://schemas.microsoft.com/office/powerpoint/2012/main" xmlns:ahyp="http://schemas.microsoft.com/office/drawing/2018/hyperlinkcolor" showMasterPhAnim="0" showMasterSp="0">
+<p:notes xmlns:a="http://schemas.openxmlformats.org/drawingml/2006/main" xmlns:r="http://schemas.openxmlformats.org/officeDocument/2006/relationships" xmlns:p="http://schemas.openxmlformats.org/presentationml/2006/main" showMasterSp="0" showMasterPhAnim="0">
   <p:cSld>
     <p:spTree>
       <p:nvGrpSpPr>
-        <p:cNvPr id="80" name="Shape 80"/>
+        <p:cNvPr id="1" name="Shape 80"/>
         <p:cNvGrpSpPr/>
         <p:nvPr/>
       </p:nvGrpSpPr>
@@ -726,9 +741,11 @@
       <p:sp>
         <p:nvSpPr>
           <p:cNvPr id="81" name="Google Shape;81;p1:notes"/>
-          <p:cNvSpPr txBox="1"/>
+          <p:cNvSpPr txBox="1">
+            <a:spLocks noGrp="1"/>
+          </p:cNvSpPr>
           <p:nvPr>
-            <p:ph idx="1" type="body"/>
+            <p:ph type="body" idx="1"/>
           </p:nvPr>
         </p:nvSpPr>
         <p:spPr>
@@ -741,12 +758,12 @@
           </a:prstGeom>
         </p:spPr>
         <p:txBody>
-          <a:bodyPr anchorCtr="0" anchor="t" bIns="91425" lIns="91425" spcFirstLastPara="1" rIns="91425" wrap="square" tIns="91425">
+          <a:bodyPr spcFirstLastPara="1" wrap="square" lIns="91425" tIns="91425" rIns="91425" bIns="91425" anchor="t" anchorCtr="0">
             <a:noAutofit/>
           </a:bodyPr>
           <a:lstStyle/>
           <a:p>
-            <a:pPr indent="0" lvl="0" marL="0" rtl="0" algn="l">
+            <a:pPr marL="0" lvl="0" indent="0" algn="l" rtl="0">
               <a:spcBef>
                 <a:spcPts val="0"/>
               </a:spcBef>
@@ -755,9 +772,6 @@
               </a:spcAft>
               <a:buNone/>
             </a:pPr>
-            <a:r>
-              <a:t/>
-            </a:r>
             <a:endParaRPr/>
           </a:p>
         </p:txBody>
@@ -765,9 +779,11 @@
       <p:sp>
         <p:nvSpPr>
           <p:cNvPr id="82" name="Google Shape;82;p1:notes"/>
-          <p:cNvSpPr/>
+          <p:cNvSpPr>
+            <a:spLocks noGrp="1" noRot="1" noChangeAspect="1"/>
+          </p:cNvSpPr>
           <p:nvPr>
-            <p:ph idx="2" type="sldImg"/>
+            <p:ph type="sldImg" idx="2"/>
           </p:nvPr>
         </p:nvSpPr>
         <p:spPr>
@@ -776,9 +792,13 @@
             <a:ext cx="4572225" cy="3429000"/>
           </a:xfrm>
           <a:custGeom>
-            <a:rect b="b" l="l" r="r" t="t"/>
+            <a:avLst/>
+            <a:gdLst/>
+            <a:ahLst/>
+            <a:cxnLst/>
+            <a:rect l="l" t="t" r="r" b="b"/>
             <a:pathLst>
-              <a:path extrusionOk="0" h="120000" w="120000">
+              <a:path w="120000" h="120000" extrusionOk="0">
                 <a:moveTo>
                   <a:pt x="0" y="0"/>
                 </a:moveTo>
@@ -806,11 +826,11 @@
 </file>
 
 <file path=ppt/notesSlides/notesSlide2.xml><?xml version="1.0" encoding="utf-8"?>
-<p:notes xmlns:a="http://schemas.openxmlformats.org/drawingml/2006/main" xmlns:r="http://schemas.openxmlformats.org/officeDocument/2006/relationships" xmlns:mc="http://schemas.openxmlformats.org/markup-compatibility/2006" xmlns:mv="urn:schemas-microsoft-com:mac:vml" xmlns:p="http://schemas.openxmlformats.org/presentationml/2006/main" xmlns:c="http://schemas.openxmlformats.org/drawingml/2006/chart" xmlns:dgm="http://schemas.openxmlformats.org/drawingml/2006/diagram" xmlns:o="urn:schemas-microsoft-com:office:office" xmlns:v="urn:schemas-microsoft-com:vml" xmlns:pvml="urn:schemas-microsoft-com:office:powerpoint" xmlns:com="http://schemas.openxmlformats.org/drawingml/2006/compatibility" xmlns:p14="http://schemas.microsoft.com/office/powerpoint/2010/main" xmlns:p15="http://schemas.microsoft.com/office/powerpoint/2012/main" xmlns:ahyp="http://schemas.microsoft.com/office/drawing/2018/hyperlinkcolor" showMasterPhAnim="0" showMasterSp="0">
+<p:notes xmlns:a="http://schemas.openxmlformats.org/drawingml/2006/main" xmlns:r="http://schemas.openxmlformats.org/officeDocument/2006/relationships" xmlns:p="http://schemas.openxmlformats.org/presentationml/2006/main" showMasterSp="0" showMasterPhAnim="0">
   <p:cSld>
     <p:spTree>
       <p:nvGrpSpPr>
-        <p:cNvPr id="90" name="Shape 90"/>
+        <p:cNvPr id="1" name="Shape 90"/>
         <p:cNvGrpSpPr/>
         <p:nvPr/>
       </p:nvGrpSpPr>
@@ -825,9 +845,11 @@
       <p:sp>
         <p:nvSpPr>
           <p:cNvPr id="91" name="Google Shape;91;p2:notes"/>
-          <p:cNvSpPr txBox="1"/>
+          <p:cNvSpPr txBox="1">
+            <a:spLocks noGrp="1"/>
+          </p:cNvSpPr>
           <p:nvPr>
-            <p:ph idx="1" type="body"/>
+            <p:ph type="body" idx="1"/>
           </p:nvPr>
         </p:nvSpPr>
         <p:spPr>
@@ -840,12 +862,12 @@
           </a:prstGeom>
         </p:spPr>
         <p:txBody>
-          <a:bodyPr anchorCtr="0" anchor="t" bIns="91425" lIns="91425" spcFirstLastPara="1" rIns="91425" wrap="square" tIns="91425">
+          <a:bodyPr spcFirstLastPara="1" wrap="square" lIns="91425" tIns="91425" rIns="91425" bIns="91425" anchor="t" anchorCtr="0">
             <a:noAutofit/>
           </a:bodyPr>
           <a:lstStyle/>
           <a:p>
-            <a:pPr indent="0" lvl="0" marL="0" rtl="0" algn="l">
+            <a:pPr marL="0" lvl="0" indent="0" algn="l" rtl="0">
               <a:spcBef>
                 <a:spcPts val="0"/>
               </a:spcBef>
@@ -854,9 +876,6 @@
               </a:spcAft>
               <a:buNone/>
             </a:pPr>
-            <a:r>
-              <a:t/>
-            </a:r>
             <a:endParaRPr/>
           </a:p>
         </p:txBody>
@@ -864,9 +883,11 @@
       <p:sp>
         <p:nvSpPr>
           <p:cNvPr id="92" name="Google Shape;92;p2:notes"/>
-          <p:cNvSpPr/>
+          <p:cNvSpPr>
+            <a:spLocks noGrp="1" noRot="1" noChangeAspect="1"/>
+          </p:cNvSpPr>
           <p:nvPr>
-            <p:ph idx="2" type="sldImg"/>
+            <p:ph type="sldImg" idx="2"/>
           </p:nvPr>
         </p:nvSpPr>
         <p:spPr>
@@ -875,9 +896,13 @@
             <a:ext cx="4572225" cy="3429000"/>
           </a:xfrm>
           <a:custGeom>
-            <a:rect b="b" l="l" r="r" t="t"/>
+            <a:avLst/>
+            <a:gdLst/>
+            <a:ahLst/>
+            <a:cxnLst/>
+            <a:rect l="l" t="t" r="r" b="b"/>
             <a:pathLst>
-              <a:path extrusionOk="0" h="120000" w="120000">
+              <a:path w="120000" h="120000" extrusionOk="0">
                 <a:moveTo>
                   <a:pt x="0" y="0"/>
                 </a:moveTo>
@@ -905,11 +930,11 @@
 </file>
 
 <file path=ppt/notesSlides/notesSlide3.xml><?xml version="1.0" encoding="utf-8"?>
-<p:notes xmlns:a="http://schemas.openxmlformats.org/drawingml/2006/main" xmlns:r="http://schemas.openxmlformats.org/officeDocument/2006/relationships" xmlns:mc="http://schemas.openxmlformats.org/markup-compatibility/2006" xmlns:mv="urn:schemas-microsoft-com:mac:vml" xmlns:p="http://schemas.openxmlformats.org/presentationml/2006/main" xmlns:c="http://schemas.openxmlformats.org/drawingml/2006/chart" xmlns:dgm="http://schemas.openxmlformats.org/drawingml/2006/diagram" xmlns:o="urn:schemas-microsoft-com:office:office" xmlns:v="urn:schemas-microsoft-com:vml" xmlns:pvml="urn:schemas-microsoft-com:office:powerpoint" xmlns:com="http://schemas.openxmlformats.org/drawingml/2006/compatibility" xmlns:p14="http://schemas.microsoft.com/office/powerpoint/2010/main" xmlns:p15="http://schemas.microsoft.com/office/powerpoint/2012/main" xmlns:ahyp="http://schemas.microsoft.com/office/drawing/2018/hyperlinkcolor" showMasterPhAnim="0" showMasterSp="0">
+<p:notes xmlns:a="http://schemas.openxmlformats.org/drawingml/2006/main" xmlns:r="http://schemas.openxmlformats.org/officeDocument/2006/relationships" xmlns:p="http://schemas.openxmlformats.org/presentationml/2006/main" showMasterSp="0" showMasterPhAnim="0">
   <p:cSld>
     <p:spTree>
       <p:nvGrpSpPr>
-        <p:cNvPr id="109" name="Shape 109"/>
+        <p:cNvPr id="1" name="Shape 109"/>
         <p:cNvGrpSpPr/>
         <p:nvPr/>
       </p:nvGrpSpPr>
@@ -924,9 +949,11 @@
       <p:sp>
         <p:nvSpPr>
           <p:cNvPr id="110" name="Google Shape;110;p3:notes"/>
-          <p:cNvSpPr txBox="1"/>
+          <p:cNvSpPr txBox="1">
+            <a:spLocks noGrp="1"/>
+          </p:cNvSpPr>
           <p:nvPr>
-            <p:ph idx="1" type="body"/>
+            <p:ph type="body" idx="1"/>
           </p:nvPr>
         </p:nvSpPr>
         <p:spPr>
@@ -939,12 +966,12 @@
           </a:prstGeom>
         </p:spPr>
         <p:txBody>
-          <a:bodyPr anchorCtr="0" anchor="t" bIns="91425" lIns="91425" spcFirstLastPara="1" rIns="91425" wrap="square" tIns="91425">
+          <a:bodyPr spcFirstLastPara="1" wrap="square" lIns="91425" tIns="91425" rIns="91425" bIns="91425" anchor="t" anchorCtr="0">
             <a:noAutofit/>
           </a:bodyPr>
           <a:lstStyle/>
           <a:p>
-            <a:pPr indent="0" lvl="0" marL="0" rtl="0" algn="l">
+            <a:pPr marL="0" lvl="0" indent="0" algn="l" rtl="0">
               <a:spcBef>
                 <a:spcPts val="0"/>
               </a:spcBef>
@@ -953,9 +980,6 @@
               </a:spcAft>
               <a:buNone/>
             </a:pPr>
-            <a:r>
-              <a:t/>
-            </a:r>
             <a:endParaRPr/>
           </a:p>
         </p:txBody>
@@ -963,9 +987,11 @@
       <p:sp>
         <p:nvSpPr>
           <p:cNvPr id="111" name="Google Shape;111;p3:notes"/>
-          <p:cNvSpPr/>
+          <p:cNvSpPr>
+            <a:spLocks noGrp="1" noRot="1" noChangeAspect="1"/>
+          </p:cNvSpPr>
           <p:nvPr>
-            <p:ph idx="2" type="sldImg"/>
+            <p:ph type="sldImg" idx="2"/>
           </p:nvPr>
         </p:nvSpPr>
         <p:spPr>
@@ -974,9 +1000,13 @@
             <a:ext cx="4572225" cy="3429000"/>
           </a:xfrm>
           <a:custGeom>
-            <a:rect b="b" l="l" r="r" t="t"/>
+            <a:avLst/>
+            <a:gdLst/>
+            <a:ahLst/>
+            <a:cxnLst/>
+            <a:rect l="l" t="t" r="r" b="b"/>
             <a:pathLst>
-              <a:path extrusionOk="0" h="120000" w="120000">
+              <a:path w="120000" h="120000" extrusionOk="0">
                 <a:moveTo>
                   <a:pt x="0" y="0"/>
                 </a:moveTo>
@@ -1004,11 +1034,11 @@
 </file>
 
 <file path=ppt/notesSlides/notesSlide4.xml><?xml version="1.0" encoding="utf-8"?>
-<p:notes xmlns:a="http://schemas.openxmlformats.org/drawingml/2006/main" xmlns:r="http://schemas.openxmlformats.org/officeDocument/2006/relationships" xmlns:mc="http://schemas.openxmlformats.org/markup-compatibility/2006" xmlns:mv="urn:schemas-microsoft-com:mac:vml" xmlns:p="http://schemas.openxmlformats.org/presentationml/2006/main" xmlns:c="http://schemas.openxmlformats.org/drawingml/2006/chart" xmlns:dgm="http://schemas.openxmlformats.org/drawingml/2006/diagram" xmlns:o="urn:schemas-microsoft-com:office:office" xmlns:v="urn:schemas-microsoft-com:vml" xmlns:pvml="urn:schemas-microsoft-com:office:powerpoint" xmlns:com="http://schemas.openxmlformats.org/drawingml/2006/compatibility" xmlns:p14="http://schemas.microsoft.com/office/powerpoint/2010/main" xmlns:p15="http://schemas.microsoft.com/office/powerpoint/2012/main" xmlns:ahyp="http://schemas.microsoft.com/office/drawing/2018/hyperlinkcolor" showMasterPhAnim="0" showMasterSp="0">
+<p:notes xmlns:a="http://schemas.openxmlformats.org/drawingml/2006/main" xmlns:r="http://schemas.openxmlformats.org/officeDocument/2006/relationships" xmlns:p="http://schemas.openxmlformats.org/presentationml/2006/main" showMasterSp="0" showMasterPhAnim="0">
   <p:cSld>
     <p:spTree>
       <p:nvGrpSpPr>
-        <p:cNvPr id="134" name="Shape 134"/>
+        <p:cNvPr id="1" name="Shape 134"/>
         <p:cNvGrpSpPr/>
         <p:nvPr/>
       </p:nvGrpSpPr>
@@ -1023,9 +1053,11 @@
       <p:sp>
         <p:nvSpPr>
           <p:cNvPr id="135" name="Google Shape;135;g3b064fd6dc3_0_1:notes"/>
-          <p:cNvSpPr txBox="1"/>
+          <p:cNvSpPr txBox="1">
+            <a:spLocks noGrp="1"/>
+          </p:cNvSpPr>
           <p:nvPr>
-            <p:ph idx="1" type="body"/>
+            <p:ph type="body" idx="1"/>
           </p:nvPr>
         </p:nvSpPr>
         <p:spPr>
@@ -1038,12 +1070,12 @@
           </a:prstGeom>
         </p:spPr>
         <p:txBody>
-          <a:bodyPr anchorCtr="0" anchor="t" bIns="91425" lIns="91425" spcFirstLastPara="1" rIns="91425" wrap="square" tIns="91425">
+          <a:bodyPr spcFirstLastPara="1" wrap="square" lIns="91425" tIns="91425" rIns="91425" bIns="91425" anchor="t" anchorCtr="0">
             <a:noAutofit/>
           </a:bodyPr>
           <a:lstStyle/>
           <a:p>
-            <a:pPr indent="0" lvl="0" marL="0" rtl="0" algn="l">
+            <a:pPr marL="0" lvl="0" indent="0" algn="l" rtl="0">
               <a:spcBef>
                 <a:spcPts val="0"/>
               </a:spcBef>
@@ -1052,9 +1084,6 @@
               </a:spcAft>
               <a:buNone/>
             </a:pPr>
-            <a:r>
-              <a:t/>
-            </a:r>
             <a:endParaRPr/>
           </a:p>
         </p:txBody>
@@ -1062,9 +1091,11 @@
       <p:sp>
         <p:nvSpPr>
           <p:cNvPr id="136" name="Google Shape;136;g3b064fd6dc3_0_1:notes"/>
-          <p:cNvSpPr/>
+          <p:cNvSpPr>
+            <a:spLocks noGrp="1" noRot="1" noChangeAspect="1"/>
+          </p:cNvSpPr>
           <p:nvPr>
-            <p:ph idx="2" type="sldImg"/>
+            <p:ph type="sldImg" idx="2"/>
           </p:nvPr>
         </p:nvSpPr>
         <p:spPr>
@@ -1073,9 +1104,13 @@
             <a:ext cx="4572300" cy="3429000"/>
           </a:xfrm>
           <a:custGeom>
-            <a:rect b="b" l="l" r="r" t="t"/>
+            <a:avLst/>
+            <a:gdLst/>
+            <a:ahLst/>
+            <a:cxnLst/>
+            <a:rect l="l" t="t" r="r" b="b"/>
             <a:pathLst>
-              <a:path extrusionOk="0" h="120000" w="120000">
+              <a:path w="120000" h="120000" extrusionOk="0">
                 <a:moveTo>
                   <a:pt x="0" y="0"/>
                 </a:moveTo>
@@ -1103,11 +1138,11 @@
 </file>
 
 <file path=ppt/notesSlides/notesSlide5.xml><?xml version="1.0" encoding="utf-8"?>
-<p:notes xmlns:a="http://schemas.openxmlformats.org/drawingml/2006/main" xmlns:r="http://schemas.openxmlformats.org/officeDocument/2006/relationships" xmlns:mc="http://schemas.openxmlformats.org/markup-compatibility/2006" xmlns:mv="urn:schemas-microsoft-com:mac:vml" xmlns:p="http://schemas.openxmlformats.org/presentationml/2006/main" xmlns:c="http://schemas.openxmlformats.org/drawingml/2006/chart" xmlns:dgm="http://schemas.openxmlformats.org/drawingml/2006/diagram" xmlns:o="urn:schemas-microsoft-com:office:office" xmlns:v="urn:schemas-microsoft-com:vml" xmlns:pvml="urn:schemas-microsoft-com:office:powerpoint" xmlns:com="http://schemas.openxmlformats.org/drawingml/2006/compatibility" xmlns:p14="http://schemas.microsoft.com/office/powerpoint/2010/main" xmlns:p15="http://schemas.microsoft.com/office/powerpoint/2012/main" xmlns:ahyp="http://schemas.microsoft.com/office/drawing/2018/hyperlinkcolor" showMasterPhAnim="0" showMasterSp="0">
+<p:notes xmlns:a="http://schemas.openxmlformats.org/drawingml/2006/main" xmlns:r="http://schemas.openxmlformats.org/officeDocument/2006/relationships" xmlns:p="http://schemas.openxmlformats.org/presentationml/2006/main" showMasterSp="0" showMasterPhAnim="0">
   <p:cSld>
     <p:spTree>
       <p:nvGrpSpPr>
-        <p:cNvPr id="145" name="Shape 145"/>
+        <p:cNvPr id="1" name="Shape 145"/>
         <p:cNvGrpSpPr/>
         <p:nvPr/>
       </p:nvGrpSpPr>
@@ -1122,9 +1157,11 @@
       <p:sp>
         <p:nvSpPr>
           <p:cNvPr id="146" name="Google Shape;146;p4:notes"/>
-          <p:cNvSpPr txBox="1"/>
+          <p:cNvSpPr txBox="1">
+            <a:spLocks noGrp="1"/>
+          </p:cNvSpPr>
           <p:nvPr>
-            <p:ph idx="1" type="body"/>
+            <p:ph type="body" idx="1"/>
           </p:nvPr>
         </p:nvSpPr>
         <p:spPr>
@@ -1137,12 +1174,12 @@
           </a:prstGeom>
         </p:spPr>
         <p:txBody>
-          <a:bodyPr anchorCtr="0" anchor="t" bIns="91425" lIns="91425" spcFirstLastPara="1" rIns="91425" wrap="square" tIns="91425">
+          <a:bodyPr spcFirstLastPara="1" wrap="square" lIns="91425" tIns="91425" rIns="91425" bIns="91425" anchor="t" anchorCtr="0">
             <a:noAutofit/>
           </a:bodyPr>
           <a:lstStyle/>
           <a:p>
-            <a:pPr indent="0" lvl="0" marL="0" rtl="0" algn="l">
+            <a:pPr marL="0" lvl="0" indent="0" algn="l" rtl="0">
               <a:spcBef>
                 <a:spcPts val="0"/>
               </a:spcBef>
@@ -1151,9 +1188,6 @@
               </a:spcAft>
               <a:buNone/>
             </a:pPr>
-            <a:r>
-              <a:t/>
-            </a:r>
             <a:endParaRPr/>
           </a:p>
         </p:txBody>
@@ -1161,9 +1195,11 @@
       <p:sp>
         <p:nvSpPr>
           <p:cNvPr id="147" name="Google Shape;147;p4:notes"/>
-          <p:cNvSpPr/>
+          <p:cNvSpPr>
+            <a:spLocks noGrp="1" noRot="1" noChangeAspect="1"/>
+          </p:cNvSpPr>
           <p:nvPr>
-            <p:ph idx="2" type="sldImg"/>
+            <p:ph type="sldImg" idx="2"/>
           </p:nvPr>
         </p:nvSpPr>
         <p:spPr>
@@ -1172,9 +1208,13 @@
             <a:ext cx="4572225" cy="3429000"/>
           </a:xfrm>
           <a:custGeom>
-            <a:rect b="b" l="l" r="r" t="t"/>
+            <a:avLst/>
+            <a:gdLst/>
+            <a:ahLst/>
+            <a:cxnLst/>
+            <a:rect l="l" t="t" r="r" b="b"/>
             <a:pathLst>
-              <a:path extrusionOk="0" h="120000" w="120000">
+              <a:path w="120000" h="120000" extrusionOk="0">
                 <a:moveTo>
                   <a:pt x="0" y="0"/>
                 </a:moveTo>
@@ -1202,11 +1242,11 @@
 </file>
 
 <file path=ppt/notesSlides/notesSlide6.xml><?xml version="1.0" encoding="utf-8"?>
-<p:notes xmlns:a="http://schemas.openxmlformats.org/drawingml/2006/main" xmlns:r="http://schemas.openxmlformats.org/officeDocument/2006/relationships" xmlns:mc="http://schemas.openxmlformats.org/markup-compatibility/2006" xmlns:mv="urn:schemas-microsoft-com:mac:vml" xmlns:p="http://schemas.openxmlformats.org/presentationml/2006/main" xmlns:c="http://schemas.openxmlformats.org/drawingml/2006/chart" xmlns:dgm="http://schemas.openxmlformats.org/drawingml/2006/diagram" xmlns:o="urn:schemas-microsoft-com:office:office" xmlns:v="urn:schemas-microsoft-com:vml" xmlns:pvml="urn:schemas-microsoft-com:office:powerpoint" xmlns:com="http://schemas.openxmlformats.org/drawingml/2006/compatibility" xmlns:p14="http://schemas.microsoft.com/office/powerpoint/2010/main" xmlns:p15="http://schemas.microsoft.com/office/powerpoint/2012/main" xmlns:ahyp="http://schemas.microsoft.com/office/drawing/2018/hyperlinkcolor" showMasterPhAnim="0" showMasterSp="0">
+<p:notes xmlns:a="http://schemas.openxmlformats.org/drawingml/2006/main" xmlns:r="http://schemas.openxmlformats.org/officeDocument/2006/relationships" xmlns:p="http://schemas.openxmlformats.org/presentationml/2006/main" showMasterSp="0" showMasterPhAnim="0">
   <p:cSld>
     <p:spTree>
       <p:nvGrpSpPr>
-        <p:cNvPr id="164" name="Shape 164"/>
+        <p:cNvPr id="1" name="Shape 164"/>
         <p:cNvGrpSpPr/>
         <p:nvPr/>
       </p:nvGrpSpPr>
@@ -1221,9 +1261,11 @@
       <p:sp>
         <p:nvSpPr>
           <p:cNvPr id="165" name="Google Shape;165;p5:notes"/>
-          <p:cNvSpPr txBox="1"/>
+          <p:cNvSpPr txBox="1">
+            <a:spLocks noGrp="1"/>
+          </p:cNvSpPr>
           <p:nvPr>
-            <p:ph idx="1" type="body"/>
+            <p:ph type="body" idx="1"/>
           </p:nvPr>
         </p:nvSpPr>
         <p:spPr>
@@ -1236,12 +1278,12 @@
           </a:prstGeom>
         </p:spPr>
         <p:txBody>
-          <a:bodyPr anchorCtr="0" anchor="t" bIns="91425" lIns="91425" spcFirstLastPara="1" rIns="91425" wrap="square" tIns="91425">
+          <a:bodyPr spcFirstLastPara="1" wrap="square" lIns="91425" tIns="91425" rIns="91425" bIns="91425" anchor="t" anchorCtr="0">
             <a:noAutofit/>
           </a:bodyPr>
           <a:lstStyle/>
           <a:p>
-            <a:pPr indent="0" lvl="0" marL="0" rtl="0" algn="l">
+            <a:pPr marL="0" lvl="0" indent="0" algn="l" rtl="0">
               <a:spcBef>
                 <a:spcPts val="0"/>
               </a:spcBef>
@@ -1250,9 +1292,6 @@
               </a:spcAft>
               <a:buNone/>
             </a:pPr>
-            <a:r>
-              <a:t/>
-            </a:r>
             <a:endParaRPr/>
           </a:p>
         </p:txBody>
@@ -1260,9 +1299,11 @@
       <p:sp>
         <p:nvSpPr>
           <p:cNvPr id="166" name="Google Shape;166;p5:notes"/>
-          <p:cNvSpPr/>
+          <p:cNvSpPr>
+            <a:spLocks noGrp="1" noRot="1" noChangeAspect="1"/>
+          </p:cNvSpPr>
           <p:nvPr>
-            <p:ph idx="2" type="sldImg"/>
+            <p:ph type="sldImg" idx="2"/>
           </p:nvPr>
         </p:nvSpPr>
         <p:spPr>
@@ -1271,9 +1312,13 @@
             <a:ext cx="4572225" cy="3429000"/>
           </a:xfrm>
           <a:custGeom>
-            <a:rect b="b" l="l" r="r" t="t"/>
+            <a:avLst/>
+            <a:gdLst/>
+            <a:ahLst/>
+            <a:cxnLst/>
+            <a:rect l="l" t="t" r="r" b="b"/>
             <a:pathLst>
-              <a:path extrusionOk="0" h="120000" w="120000">
+              <a:path w="120000" h="120000" extrusionOk="0">
                 <a:moveTo>
                   <a:pt x="0" y="0"/>
                 </a:moveTo>
@@ -1301,11 +1346,11 @@
 </file>
 
 <file path=ppt/notesSlides/notesSlide7.xml><?xml version="1.0" encoding="utf-8"?>
-<p:notes xmlns:a="http://schemas.openxmlformats.org/drawingml/2006/main" xmlns:r="http://schemas.openxmlformats.org/officeDocument/2006/relationships" xmlns:mc="http://schemas.openxmlformats.org/markup-compatibility/2006" xmlns:mv="urn:schemas-microsoft-com:mac:vml" xmlns:p="http://schemas.openxmlformats.org/presentationml/2006/main" xmlns:c="http://schemas.openxmlformats.org/drawingml/2006/chart" xmlns:dgm="http://schemas.openxmlformats.org/drawingml/2006/diagram" xmlns:o="urn:schemas-microsoft-com:office:office" xmlns:v="urn:schemas-microsoft-com:vml" xmlns:pvml="urn:schemas-microsoft-com:office:powerpoint" xmlns:com="http://schemas.openxmlformats.org/drawingml/2006/compatibility" xmlns:p14="http://schemas.microsoft.com/office/powerpoint/2010/main" xmlns:p15="http://schemas.microsoft.com/office/powerpoint/2012/main" xmlns:ahyp="http://schemas.microsoft.com/office/drawing/2018/hyperlinkcolor" showMasterPhAnim="0" showMasterSp="0">
+<p:notes xmlns:a="http://schemas.openxmlformats.org/drawingml/2006/main" xmlns:r="http://schemas.openxmlformats.org/officeDocument/2006/relationships" xmlns:p="http://schemas.openxmlformats.org/presentationml/2006/main" showMasterSp="0" showMasterPhAnim="0">
   <p:cSld>
     <p:spTree>
       <p:nvGrpSpPr>
-        <p:cNvPr id="184" name="Shape 184"/>
+        <p:cNvPr id="1" name="Shape 184"/>
         <p:cNvGrpSpPr/>
         <p:nvPr/>
       </p:nvGrpSpPr>
@@ -1320,9 +1365,11 @@
       <p:sp>
         <p:nvSpPr>
           <p:cNvPr id="185" name="Google Shape;185;p6:notes"/>
-          <p:cNvSpPr txBox="1"/>
+          <p:cNvSpPr txBox="1">
+            <a:spLocks noGrp="1"/>
+          </p:cNvSpPr>
           <p:nvPr>
-            <p:ph idx="1" type="body"/>
+            <p:ph type="body" idx="1"/>
           </p:nvPr>
         </p:nvSpPr>
         <p:spPr>
@@ -1335,12 +1382,12 @@
           </a:prstGeom>
         </p:spPr>
         <p:txBody>
-          <a:bodyPr anchorCtr="0" anchor="t" bIns="91425" lIns="91425" spcFirstLastPara="1" rIns="91425" wrap="square" tIns="91425">
+          <a:bodyPr spcFirstLastPara="1" wrap="square" lIns="91425" tIns="91425" rIns="91425" bIns="91425" anchor="t" anchorCtr="0">
             <a:noAutofit/>
           </a:bodyPr>
           <a:lstStyle/>
           <a:p>
-            <a:pPr indent="0" lvl="0" marL="0" rtl="0" algn="l">
+            <a:pPr marL="0" lvl="0" indent="0" algn="l" rtl="0">
               <a:spcBef>
                 <a:spcPts val="0"/>
               </a:spcBef>
@@ -1349,30 +1396,33 @@
               </a:spcAft>
               <a:buNone/>
             </a:pPr>
-            <a:r>
-              <a:t/>
-            </a:r>
-            <a:endParaRPr/>
+            <a:endParaRPr dirty="0"/>
           </a:p>
         </p:txBody>
       </p:sp>
       <p:sp>
         <p:nvSpPr>
           <p:cNvPr id="186" name="Google Shape;186;p6:notes"/>
-          <p:cNvSpPr/>
+          <p:cNvSpPr>
+            <a:spLocks noGrp="1" noRot="1" noChangeAspect="1"/>
+          </p:cNvSpPr>
           <p:nvPr>
-            <p:ph idx="2" type="sldImg"/>
+            <p:ph type="sldImg" idx="2"/>
           </p:nvPr>
         </p:nvSpPr>
         <p:spPr>
           <a:xfrm>
-            <a:off x="1143225" y="685800"/>
-            <a:ext cx="4572225" cy="3429000"/>
+            <a:off x="381000" y="685800"/>
+            <a:ext cx="6096000" cy="3429000"/>
           </a:xfrm>
           <a:custGeom>
-            <a:rect b="b" l="l" r="r" t="t"/>
+            <a:avLst/>
+            <a:gdLst/>
+            <a:ahLst/>
+            <a:cxnLst/>
+            <a:rect l="l" t="t" r="r" b="b"/>
             <a:pathLst>
-              <a:path extrusionOk="0" h="120000" w="120000">
+              <a:path w="120000" h="120000" extrusionOk="0">
                 <a:moveTo>
                   <a:pt x="0" y="0"/>
                 </a:moveTo>
@@ -1400,11 +1450,11 @@
 </file>
 
 <file path=ppt/notesSlides/notesSlide8.xml><?xml version="1.0" encoding="utf-8"?>
-<p:notes xmlns:a="http://schemas.openxmlformats.org/drawingml/2006/main" xmlns:r="http://schemas.openxmlformats.org/officeDocument/2006/relationships" xmlns:mc="http://schemas.openxmlformats.org/markup-compatibility/2006" xmlns:mv="urn:schemas-microsoft-com:mac:vml" xmlns:p="http://schemas.openxmlformats.org/presentationml/2006/main" xmlns:c="http://schemas.openxmlformats.org/drawingml/2006/chart" xmlns:dgm="http://schemas.openxmlformats.org/drawingml/2006/diagram" xmlns:o="urn:schemas-microsoft-com:office:office" xmlns:v="urn:schemas-microsoft-com:vml" xmlns:pvml="urn:schemas-microsoft-com:office:powerpoint" xmlns:com="http://schemas.openxmlformats.org/drawingml/2006/compatibility" xmlns:p14="http://schemas.microsoft.com/office/powerpoint/2010/main" xmlns:p15="http://schemas.microsoft.com/office/powerpoint/2012/main" xmlns:ahyp="http://schemas.microsoft.com/office/drawing/2018/hyperlinkcolor" showMasterPhAnim="0" showMasterSp="0">
+<p:notes xmlns:a="http://schemas.openxmlformats.org/drawingml/2006/main" xmlns:r="http://schemas.openxmlformats.org/officeDocument/2006/relationships" xmlns:p="http://schemas.openxmlformats.org/presentationml/2006/main" showMasterSp="0" showMasterPhAnim="0">
   <p:cSld>
     <p:spTree>
       <p:nvGrpSpPr>
-        <p:cNvPr id="201" name="Shape 201"/>
+        <p:cNvPr id="1" name="Shape 201"/>
         <p:cNvGrpSpPr/>
         <p:nvPr/>
       </p:nvGrpSpPr>
@@ -1419,9 +1469,11 @@
       <p:sp>
         <p:nvSpPr>
           <p:cNvPr id="202" name="Google Shape;202;p7:notes"/>
-          <p:cNvSpPr txBox="1"/>
+          <p:cNvSpPr txBox="1">
+            <a:spLocks noGrp="1"/>
+          </p:cNvSpPr>
           <p:nvPr>
-            <p:ph idx="1" type="body"/>
+            <p:ph type="body" idx="1"/>
           </p:nvPr>
         </p:nvSpPr>
         <p:spPr>
@@ -1434,12 +1486,12 @@
           </a:prstGeom>
         </p:spPr>
         <p:txBody>
-          <a:bodyPr anchorCtr="0" anchor="t" bIns="91425" lIns="91425" spcFirstLastPara="1" rIns="91425" wrap="square" tIns="91425">
+          <a:bodyPr spcFirstLastPara="1" wrap="square" lIns="91425" tIns="91425" rIns="91425" bIns="91425" anchor="t" anchorCtr="0">
             <a:noAutofit/>
           </a:bodyPr>
           <a:lstStyle/>
           <a:p>
-            <a:pPr indent="0" lvl="0" marL="0" rtl="0" algn="l">
+            <a:pPr marL="0" lvl="0" indent="0" algn="l" rtl="0">
               <a:spcBef>
                 <a:spcPts val="0"/>
               </a:spcBef>
@@ -1448,9 +1500,6 @@
               </a:spcAft>
               <a:buNone/>
             </a:pPr>
-            <a:r>
-              <a:t/>
-            </a:r>
             <a:endParaRPr/>
           </a:p>
         </p:txBody>
@@ -1458,9 +1507,11 @@
       <p:sp>
         <p:nvSpPr>
           <p:cNvPr id="203" name="Google Shape;203;p7:notes"/>
-          <p:cNvSpPr/>
+          <p:cNvSpPr>
+            <a:spLocks noGrp="1" noRot="1" noChangeAspect="1"/>
+          </p:cNvSpPr>
           <p:nvPr>
-            <p:ph idx="2" type="sldImg"/>
+            <p:ph type="sldImg" idx="2"/>
           </p:nvPr>
         </p:nvSpPr>
         <p:spPr>
@@ -1469,9 +1520,13 @@
             <a:ext cx="4572225" cy="3429000"/>
           </a:xfrm>
           <a:custGeom>
-            <a:rect b="b" l="l" r="r" t="t"/>
+            <a:avLst/>
+            <a:gdLst/>
+            <a:ahLst/>
+            <a:cxnLst/>
+            <a:rect l="l" t="t" r="r" b="b"/>
             <a:pathLst>
-              <a:path extrusionOk="0" h="120000" w="120000">
+              <a:path w="120000" h="120000" extrusionOk="0">
                 <a:moveTo>
                   <a:pt x="0" y="0"/>
                 </a:moveTo>
@@ -1499,11 +1554,11 @@
 </file>
 
 <file path=ppt/notesSlides/notesSlide9.xml><?xml version="1.0" encoding="utf-8"?>
-<p:notes xmlns:a="http://schemas.openxmlformats.org/drawingml/2006/main" xmlns:r="http://schemas.openxmlformats.org/officeDocument/2006/relationships" xmlns:mc="http://schemas.openxmlformats.org/markup-compatibility/2006" xmlns:mv="urn:schemas-microsoft-com:mac:vml" xmlns:p="http://schemas.openxmlformats.org/presentationml/2006/main" xmlns:c="http://schemas.openxmlformats.org/drawingml/2006/chart" xmlns:dgm="http://schemas.openxmlformats.org/drawingml/2006/diagram" xmlns:o="urn:schemas-microsoft-com:office:office" xmlns:v="urn:schemas-microsoft-com:vml" xmlns:pvml="urn:schemas-microsoft-com:office:powerpoint" xmlns:com="http://schemas.openxmlformats.org/drawingml/2006/compatibility" xmlns:p14="http://schemas.microsoft.com/office/powerpoint/2010/main" xmlns:p15="http://schemas.microsoft.com/office/powerpoint/2012/main" xmlns:ahyp="http://schemas.microsoft.com/office/drawing/2018/hyperlinkcolor" showMasterPhAnim="0" showMasterSp="0">
+<p:notes xmlns:a="http://schemas.openxmlformats.org/drawingml/2006/main" xmlns:r="http://schemas.openxmlformats.org/officeDocument/2006/relationships" xmlns:p="http://schemas.openxmlformats.org/presentationml/2006/main" showMasterSp="0" showMasterPhAnim="0">
   <p:cSld>
     <p:spTree>
       <p:nvGrpSpPr>
-        <p:cNvPr id="223" name="Shape 223"/>
+        <p:cNvPr id="1" name="Shape 223"/>
         <p:cNvGrpSpPr/>
         <p:nvPr/>
       </p:nvGrpSpPr>
@@ -1518,9 +1573,11 @@
       <p:sp>
         <p:nvSpPr>
           <p:cNvPr id="224" name="Google Shape;224;p8:notes"/>
-          <p:cNvSpPr txBox="1"/>
+          <p:cNvSpPr txBox="1">
+            <a:spLocks noGrp="1"/>
+          </p:cNvSpPr>
           <p:nvPr>
-            <p:ph idx="1" type="body"/>
+            <p:ph type="body" idx="1"/>
           </p:nvPr>
         </p:nvSpPr>
         <p:spPr>
@@ -1533,12 +1590,12 @@
           </a:prstGeom>
         </p:spPr>
         <p:txBody>
-          <a:bodyPr anchorCtr="0" anchor="t" bIns="91425" lIns="91425" spcFirstLastPara="1" rIns="91425" wrap="square" tIns="91425">
+          <a:bodyPr spcFirstLastPara="1" wrap="square" lIns="91425" tIns="91425" rIns="91425" bIns="91425" anchor="t" anchorCtr="0">
             <a:noAutofit/>
           </a:bodyPr>
           <a:lstStyle/>
           <a:p>
-            <a:pPr indent="0" lvl="0" marL="0" rtl="0" algn="l">
+            <a:pPr marL="0" lvl="0" indent="0" algn="l" rtl="0">
               <a:spcBef>
                 <a:spcPts val="0"/>
               </a:spcBef>
@@ -1547,9 +1604,6 @@
               </a:spcAft>
               <a:buNone/>
             </a:pPr>
-            <a:r>
-              <a:t/>
-            </a:r>
             <a:endParaRPr/>
           </a:p>
         </p:txBody>
@@ -1557,20 +1611,26 @@
       <p:sp>
         <p:nvSpPr>
           <p:cNvPr id="225" name="Google Shape;225;p8:notes"/>
-          <p:cNvSpPr/>
+          <p:cNvSpPr>
+            <a:spLocks noGrp="1" noRot="1" noChangeAspect="1"/>
+          </p:cNvSpPr>
           <p:nvPr>
-            <p:ph idx="2" type="sldImg"/>
+            <p:ph type="sldImg" idx="2"/>
           </p:nvPr>
         </p:nvSpPr>
         <p:spPr>
           <a:xfrm>
-            <a:off x="1143225" y="685800"/>
-            <a:ext cx="4572225" cy="3429000"/>
+            <a:off x="381000" y="685800"/>
+            <a:ext cx="6096000" cy="3429000"/>
           </a:xfrm>
           <a:custGeom>
-            <a:rect b="b" l="l" r="r" t="t"/>
+            <a:avLst/>
+            <a:gdLst/>
+            <a:ahLst/>
+            <a:cxnLst/>
+            <a:rect l="l" t="t" r="r" b="b"/>
             <a:pathLst>
-              <a:path extrusionOk="0" h="120000" w="120000">
+              <a:path w="120000" h="120000" extrusionOk="0">
                 <a:moveTo>
                   <a:pt x="0" y="0"/>
                 </a:moveTo>
@@ -1598,11 +1658,11 @@
 </file>
 
 <file path=ppt/slideLayouts/slideLayout1.xml><?xml version="1.0" encoding="utf-8"?>
-<p:sldLayout xmlns:a="http://schemas.openxmlformats.org/drawingml/2006/main" xmlns:r="http://schemas.openxmlformats.org/officeDocument/2006/relationships" xmlns:mc="http://schemas.openxmlformats.org/markup-compatibility/2006" xmlns:mv="urn:schemas-microsoft-com:mac:vml" xmlns:p="http://schemas.openxmlformats.org/presentationml/2006/main" xmlns:c="http://schemas.openxmlformats.org/drawingml/2006/chart" xmlns:dgm="http://schemas.openxmlformats.org/drawingml/2006/diagram" xmlns:o="urn:schemas-microsoft-com:office:office" xmlns:v="urn:schemas-microsoft-com:vml" xmlns:pvml="urn:schemas-microsoft-com:office:powerpoint" xmlns:com="http://schemas.openxmlformats.org/drawingml/2006/compatibility" xmlns:p14="http://schemas.microsoft.com/office/powerpoint/2010/main" xmlns:p15="http://schemas.microsoft.com/office/powerpoint/2012/main" xmlns:ahyp="http://schemas.microsoft.com/office/drawing/2018/hyperlinkcolor" matchingName="Blank" type="blank">
+<p:sldLayout xmlns:a="http://schemas.openxmlformats.org/drawingml/2006/main" xmlns:r="http://schemas.openxmlformats.org/officeDocument/2006/relationships" xmlns:p="http://schemas.openxmlformats.org/presentationml/2006/main" matchingName="Blank" type="blank">
   <p:cSld name="BLANK">
     <p:spTree>
       <p:nvGrpSpPr>
-        <p:cNvPr id="11" name="Shape 11"/>
+        <p:cNvPr id="1" name="Shape 11"/>
         <p:cNvGrpSpPr/>
         <p:nvPr/>
       </p:nvGrpSpPr>
@@ -1617,9 +1677,11 @@
       <p:sp>
         <p:nvSpPr>
           <p:cNvPr id="12" name="Google Shape;12;p2"/>
-          <p:cNvSpPr txBox="1"/>
+          <p:cNvSpPr txBox="1">
+            <a:spLocks noGrp="1"/>
+          </p:cNvSpPr>
           <p:nvPr>
-            <p:ph idx="10" type="dt"/>
+            <p:ph type="dt" idx="10"/>
           </p:nvPr>
         </p:nvSpPr>
         <p:spPr>
@@ -1636,7 +1698,7 @@
           </a:ln>
         </p:spPr>
         <p:txBody>
-          <a:bodyPr anchorCtr="0" anchor="ctr" bIns="45700" lIns="91425" spcFirstLastPara="1" rIns="91425" wrap="square" tIns="45700">
+          <a:bodyPr spcFirstLastPara="1" wrap="square" lIns="91425" tIns="45700" rIns="91425" bIns="45700" anchor="ctr" anchorCtr="0">
             <a:noAutofit/>
           </a:bodyPr>
           <a:lstStyle>
@@ -1740,15 +1802,19 @@
               <a:defRPr/>
             </a:lvl9pPr>
           </a:lstStyle>
-          <a:p/>
+          <a:p>
+            <a:endParaRPr/>
+          </a:p>
         </p:txBody>
       </p:sp>
       <p:sp>
         <p:nvSpPr>
           <p:cNvPr id="13" name="Google Shape;13;p2"/>
-          <p:cNvSpPr txBox="1"/>
+          <p:cNvSpPr txBox="1">
+            <a:spLocks noGrp="1"/>
+          </p:cNvSpPr>
           <p:nvPr>
-            <p:ph idx="11" type="ftr"/>
+            <p:ph type="ftr" idx="11"/>
           </p:nvPr>
         </p:nvSpPr>
         <p:spPr>
@@ -1765,7 +1831,7 @@
           </a:ln>
         </p:spPr>
         <p:txBody>
-          <a:bodyPr anchorCtr="0" anchor="ctr" bIns="45700" lIns="91425" spcFirstLastPara="1" rIns="91425" wrap="square" tIns="45700">
+          <a:bodyPr spcFirstLastPara="1" wrap="square" lIns="91425" tIns="45700" rIns="91425" bIns="45700" anchor="ctr" anchorCtr="0">
             <a:noAutofit/>
           </a:bodyPr>
           <a:lstStyle>
@@ -1869,15 +1935,19 @@
               <a:defRPr/>
             </a:lvl9pPr>
           </a:lstStyle>
-          <a:p/>
+          <a:p>
+            <a:endParaRPr/>
+          </a:p>
         </p:txBody>
       </p:sp>
       <p:sp>
         <p:nvSpPr>
           <p:cNvPr id="14" name="Google Shape;14;p2"/>
-          <p:cNvSpPr txBox="1"/>
+          <p:cNvSpPr txBox="1">
+            <a:spLocks noGrp="1"/>
+          </p:cNvSpPr>
           <p:nvPr>
-            <p:ph idx="12" type="sldNum"/>
+            <p:ph type="sldNum" idx="12"/>
           </p:nvPr>
         </p:nvSpPr>
         <p:spPr>
@@ -1894,67 +1964,67 @@
           </a:ln>
         </p:spPr>
         <p:txBody>
-          <a:bodyPr anchorCtr="0" anchor="ctr" bIns="45700" lIns="91425" spcFirstLastPara="1" rIns="91425" wrap="square" tIns="45700">
+          <a:bodyPr spcFirstLastPara="1" wrap="square" lIns="91425" tIns="45700" rIns="91425" bIns="45700" anchor="ctr" anchorCtr="0">
             <a:noAutofit/>
           </a:bodyPr>
           <a:lstStyle>
-            <a:lvl1pPr indent="0" lvl="0" marL="0" algn="r">
+            <a:lvl1pPr marL="0" lvl="0" indent="0" algn="r">
               <a:spcBef>
                 <a:spcPts val="0"/>
               </a:spcBef>
               <a:buNone/>
               <a:defRPr/>
             </a:lvl1pPr>
-            <a:lvl2pPr indent="0" lvl="1" marL="0" algn="r">
+            <a:lvl2pPr marL="0" lvl="1" indent="0" algn="r">
               <a:spcBef>
                 <a:spcPts val="0"/>
               </a:spcBef>
               <a:buNone/>
               <a:defRPr/>
             </a:lvl2pPr>
-            <a:lvl3pPr indent="0" lvl="2" marL="0" algn="r">
+            <a:lvl3pPr marL="0" lvl="2" indent="0" algn="r">
               <a:spcBef>
                 <a:spcPts val="0"/>
               </a:spcBef>
               <a:buNone/>
               <a:defRPr/>
             </a:lvl3pPr>
-            <a:lvl4pPr indent="0" lvl="3" marL="0" algn="r">
+            <a:lvl4pPr marL="0" lvl="3" indent="0" algn="r">
               <a:spcBef>
                 <a:spcPts val="0"/>
               </a:spcBef>
               <a:buNone/>
               <a:defRPr/>
             </a:lvl4pPr>
-            <a:lvl5pPr indent="0" lvl="4" marL="0" algn="r">
+            <a:lvl5pPr marL="0" lvl="4" indent="0" algn="r">
               <a:spcBef>
                 <a:spcPts val="0"/>
               </a:spcBef>
               <a:buNone/>
               <a:defRPr/>
             </a:lvl5pPr>
-            <a:lvl6pPr indent="0" lvl="5" marL="0" algn="r">
+            <a:lvl6pPr marL="0" lvl="5" indent="0" algn="r">
               <a:spcBef>
                 <a:spcPts val="0"/>
               </a:spcBef>
               <a:buNone/>
               <a:defRPr/>
             </a:lvl6pPr>
-            <a:lvl7pPr indent="0" lvl="6" marL="0" algn="r">
+            <a:lvl7pPr marL="0" lvl="6" indent="0" algn="r">
               <a:spcBef>
                 <a:spcPts val="0"/>
               </a:spcBef>
               <a:buNone/>
               <a:defRPr/>
             </a:lvl7pPr>
-            <a:lvl8pPr indent="0" lvl="7" marL="0" algn="r">
+            <a:lvl8pPr marL="0" lvl="7" indent="0" algn="r">
               <a:spcBef>
                 <a:spcPts val="0"/>
               </a:spcBef>
               <a:buNone/>
               <a:defRPr/>
             </a:lvl8pPr>
-            <a:lvl9pPr indent="0" lvl="8" marL="0" algn="r">
+            <a:lvl9pPr marL="0" lvl="8" indent="0" algn="r">
               <a:spcBef>
                 <a:spcPts val="0"/>
               </a:spcBef>
@@ -1963,7 +2033,7 @@
             </a:lvl9pPr>
           </a:lstStyle>
           <a:p>
-            <a:pPr indent="0" lvl="0" marL="0" rtl="0" algn="r">
+            <a:pPr marL="0" lvl="0" indent="0" algn="r" rtl="0">
               <a:spcBef>
                 <a:spcPts val="0"/>
               </a:spcBef>
@@ -1989,11 +2059,11 @@
 </file>
 
 <file path=ppt/slideLayouts/slideLayout10.xml><?xml version="1.0" encoding="utf-8"?>
-<p:sldLayout xmlns:a="http://schemas.openxmlformats.org/drawingml/2006/main" xmlns:r="http://schemas.openxmlformats.org/officeDocument/2006/relationships" xmlns:mc="http://schemas.openxmlformats.org/markup-compatibility/2006" xmlns:mv="urn:schemas-microsoft-com:mac:vml" xmlns:p="http://schemas.openxmlformats.org/presentationml/2006/main" xmlns:c="http://schemas.openxmlformats.org/drawingml/2006/chart" xmlns:dgm="http://schemas.openxmlformats.org/drawingml/2006/diagram" xmlns:o="urn:schemas-microsoft-com:office:office" xmlns:v="urn:schemas-microsoft-com:vml" xmlns:pvml="urn:schemas-microsoft-com:office:powerpoint" xmlns:com="http://schemas.openxmlformats.org/drawingml/2006/compatibility" xmlns:p14="http://schemas.microsoft.com/office/powerpoint/2010/main" xmlns:p15="http://schemas.microsoft.com/office/powerpoint/2012/main" xmlns:ahyp="http://schemas.microsoft.com/office/drawing/2018/hyperlinkcolor" matchingName="Title and Vertical Text" type="vertTx">
+<p:sldLayout xmlns:a="http://schemas.openxmlformats.org/drawingml/2006/main" xmlns:r="http://schemas.openxmlformats.org/officeDocument/2006/relationships" xmlns:p="http://schemas.openxmlformats.org/presentationml/2006/main" matchingName="Title and Vertical Text" type="vertTx">
   <p:cSld name="VERTICAL_TEXT">
     <p:spTree>
       <p:nvGrpSpPr>
-        <p:cNvPr id="68" name="Shape 68"/>
+        <p:cNvPr id="1" name="Shape 68"/>
         <p:cNvGrpSpPr/>
         <p:nvPr/>
       </p:nvGrpSpPr>
@@ -2008,7 +2078,9 @@
       <p:sp>
         <p:nvSpPr>
           <p:cNvPr id="69" name="Google Shape;69;p11"/>
-          <p:cNvSpPr txBox="1"/>
+          <p:cNvSpPr txBox="1">
+            <a:spLocks noGrp="1"/>
+          </p:cNvSpPr>
           <p:nvPr>
             <p:ph type="title"/>
           </p:nvPr>
@@ -2027,7 +2099,7 @@
           </a:ln>
         </p:spPr>
         <p:txBody>
-          <a:bodyPr anchorCtr="0" anchor="ctr" bIns="45700" lIns="91425" spcFirstLastPara="1" rIns="91425" wrap="square" tIns="45700">
+          <a:bodyPr spcFirstLastPara="1" wrap="square" lIns="91425" tIns="45700" rIns="91425" bIns="45700" anchor="ctr" anchorCtr="0">
             <a:normAutofit/>
           </a:bodyPr>
           <a:lstStyle>
@@ -2134,15 +2206,19 @@
               <a:defRPr/>
             </a:lvl9pPr>
           </a:lstStyle>
-          <a:p/>
+          <a:p>
+            <a:endParaRPr/>
+          </a:p>
         </p:txBody>
       </p:sp>
       <p:sp>
         <p:nvSpPr>
           <p:cNvPr id="70" name="Google Shape;70;p11"/>
-          <p:cNvSpPr txBox="1"/>
+          <p:cNvSpPr txBox="1">
+            <a:spLocks noGrp="1"/>
+          </p:cNvSpPr>
           <p:nvPr>
-            <p:ph idx="1" type="body"/>
+            <p:ph type="body" idx="1"/>
           </p:nvPr>
         </p:nvSpPr>
         <p:spPr>
@@ -2159,11 +2235,11 @@
           </a:ln>
         </p:spPr>
         <p:txBody>
-          <a:bodyPr anchorCtr="0" anchor="t" bIns="45700" lIns="91425" spcFirstLastPara="1" rIns="91425" wrap="square" tIns="45700">
+          <a:bodyPr spcFirstLastPara="1" wrap="square" lIns="91425" tIns="45700" rIns="91425" bIns="45700" anchor="t" anchorCtr="0">
             <a:normAutofit/>
           </a:bodyPr>
           <a:lstStyle>
-            <a:lvl1pPr indent="-342900" lvl="0" marL="457200" algn="l">
+            <a:lvl1pPr marL="457200" lvl="0" indent="-342900" algn="l">
               <a:spcBef>
                 <a:spcPts val="360"/>
               </a:spcBef>
@@ -2177,7 +2253,7 @@
               <a:buChar char="•"/>
               <a:defRPr/>
             </a:lvl1pPr>
-            <a:lvl2pPr indent="-342900" lvl="1" marL="914400" algn="l">
+            <a:lvl2pPr marL="914400" lvl="1" indent="-342900" algn="l">
               <a:spcBef>
                 <a:spcPts val="360"/>
               </a:spcBef>
@@ -2191,7 +2267,7 @@
               <a:buChar char="–"/>
               <a:defRPr/>
             </a:lvl2pPr>
-            <a:lvl3pPr indent="-342900" lvl="2" marL="1371600" algn="l">
+            <a:lvl3pPr marL="1371600" lvl="2" indent="-342900" algn="l">
               <a:spcBef>
                 <a:spcPts val="360"/>
               </a:spcBef>
@@ -2205,7 +2281,7 @@
               <a:buChar char="•"/>
               <a:defRPr/>
             </a:lvl3pPr>
-            <a:lvl4pPr indent="-342900" lvl="3" marL="1828800" algn="l">
+            <a:lvl4pPr marL="1828800" lvl="3" indent="-342900" algn="l">
               <a:spcBef>
                 <a:spcPts val="360"/>
               </a:spcBef>
@@ -2219,7 +2295,7 @@
               <a:buChar char="–"/>
               <a:defRPr/>
             </a:lvl4pPr>
-            <a:lvl5pPr indent="-342900" lvl="4" marL="2286000" algn="l">
+            <a:lvl5pPr marL="2286000" lvl="4" indent="-342900" algn="l">
               <a:spcBef>
                 <a:spcPts val="360"/>
               </a:spcBef>
@@ -2233,7 +2309,7 @@
               <a:buChar char="»"/>
               <a:defRPr/>
             </a:lvl5pPr>
-            <a:lvl6pPr indent="-342900" lvl="5" marL="2743200" algn="l">
+            <a:lvl6pPr marL="2743200" lvl="5" indent="-342900" algn="l">
               <a:spcBef>
                 <a:spcPts val="360"/>
               </a:spcBef>
@@ -2247,7 +2323,7 @@
               <a:buChar char="•"/>
               <a:defRPr/>
             </a:lvl6pPr>
-            <a:lvl7pPr indent="-342900" lvl="6" marL="3200400" algn="l">
+            <a:lvl7pPr marL="3200400" lvl="6" indent="-342900" algn="l">
               <a:spcBef>
                 <a:spcPts val="360"/>
               </a:spcBef>
@@ -2261,7 +2337,7 @@
               <a:buChar char="•"/>
               <a:defRPr/>
             </a:lvl7pPr>
-            <a:lvl8pPr indent="-342900" lvl="7" marL="3657600" algn="l">
+            <a:lvl8pPr marL="3657600" lvl="7" indent="-342900" algn="l">
               <a:spcBef>
                 <a:spcPts val="360"/>
               </a:spcBef>
@@ -2275,7 +2351,7 @@
               <a:buChar char="•"/>
               <a:defRPr/>
             </a:lvl8pPr>
-            <a:lvl9pPr indent="-342900" lvl="8" marL="4114800" algn="l">
+            <a:lvl9pPr marL="4114800" lvl="8" indent="-342900" algn="l">
               <a:spcBef>
                 <a:spcPts val="360"/>
               </a:spcBef>
@@ -2290,15 +2366,19 @@
               <a:defRPr/>
             </a:lvl9pPr>
           </a:lstStyle>
-          <a:p/>
+          <a:p>
+            <a:endParaRPr/>
+          </a:p>
         </p:txBody>
       </p:sp>
       <p:sp>
         <p:nvSpPr>
           <p:cNvPr id="71" name="Google Shape;71;p11"/>
-          <p:cNvSpPr txBox="1"/>
+          <p:cNvSpPr txBox="1">
+            <a:spLocks noGrp="1"/>
+          </p:cNvSpPr>
           <p:nvPr>
-            <p:ph idx="10" type="dt"/>
+            <p:ph type="dt" idx="10"/>
           </p:nvPr>
         </p:nvSpPr>
         <p:spPr>
@@ -2315,7 +2395,7 @@
           </a:ln>
         </p:spPr>
         <p:txBody>
-          <a:bodyPr anchorCtr="0" anchor="ctr" bIns="45700" lIns="91425" spcFirstLastPara="1" rIns="91425" wrap="square" tIns="45700">
+          <a:bodyPr spcFirstLastPara="1" wrap="square" lIns="91425" tIns="45700" rIns="91425" bIns="45700" anchor="ctr" anchorCtr="0">
             <a:noAutofit/>
           </a:bodyPr>
           <a:lstStyle>
@@ -2419,15 +2499,19 @@
               <a:defRPr/>
             </a:lvl9pPr>
           </a:lstStyle>
-          <a:p/>
+          <a:p>
+            <a:endParaRPr/>
+          </a:p>
         </p:txBody>
       </p:sp>
       <p:sp>
         <p:nvSpPr>
           <p:cNvPr id="72" name="Google Shape;72;p11"/>
-          <p:cNvSpPr txBox="1"/>
+          <p:cNvSpPr txBox="1">
+            <a:spLocks noGrp="1"/>
+          </p:cNvSpPr>
           <p:nvPr>
-            <p:ph idx="11" type="ftr"/>
+            <p:ph type="ftr" idx="11"/>
           </p:nvPr>
         </p:nvSpPr>
         <p:spPr>
@@ -2444,7 +2528,7 @@
           </a:ln>
         </p:spPr>
         <p:txBody>
-          <a:bodyPr anchorCtr="0" anchor="ctr" bIns="45700" lIns="91425" spcFirstLastPara="1" rIns="91425" wrap="square" tIns="45700">
+          <a:bodyPr spcFirstLastPara="1" wrap="square" lIns="91425" tIns="45700" rIns="91425" bIns="45700" anchor="ctr" anchorCtr="0">
             <a:noAutofit/>
           </a:bodyPr>
           <a:lstStyle>
@@ -2548,15 +2632,19 @@
               <a:defRPr/>
             </a:lvl9pPr>
           </a:lstStyle>
-          <a:p/>
+          <a:p>
+            <a:endParaRPr/>
+          </a:p>
         </p:txBody>
       </p:sp>
       <p:sp>
         <p:nvSpPr>
           <p:cNvPr id="73" name="Google Shape;73;p11"/>
-          <p:cNvSpPr txBox="1"/>
+          <p:cNvSpPr txBox="1">
+            <a:spLocks noGrp="1"/>
+          </p:cNvSpPr>
           <p:nvPr>
-            <p:ph idx="12" type="sldNum"/>
+            <p:ph type="sldNum" idx="12"/>
           </p:nvPr>
         </p:nvSpPr>
         <p:spPr>
@@ -2573,67 +2661,67 @@
           </a:ln>
         </p:spPr>
         <p:txBody>
-          <a:bodyPr anchorCtr="0" anchor="ctr" bIns="45700" lIns="91425" spcFirstLastPara="1" rIns="91425" wrap="square" tIns="45700">
+          <a:bodyPr spcFirstLastPara="1" wrap="square" lIns="91425" tIns="45700" rIns="91425" bIns="45700" anchor="ctr" anchorCtr="0">
             <a:noAutofit/>
           </a:bodyPr>
           <a:lstStyle>
-            <a:lvl1pPr indent="0" lvl="0" marL="0" algn="r">
+            <a:lvl1pPr marL="0" lvl="0" indent="0" algn="r">
               <a:spcBef>
                 <a:spcPts val="0"/>
               </a:spcBef>
               <a:buNone/>
               <a:defRPr/>
             </a:lvl1pPr>
-            <a:lvl2pPr indent="0" lvl="1" marL="0" algn="r">
+            <a:lvl2pPr marL="0" lvl="1" indent="0" algn="r">
               <a:spcBef>
                 <a:spcPts val="0"/>
               </a:spcBef>
               <a:buNone/>
               <a:defRPr/>
             </a:lvl2pPr>
-            <a:lvl3pPr indent="0" lvl="2" marL="0" algn="r">
+            <a:lvl3pPr marL="0" lvl="2" indent="0" algn="r">
               <a:spcBef>
                 <a:spcPts val="0"/>
               </a:spcBef>
               <a:buNone/>
               <a:defRPr/>
             </a:lvl3pPr>
-            <a:lvl4pPr indent="0" lvl="3" marL="0" algn="r">
+            <a:lvl4pPr marL="0" lvl="3" indent="0" algn="r">
               <a:spcBef>
                 <a:spcPts val="0"/>
               </a:spcBef>
               <a:buNone/>
               <a:defRPr/>
             </a:lvl4pPr>
-            <a:lvl5pPr indent="0" lvl="4" marL="0" algn="r">
+            <a:lvl5pPr marL="0" lvl="4" indent="0" algn="r">
               <a:spcBef>
                 <a:spcPts val="0"/>
               </a:spcBef>
               <a:buNone/>
               <a:defRPr/>
             </a:lvl5pPr>
-            <a:lvl6pPr indent="0" lvl="5" marL="0" algn="r">
+            <a:lvl6pPr marL="0" lvl="5" indent="0" algn="r">
               <a:spcBef>
                 <a:spcPts val="0"/>
               </a:spcBef>
               <a:buNone/>
               <a:defRPr/>
             </a:lvl6pPr>
-            <a:lvl7pPr indent="0" lvl="6" marL="0" algn="r">
+            <a:lvl7pPr marL="0" lvl="6" indent="0" algn="r">
               <a:spcBef>
                 <a:spcPts val="0"/>
               </a:spcBef>
               <a:buNone/>
               <a:defRPr/>
             </a:lvl7pPr>
-            <a:lvl8pPr indent="0" lvl="7" marL="0" algn="r">
+            <a:lvl8pPr marL="0" lvl="7" indent="0" algn="r">
               <a:spcBef>
                 <a:spcPts val="0"/>
               </a:spcBef>
               <a:buNone/>
               <a:defRPr/>
             </a:lvl8pPr>
-            <a:lvl9pPr indent="0" lvl="8" marL="0" algn="r">
+            <a:lvl9pPr marL="0" lvl="8" indent="0" algn="r">
               <a:spcBef>
                 <a:spcPts val="0"/>
               </a:spcBef>
@@ -2642,7 +2730,7 @@
             </a:lvl9pPr>
           </a:lstStyle>
           <a:p>
-            <a:pPr indent="0" lvl="0" marL="0" rtl="0" algn="r">
+            <a:pPr marL="0" lvl="0" indent="0" algn="r" rtl="0">
               <a:spcBef>
                 <a:spcPts val="0"/>
               </a:spcBef>
@@ -2668,11 +2756,11 @@
 </file>
 
 <file path=ppt/slideLayouts/slideLayout11.xml><?xml version="1.0" encoding="utf-8"?>
-<p:sldLayout xmlns:a="http://schemas.openxmlformats.org/drawingml/2006/main" xmlns:r="http://schemas.openxmlformats.org/officeDocument/2006/relationships" xmlns:mc="http://schemas.openxmlformats.org/markup-compatibility/2006" xmlns:mv="urn:schemas-microsoft-com:mac:vml" xmlns:p="http://schemas.openxmlformats.org/presentationml/2006/main" xmlns:c="http://schemas.openxmlformats.org/drawingml/2006/chart" xmlns:dgm="http://schemas.openxmlformats.org/drawingml/2006/diagram" xmlns:o="urn:schemas-microsoft-com:office:office" xmlns:v="urn:schemas-microsoft-com:vml" xmlns:pvml="urn:schemas-microsoft-com:office:powerpoint" xmlns:com="http://schemas.openxmlformats.org/drawingml/2006/compatibility" xmlns:p14="http://schemas.microsoft.com/office/powerpoint/2010/main" xmlns:p15="http://schemas.microsoft.com/office/powerpoint/2012/main" xmlns:ahyp="http://schemas.microsoft.com/office/drawing/2018/hyperlinkcolor" matchingName="Vertical Title and Text" type="vertTitleAndTx">
+<p:sldLayout xmlns:a="http://schemas.openxmlformats.org/drawingml/2006/main" xmlns:r="http://schemas.openxmlformats.org/officeDocument/2006/relationships" xmlns:p="http://schemas.openxmlformats.org/presentationml/2006/main" matchingName="Vertical Title and Text" type="vertTitleAndTx">
   <p:cSld name="VERTICAL_TITLE_AND_VERTICAL_TEXT">
     <p:spTree>
       <p:nvGrpSpPr>
-        <p:cNvPr id="74" name="Shape 74"/>
+        <p:cNvPr id="1" name="Shape 74"/>
         <p:cNvGrpSpPr/>
         <p:nvPr/>
       </p:nvGrpSpPr>
@@ -2687,7 +2775,9 @@
       <p:sp>
         <p:nvSpPr>
           <p:cNvPr id="75" name="Google Shape;75;p12"/>
-          <p:cNvSpPr txBox="1"/>
+          <p:cNvSpPr txBox="1">
+            <a:spLocks noGrp="1"/>
+          </p:cNvSpPr>
           <p:nvPr>
             <p:ph type="title"/>
           </p:nvPr>
@@ -2706,7 +2796,7 @@
           </a:ln>
         </p:spPr>
         <p:txBody>
-          <a:bodyPr anchorCtr="0" anchor="ctr" bIns="45700" lIns="91425" spcFirstLastPara="1" rIns="91425" wrap="square" tIns="45700">
+          <a:bodyPr spcFirstLastPara="1" wrap="square" lIns="91425" tIns="45700" rIns="91425" bIns="45700" anchor="ctr" anchorCtr="0">
             <a:normAutofit/>
           </a:bodyPr>
           <a:lstStyle>
@@ -2813,15 +2903,19 @@
               <a:defRPr/>
             </a:lvl9pPr>
           </a:lstStyle>
-          <a:p/>
+          <a:p>
+            <a:endParaRPr/>
+          </a:p>
         </p:txBody>
       </p:sp>
       <p:sp>
         <p:nvSpPr>
           <p:cNvPr id="76" name="Google Shape;76;p12"/>
-          <p:cNvSpPr txBox="1"/>
+          <p:cNvSpPr txBox="1">
+            <a:spLocks noGrp="1"/>
+          </p:cNvSpPr>
           <p:nvPr>
-            <p:ph idx="1" type="body"/>
+            <p:ph type="body" idx="1"/>
           </p:nvPr>
         </p:nvSpPr>
         <p:spPr>
@@ -2838,11 +2932,11 @@
           </a:ln>
         </p:spPr>
         <p:txBody>
-          <a:bodyPr anchorCtr="0" anchor="t" bIns="45700" lIns="91425" spcFirstLastPara="1" rIns="91425" wrap="square" tIns="45700">
+          <a:bodyPr spcFirstLastPara="1" wrap="square" lIns="91425" tIns="45700" rIns="91425" bIns="45700" anchor="t" anchorCtr="0">
             <a:normAutofit/>
           </a:bodyPr>
           <a:lstStyle>
-            <a:lvl1pPr indent="-342900" lvl="0" marL="457200" algn="l">
+            <a:lvl1pPr marL="457200" lvl="0" indent="-342900" algn="l">
               <a:spcBef>
                 <a:spcPts val="360"/>
               </a:spcBef>
@@ -2856,7 +2950,7 @@
               <a:buChar char="•"/>
               <a:defRPr/>
             </a:lvl1pPr>
-            <a:lvl2pPr indent="-342900" lvl="1" marL="914400" algn="l">
+            <a:lvl2pPr marL="914400" lvl="1" indent="-342900" algn="l">
               <a:spcBef>
                 <a:spcPts val="360"/>
               </a:spcBef>
@@ -2870,7 +2964,7 @@
               <a:buChar char="–"/>
               <a:defRPr/>
             </a:lvl2pPr>
-            <a:lvl3pPr indent="-342900" lvl="2" marL="1371600" algn="l">
+            <a:lvl3pPr marL="1371600" lvl="2" indent="-342900" algn="l">
               <a:spcBef>
                 <a:spcPts val="360"/>
               </a:spcBef>
@@ -2884,7 +2978,7 @@
               <a:buChar char="•"/>
               <a:defRPr/>
             </a:lvl3pPr>
-            <a:lvl4pPr indent="-342900" lvl="3" marL="1828800" algn="l">
+            <a:lvl4pPr marL="1828800" lvl="3" indent="-342900" algn="l">
               <a:spcBef>
                 <a:spcPts val="360"/>
               </a:spcBef>
@@ -2898,7 +2992,7 @@
               <a:buChar char="–"/>
               <a:defRPr/>
             </a:lvl4pPr>
-            <a:lvl5pPr indent="-342900" lvl="4" marL="2286000" algn="l">
+            <a:lvl5pPr marL="2286000" lvl="4" indent="-342900" algn="l">
               <a:spcBef>
                 <a:spcPts val="360"/>
               </a:spcBef>
@@ -2912,7 +3006,7 @@
               <a:buChar char="»"/>
               <a:defRPr/>
             </a:lvl5pPr>
-            <a:lvl6pPr indent="-342900" lvl="5" marL="2743200" algn="l">
+            <a:lvl6pPr marL="2743200" lvl="5" indent="-342900" algn="l">
               <a:spcBef>
                 <a:spcPts val="360"/>
               </a:spcBef>
@@ -2926,7 +3020,7 @@
               <a:buChar char="•"/>
               <a:defRPr/>
             </a:lvl6pPr>
-            <a:lvl7pPr indent="-342900" lvl="6" marL="3200400" algn="l">
+            <a:lvl7pPr marL="3200400" lvl="6" indent="-342900" algn="l">
               <a:spcBef>
                 <a:spcPts val="360"/>
               </a:spcBef>
@@ -2940,7 +3034,7 @@
               <a:buChar char="•"/>
               <a:defRPr/>
             </a:lvl7pPr>
-            <a:lvl8pPr indent="-342900" lvl="7" marL="3657600" algn="l">
+            <a:lvl8pPr marL="3657600" lvl="7" indent="-342900" algn="l">
               <a:spcBef>
                 <a:spcPts val="360"/>
               </a:spcBef>
@@ -2954,7 +3048,7 @@
               <a:buChar char="•"/>
               <a:defRPr/>
             </a:lvl8pPr>
-            <a:lvl9pPr indent="-342900" lvl="8" marL="4114800" algn="l">
+            <a:lvl9pPr marL="4114800" lvl="8" indent="-342900" algn="l">
               <a:spcBef>
                 <a:spcPts val="360"/>
               </a:spcBef>
@@ -2969,15 +3063,19 @@
               <a:defRPr/>
             </a:lvl9pPr>
           </a:lstStyle>
-          <a:p/>
+          <a:p>
+            <a:endParaRPr/>
+          </a:p>
         </p:txBody>
       </p:sp>
       <p:sp>
         <p:nvSpPr>
           <p:cNvPr id="77" name="Google Shape;77;p12"/>
-          <p:cNvSpPr txBox="1"/>
+          <p:cNvSpPr txBox="1">
+            <a:spLocks noGrp="1"/>
+          </p:cNvSpPr>
           <p:nvPr>
-            <p:ph idx="10" type="dt"/>
+            <p:ph type="dt" idx="10"/>
           </p:nvPr>
         </p:nvSpPr>
         <p:spPr>
@@ -2994,7 +3092,7 @@
           </a:ln>
         </p:spPr>
         <p:txBody>
-          <a:bodyPr anchorCtr="0" anchor="ctr" bIns="45700" lIns="91425" spcFirstLastPara="1" rIns="91425" wrap="square" tIns="45700">
+          <a:bodyPr spcFirstLastPara="1" wrap="square" lIns="91425" tIns="45700" rIns="91425" bIns="45700" anchor="ctr" anchorCtr="0">
             <a:noAutofit/>
           </a:bodyPr>
           <a:lstStyle>
@@ -3098,15 +3196,19 @@
               <a:defRPr/>
             </a:lvl9pPr>
           </a:lstStyle>
-          <a:p/>
+          <a:p>
+            <a:endParaRPr/>
+          </a:p>
         </p:txBody>
       </p:sp>
       <p:sp>
         <p:nvSpPr>
           <p:cNvPr id="78" name="Google Shape;78;p12"/>
-          <p:cNvSpPr txBox="1"/>
+          <p:cNvSpPr txBox="1">
+            <a:spLocks noGrp="1"/>
+          </p:cNvSpPr>
           <p:nvPr>
-            <p:ph idx="11" type="ftr"/>
+            <p:ph type="ftr" idx="11"/>
           </p:nvPr>
         </p:nvSpPr>
         <p:spPr>
@@ -3123,7 +3225,7 @@
           </a:ln>
         </p:spPr>
         <p:txBody>
-          <a:bodyPr anchorCtr="0" anchor="ctr" bIns="45700" lIns="91425" spcFirstLastPara="1" rIns="91425" wrap="square" tIns="45700">
+          <a:bodyPr spcFirstLastPara="1" wrap="square" lIns="91425" tIns="45700" rIns="91425" bIns="45700" anchor="ctr" anchorCtr="0">
             <a:noAutofit/>
           </a:bodyPr>
           <a:lstStyle>
@@ -3227,15 +3329,19 @@
               <a:defRPr/>
             </a:lvl9pPr>
           </a:lstStyle>
-          <a:p/>
+          <a:p>
+            <a:endParaRPr/>
+          </a:p>
         </p:txBody>
       </p:sp>
       <p:sp>
         <p:nvSpPr>
           <p:cNvPr id="79" name="Google Shape;79;p12"/>
-          <p:cNvSpPr txBox="1"/>
+          <p:cNvSpPr txBox="1">
+            <a:spLocks noGrp="1"/>
+          </p:cNvSpPr>
           <p:nvPr>
-            <p:ph idx="12" type="sldNum"/>
+            <p:ph type="sldNum" idx="12"/>
           </p:nvPr>
         </p:nvSpPr>
         <p:spPr>
@@ -3252,67 +3358,67 @@
           </a:ln>
         </p:spPr>
         <p:txBody>
-          <a:bodyPr anchorCtr="0" anchor="ctr" bIns="45700" lIns="91425" spcFirstLastPara="1" rIns="91425" wrap="square" tIns="45700">
+          <a:bodyPr spcFirstLastPara="1" wrap="square" lIns="91425" tIns="45700" rIns="91425" bIns="45700" anchor="ctr" anchorCtr="0">
             <a:noAutofit/>
           </a:bodyPr>
           <a:lstStyle>
-            <a:lvl1pPr indent="0" lvl="0" marL="0" algn="r">
+            <a:lvl1pPr marL="0" lvl="0" indent="0" algn="r">
               <a:spcBef>
                 <a:spcPts val="0"/>
               </a:spcBef>
               <a:buNone/>
               <a:defRPr/>
             </a:lvl1pPr>
-            <a:lvl2pPr indent="0" lvl="1" marL="0" algn="r">
+            <a:lvl2pPr marL="0" lvl="1" indent="0" algn="r">
               <a:spcBef>
                 <a:spcPts val="0"/>
               </a:spcBef>
               <a:buNone/>
               <a:defRPr/>
             </a:lvl2pPr>
-            <a:lvl3pPr indent="0" lvl="2" marL="0" algn="r">
+            <a:lvl3pPr marL="0" lvl="2" indent="0" algn="r">
               <a:spcBef>
                 <a:spcPts val="0"/>
               </a:spcBef>
               <a:buNone/>
               <a:defRPr/>
             </a:lvl3pPr>
-            <a:lvl4pPr indent="0" lvl="3" marL="0" algn="r">
+            <a:lvl4pPr marL="0" lvl="3" indent="0" algn="r">
               <a:spcBef>
                 <a:spcPts val="0"/>
               </a:spcBef>
               <a:buNone/>
               <a:defRPr/>
             </a:lvl4pPr>
-            <a:lvl5pPr indent="0" lvl="4" marL="0" algn="r">
+            <a:lvl5pPr marL="0" lvl="4" indent="0" algn="r">
               <a:spcBef>
                 <a:spcPts val="0"/>
               </a:spcBef>
               <a:buNone/>
               <a:defRPr/>
             </a:lvl5pPr>
-            <a:lvl6pPr indent="0" lvl="5" marL="0" algn="r">
+            <a:lvl6pPr marL="0" lvl="5" indent="0" algn="r">
               <a:spcBef>
                 <a:spcPts val="0"/>
               </a:spcBef>
               <a:buNone/>
               <a:defRPr/>
             </a:lvl6pPr>
-            <a:lvl7pPr indent="0" lvl="6" marL="0" algn="r">
+            <a:lvl7pPr marL="0" lvl="6" indent="0" algn="r">
               <a:spcBef>
                 <a:spcPts val="0"/>
               </a:spcBef>
               <a:buNone/>
               <a:defRPr/>
             </a:lvl7pPr>
-            <a:lvl8pPr indent="0" lvl="7" marL="0" algn="r">
+            <a:lvl8pPr marL="0" lvl="7" indent="0" algn="r">
               <a:spcBef>
                 <a:spcPts val="0"/>
               </a:spcBef>
               <a:buNone/>
               <a:defRPr/>
             </a:lvl8pPr>
-            <a:lvl9pPr indent="0" lvl="8" marL="0" algn="r">
+            <a:lvl9pPr marL="0" lvl="8" indent="0" algn="r">
               <a:spcBef>
                 <a:spcPts val="0"/>
               </a:spcBef>
@@ -3321,7 +3427,7 @@
             </a:lvl9pPr>
           </a:lstStyle>
           <a:p>
-            <a:pPr indent="0" lvl="0" marL="0" rtl="0" algn="r">
+            <a:pPr marL="0" lvl="0" indent="0" algn="r" rtl="0">
               <a:spcBef>
                 <a:spcPts val="0"/>
               </a:spcBef>
@@ -3347,11 +3453,11 @@
 </file>
 
 <file path=ppt/slideLayouts/slideLayout2.xml><?xml version="1.0" encoding="utf-8"?>
-<p:sldLayout xmlns:a="http://schemas.openxmlformats.org/drawingml/2006/main" xmlns:r="http://schemas.openxmlformats.org/officeDocument/2006/relationships" xmlns:mc="http://schemas.openxmlformats.org/markup-compatibility/2006" xmlns:mv="urn:schemas-microsoft-com:mac:vml" xmlns:p="http://schemas.openxmlformats.org/presentationml/2006/main" xmlns:c="http://schemas.openxmlformats.org/drawingml/2006/chart" xmlns:dgm="http://schemas.openxmlformats.org/drawingml/2006/diagram" xmlns:o="urn:schemas-microsoft-com:office:office" xmlns:v="urn:schemas-microsoft-com:vml" xmlns:pvml="urn:schemas-microsoft-com:office:powerpoint" xmlns:com="http://schemas.openxmlformats.org/drawingml/2006/compatibility" xmlns:p14="http://schemas.microsoft.com/office/powerpoint/2010/main" xmlns:p15="http://schemas.microsoft.com/office/powerpoint/2012/main" xmlns:ahyp="http://schemas.microsoft.com/office/drawing/2018/hyperlinkcolor" matchingName="Title Slide" type="title">
+<p:sldLayout xmlns:a="http://schemas.openxmlformats.org/drawingml/2006/main" xmlns:r="http://schemas.openxmlformats.org/officeDocument/2006/relationships" xmlns:p="http://schemas.openxmlformats.org/presentationml/2006/main" matchingName="Title Slide" type="title">
   <p:cSld name="TITLE">
     <p:spTree>
       <p:nvGrpSpPr>
-        <p:cNvPr id="15" name="Shape 15"/>
+        <p:cNvPr id="1" name="Shape 15"/>
         <p:cNvGrpSpPr/>
         <p:nvPr/>
       </p:nvGrpSpPr>
@@ -3366,7 +3472,9 @@
       <p:sp>
         <p:nvSpPr>
           <p:cNvPr id="16" name="Google Shape;16;p3"/>
-          <p:cNvSpPr txBox="1"/>
+          <p:cNvSpPr txBox="1">
+            <a:spLocks noGrp="1"/>
+          </p:cNvSpPr>
           <p:nvPr>
             <p:ph type="ctrTitle"/>
           </p:nvPr>
@@ -3385,7 +3493,7 @@
           </a:ln>
         </p:spPr>
         <p:txBody>
-          <a:bodyPr anchorCtr="0" anchor="ctr" bIns="45700" lIns="91425" spcFirstLastPara="1" rIns="91425" wrap="square" tIns="45700">
+          <a:bodyPr spcFirstLastPara="1" wrap="square" lIns="91425" tIns="45700" rIns="91425" bIns="45700" anchor="ctr" anchorCtr="0">
             <a:normAutofit/>
           </a:bodyPr>
           <a:lstStyle>
@@ -3492,15 +3600,19 @@
               <a:defRPr/>
             </a:lvl9pPr>
           </a:lstStyle>
-          <a:p/>
+          <a:p>
+            <a:endParaRPr/>
+          </a:p>
         </p:txBody>
       </p:sp>
       <p:sp>
         <p:nvSpPr>
           <p:cNvPr id="17" name="Google Shape;17;p3"/>
-          <p:cNvSpPr txBox="1"/>
+          <p:cNvSpPr txBox="1">
+            <a:spLocks noGrp="1"/>
+          </p:cNvSpPr>
           <p:nvPr>
-            <p:ph idx="1" type="subTitle"/>
+            <p:ph type="subTitle" idx="1"/>
           </p:nvPr>
         </p:nvSpPr>
         <p:spPr>
@@ -3517,7 +3629,7 @@
           </a:ln>
         </p:spPr>
         <p:txBody>
-          <a:bodyPr anchorCtr="0" anchor="t" bIns="45700" lIns="91425" spcFirstLastPara="1" rIns="91425" wrap="square" tIns="45700">
+          <a:bodyPr spcFirstLastPara="1" wrap="square" lIns="91425" tIns="45700" rIns="91425" bIns="45700" anchor="t" anchorCtr="0">
             <a:normAutofit/>
           </a:bodyPr>
           <a:lstStyle>
@@ -3684,15 +3796,19 @@
               </a:defRPr>
             </a:lvl9pPr>
           </a:lstStyle>
-          <a:p/>
+          <a:p>
+            <a:endParaRPr/>
+          </a:p>
         </p:txBody>
       </p:sp>
       <p:sp>
         <p:nvSpPr>
           <p:cNvPr id="18" name="Google Shape;18;p3"/>
-          <p:cNvSpPr txBox="1"/>
+          <p:cNvSpPr txBox="1">
+            <a:spLocks noGrp="1"/>
+          </p:cNvSpPr>
           <p:nvPr>
-            <p:ph idx="10" type="dt"/>
+            <p:ph type="dt" idx="10"/>
           </p:nvPr>
         </p:nvSpPr>
         <p:spPr>
@@ -3709,7 +3825,7 @@
           </a:ln>
         </p:spPr>
         <p:txBody>
-          <a:bodyPr anchorCtr="0" anchor="ctr" bIns="45700" lIns="91425" spcFirstLastPara="1" rIns="91425" wrap="square" tIns="45700">
+          <a:bodyPr spcFirstLastPara="1" wrap="square" lIns="91425" tIns="45700" rIns="91425" bIns="45700" anchor="ctr" anchorCtr="0">
             <a:noAutofit/>
           </a:bodyPr>
           <a:lstStyle>
@@ -3813,15 +3929,19 @@
               <a:defRPr/>
             </a:lvl9pPr>
           </a:lstStyle>
-          <a:p/>
+          <a:p>
+            <a:endParaRPr/>
+          </a:p>
         </p:txBody>
       </p:sp>
       <p:sp>
         <p:nvSpPr>
           <p:cNvPr id="19" name="Google Shape;19;p3"/>
-          <p:cNvSpPr txBox="1"/>
+          <p:cNvSpPr txBox="1">
+            <a:spLocks noGrp="1"/>
+          </p:cNvSpPr>
           <p:nvPr>
-            <p:ph idx="11" type="ftr"/>
+            <p:ph type="ftr" idx="11"/>
           </p:nvPr>
         </p:nvSpPr>
         <p:spPr>
@@ -3838,7 +3958,7 @@
           </a:ln>
         </p:spPr>
         <p:txBody>
-          <a:bodyPr anchorCtr="0" anchor="ctr" bIns="45700" lIns="91425" spcFirstLastPara="1" rIns="91425" wrap="square" tIns="45700">
+          <a:bodyPr spcFirstLastPara="1" wrap="square" lIns="91425" tIns="45700" rIns="91425" bIns="45700" anchor="ctr" anchorCtr="0">
             <a:noAutofit/>
           </a:bodyPr>
           <a:lstStyle>
@@ -3942,15 +4062,19 @@
               <a:defRPr/>
             </a:lvl9pPr>
           </a:lstStyle>
-          <a:p/>
+          <a:p>
+            <a:endParaRPr/>
+          </a:p>
         </p:txBody>
       </p:sp>
       <p:sp>
         <p:nvSpPr>
           <p:cNvPr id="20" name="Google Shape;20;p3"/>
-          <p:cNvSpPr txBox="1"/>
+          <p:cNvSpPr txBox="1">
+            <a:spLocks noGrp="1"/>
+          </p:cNvSpPr>
           <p:nvPr>
-            <p:ph idx="12" type="sldNum"/>
+            <p:ph type="sldNum" idx="12"/>
           </p:nvPr>
         </p:nvSpPr>
         <p:spPr>
@@ -3967,67 +4091,67 @@
           </a:ln>
         </p:spPr>
         <p:txBody>
-          <a:bodyPr anchorCtr="0" anchor="ctr" bIns="45700" lIns="91425" spcFirstLastPara="1" rIns="91425" wrap="square" tIns="45700">
+          <a:bodyPr spcFirstLastPara="1" wrap="square" lIns="91425" tIns="45700" rIns="91425" bIns="45700" anchor="ctr" anchorCtr="0">
             <a:noAutofit/>
           </a:bodyPr>
           <a:lstStyle>
-            <a:lvl1pPr indent="0" lvl="0" marL="0" algn="r">
+            <a:lvl1pPr marL="0" lvl="0" indent="0" algn="r">
               <a:spcBef>
                 <a:spcPts val="0"/>
               </a:spcBef>
               <a:buNone/>
               <a:defRPr/>
             </a:lvl1pPr>
-            <a:lvl2pPr indent="0" lvl="1" marL="0" algn="r">
+            <a:lvl2pPr marL="0" lvl="1" indent="0" algn="r">
               <a:spcBef>
                 <a:spcPts val="0"/>
               </a:spcBef>
               <a:buNone/>
               <a:defRPr/>
             </a:lvl2pPr>
-            <a:lvl3pPr indent="0" lvl="2" marL="0" algn="r">
+            <a:lvl3pPr marL="0" lvl="2" indent="0" algn="r">
               <a:spcBef>
                 <a:spcPts val="0"/>
               </a:spcBef>
               <a:buNone/>
               <a:defRPr/>
             </a:lvl3pPr>
-            <a:lvl4pPr indent="0" lvl="3" marL="0" algn="r">
+            <a:lvl4pPr marL="0" lvl="3" indent="0" algn="r">
               <a:spcBef>
                 <a:spcPts val="0"/>
               </a:spcBef>
               <a:buNone/>
               <a:defRPr/>
             </a:lvl4pPr>
-            <a:lvl5pPr indent="0" lvl="4" marL="0" algn="r">
+            <a:lvl5pPr marL="0" lvl="4" indent="0" algn="r">
               <a:spcBef>
                 <a:spcPts val="0"/>
               </a:spcBef>
               <a:buNone/>
               <a:defRPr/>
             </a:lvl5pPr>
-            <a:lvl6pPr indent="0" lvl="5" marL="0" algn="r">
+            <a:lvl6pPr marL="0" lvl="5" indent="0" algn="r">
               <a:spcBef>
                 <a:spcPts val="0"/>
               </a:spcBef>
               <a:buNone/>
               <a:defRPr/>
             </a:lvl6pPr>
-            <a:lvl7pPr indent="0" lvl="6" marL="0" algn="r">
+            <a:lvl7pPr marL="0" lvl="6" indent="0" algn="r">
               <a:spcBef>
                 <a:spcPts val="0"/>
               </a:spcBef>
               <a:buNone/>
               <a:defRPr/>
             </a:lvl7pPr>
-            <a:lvl8pPr indent="0" lvl="7" marL="0" algn="r">
+            <a:lvl8pPr marL="0" lvl="7" indent="0" algn="r">
               <a:spcBef>
                 <a:spcPts val="0"/>
               </a:spcBef>
               <a:buNone/>
               <a:defRPr/>
             </a:lvl8pPr>
-            <a:lvl9pPr indent="0" lvl="8" marL="0" algn="r">
+            <a:lvl9pPr marL="0" lvl="8" indent="0" algn="r">
               <a:spcBef>
                 <a:spcPts val="0"/>
               </a:spcBef>
@@ -4036,7 +4160,7 @@
             </a:lvl9pPr>
           </a:lstStyle>
           <a:p>
-            <a:pPr indent="0" lvl="0" marL="0" rtl="0" algn="r">
+            <a:pPr marL="0" lvl="0" indent="0" algn="r" rtl="0">
               <a:spcBef>
                 <a:spcPts val="0"/>
               </a:spcBef>
@@ -4062,11 +4186,11 @@
 </file>
 
 <file path=ppt/slideLayouts/slideLayout3.xml><?xml version="1.0" encoding="utf-8"?>
-<p:sldLayout xmlns:a="http://schemas.openxmlformats.org/drawingml/2006/main" xmlns:r="http://schemas.openxmlformats.org/officeDocument/2006/relationships" xmlns:mc="http://schemas.openxmlformats.org/markup-compatibility/2006" xmlns:mv="urn:schemas-microsoft-com:mac:vml" xmlns:p="http://schemas.openxmlformats.org/presentationml/2006/main" xmlns:c="http://schemas.openxmlformats.org/drawingml/2006/chart" xmlns:dgm="http://schemas.openxmlformats.org/drawingml/2006/diagram" xmlns:o="urn:schemas-microsoft-com:office:office" xmlns:v="urn:schemas-microsoft-com:vml" xmlns:pvml="urn:schemas-microsoft-com:office:powerpoint" xmlns:com="http://schemas.openxmlformats.org/drawingml/2006/compatibility" xmlns:p14="http://schemas.microsoft.com/office/powerpoint/2010/main" xmlns:p15="http://schemas.microsoft.com/office/powerpoint/2012/main" xmlns:ahyp="http://schemas.microsoft.com/office/drawing/2018/hyperlinkcolor" matchingName="Title and Content" type="obj">
+<p:sldLayout xmlns:a="http://schemas.openxmlformats.org/drawingml/2006/main" xmlns:r="http://schemas.openxmlformats.org/officeDocument/2006/relationships" xmlns:p="http://schemas.openxmlformats.org/presentationml/2006/main" matchingName="Title and Content" type="obj">
   <p:cSld name="OBJECT">
     <p:spTree>
       <p:nvGrpSpPr>
-        <p:cNvPr id="21" name="Shape 21"/>
+        <p:cNvPr id="1" name="Shape 21"/>
         <p:cNvGrpSpPr/>
         <p:nvPr/>
       </p:nvGrpSpPr>
@@ -4081,7 +4205,9 @@
       <p:sp>
         <p:nvSpPr>
           <p:cNvPr id="22" name="Google Shape;22;p4"/>
-          <p:cNvSpPr txBox="1"/>
+          <p:cNvSpPr txBox="1">
+            <a:spLocks noGrp="1"/>
+          </p:cNvSpPr>
           <p:nvPr>
             <p:ph type="title"/>
           </p:nvPr>
@@ -4100,7 +4226,7 @@
           </a:ln>
         </p:spPr>
         <p:txBody>
-          <a:bodyPr anchorCtr="0" anchor="ctr" bIns="45700" lIns="91425" spcFirstLastPara="1" rIns="91425" wrap="square" tIns="45700">
+          <a:bodyPr spcFirstLastPara="1" wrap="square" lIns="91425" tIns="45700" rIns="91425" bIns="45700" anchor="ctr" anchorCtr="0">
             <a:normAutofit/>
           </a:bodyPr>
           <a:lstStyle>
@@ -4207,15 +4333,19 @@
               <a:defRPr/>
             </a:lvl9pPr>
           </a:lstStyle>
-          <a:p/>
+          <a:p>
+            <a:endParaRPr/>
+          </a:p>
         </p:txBody>
       </p:sp>
       <p:sp>
         <p:nvSpPr>
           <p:cNvPr id="23" name="Google Shape;23;p4"/>
-          <p:cNvSpPr txBox="1"/>
+          <p:cNvSpPr txBox="1">
+            <a:spLocks noGrp="1"/>
+          </p:cNvSpPr>
           <p:nvPr>
-            <p:ph idx="1" type="body"/>
+            <p:ph type="body" idx="1"/>
           </p:nvPr>
         </p:nvSpPr>
         <p:spPr>
@@ -4232,11 +4362,11 @@
           </a:ln>
         </p:spPr>
         <p:txBody>
-          <a:bodyPr anchorCtr="0" anchor="t" bIns="45700" lIns="91425" spcFirstLastPara="1" rIns="91425" wrap="square" tIns="45700">
+          <a:bodyPr spcFirstLastPara="1" wrap="square" lIns="91425" tIns="45700" rIns="91425" bIns="45700" anchor="t" anchorCtr="0">
             <a:normAutofit/>
           </a:bodyPr>
           <a:lstStyle>
-            <a:lvl1pPr indent="-342900" lvl="0" marL="457200" algn="l">
+            <a:lvl1pPr marL="457200" lvl="0" indent="-342900" algn="l">
               <a:spcBef>
                 <a:spcPts val="360"/>
               </a:spcBef>
@@ -4250,7 +4380,7 @@
               <a:buChar char="•"/>
               <a:defRPr/>
             </a:lvl1pPr>
-            <a:lvl2pPr indent="-342900" lvl="1" marL="914400" algn="l">
+            <a:lvl2pPr marL="914400" lvl="1" indent="-342900" algn="l">
               <a:spcBef>
                 <a:spcPts val="360"/>
               </a:spcBef>
@@ -4264,7 +4394,7 @@
               <a:buChar char="–"/>
               <a:defRPr/>
             </a:lvl2pPr>
-            <a:lvl3pPr indent="-342900" lvl="2" marL="1371600" algn="l">
+            <a:lvl3pPr marL="1371600" lvl="2" indent="-342900" algn="l">
               <a:spcBef>
                 <a:spcPts val="360"/>
               </a:spcBef>
@@ -4278,7 +4408,7 @@
               <a:buChar char="•"/>
               <a:defRPr/>
             </a:lvl3pPr>
-            <a:lvl4pPr indent="-342900" lvl="3" marL="1828800" algn="l">
+            <a:lvl4pPr marL="1828800" lvl="3" indent="-342900" algn="l">
               <a:spcBef>
                 <a:spcPts val="360"/>
               </a:spcBef>
@@ -4292,7 +4422,7 @@
               <a:buChar char="–"/>
               <a:defRPr/>
             </a:lvl4pPr>
-            <a:lvl5pPr indent="-342900" lvl="4" marL="2286000" algn="l">
+            <a:lvl5pPr marL="2286000" lvl="4" indent="-342900" algn="l">
               <a:spcBef>
                 <a:spcPts val="360"/>
               </a:spcBef>
@@ -4306,7 +4436,7 @@
               <a:buChar char="»"/>
               <a:defRPr/>
             </a:lvl5pPr>
-            <a:lvl6pPr indent="-342900" lvl="5" marL="2743200" algn="l">
+            <a:lvl6pPr marL="2743200" lvl="5" indent="-342900" algn="l">
               <a:spcBef>
                 <a:spcPts val="360"/>
               </a:spcBef>
@@ -4320,7 +4450,7 @@
               <a:buChar char="•"/>
               <a:defRPr/>
             </a:lvl6pPr>
-            <a:lvl7pPr indent="-342900" lvl="6" marL="3200400" algn="l">
+            <a:lvl7pPr marL="3200400" lvl="6" indent="-342900" algn="l">
               <a:spcBef>
                 <a:spcPts val="360"/>
               </a:spcBef>
@@ -4334,7 +4464,7 @@
               <a:buChar char="•"/>
               <a:defRPr/>
             </a:lvl7pPr>
-            <a:lvl8pPr indent="-342900" lvl="7" marL="3657600" algn="l">
+            <a:lvl8pPr marL="3657600" lvl="7" indent="-342900" algn="l">
               <a:spcBef>
                 <a:spcPts val="360"/>
               </a:spcBef>
@@ -4348,7 +4478,7 @@
               <a:buChar char="•"/>
               <a:defRPr/>
             </a:lvl8pPr>
-            <a:lvl9pPr indent="-342900" lvl="8" marL="4114800" algn="l">
+            <a:lvl9pPr marL="4114800" lvl="8" indent="-342900" algn="l">
               <a:spcBef>
                 <a:spcPts val="360"/>
               </a:spcBef>
@@ -4363,15 +4493,19 @@
               <a:defRPr/>
             </a:lvl9pPr>
           </a:lstStyle>
-          <a:p/>
+          <a:p>
+            <a:endParaRPr/>
+          </a:p>
         </p:txBody>
       </p:sp>
       <p:sp>
         <p:nvSpPr>
           <p:cNvPr id="24" name="Google Shape;24;p4"/>
-          <p:cNvSpPr txBox="1"/>
+          <p:cNvSpPr txBox="1">
+            <a:spLocks noGrp="1"/>
+          </p:cNvSpPr>
           <p:nvPr>
-            <p:ph idx="10" type="dt"/>
+            <p:ph type="dt" idx="10"/>
           </p:nvPr>
         </p:nvSpPr>
         <p:spPr>
@@ -4388,7 +4522,7 @@
           </a:ln>
         </p:spPr>
         <p:txBody>
-          <a:bodyPr anchorCtr="0" anchor="ctr" bIns="45700" lIns="91425" spcFirstLastPara="1" rIns="91425" wrap="square" tIns="45700">
+          <a:bodyPr spcFirstLastPara="1" wrap="square" lIns="91425" tIns="45700" rIns="91425" bIns="45700" anchor="ctr" anchorCtr="0">
             <a:noAutofit/>
           </a:bodyPr>
           <a:lstStyle>
@@ -4492,15 +4626,19 @@
               <a:defRPr/>
             </a:lvl9pPr>
           </a:lstStyle>
-          <a:p/>
+          <a:p>
+            <a:endParaRPr/>
+          </a:p>
         </p:txBody>
       </p:sp>
       <p:sp>
         <p:nvSpPr>
           <p:cNvPr id="25" name="Google Shape;25;p4"/>
-          <p:cNvSpPr txBox="1"/>
+          <p:cNvSpPr txBox="1">
+            <a:spLocks noGrp="1"/>
+          </p:cNvSpPr>
           <p:nvPr>
-            <p:ph idx="11" type="ftr"/>
+            <p:ph type="ftr" idx="11"/>
           </p:nvPr>
         </p:nvSpPr>
         <p:spPr>
@@ -4517,7 +4655,7 @@
           </a:ln>
         </p:spPr>
         <p:txBody>
-          <a:bodyPr anchorCtr="0" anchor="ctr" bIns="45700" lIns="91425" spcFirstLastPara="1" rIns="91425" wrap="square" tIns="45700">
+          <a:bodyPr spcFirstLastPara="1" wrap="square" lIns="91425" tIns="45700" rIns="91425" bIns="45700" anchor="ctr" anchorCtr="0">
             <a:noAutofit/>
           </a:bodyPr>
           <a:lstStyle>
@@ -4621,15 +4759,19 @@
               <a:defRPr/>
             </a:lvl9pPr>
           </a:lstStyle>
-          <a:p/>
+          <a:p>
+            <a:endParaRPr/>
+          </a:p>
         </p:txBody>
       </p:sp>
       <p:sp>
         <p:nvSpPr>
           <p:cNvPr id="26" name="Google Shape;26;p4"/>
-          <p:cNvSpPr txBox="1"/>
+          <p:cNvSpPr txBox="1">
+            <a:spLocks noGrp="1"/>
+          </p:cNvSpPr>
           <p:nvPr>
-            <p:ph idx="12" type="sldNum"/>
+            <p:ph type="sldNum" idx="12"/>
           </p:nvPr>
         </p:nvSpPr>
         <p:spPr>
@@ -4646,67 +4788,67 @@
           </a:ln>
         </p:spPr>
         <p:txBody>
-          <a:bodyPr anchorCtr="0" anchor="ctr" bIns="45700" lIns="91425" spcFirstLastPara="1" rIns="91425" wrap="square" tIns="45700">
+          <a:bodyPr spcFirstLastPara="1" wrap="square" lIns="91425" tIns="45700" rIns="91425" bIns="45700" anchor="ctr" anchorCtr="0">
             <a:noAutofit/>
           </a:bodyPr>
           <a:lstStyle>
-            <a:lvl1pPr indent="0" lvl="0" marL="0" algn="r">
+            <a:lvl1pPr marL="0" lvl="0" indent="0" algn="r">
               <a:spcBef>
                 <a:spcPts val="0"/>
               </a:spcBef>
               <a:buNone/>
               <a:defRPr/>
             </a:lvl1pPr>
-            <a:lvl2pPr indent="0" lvl="1" marL="0" algn="r">
+            <a:lvl2pPr marL="0" lvl="1" indent="0" algn="r">
               <a:spcBef>
                 <a:spcPts val="0"/>
               </a:spcBef>
               <a:buNone/>
               <a:defRPr/>
             </a:lvl2pPr>
-            <a:lvl3pPr indent="0" lvl="2" marL="0" algn="r">
+            <a:lvl3pPr marL="0" lvl="2" indent="0" algn="r">
               <a:spcBef>
                 <a:spcPts val="0"/>
               </a:spcBef>
               <a:buNone/>
               <a:defRPr/>
             </a:lvl3pPr>
-            <a:lvl4pPr indent="0" lvl="3" marL="0" algn="r">
+            <a:lvl4pPr marL="0" lvl="3" indent="0" algn="r">
               <a:spcBef>
                 <a:spcPts val="0"/>
               </a:spcBef>
               <a:buNone/>
               <a:defRPr/>
             </a:lvl4pPr>
-            <a:lvl5pPr indent="0" lvl="4" marL="0" algn="r">
+            <a:lvl5pPr marL="0" lvl="4" indent="0" algn="r">
               <a:spcBef>
                 <a:spcPts val="0"/>
               </a:spcBef>
               <a:buNone/>
               <a:defRPr/>
             </a:lvl5pPr>
-            <a:lvl6pPr indent="0" lvl="5" marL="0" algn="r">
+            <a:lvl6pPr marL="0" lvl="5" indent="0" algn="r">
               <a:spcBef>
                 <a:spcPts val="0"/>
               </a:spcBef>
               <a:buNone/>
               <a:defRPr/>
             </a:lvl6pPr>
-            <a:lvl7pPr indent="0" lvl="6" marL="0" algn="r">
+            <a:lvl7pPr marL="0" lvl="6" indent="0" algn="r">
               <a:spcBef>
                 <a:spcPts val="0"/>
               </a:spcBef>
               <a:buNone/>
               <a:defRPr/>
             </a:lvl7pPr>
-            <a:lvl8pPr indent="0" lvl="7" marL="0" algn="r">
+            <a:lvl8pPr marL="0" lvl="7" indent="0" algn="r">
               <a:spcBef>
                 <a:spcPts val="0"/>
               </a:spcBef>
               <a:buNone/>
               <a:defRPr/>
             </a:lvl8pPr>
-            <a:lvl9pPr indent="0" lvl="8" marL="0" algn="r">
+            <a:lvl9pPr marL="0" lvl="8" indent="0" algn="r">
               <a:spcBef>
                 <a:spcPts val="0"/>
               </a:spcBef>
@@ -4715,7 +4857,7 @@
             </a:lvl9pPr>
           </a:lstStyle>
           <a:p>
-            <a:pPr indent="0" lvl="0" marL="0" rtl="0" algn="r">
+            <a:pPr marL="0" lvl="0" indent="0" algn="r" rtl="0">
               <a:spcBef>
                 <a:spcPts val="0"/>
               </a:spcBef>
@@ -4741,11 +4883,11 @@
 </file>
 
 <file path=ppt/slideLayouts/slideLayout4.xml><?xml version="1.0" encoding="utf-8"?>
-<p:sldLayout xmlns:a="http://schemas.openxmlformats.org/drawingml/2006/main" xmlns:r="http://schemas.openxmlformats.org/officeDocument/2006/relationships" xmlns:mc="http://schemas.openxmlformats.org/markup-compatibility/2006" xmlns:mv="urn:schemas-microsoft-com:mac:vml" xmlns:p="http://schemas.openxmlformats.org/presentationml/2006/main" xmlns:c="http://schemas.openxmlformats.org/drawingml/2006/chart" xmlns:dgm="http://schemas.openxmlformats.org/drawingml/2006/diagram" xmlns:o="urn:schemas-microsoft-com:office:office" xmlns:v="urn:schemas-microsoft-com:vml" xmlns:pvml="urn:schemas-microsoft-com:office:powerpoint" xmlns:com="http://schemas.openxmlformats.org/drawingml/2006/compatibility" xmlns:p14="http://schemas.microsoft.com/office/powerpoint/2010/main" xmlns:p15="http://schemas.microsoft.com/office/powerpoint/2012/main" xmlns:ahyp="http://schemas.microsoft.com/office/drawing/2018/hyperlinkcolor" matchingName="Section Header" type="secHead">
+<p:sldLayout xmlns:a="http://schemas.openxmlformats.org/drawingml/2006/main" xmlns:r="http://schemas.openxmlformats.org/officeDocument/2006/relationships" xmlns:p="http://schemas.openxmlformats.org/presentationml/2006/main" matchingName="Section Header" type="secHead">
   <p:cSld name="SECTION_HEADER">
     <p:spTree>
       <p:nvGrpSpPr>
-        <p:cNvPr id="27" name="Shape 27"/>
+        <p:cNvPr id="1" name="Shape 27"/>
         <p:cNvGrpSpPr/>
         <p:nvPr/>
       </p:nvGrpSpPr>
@@ -4760,7 +4902,9 @@
       <p:sp>
         <p:nvSpPr>
           <p:cNvPr id="28" name="Google Shape;28;p5"/>
-          <p:cNvSpPr txBox="1"/>
+          <p:cNvSpPr txBox="1">
+            <a:spLocks noGrp="1"/>
+          </p:cNvSpPr>
           <p:nvPr>
             <p:ph type="title"/>
           </p:nvPr>
@@ -4779,7 +4923,7 @@
           </a:ln>
         </p:spPr>
         <p:txBody>
-          <a:bodyPr anchorCtr="0" anchor="t" bIns="45700" lIns="91425" spcFirstLastPara="1" rIns="91425" wrap="square" tIns="45700">
+          <a:bodyPr spcFirstLastPara="1" wrap="square" lIns="91425" tIns="45700" rIns="91425" bIns="45700" anchor="t" anchorCtr="0">
             <a:normAutofit/>
           </a:bodyPr>
           <a:lstStyle>
@@ -4796,7 +4940,7 @@
               <a:buSzPts val="4000"/>
               <a:buFont typeface="Calibri"/>
               <a:buNone/>
-              <a:defRPr b="1" sz="4000" cap="none"/>
+              <a:defRPr sz="4000" b="1" cap="none"/>
             </a:lvl1pPr>
             <a:lvl2pPr lvl="1">
               <a:spcBef>
@@ -4887,15 +5031,19 @@
               <a:defRPr/>
             </a:lvl9pPr>
           </a:lstStyle>
-          <a:p/>
+          <a:p>
+            <a:endParaRPr/>
+          </a:p>
         </p:txBody>
       </p:sp>
       <p:sp>
         <p:nvSpPr>
           <p:cNvPr id="29" name="Google Shape;29;p5"/>
-          <p:cNvSpPr txBox="1"/>
+          <p:cNvSpPr txBox="1">
+            <a:spLocks noGrp="1"/>
+          </p:cNvSpPr>
           <p:nvPr>
-            <p:ph idx="1" type="body"/>
+            <p:ph type="body" idx="1"/>
           </p:nvPr>
         </p:nvSpPr>
         <p:spPr>
@@ -4912,11 +5060,11 @@
           </a:ln>
         </p:spPr>
         <p:txBody>
-          <a:bodyPr anchorCtr="0" anchor="b" bIns="45700" lIns="91425" spcFirstLastPara="1" rIns="91425" wrap="square" tIns="45700">
+          <a:bodyPr spcFirstLastPara="1" wrap="square" lIns="91425" tIns="45700" rIns="91425" bIns="45700" anchor="b" anchorCtr="0">
             <a:normAutofit/>
           </a:bodyPr>
           <a:lstStyle>
-            <a:lvl1pPr indent="-228600" lvl="0" marL="457200" algn="l">
+            <a:lvl1pPr marL="457200" lvl="0" indent="-228600" algn="l">
               <a:spcBef>
                 <a:spcPts val="400"/>
               </a:spcBef>
@@ -4934,7 +5082,7 @@
                 </a:solidFill>
               </a:defRPr>
             </a:lvl1pPr>
-            <a:lvl2pPr indent="-228600" lvl="1" marL="914400" algn="l">
+            <a:lvl2pPr marL="914400" lvl="1" indent="-228600" algn="l">
               <a:spcBef>
                 <a:spcPts val="360"/>
               </a:spcBef>
@@ -4952,7 +5100,7 @@
                 </a:solidFill>
               </a:defRPr>
             </a:lvl2pPr>
-            <a:lvl3pPr indent="-228600" lvl="2" marL="1371600" algn="l">
+            <a:lvl3pPr marL="1371600" lvl="2" indent="-228600" algn="l">
               <a:spcBef>
                 <a:spcPts val="320"/>
               </a:spcBef>
@@ -4970,7 +5118,7 @@
                 </a:solidFill>
               </a:defRPr>
             </a:lvl3pPr>
-            <a:lvl4pPr indent="-228600" lvl="3" marL="1828800" algn="l">
+            <a:lvl4pPr marL="1828800" lvl="3" indent="-228600" algn="l">
               <a:spcBef>
                 <a:spcPts val="280"/>
               </a:spcBef>
@@ -4988,7 +5136,7 @@
                 </a:solidFill>
               </a:defRPr>
             </a:lvl4pPr>
-            <a:lvl5pPr indent="-228600" lvl="4" marL="2286000" algn="l">
+            <a:lvl5pPr marL="2286000" lvl="4" indent="-228600" algn="l">
               <a:spcBef>
                 <a:spcPts val="280"/>
               </a:spcBef>
@@ -5006,7 +5154,7 @@
                 </a:solidFill>
               </a:defRPr>
             </a:lvl5pPr>
-            <a:lvl6pPr indent="-228600" lvl="5" marL="2743200" algn="l">
+            <a:lvl6pPr marL="2743200" lvl="5" indent="-228600" algn="l">
               <a:spcBef>
                 <a:spcPts val="280"/>
               </a:spcBef>
@@ -5024,7 +5172,7 @@
                 </a:solidFill>
               </a:defRPr>
             </a:lvl6pPr>
-            <a:lvl7pPr indent="-228600" lvl="6" marL="3200400" algn="l">
+            <a:lvl7pPr marL="3200400" lvl="6" indent="-228600" algn="l">
               <a:spcBef>
                 <a:spcPts val="280"/>
               </a:spcBef>
@@ -5042,7 +5190,7 @@
                 </a:solidFill>
               </a:defRPr>
             </a:lvl7pPr>
-            <a:lvl8pPr indent="-228600" lvl="7" marL="3657600" algn="l">
+            <a:lvl8pPr marL="3657600" lvl="7" indent="-228600" algn="l">
               <a:spcBef>
                 <a:spcPts val="280"/>
               </a:spcBef>
@@ -5060,7 +5208,7 @@
                 </a:solidFill>
               </a:defRPr>
             </a:lvl8pPr>
-            <a:lvl9pPr indent="-228600" lvl="8" marL="4114800" algn="l">
+            <a:lvl9pPr marL="4114800" lvl="8" indent="-228600" algn="l">
               <a:spcBef>
                 <a:spcPts val="280"/>
               </a:spcBef>
@@ -5079,15 +5227,19 @@
               </a:defRPr>
             </a:lvl9pPr>
           </a:lstStyle>
-          <a:p/>
+          <a:p>
+            <a:endParaRPr/>
+          </a:p>
         </p:txBody>
       </p:sp>
       <p:sp>
         <p:nvSpPr>
           <p:cNvPr id="30" name="Google Shape;30;p5"/>
-          <p:cNvSpPr txBox="1"/>
+          <p:cNvSpPr txBox="1">
+            <a:spLocks noGrp="1"/>
+          </p:cNvSpPr>
           <p:nvPr>
-            <p:ph idx="10" type="dt"/>
+            <p:ph type="dt" idx="10"/>
           </p:nvPr>
         </p:nvSpPr>
         <p:spPr>
@@ -5104,7 +5256,7 @@
           </a:ln>
         </p:spPr>
         <p:txBody>
-          <a:bodyPr anchorCtr="0" anchor="ctr" bIns="45700" lIns="91425" spcFirstLastPara="1" rIns="91425" wrap="square" tIns="45700">
+          <a:bodyPr spcFirstLastPara="1" wrap="square" lIns="91425" tIns="45700" rIns="91425" bIns="45700" anchor="ctr" anchorCtr="0">
             <a:noAutofit/>
           </a:bodyPr>
           <a:lstStyle>
@@ -5208,15 +5360,19 @@
               <a:defRPr/>
             </a:lvl9pPr>
           </a:lstStyle>
-          <a:p/>
+          <a:p>
+            <a:endParaRPr/>
+          </a:p>
         </p:txBody>
       </p:sp>
       <p:sp>
         <p:nvSpPr>
           <p:cNvPr id="31" name="Google Shape;31;p5"/>
-          <p:cNvSpPr txBox="1"/>
+          <p:cNvSpPr txBox="1">
+            <a:spLocks noGrp="1"/>
+          </p:cNvSpPr>
           <p:nvPr>
-            <p:ph idx="11" type="ftr"/>
+            <p:ph type="ftr" idx="11"/>
           </p:nvPr>
         </p:nvSpPr>
         <p:spPr>
@@ -5233,7 +5389,7 @@
           </a:ln>
         </p:spPr>
         <p:txBody>
-          <a:bodyPr anchorCtr="0" anchor="ctr" bIns="45700" lIns="91425" spcFirstLastPara="1" rIns="91425" wrap="square" tIns="45700">
+          <a:bodyPr spcFirstLastPara="1" wrap="square" lIns="91425" tIns="45700" rIns="91425" bIns="45700" anchor="ctr" anchorCtr="0">
             <a:noAutofit/>
           </a:bodyPr>
           <a:lstStyle>
@@ -5337,15 +5493,19 @@
               <a:defRPr/>
             </a:lvl9pPr>
           </a:lstStyle>
-          <a:p/>
+          <a:p>
+            <a:endParaRPr/>
+          </a:p>
         </p:txBody>
       </p:sp>
       <p:sp>
         <p:nvSpPr>
           <p:cNvPr id="32" name="Google Shape;32;p5"/>
-          <p:cNvSpPr txBox="1"/>
+          <p:cNvSpPr txBox="1">
+            <a:spLocks noGrp="1"/>
+          </p:cNvSpPr>
           <p:nvPr>
-            <p:ph idx="12" type="sldNum"/>
+            <p:ph type="sldNum" idx="12"/>
           </p:nvPr>
         </p:nvSpPr>
         <p:spPr>
@@ -5362,67 +5522,67 @@
           </a:ln>
         </p:spPr>
         <p:txBody>
-          <a:bodyPr anchorCtr="0" anchor="ctr" bIns="45700" lIns="91425" spcFirstLastPara="1" rIns="91425" wrap="square" tIns="45700">
+          <a:bodyPr spcFirstLastPara="1" wrap="square" lIns="91425" tIns="45700" rIns="91425" bIns="45700" anchor="ctr" anchorCtr="0">
             <a:noAutofit/>
           </a:bodyPr>
           <a:lstStyle>
-            <a:lvl1pPr indent="0" lvl="0" marL="0" algn="r">
+            <a:lvl1pPr marL="0" lvl="0" indent="0" algn="r">
               <a:spcBef>
                 <a:spcPts val="0"/>
               </a:spcBef>
               <a:buNone/>
               <a:defRPr/>
             </a:lvl1pPr>
-            <a:lvl2pPr indent="0" lvl="1" marL="0" algn="r">
+            <a:lvl2pPr marL="0" lvl="1" indent="0" algn="r">
               <a:spcBef>
                 <a:spcPts val="0"/>
               </a:spcBef>
               <a:buNone/>
               <a:defRPr/>
             </a:lvl2pPr>
-            <a:lvl3pPr indent="0" lvl="2" marL="0" algn="r">
+            <a:lvl3pPr marL="0" lvl="2" indent="0" algn="r">
               <a:spcBef>
                 <a:spcPts val="0"/>
               </a:spcBef>
               <a:buNone/>
               <a:defRPr/>
             </a:lvl3pPr>
-            <a:lvl4pPr indent="0" lvl="3" marL="0" algn="r">
+            <a:lvl4pPr marL="0" lvl="3" indent="0" algn="r">
               <a:spcBef>
                 <a:spcPts val="0"/>
               </a:spcBef>
               <a:buNone/>
               <a:defRPr/>
             </a:lvl4pPr>
-            <a:lvl5pPr indent="0" lvl="4" marL="0" algn="r">
+            <a:lvl5pPr marL="0" lvl="4" indent="0" algn="r">
               <a:spcBef>
                 <a:spcPts val="0"/>
               </a:spcBef>
               <a:buNone/>
               <a:defRPr/>
             </a:lvl5pPr>
-            <a:lvl6pPr indent="0" lvl="5" marL="0" algn="r">
+            <a:lvl6pPr marL="0" lvl="5" indent="0" algn="r">
               <a:spcBef>
                 <a:spcPts val="0"/>
               </a:spcBef>
               <a:buNone/>
               <a:defRPr/>
             </a:lvl6pPr>
-            <a:lvl7pPr indent="0" lvl="6" marL="0" algn="r">
+            <a:lvl7pPr marL="0" lvl="6" indent="0" algn="r">
               <a:spcBef>
                 <a:spcPts val="0"/>
               </a:spcBef>
               <a:buNone/>
               <a:defRPr/>
             </a:lvl7pPr>
-            <a:lvl8pPr indent="0" lvl="7" marL="0" algn="r">
+            <a:lvl8pPr marL="0" lvl="7" indent="0" algn="r">
               <a:spcBef>
                 <a:spcPts val="0"/>
               </a:spcBef>
               <a:buNone/>
               <a:defRPr/>
             </a:lvl8pPr>
-            <a:lvl9pPr indent="0" lvl="8" marL="0" algn="r">
+            <a:lvl9pPr marL="0" lvl="8" indent="0" algn="r">
               <a:spcBef>
                 <a:spcPts val="0"/>
               </a:spcBef>
@@ -5431,7 +5591,7 @@
             </a:lvl9pPr>
           </a:lstStyle>
           <a:p>
-            <a:pPr indent="0" lvl="0" marL="0" rtl="0" algn="r">
+            <a:pPr marL="0" lvl="0" indent="0" algn="r" rtl="0">
               <a:spcBef>
                 <a:spcPts val="0"/>
               </a:spcBef>
@@ -5457,11 +5617,11 @@
 </file>
 
 <file path=ppt/slideLayouts/slideLayout5.xml><?xml version="1.0" encoding="utf-8"?>
-<p:sldLayout xmlns:a="http://schemas.openxmlformats.org/drawingml/2006/main" xmlns:r="http://schemas.openxmlformats.org/officeDocument/2006/relationships" xmlns:mc="http://schemas.openxmlformats.org/markup-compatibility/2006" xmlns:mv="urn:schemas-microsoft-com:mac:vml" xmlns:p="http://schemas.openxmlformats.org/presentationml/2006/main" xmlns:c="http://schemas.openxmlformats.org/drawingml/2006/chart" xmlns:dgm="http://schemas.openxmlformats.org/drawingml/2006/diagram" xmlns:o="urn:schemas-microsoft-com:office:office" xmlns:v="urn:schemas-microsoft-com:vml" xmlns:pvml="urn:schemas-microsoft-com:office:powerpoint" xmlns:com="http://schemas.openxmlformats.org/drawingml/2006/compatibility" xmlns:p14="http://schemas.microsoft.com/office/powerpoint/2010/main" xmlns:p15="http://schemas.microsoft.com/office/powerpoint/2012/main" xmlns:ahyp="http://schemas.microsoft.com/office/drawing/2018/hyperlinkcolor" matchingName="Two Content" type="twoObj">
+<p:sldLayout xmlns:a="http://schemas.openxmlformats.org/drawingml/2006/main" xmlns:r="http://schemas.openxmlformats.org/officeDocument/2006/relationships" xmlns:p="http://schemas.openxmlformats.org/presentationml/2006/main" matchingName="Two Content" type="twoObj">
   <p:cSld name="TWO_OBJECTS">
     <p:spTree>
       <p:nvGrpSpPr>
-        <p:cNvPr id="33" name="Shape 33"/>
+        <p:cNvPr id="1" name="Shape 33"/>
         <p:cNvGrpSpPr/>
         <p:nvPr/>
       </p:nvGrpSpPr>
@@ -5476,7 +5636,9 @@
       <p:sp>
         <p:nvSpPr>
           <p:cNvPr id="34" name="Google Shape;34;p6"/>
-          <p:cNvSpPr txBox="1"/>
+          <p:cNvSpPr txBox="1">
+            <a:spLocks noGrp="1"/>
+          </p:cNvSpPr>
           <p:nvPr>
             <p:ph type="title"/>
           </p:nvPr>
@@ -5495,7 +5657,7 @@
           </a:ln>
         </p:spPr>
         <p:txBody>
-          <a:bodyPr anchorCtr="0" anchor="ctr" bIns="45700" lIns="91425" spcFirstLastPara="1" rIns="91425" wrap="square" tIns="45700">
+          <a:bodyPr spcFirstLastPara="1" wrap="square" lIns="91425" tIns="45700" rIns="91425" bIns="45700" anchor="ctr" anchorCtr="0">
             <a:normAutofit/>
           </a:bodyPr>
           <a:lstStyle>
@@ -5602,15 +5764,19 @@
               <a:defRPr/>
             </a:lvl9pPr>
           </a:lstStyle>
-          <a:p/>
+          <a:p>
+            <a:endParaRPr/>
+          </a:p>
         </p:txBody>
       </p:sp>
       <p:sp>
         <p:nvSpPr>
           <p:cNvPr id="35" name="Google Shape;35;p6"/>
-          <p:cNvSpPr txBox="1"/>
+          <p:cNvSpPr txBox="1">
+            <a:spLocks noGrp="1"/>
+          </p:cNvSpPr>
           <p:nvPr>
-            <p:ph idx="1" type="body"/>
+            <p:ph type="body" idx="1"/>
           </p:nvPr>
         </p:nvSpPr>
         <p:spPr>
@@ -5627,11 +5793,11 @@
           </a:ln>
         </p:spPr>
         <p:txBody>
-          <a:bodyPr anchorCtr="0" anchor="t" bIns="45700" lIns="91425" spcFirstLastPara="1" rIns="91425" wrap="square" tIns="45700">
+          <a:bodyPr spcFirstLastPara="1" wrap="square" lIns="91425" tIns="45700" rIns="91425" bIns="45700" anchor="t" anchorCtr="0">
             <a:normAutofit/>
           </a:bodyPr>
           <a:lstStyle>
-            <a:lvl1pPr indent="-406400" lvl="0" marL="457200" algn="l">
+            <a:lvl1pPr marL="457200" lvl="0" indent="-406400" algn="l">
               <a:spcBef>
                 <a:spcPts val="560"/>
               </a:spcBef>
@@ -5645,7 +5811,7 @@
               <a:buChar char="•"/>
               <a:defRPr sz="2800"/>
             </a:lvl1pPr>
-            <a:lvl2pPr indent="-381000" lvl="1" marL="914400" algn="l">
+            <a:lvl2pPr marL="914400" lvl="1" indent="-381000" algn="l">
               <a:spcBef>
                 <a:spcPts val="480"/>
               </a:spcBef>
@@ -5659,7 +5825,7 @@
               <a:buChar char="–"/>
               <a:defRPr sz="2400"/>
             </a:lvl2pPr>
-            <a:lvl3pPr indent="-355600" lvl="2" marL="1371600" algn="l">
+            <a:lvl3pPr marL="1371600" lvl="2" indent="-355600" algn="l">
               <a:spcBef>
                 <a:spcPts val="400"/>
               </a:spcBef>
@@ -5673,7 +5839,7 @@
               <a:buChar char="•"/>
               <a:defRPr sz="2000"/>
             </a:lvl3pPr>
-            <a:lvl4pPr indent="-342900" lvl="3" marL="1828800" algn="l">
+            <a:lvl4pPr marL="1828800" lvl="3" indent="-342900" algn="l">
               <a:spcBef>
                 <a:spcPts val="360"/>
               </a:spcBef>
@@ -5687,7 +5853,7 @@
               <a:buChar char="–"/>
               <a:defRPr sz="1800"/>
             </a:lvl4pPr>
-            <a:lvl5pPr indent="-342900" lvl="4" marL="2286000" algn="l">
+            <a:lvl5pPr marL="2286000" lvl="4" indent="-342900" algn="l">
               <a:spcBef>
                 <a:spcPts val="360"/>
               </a:spcBef>
@@ -5701,7 +5867,7 @@
               <a:buChar char="»"/>
               <a:defRPr sz="1800"/>
             </a:lvl5pPr>
-            <a:lvl6pPr indent="-342900" lvl="5" marL="2743200" algn="l">
+            <a:lvl6pPr marL="2743200" lvl="5" indent="-342900" algn="l">
               <a:spcBef>
                 <a:spcPts val="360"/>
               </a:spcBef>
@@ -5715,7 +5881,7 @@
               <a:buChar char="•"/>
               <a:defRPr sz="1800"/>
             </a:lvl6pPr>
-            <a:lvl7pPr indent="-342900" lvl="6" marL="3200400" algn="l">
+            <a:lvl7pPr marL="3200400" lvl="6" indent="-342900" algn="l">
               <a:spcBef>
                 <a:spcPts val="360"/>
               </a:spcBef>
@@ -5729,7 +5895,7 @@
               <a:buChar char="•"/>
               <a:defRPr sz="1800"/>
             </a:lvl7pPr>
-            <a:lvl8pPr indent="-342900" lvl="7" marL="3657600" algn="l">
+            <a:lvl8pPr marL="3657600" lvl="7" indent="-342900" algn="l">
               <a:spcBef>
                 <a:spcPts val="360"/>
               </a:spcBef>
@@ -5743,7 +5909,7 @@
               <a:buChar char="•"/>
               <a:defRPr sz="1800"/>
             </a:lvl8pPr>
-            <a:lvl9pPr indent="-342900" lvl="8" marL="4114800" algn="l">
+            <a:lvl9pPr marL="4114800" lvl="8" indent="-342900" algn="l">
               <a:spcBef>
                 <a:spcPts val="360"/>
               </a:spcBef>
@@ -5758,15 +5924,19 @@
               <a:defRPr sz="1800"/>
             </a:lvl9pPr>
           </a:lstStyle>
-          <a:p/>
+          <a:p>
+            <a:endParaRPr/>
+          </a:p>
         </p:txBody>
       </p:sp>
       <p:sp>
         <p:nvSpPr>
           <p:cNvPr id="36" name="Google Shape;36;p6"/>
-          <p:cNvSpPr txBox="1"/>
+          <p:cNvSpPr txBox="1">
+            <a:spLocks noGrp="1"/>
+          </p:cNvSpPr>
           <p:nvPr>
-            <p:ph idx="2" type="body"/>
+            <p:ph type="body" idx="2"/>
           </p:nvPr>
         </p:nvSpPr>
         <p:spPr>
@@ -5783,11 +5953,11 @@
           </a:ln>
         </p:spPr>
         <p:txBody>
-          <a:bodyPr anchorCtr="0" anchor="t" bIns="45700" lIns="91425" spcFirstLastPara="1" rIns="91425" wrap="square" tIns="45700">
+          <a:bodyPr spcFirstLastPara="1" wrap="square" lIns="91425" tIns="45700" rIns="91425" bIns="45700" anchor="t" anchorCtr="0">
             <a:normAutofit/>
           </a:bodyPr>
           <a:lstStyle>
-            <a:lvl1pPr indent="-406400" lvl="0" marL="457200" algn="l">
+            <a:lvl1pPr marL="457200" lvl="0" indent="-406400" algn="l">
               <a:spcBef>
                 <a:spcPts val="560"/>
               </a:spcBef>
@@ -5801,7 +5971,7 @@
               <a:buChar char="•"/>
               <a:defRPr sz="2800"/>
             </a:lvl1pPr>
-            <a:lvl2pPr indent="-381000" lvl="1" marL="914400" algn="l">
+            <a:lvl2pPr marL="914400" lvl="1" indent="-381000" algn="l">
               <a:spcBef>
                 <a:spcPts val="480"/>
               </a:spcBef>
@@ -5815,7 +5985,7 @@
               <a:buChar char="–"/>
               <a:defRPr sz="2400"/>
             </a:lvl2pPr>
-            <a:lvl3pPr indent="-355600" lvl="2" marL="1371600" algn="l">
+            <a:lvl3pPr marL="1371600" lvl="2" indent="-355600" algn="l">
               <a:spcBef>
                 <a:spcPts val="400"/>
               </a:spcBef>
@@ -5829,7 +5999,7 @@
               <a:buChar char="•"/>
               <a:defRPr sz="2000"/>
             </a:lvl3pPr>
-            <a:lvl4pPr indent="-342900" lvl="3" marL="1828800" algn="l">
+            <a:lvl4pPr marL="1828800" lvl="3" indent="-342900" algn="l">
               <a:spcBef>
                 <a:spcPts val="360"/>
               </a:spcBef>
@@ -5843,7 +6013,7 @@
               <a:buChar char="–"/>
               <a:defRPr sz="1800"/>
             </a:lvl4pPr>
-            <a:lvl5pPr indent="-342900" lvl="4" marL="2286000" algn="l">
+            <a:lvl5pPr marL="2286000" lvl="4" indent="-342900" algn="l">
               <a:spcBef>
                 <a:spcPts val="360"/>
               </a:spcBef>
@@ -5857,7 +6027,7 @@
               <a:buChar char="»"/>
               <a:defRPr sz="1800"/>
             </a:lvl5pPr>
-            <a:lvl6pPr indent="-342900" lvl="5" marL="2743200" algn="l">
+            <a:lvl6pPr marL="2743200" lvl="5" indent="-342900" algn="l">
               <a:spcBef>
                 <a:spcPts val="360"/>
               </a:spcBef>
@@ -5871,7 +6041,7 @@
               <a:buChar char="•"/>
               <a:defRPr sz="1800"/>
             </a:lvl6pPr>
-            <a:lvl7pPr indent="-342900" lvl="6" marL="3200400" algn="l">
+            <a:lvl7pPr marL="3200400" lvl="6" indent="-342900" algn="l">
               <a:spcBef>
                 <a:spcPts val="360"/>
               </a:spcBef>
@@ -5885,7 +6055,7 @@
               <a:buChar char="•"/>
               <a:defRPr sz="1800"/>
             </a:lvl7pPr>
-            <a:lvl8pPr indent="-342900" lvl="7" marL="3657600" algn="l">
+            <a:lvl8pPr marL="3657600" lvl="7" indent="-342900" algn="l">
               <a:spcBef>
                 <a:spcPts val="360"/>
               </a:spcBef>
@@ -5899,7 +6069,7 @@
               <a:buChar char="•"/>
               <a:defRPr sz="1800"/>
             </a:lvl8pPr>
-            <a:lvl9pPr indent="-342900" lvl="8" marL="4114800" algn="l">
+            <a:lvl9pPr marL="4114800" lvl="8" indent="-342900" algn="l">
               <a:spcBef>
                 <a:spcPts val="360"/>
               </a:spcBef>
@@ -5914,15 +6084,19 @@
               <a:defRPr sz="1800"/>
             </a:lvl9pPr>
           </a:lstStyle>
-          <a:p/>
+          <a:p>
+            <a:endParaRPr/>
+          </a:p>
         </p:txBody>
       </p:sp>
       <p:sp>
         <p:nvSpPr>
           <p:cNvPr id="37" name="Google Shape;37;p6"/>
-          <p:cNvSpPr txBox="1"/>
+          <p:cNvSpPr txBox="1">
+            <a:spLocks noGrp="1"/>
+          </p:cNvSpPr>
           <p:nvPr>
-            <p:ph idx="10" type="dt"/>
+            <p:ph type="dt" idx="10"/>
           </p:nvPr>
         </p:nvSpPr>
         <p:spPr>
@@ -5939,7 +6113,7 @@
           </a:ln>
         </p:spPr>
         <p:txBody>
-          <a:bodyPr anchorCtr="0" anchor="ctr" bIns="45700" lIns="91425" spcFirstLastPara="1" rIns="91425" wrap="square" tIns="45700">
+          <a:bodyPr spcFirstLastPara="1" wrap="square" lIns="91425" tIns="45700" rIns="91425" bIns="45700" anchor="ctr" anchorCtr="0">
             <a:noAutofit/>
           </a:bodyPr>
           <a:lstStyle>
@@ -6043,15 +6217,19 @@
               <a:defRPr/>
             </a:lvl9pPr>
           </a:lstStyle>
-          <a:p/>
+          <a:p>
+            <a:endParaRPr/>
+          </a:p>
         </p:txBody>
       </p:sp>
       <p:sp>
         <p:nvSpPr>
           <p:cNvPr id="38" name="Google Shape;38;p6"/>
-          <p:cNvSpPr txBox="1"/>
+          <p:cNvSpPr txBox="1">
+            <a:spLocks noGrp="1"/>
+          </p:cNvSpPr>
           <p:nvPr>
-            <p:ph idx="11" type="ftr"/>
+            <p:ph type="ftr" idx="11"/>
           </p:nvPr>
         </p:nvSpPr>
         <p:spPr>
@@ -6068,7 +6246,7 @@
           </a:ln>
         </p:spPr>
         <p:txBody>
-          <a:bodyPr anchorCtr="0" anchor="ctr" bIns="45700" lIns="91425" spcFirstLastPara="1" rIns="91425" wrap="square" tIns="45700">
+          <a:bodyPr spcFirstLastPara="1" wrap="square" lIns="91425" tIns="45700" rIns="91425" bIns="45700" anchor="ctr" anchorCtr="0">
             <a:noAutofit/>
           </a:bodyPr>
           <a:lstStyle>
@@ -6172,15 +6350,19 @@
               <a:defRPr/>
             </a:lvl9pPr>
           </a:lstStyle>
-          <a:p/>
+          <a:p>
+            <a:endParaRPr/>
+          </a:p>
         </p:txBody>
       </p:sp>
       <p:sp>
         <p:nvSpPr>
           <p:cNvPr id="39" name="Google Shape;39;p6"/>
-          <p:cNvSpPr txBox="1"/>
+          <p:cNvSpPr txBox="1">
+            <a:spLocks noGrp="1"/>
+          </p:cNvSpPr>
           <p:nvPr>
-            <p:ph idx="12" type="sldNum"/>
+            <p:ph type="sldNum" idx="12"/>
           </p:nvPr>
         </p:nvSpPr>
         <p:spPr>
@@ -6197,67 +6379,67 @@
           </a:ln>
         </p:spPr>
         <p:txBody>
-          <a:bodyPr anchorCtr="0" anchor="ctr" bIns="45700" lIns="91425" spcFirstLastPara="1" rIns="91425" wrap="square" tIns="45700">
+          <a:bodyPr spcFirstLastPara="1" wrap="square" lIns="91425" tIns="45700" rIns="91425" bIns="45700" anchor="ctr" anchorCtr="0">
             <a:noAutofit/>
           </a:bodyPr>
           <a:lstStyle>
-            <a:lvl1pPr indent="0" lvl="0" marL="0" algn="r">
+            <a:lvl1pPr marL="0" lvl="0" indent="0" algn="r">
               <a:spcBef>
                 <a:spcPts val="0"/>
               </a:spcBef>
               <a:buNone/>
               <a:defRPr/>
             </a:lvl1pPr>
-            <a:lvl2pPr indent="0" lvl="1" marL="0" algn="r">
+            <a:lvl2pPr marL="0" lvl="1" indent="0" algn="r">
               <a:spcBef>
                 <a:spcPts val="0"/>
               </a:spcBef>
               <a:buNone/>
               <a:defRPr/>
             </a:lvl2pPr>
-            <a:lvl3pPr indent="0" lvl="2" marL="0" algn="r">
+            <a:lvl3pPr marL="0" lvl="2" indent="0" algn="r">
               <a:spcBef>
                 <a:spcPts val="0"/>
               </a:spcBef>
               <a:buNone/>
               <a:defRPr/>
             </a:lvl3pPr>
-            <a:lvl4pPr indent="0" lvl="3" marL="0" algn="r">
+            <a:lvl4pPr marL="0" lvl="3" indent="0" algn="r">
               <a:spcBef>
                 <a:spcPts val="0"/>
               </a:spcBef>
               <a:buNone/>
               <a:defRPr/>
             </a:lvl4pPr>
-            <a:lvl5pPr indent="0" lvl="4" marL="0" algn="r">
+            <a:lvl5pPr marL="0" lvl="4" indent="0" algn="r">
               <a:spcBef>
                 <a:spcPts val="0"/>
               </a:spcBef>
               <a:buNone/>
               <a:defRPr/>
             </a:lvl5pPr>
-            <a:lvl6pPr indent="0" lvl="5" marL="0" algn="r">
+            <a:lvl6pPr marL="0" lvl="5" indent="0" algn="r">
               <a:spcBef>
                 <a:spcPts val="0"/>
               </a:spcBef>
               <a:buNone/>
               <a:defRPr/>
             </a:lvl6pPr>
-            <a:lvl7pPr indent="0" lvl="6" marL="0" algn="r">
+            <a:lvl7pPr marL="0" lvl="6" indent="0" algn="r">
               <a:spcBef>
                 <a:spcPts val="0"/>
               </a:spcBef>
               <a:buNone/>
               <a:defRPr/>
             </a:lvl7pPr>
-            <a:lvl8pPr indent="0" lvl="7" marL="0" algn="r">
+            <a:lvl8pPr marL="0" lvl="7" indent="0" algn="r">
               <a:spcBef>
                 <a:spcPts val="0"/>
               </a:spcBef>
               <a:buNone/>
               <a:defRPr/>
             </a:lvl8pPr>
-            <a:lvl9pPr indent="0" lvl="8" marL="0" algn="r">
+            <a:lvl9pPr marL="0" lvl="8" indent="0" algn="r">
               <a:spcBef>
                 <a:spcPts val="0"/>
               </a:spcBef>
@@ -6266,7 +6448,7 @@
             </a:lvl9pPr>
           </a:lstStyle>
           <a:p>
-            <a:pPr indent="0" lvl="0" marL="0" rtl="0" algn="r">
+            <a:pPr marL="0" lvl="0" indent="0" algn="r" rtl="0">
               <a:spcBef>
                 <a:spcPts val="0"/>
               </a:spcBef>
@@ -6292,11 +6474,11 @@
 </file>
 
 <file path=ppt/slideLayouts/slideLayout6.xml><?xml version="1.0" encoding="utf-8"?>
-<p:sldLayout xmlns:a="http://schemas.openxmlformats.org/drawingml/2006/main" xmlns:r="http://schemas.openxmlformats.org/officeDocument/2006/relationships" xmlns:mc="http://schemas.openxmlformats.org/markup-compatibility/2006" xmlns:mv="urn:schemas-microsoft-com:mac:vml" xmlns:p="http://schemas.openxmlformats.org/presentationml/2006/main" xmlns:c="http://schemas.openxmlformats.org/drawingml/2006/chart" xmlns:dgm="http://schemas.openxmlformats.org/drawingml/2006/diagram" xmlns:o="urn:schemas-microsoft-com:office:office" xmlns:v="urn:schemas-microsoft-com:vml" xmlns:pvml="urn:schemas-microsoft-com:office:powerpoint" xmlns:com="http://schemas.openxmlformats.org/drawingml/2006/compatibility" xmlns:p14="http://schemas.microsoft.com/office/powerpoint/2010/main" xmlns:p15="http://schemas.microsoft.com/office/powerpoint/2012/main" xmlns:ahyp="http://schemas.microsoft.com/office/drawing/2018/hyperlinkcolor" matchingName="Comparison" type="twoTxTwoObj">
+<p:sldLayout xmlns:a="http://schemas.openxmlformats.org/drawingml/2006/main" xmlns:r="http://schemas.openxmlformats.org/officeDocument/2006/relationships" xmlns:p="http://schemas.openxmlformats.org/presentationml/2006/main" matchingName="Comparison" type="twoTxTwoObj">
   <p:cSld name="TWO_OBJECTS_WITH_TEXT">
     <p:spTree>
       <p:nvGrpSpPr>
-        <p:cNvPr id="40" name="Shape 40"/>
+        <p:cNvPr id="1" name="Shape 40"/>
         <p:cNvGrpSpPr/>
         <p:nvPr/>
       </p:nvGrpSpPr>
@@ -6311,7 +6493,9 @@
       <p:sp>
         <p:nvSpPr>
           <p:cNvPr id="41" name="Google Shape;41;p7"/>
-          <p:cNvSpPr txBox="1"/>
+          <p:cNvSpPr txBox="1">
+            <a:spLocks noGrp="1"/>
+          </p:cNvSpPr>
           <p:nvPr>
             <p:ph type="title"/>
           </p:nvPr>
@@ -6330,7 +6514,7 @@
           </a:ln>
         </p:spPr>
         <p:txBody>
-          <a:bodyPr anchorCtr="0" anchor="ctr" bIns="45700" lIns="91425" spcFirstLastPara="1" rIns="91425" wrap="square" tIns="45700">
+          <a:bodyPr spcFirstLastPara="1" wrap="square" lIns="91425" tIns="45700" rIns="91425" bIns="45700" anchor="ctr" anchorCtr="0">
             <a:normAutofit/>
           </a:bodyPr>
           <a:lstStyle>
@@ -6438,15 +6622,19 @@
               <a:defRPr/>
             </a:lvl9pPr>
           </a:lstStyle>
-          <a:p/>
+          <a:p>
+            <a:endParaRPr/>
+          </a:p>
         </p:txBody>
       </p:sp>
       <p:sp>
         <p:nvSpPr>
           <p:cNvPr id="42" name="Google Shape;42;p7"/>
-          <p:cNvSpPr txBox="1"/>
+          <p:cNvSpPr txBox="1">
+            <a:spLocks noGrp="1"/>
+          </p:cNvSpPr>
           <p:nvPr>
-            <p:ph idx="1" type="body"/>
+            <p:ph type="body" idx="1"/>
           </p:nvPr>
         </p:nvSpPr>
         <p:spPr>
@@ -6463,11 +6651,11 @@
           </a:ln>
         </p:spPr>
         <p:txBody>
-          <a:bodyPr anchorCtr="0" anchor="b" bIns="45700" lIns="91425" spcFirstLastPara="1" rIns="91425" wrap="square" tIns="45700">
+          <a:bodyPr spcFirstLastPara="1" wrap="square" lIns="91425" tIns="45700" rIns="91425" bIns="45700" anchor="b" anchorCtr="0">
             <a:normAutofit/>
           </a:bodyPr>
           <a:lstStyle>
-            <a:lvl1pPr indent="-228600" lvl="0" marL="457200" algn="l">
+            <a:lvl1pPr marL="457200" lvl="0" indent="-228600" algn="l">
               <a:spcBef>
                 <a:spcPts val="480"/>
               </a:spcBef>
@@ -6479,9 +6667,9 @@
               </a:buClr>
               <a:buSzPts val="2400"/>
               <a:buNone/>
-              <a:defRPr b="1" sz="2400"/>
+              <a:defRPr sz="2400" b="1"/>
             </a:lvl1pPr>
-            <a:lvl2pPr indent="-228600" lvl="1" marL="914400" algn="l">
+            <a:lvl2pPr marL="914400" lvl="1" indent="-228600" algn="l">
               <a:spcBef>
                 <a:spcPts val="400"/>
               </a:spcBef>
@@ -6493,9 +6681,9 @@
               </a:buClr>
               <a:buSzPts val="2000"/>
               <a:buNone/>
-              <a:defRPr b="1" sz="2000"/>
+              <a:defRPr sz="2000" b="1"/>
             </a:lvl2pPr>
-            <a:lvl3pPr indent="-228600" lvl="2" marL="1371600" algn="l">
+            <a:lvl3pPr marL="1371600" lvl="2" indent="-228600" algn="l">
               <a:spcBef>
                 <a:spcPts val="360"/>
               </a:spcBef>
@@ -6507,9 +6695,9 @@
               </a:buClr>
               <a:buSzPts val="1800"/>
               <a:buNone/>
-              <a:defRPr b="1" sz="1800"/>
+              <a:defRPr sz="1800" b="1"/>
             </a:lvl3pPr>
-            <a:lvl4pPr indent="-228600" lvl="3" marL="1828800" algn="l">
+            <a:lvl4pPr marL="1828800" lvl="3" indent="-228600" algn="l">
               <a:spcBef>
                 <a:spcPts val="320"/>
               </a:spcBef>
@@ -6521,9 +6709,9 @@
               </a:buClr>
               <a:buSzPts val="1600"/>
               <a:buNone/>
-              <a:defRPr b="1" sz="1600"/>
+              <a:defRPr sz="1600" b="1"/>
             </a:lvl4pPr>
-            <a:lvl5pPr indent="-228600" lvl="4" marL="2286000" algn="l">
+            <a:lvl5pPr marL="2286000" lvl="4" indent="-228600" algn="l">
               <a:spcBef>
                 <a:spcPts val="320"/>
               </a:spcBef>
@@ -6535,9 +6723,9 @@
               </a:buClr>
               <a:buSzPts val="1600"/>
               <a:buNone/>
-              <a:defRPr b="1" sz="1600"/>
+              <a:defRPr sz="1600" b="1"/>
             </a:lvl5pPr>
-            <a:lvl6pPr indent="-228600" lvl="5" marL="2743200" algn="l">
+            <a:lvl6pPr marL="2743200" lvl="5" indent="-228600" algn="l">
               <a:spcBef>
                 <a:spcPts val="320"/>
               </a:spcBef>
@@ -6549,9 +6737,9 @@
               </a:buClr>
               <a:buSzPts val="1600"/>
               <a:buNone/>
-              <a:defRPr b="1" sz="1600"/>
+              <a:defRPr sz="1600" b="1"/>
             </a:lvl6pPr>
-            <a:lvl7pPr indent="-228600" lvl="6" marL="3200400" algn="l">
+            <a:lvl7pPr marL="3200400" lvl="6" indent="-228600" algn="l">
               <a:spcBef>
                 <a:spcPts val="320"/>
               </a:spcBef>
@@ -6563,9 +6751,9 @@
               </a:buClr>
               <a:buSzPts val="1600"/>
               <a:buNone/>
-              <a:defRPr b="1" sz="1600"/>
+              <a:defRPr sz="1600" b="1"/>
             </a:lvl7pPr>
-            <a:lvl8pPr indent="-228600" lvl="7" marL="3657600" algn="l">
+            <a:lvl8pPr marL="3657600" lvl="7" indent="-228600" algn="l">
               <a:spcBef>
                 <a:spcPts val="320"/>
               </a:spcBef>
@@ -6577,9 +6765,9 @@
               </a:buClr>
               <a:buSzPts val="1600"/>
               <a:buNone/>
-              <a:defRPr b="1" sz="1600"/>
+              <a:defRPr sz="1600" b="1"/>
             </a:lvl8pPr>
-            <a:lvl9pPr indent="-228600" lvl="8" marL="4114800" algn="l">
+            <a:lvl9pPr marL="4114800" lvl="8" indent="-228600" algn="l">
               <a:spcBef>
                 <a:spcPts val="320"/>
               </a:spcBef>
@@ -6591,18 +6779,22 @@
               </a:buClr>
               <a:buSzPts val="1600"/>
               <a:buNone/>
-              <a:defRPr b="1" sz="1600"/>
+              <a:defRPr sz="1600" b="1"/>
             </a:lvl9pPr>
           </a:lstStyle>
-          <a:p/>
+          <a:p>
+            <a:endParaRPr/>
+          </a:p>
         </p:txBody>
       </p:sp>
       <p:sp>
         <p:nvSpPr>
           <p:cNvPr id="43" name="Google Shape;43;p7"/>
-          <p:cNvSpPr txBox="1"/>
+          <p:cNvSpPr txBox="1">
+            <a:spLocks noGrp="1"/>
+          </p:cNvSpPr>
           <p:nvPr>
-            <p:ph idx="2" type="body"/>
+            <p:ph type="body" idx="2"/>
           </p:nvPr>
         </p:nvSpPr>
         <p:spPr>
@@ -6619,11 +6811,11 @@
           </a:ln>
         </p:spPr>
         <p:txBody>
-          <a:bodyPr anchorCtr="0" anchor="t" bIns="45700" lIns="91425" spcFirstLastPara="1" rIns="91425" wrap="square" tIns="45700">
+          <a:bodyPr spcFirstLastPara="1" wrap="square" lIns="91425" tIns="45700" rIns="91425" bIns="45700" anchor="t" anchorCtr="0">
             <a:normAutofit/>
           </a:bodyPr>
           <a:lstStyle>
-            <a:lvl1pPr indent="-381000" lvl="0" marL="457200" algn="l">
+            <a:lvl1pPr marL="457200" lvl="0" indent="-381000" algn="l">
               <a:spcBef>
                 <a:spcPts val="480"/>
               </a:spcBef>
@@ -6637,7 +6829,7 @@
               <a:buChar char="•"/>
               <a:defRPr sz="2400"/>
             </a:lvl1pPr>
-            <a:lvl2pPr indent="-355600" lvl="1" marL="914400" algn="l">
+            <a:lvl2pPr marL="914400" lvl="1" indent="-355600" algn="l">
               <a:spcBef>
                 <a:spcPts val="400"/>
               </a:spcBef>
@@ -6651,7 +6843,7 @@
               <a:buChar char="–"/>
               <a:defRPr sz="2000"/>
             </a:lvl2pPr>
-            <a:lvl3pPr indent="-342900" lvl="2" marL="1371600" algn="l">
+            <a:lvl3pPr marL="1371600" lvl="2" indent="-342900" algn="l">
               <a:spcBef>
                 <a:spcPts val="360"/>
               </a:spcBef>
@@ -6665,7 +6857,7 @@
               <a:buChar char="•"/>
               <a:defRPr sz="1800"/>
             </a:lvl3pPr>
-            <a:lvl4pPr indent="-330200" lvl="3" marL="1828800" algn="l">
+            <a:lvl4pPr marL="1828800" lvl="3" indent="-330200" algn="l">
               <a:spcBef>
                 <a:spcPts val="320"/>
               </a:spcBef>
@@ -6679,7 +6871,7 @@
               <a:buChar char="–"/>
               <a:defRPr sz="1600"/>
             </a:lvl4pPr>
-            <a:lvl5pPr indent="-330200" lvl="4" marL="2286000" algn="l">
+            <a:lvl5pPr marL="2286000" lvl="4" indent="-330200" algn="l">
               <a:spcBef>
                 <a:spcPts val="320"/>
               </a:spcBef>
@@ -6693,7 +6885,7 @@
               <a:buChar char="»"/>
               <a:defRPr sz="1600"/>
             </a:lvl5pPr>
-            <a:lvl6pPr indent="-330200" lvl="5" marL="2743200" algn="l">
+            <a:lvl6pPr marL="2743200" lvl="5" indent="-330200" algn="l">
               <a:spcBef>
                 <a:spcPts val="320"/>
               </a:spcBef>
@@ -6707,7 +6899,7 @@
               <a:buChar char="•"/>
               <a:defRPr sz="1600"/>
             </a:lvl6pPr>
-            <a:lvl7pPr indent="-330200" lvl="6" marL="3200400" algn="l">
+            <a:lvl7pPr marL="3200400" lvl="6" indent="-330200" algn="l">
               <a:spcBef>
                 <a:spcPts val="320"/>
               </a:spcBef>
@@ -6721,7 +6913,7 @@
               <a:buChar char="•"/>
               <a:defRPr sz="1600"/>
             </a:lvl7pPr>
-            <a:lvl8pPr indent="-330200" lvl="7" marL="3657600" algn="l">
+            <a:lvl8pPr marL="3657600" lvl="7" indent="-330200" algn="l">
               <a:spcBef>
                 <a:spcPts val="320"/>
               </a:spcBef>
@@ -6735,7 +6927,7 @@
               <a:buChar char="•"/>
               <a:defRPr sz="1600"/>
             </a:lvl8pPr>
-            <a:lvl9pPr indent="-330200" lvl="8" marL="4114800" algn="l">
+            <a:lvl9pPr marL="4114800" lvl="8" indent="-330200" algn="l">
               <a:spcBef>
                 <a:spcPts val="320"/>
               </a:spcBef>
@@ -6750,15 +6942,19 @@
               <a:defRPr sz="1600"/>
             </a:lvl9pPr>
           </a:lstStyle>
-          <a:p/>
+          <a:p>
+            <a:endParaRPr/>
+          </a:p>
         </p:txBody>
       </p:sp>
       <p:sp>
         <p:nvSpPr>
           <p:cNvPr id="44" name="Google Shape;44;p7"/>
-          <p:cNvSpPr txBox="1"/>
+          <p:cNvSpPr txBox="1">
+            <a:spLocks noGrp="1"/>
+          </p:cNvSpPr>
           <p:nvPr>
-            <p:ph idx="3" type="body"/>
+            <p:ph type="body" idx="3"/>
           </p:nvPr>
         </p:nvSpPr>
         <p:spPr>
@@ -6775,11 +6971,11 @@
           </a:ln>
         </p:spPr>
         <p:txBody>
-          <a:bodyPr anchorCtr="0" anchor="b" bIns="45700" lIns="91425" spcFirstLastPara="1" rIns="91425" wrap="square" tIns="45700">
+          <a:bodyPr spcFirstLastPara="1" wrap="square" lIns="91425" tIns="45700" rIns="91425" bIns="45700" anchor="b" anchorCtr="0">
             <a:normAutofit/>
           </a:bodyPr>
           <a:lstStyle>
-            <a:lvl1pPr indent="-228600" lvl="0" marL="457200" algn="l">
+            <a:lvl1pPr marL="457200" lvl="0" indent="-228600" algn="l">
               <a:spcBef>
                 <a:spcPts val="480"/>
               </a:spcBef>
@@ -6791,9 +6987,9 @@
               </a:buClr>
               <a:buSzPts val="2400"/>
               <a:buNone/>
-              <a:defRPr b="1" sz="2400"/>
+              <a:defRPr sz="2400" b="1"/>
             </a:lvl1pPr>
-            <a:lvl2pPr indent="-228600" lvl="1" marL="914400" algn="l">
+            <a:lvl2pPr marL="914400" lvl="1" indent="-228600" algn="l">
               <a:spcBef>
                 <a:spcPts val="400"/>
               </a:spcBef>
@@ -6805,9 +7001,9 @@
               </a:buClr>
               <a:buSzPts val="2000"/>
               <a:buNone/>
-              <a:defRPr b="1" sz="2000"/>
+              <a:defRPr sz="2000" b="1"/>
             </a:lvl2pPr>
-            <a:lvl3pPr indent="-228600" lvl="2" marL="1371600" algn="l">
+            <a:lvl3pPr marL="1371600" lvl="2" indent="-228600" algn="l">
               <a:spcBef>
                 <a:spcPts val="360"/>
               </a:spcBef>
@@ -6819,9 +7015,9 @@
               </a:buClr>
               <a:buSzPts val="1800"/>
               <a:buNone/>
-              <a:defRPr b="1" sz="1800"/>
+              <a:defRPr sz="1800" b="1"/>
             </a:lvl3pPr>
-            <a:lvl4pPr indent="-228600" lvl="3" marL="1828800" algn="l">
+            <a:lvl4pPr marL="1828800" lvl="3" indent="-228600" algn="l">
               <a:spcBef>
                 <a:spcPts val="320"/>
               </a:spcBef>
@@ -6833,9 +7029,9 @@
               </a:buClr>
               <a:buSzPts val="1600"/>
               <a:buNone/>
-              <a:defRPr b="1" sz="1600"/>
+              <a:defRPr sz="1600" b="1"/>
             </a:lvl4pPr>
-            <a:lvl5pPr indent="-228600" lvl="4" marL="2286000" algn="l">
+            <a:lvl5pPr marL="2286000" lvl="4" indent="-228600" algn="l">
               <a:spcBef>
                 <a:spcPts val="320"/>
               </a:spcBef>
@@ -6847,9 +7043,9 @@
               </a:buClr>
               <a:buSzPts val="1600"/>
               <a:buNone/>
-              <a:defRPr b="1" sz="1600"/>
+              <a:defRPr sz="1600" b="1"/>
             </a:lvl5pPr>
-            <a:lvl6pPr indent="-228600" lvl="5" marL="2743200" algn="l">
+            <a:lvl6pPr marL="2743200" lvl="5" indent="-228600" algn="l">
               <a:spcBef>
                 <a:spcPts val="320"/>
               </a:spcBef>
@@ -6861,9 +7057,9 @@
               </a:buClr>
               <a:buSzPts val="1600"/>
               <a:buNone/>
-              <a:defRPr b="1" sz="1600"/>
+              <a:defRPr sz="1600" b="1"/>
             </a:lvl6pPr>
-            <a:lvl7pPr indent="-228600" lvl="6" marL="3200400" algn="l">
+            <a:lvl7pPr marL="3200400" lvl="6" indent="-228600" algn="l">
               <a:spcBef>
                 <a:spcPts val="320"/>
               </a:spcBef>
@@ -6875,9 +7071,9 @@
               </a:buClr>
               <a:buSzPts val="1600"/>
               <a:buNone/>
-              <a:defRPr b="1" sz="1600"/>
+              <a:defRPr sz="1600" b="1"/>
             </a:lvl7pPr>
-            <a:lvl8pPr indent="-228600" lvl="7" marL="3657600" algn="l">
+            <a:lvl8pPr marL="3657600" lvl="7" indent="-228600" algn="l">
               <a:spcBef>
                 <a:spcPts val="320"/>
               </a:spcBef>
@@ -6889,9 +7085,9 @@
               </a:buClr>
               <a:buSzPts val="1600"/>
               <a:buNone/>
-              <a:defRPr b="1" sz="1600"/>
+              <a:defRPr sz="1600" b="1"/>
             </a:lvl8pPr>
-            <a:lvl9pPr indent="-228600" lvl="8" marL="4114800" algn="l">
+            <a:lvl9pPr marL="4114800" lvl="8" indent="-228600" algn="l">
               <a:spcBef>
                 <a:spcPts val="320"/>
               </a:spcBef>
@@ -6903,18 +7099,22 @@
               </a:buClr>
               <a:buSzPts val="1600"/>
               <a:buNone/>
-              <a:defRPr b="1" sz="1600"/>
+              <a:defRPr sz="1600" b="1"/>
             </a:lvl9pPr>
           </a:lstStyle>
-          <a:p/>
+          <a:p>
+            <a:endParaRPr/>
+          </a:p>
         </p:txBody>
       </p:sp>
       <p:sp>
         <p:nvSpPr>
           <p:cNvPr id="45" name="Google Shape;45;p7"/>
-          <p:cNvSpPr txBox="1"/>
+          <p:cNvSpPr txBox="1">
+            <a:spLocks noGrp="1"/>
+          </p:cNvSpPr>
           <p:nvPr>
-            <p:ph idx="4" type="body"/>
+            <p:ph type="body" idx="4"/>
           </p:nvPr>
         </p:nvSpPr>
         <p:spPr>
@@ -6931,11 +7131,11 @@
           </a:ln>
         </p:spPr>
         <p:txBody>
-          <a:bodyPr anchorCtr="0" anchor="t" bIns="45700" lIns="91425" spcFirstLastPara="1" rIns="91425" wrap="square" tIns="45700">
+          <a:bodyPr spcFirstLastPara="1" wrap="square" lIns="91425" tIns="45700" rIns="91425" bIns="45700" anchor="t" anchorCtr="0">
             <a:normAutofit/>
           </a:bodyPr>
           <a:lstStyle>
-            <a:lvl1pPr indent="-381000" lvl="0" marL="457200" algn="l">
+            <a:lvl1pPr marL="457200" lvl="0" indent="-381000" algn="l">
               <a:spcBef>
                 <a:spcPts val="480"/>
               </a:spcBef>
@@ -6949,7 +7149,7 @@
               <a:buChar char="•"/>
               <a:defRPr sz="2400"/>
             </a:lvl1pPr>
-            <a:lvl2pPr indent="-355600" lvl="1" marL="914400" algn="l">
+            <a:lvl2pPr marL="914400" lvl="1" indent="-355600" algn="l">
               <a:spcBef>
                 <a:spcPts val="400"/>
               </a:spcBef>
@@ -6963,7 +7163,7 @@
               <a:buChar char="–"/>
               <a:defRPr sz="2000"/>
             </a:lvl2pPr>
-            <a:lvl3pPr indent="-342900" lvl="2" marL="1371600" algn="l">
+            <a:lvl3pPr marL="1371600" lvl="2" indent="-342900" algn="l">
               <a:spcBef>
                 <a:spcPts val="360"/>
               </a:spcBef>
@@ -6977,7 +7177,7 @@
               <a:buChar char="•"/>
               <a:defRPr sz="1800"/>
             </a:lvl3pPr>
-            <a:lvl4pPr indent="-330200" lvl="3" marL="1828800" algn="l">
+            <a:lvl4pPr marL="1828800" lvl="3" indent="-330200" algn="l">
               <a:spcBef>
                 <a:spcPts val="320"/>
               </a:spcBef>
@@ -6991,7 +7191,7 @@
               <a:buChar char="–"/>
               <a:defRPr sz="1600"/>
             </a:lvl4pPr>
-            <a:lvl5pPr indent="-330200" lvl="4" marL="2286000" algn="l">
+            <a:lvl5pPr marL="2286000" lvl="4" indent="-330200" algn="l">
               <a:spcBef>
                 <a:spcPts val="320"/>
               </a:spcBef>
@@ -7005,7 +7205,7 @@
               <a:buChar char="»"/>
               <a:defRPr sz="1600"/>
             </a:lvl5pPr>
-            <a:lvl6pPr indent="-330200" lvl="5" marL="2743200" algn="l">
+            <a:lvl6pPr marL="2743200" lvl="5" indent="-330200" algn="l">
               <a:spcBef>
                 <a:spcPts val="320"/>
               </a:spcBef>
@@ -7019,7 +7219,7 @@
               <a:buChar char="•"/>
               <a:defRPr sz="1600"/>
             </a:lvl6pPr>
-            <a:lvl7pPr indent="-330200" lvl="6" marL="3200400" algn="l">
+            <a:lvl7pPr marL="3200400" lvl="6" indent="-330200" algn="l">
               <a:spcBef>
                 <a:spcPts val="320"/>
               </a:spcBef>
@@ -7033,7 +7233,7 @@
               <a:buChar char="•"/>
               <a:defRPr sz="1600"/>
             </a:lvl7pPr>
-            <a:lvl8pPr indent="-330200" lvl="7" marL="3657600" algn="l">
+            <a:lvl8pPr marL="3657600" lvl="7" indent="-330200" algn="l">
               <a:spcBef>
                 <a:spcPts val="320"/>
               </a:spcBef>
@@ -7047,7 +7247,7 @@
               <a:buChar char="•"/>
               <a:defRPr sz="1600"/>
             </a:lvl8pPr>
-            <a:lvl9pPr indent="-330200" lvl="8" marL="4114800" algn="l">
+            <a:lvl9pPr marL="4114800" lvl="8" indent="-330200" algn="l">
               <a:spcBef>
                 <a:spcPts val="320"/>
               </a:spcBef>
@@ -7062,15 +7262,19 @@
               <a:defRPr sz="1600"/>
             </a:lvl9pPr>
           </a:lstStyle>
-          <a:p/>
+          <a:p>
+            <a:endParaRPr/>
+          </a:p>
         </p:txBody>
       </p:sp>
       <p:sp>
         <p:nvSpPr>
           <p:cNvPr id="46" name="Google Shape;46;p7"/>
-          <p:cNvSpPr txBox="1"/>
+          <p:cNvSpPr txBox="1">
+            <a:spLocks noGrp="1"/>
+          </p:cNvSpPr>
           <p:nvPr>
-            <p:ph idx="10" type="dt"/>
+            <p:ph type="dt" idx="10"/>
           </p:nvPr>
         </p:nvSpPr>
         <p:spPr>
@@ -7087,7 +7291,7 @@
           </a:ln>
         </p:spPr>
         <p:txBody>
-          <a:bodyPr anchorCtr="0" anchor="ctr" bIns="45700" lIns="91425" spcFirstLastPara="1" rIns="91425" wrap="square" tIns="45700">
+          <a:bodyPr spcFirstLastPara="1" wrap="square" lIns="91425" tIns="45700" rIns="91425" bIns="45700" anchor="ctr" anchorCtr="0">
             <a:noAutofit/>
           </a:bodyPr>
           <a:lstStyle>
@@ -7191,15 +7395,19 @@
               <a:defRPr/>
             </a:lvl9pPr>
           </a:lstStyle>
-          <a:p/>
+          <a:p>
+            <a:endParaRPr/>
+          </a:p>
         </p:txBody>
       </p:sp>
       <p:sp>
         <p:nvSpPr>
           <p:cNvPr id="47" name="Google Shape;47;p7"/>
-          <p:cNvSpPr txBox="1"/>
+          <p:cNvSpPr txBox="1">
+            <a:spLocks noGrp="1"/>
+          </p:cNvSpPr>
           <p:nvPr>
-            <p:ph idx="11" type="ftr"/>
+            <p:ph type="ftr" idx="11"/>
           </p:nvPr>
         </p:nvSpPr>
         <p:spPr>
@@ -7216,7 +7424,7 @@
           </a:ln>
         </p:spPr>
         <p:txBody>
-          <a:bodyPr anchorCtr="0" anchor="ctr" bIns="45700" lIns="91425" spcFirstLastPara="1" rIns="91425" wrap="square" tIns="45700">
+          <a:bodyPr spcFirstLastPara="1" wrap="square" lIns="91425" tIns="45700" rIns="91425" bIns="45700" anchor="ctr" anchorCtr="0">
             <a:noAutofit/>
           </a:bodyPr>
           <a:lstStyle>
@@ -7320,15 +7528,19 @@
               <a:defRPr/>
             </a:lvl9pPr>
           </a:lstStyle>
-          <a:p/>
+          <a:p>
+            <a:endParaRPr/>
+          </a:p>
         </p:txBody>
       </p:sp>
       <p:sp>
         <p:nvSpPr>
           <p:cNvPr id="48" name="Google Shape;48;p7"/>
-          <p:cNvSpPr txBox="1"/>
+          <p:cNvSpPr txBox="1">
+            <a:spLocks noGrp="1"/>
+          </p:cNvSpPr>
           <p:nvPr>
-            <p:ph idx="12" type="sldNum"/>
+            <p:ph type="sldNum" idx="12"/>
           </p:nvPr>
         </p:nvSpPr>
         <p:spPr>
@@ -7345,67 +7557,67 @@
           </a:ln>
         </p:spPr>
         <p:txBody>
-          <a:bodyPr anchorCtr="0" anchor="ctr" bIns="45700" lIns="91425" spcFirstLastPara="1" rIns="91425" wrap="square" tIns="45700">
+          <a:bodyPr spcFirstLastPara="1" wrap="square" lIns="91425" tIns="45700" rIns="91425" bIns="45700" anchor="ctr" anchorCtr="0">
             <a:noAutofit/>
           </a:bodyPr>
           <a:lstStyle>
-            <a:lvl1pPr indent="0" lvl="0" marL="0" algn="r">
+            <a:lvl1pPr marL="0" lvl="0" indent="0" algn="r">
               <a:spcBef>
                 <a:spcPts val="0"/>
               </a:spcBef>
               <a:buNone/>
               <a:defRPr/>
             </a:lvl1pPr>
-            <a:lvl2pPr indent="0" lvl="1" marL="0" algn="r">
+            <a:lvl2pPr marL="0" lvl="1" indent="0" algn="r">
               <a:spcBef>
                 <a:spcPts val="0"/>
               </a:spcBef>
               <a:buNone/>
               <a:defRPr/>
             </a:lvl2pPr>
-            <a:lvl3pPr indent="0" lvl="2" marL="0" algn="r">
+            <a:lvl3pPr marL="0" lvl="2" indent="0" algn="r">
               <a:spcBef>
                 <a:spcPts val="0"/>
               </a:spcBef>
               <a:buNone/>
               <a:defRPr/>
             </a:lvl3pPr>
-            <a:lvl4pPr indent="0" lvl="3" marL="0" algn="r">
+            <a:lvl4pPr marL="0" lvl="3" indent="0" algn="r">
               <a:spcBef>
                 <a:spcPts val="0"/>
               </a:spcBef>
               <a:buNone/>
               <a:defRPr/>
             </a:lvl4pPr>
-            <a:lvl5pPr indent="0" lvl="4" marL="0" algn="r">
+            <a:lvl5pPr marL="0" lvl="4" indent="0" algn="r">
               <a:spcBef>
                 <a:spcPts val="0"/>
               </a:spcBef>
               <a:buNone/>
               <a:defRPr/>
             </a:lvl5pPr>
-            <a:lvl6pPr indent="0" lvl="5" marL="0" algn="r">
+            <a:lvl6pPr marL="0" lvl="5" indent="0" algn="r">
               <a:spcBef>
                 <a:spcPts val="0"/>
               </a:spcBef>
               <a:buNone/>
               <a:defRPr/>
             </a:lvl6pPr>
-            <a:lvl7pPr indent="0" lvl="6" marL="0" algn="r">
+            <a:lvl7pPr marL="0" lvl="6" indent="0" algn="r">
               <a:spcBef>
                 <a:spcPts val="0"/>
               </a:spcBef>
               <a:buNone/>
               <a:defRPr/>
             </a:lvl7pPr>
-            <a:lvl8pPr indent="0" lvl="7" marL="0" algn="r">
+            <a:lvl8pPr marL="0" lvl="7" indent="0" algn="r">
               <a:spcBef>
                 <a:spcPts val="0"/>
               </a:spcBef>
               <a:buNone/>
               <a:defRPr/>
             </a:lvl8pPr>
-            <a:lvl9pPr indent="0" lvl="8" marL="0" algn="r">
+            <a:lvl9pPr marL="0" lvl="8" indent="0" algn="r">
               <a:spcBef>
                 <a:spcPts val="0"/>
               </a:spcBef>
@@ -7414,7 +7626,7 @@
             </a:lvl9pPr>
           </a:lstStyle>
           <a:p>
-            <a:pPr indent="0" lvl="0" marL="0" rtl="0" algn="r">
+            <a:pPr marL="0" lvl="0" indent="0" algn="r" rtl="0">
               <a:spcBef>
                 <a:spcPts val="0"/>
               </a:spcBef>
@@ -7440,11 +7652,11 @@
 </file>
 
 <file path=ppt/slideLayouts/slideLayout7.xml><?xml version="1.0" encoding="utf-8"?>
-<p:sldLayout xmlns:a="http://schemas.openxmlformats.org/drawingml/2006/main" xmlns:r="http://schemas.openxmlformats.org/officeDocument/2006/relationships" xmlns:mc="http://schemas.openxmlformats.org/markup-compatibility/2006" xmlns:mv="urn:schemas-microsoft-com:mac:vml" xmlns:p="http://schemas.openxmlformats.org/presentationml/2006/main" xmlns:c="http://schemas.openxmlformats.org/drawingml/2006/chart" xmlns:dgm="http://schemas.openxmlformats.org/drawingml/2006/diagram" xmlns:o="urn:schemas-microsoft-com:office:office" xmlns:v="urn:schemas-microsoft-com:vml" xmlns:pvml="urn:schemas-microsoft-com:office:powerpoint" xmlns:com="http://schemas.openxmlformats.org/drawingml/2006/compatibility" xmlns:p14="http://schemas.microsoft.com/office/powerpoint/2010/main" xmlns:p15="http://schemas.microsoft.com/office/powerpoint/2012/main" xmlns:ahyp="http://schemas.microsoft.com/office/drawing/2018/hyperlinkcolor" matchingName="Title Only" type="titleOnly">
+<p:sldLayout xmlns:a="http://schemas.openxmlformats.org/drawingml/2006/main" xmlns:r="http://schemas.openxmlformats.org/officeDocument/2006/relationships" xmlns:p="http://schemas.openxmlformats.org/presentationml/2006/main" matchingName="Title Only" type="titleOnly">
   <p:cSld name="TITLE_ONLY">
     <p:spTree>
       <p:nvGrpSpPr>
-        <p:cNvPr id="49" name="Shape 49"/>
+        <p:cNvPr id="1" name="Shape 49"/>
         <p:cNvGrpSpPr/>
         <p:nvPr/>
       </p:nvGrpSpPr>
@@ -7459,7 +7671,9 @@
       <p:sp>
         <p:nvSpPr>
           <p:cNvPr id="50" name="Google Shape;50;p8"/>
-          <p:cNvSpPr txBox="1"/>
+          <p:cNvSpPr txBox="1">
+            <a:spLocks noGrp="1"/>
+          </p:cNvSpPr>
           <p:nvPr>
             <p:ph type="title"/>
           </p:nvPr>
@@ -7478,7 +7692,7 @@
           </a:ln>
         </p:spPr>
         <p:txBody>
-          <a:bodyPr anchorCtr="0" anchor="ctr" bIns="45700" lIns="91425" spcFirstLastPara="1" rIns="91425" wrap="square" tIns="45700">
+          <a:bodyPr spcFirstLastPara="1" wrap="square" lIns="91425" tIns="45700" rIns="91425" bIns="45700" anchor="ctr" anchorCtr="0">
             <a:normAutofit/>
           </a:bodyPr>
           <a:lstStyle>
@@ -7585,15 +7799,19 @@
               <a:defRPr/>
             </a:lvl9pPr>
           </a:lstStyle>
-          <a:p/>
+          <a:p>
+            <a:endParaRPr/>
+          </a:p>
         </p:txBody>
       </p:sp>
       <p:sp>
         <p:nvSpPr>
           <p:cNvPr id="51" name="Google Shape;51;p8"/>
-          <p:cNvSpPr txBox="1"/>
+          <p:cNvSpPr txBox="1">
+            <a:spLocks noGrp="1"/>
+          </p:cNvSpPr>
           <p:nvPr>
-            <p:ph idx="10" type="dt"/>
+            <p:ph type="dt" idx="10"/>
           </p:nvPr>
         </p:nvSpPr>
         <p:spPr>
@@ -7610,7 +7828,7 @@
           </a:ln>
         </p:spPr>
         <p:txBody>
-          <a:bodyPr anchorCtr="0" anchor="ctr" bIns="45700" lIns="91425" spcFirstLastPara="1" rIns="91425" wrap="square" tIns="45700">
+          <a:bodyPr spcFirstLastPara="1" wrap="square" lIns="91425" tIns="45700" rIns="91425" bIns="45700" anchor="ctr" anchorCtr="0">
             <a:noAutofit/>
           </a:bodyPr>
           <a:lstStyle>
@@ -7714,15 +7932,19 @@
               <a:defRPr/>
             </a:lvl9pPr>
           </a:lstStyle>
-          <a:p/>
+          <a:p>
+            <a:endParaRPr/>
+          </a:p>
         </p:txBody>
       </p:sp>
       <p:sp>
         <p:nvSpPr>
           <p:cNvPr id="52" name="Google Shape;52;p8"/>
-          <p:cNvSpPr txBox="1"/>
+          <p:cNvSpPr txBox="1">
+            <a:spLocks noGrp="1"/>
+          </p:cNvSpPr>
           <p:nvPr>
-            <p:ph idx="11" type="ftr"/>
+            <p:ph type="ftr" idx="11"/>
           </p:nvPr>
         </p:nvSpPr>
         <p:spPr>
@@ -7739,7 +7961,7 @@
           </a:ln>
         </p:spPr>
         <p:txBody>
-          <a:bodyPr anchorCtr="0" anchor="ctr" bIns="45700" lIns="91425" spcFirstLastPara="1" rIns="91425" wrap="square" tIns="45700">
+          <a:bodyPr spcFirstLastPara="1" wrap="square" lIns="91425" tIns="45700" rIns="91425" bIns="45700" anchor="ctr" anchorCtr="0">
             <a:noAutofit/>
           </a:bodyPr>
           <a:lstStyle>
@@ -7843,15 +8065,19 @@
               <a:defRPr/>
             </a:lvl9pPr>
           </a:lstStyle>
-          <a:p/>
+          <a:p>
+            <a:endParaRPr/>
+          </a:p>
         </p:txBody>
       </p:sp>
       <p:sp>
         <p:nvSpPr>
           <p:cNvPr id="53" name="Google Shape;53;p8"/>
-          <p:cNvSpPr txBox="1"/>
+          <p:cNvSpPr txBox="1">
+            <a:spLocks noGrp="1"/>
+          </p:cNvSpPr>
           <p:nvPr>
-            <p:ph idx="12" type="sldNum"/>
+            <p:ph type="sldNum" idx="12"/>
           </p:nvPr>
         </p:nvSpPr>
         <p:spPr>
@@ -7868,67 +8094,67 @@
           </a:ln>
         </p:spPr>
         <p:txBody>
-          <a:bodyPr anchorCtr="0" anchor="ctr" bIns="45700" lIns="91425" spcFirstLastPara="1" rIns="91425" wrap="square" tIns="45700">
+          <a:bodyPr spcFirstLastPara="1" wrap="square" lIns="91425" tIns="45700" rIns="91425" bIns="45700" anchor="ctr" anchorCtr="0">
             <a:noAutofit/>
           </a:bodyPr>
           <a:lstStyle>
-            <a:lvl1pPr indent="0" lvl="0" marL="0" algn="r">
+            <a:lvl1pPr marL="0" lvl="0" indent="0" algn="r">
               <a:spcBef>
                 <a:spcPts val="0"/>
               </a:spcBef>
               <a:buNone/>
               <a:defRPr/>
             </a:lvl1pPr>
-            <a:lvl2pPr indent="0" lvl="1" marL="0" algn="r">
+            <a:lvl2pPr marL="0" lvl="1" indent="0" algn="r">
               <a:spcBef>
                 <a:spcPts val="0"/>
               </a:spcBef>
               <a:buNone/>
               <a:defRPr/>
             </a:lvl2pPr>
-            <a:lvl3pPr indent="0" lvl="2" marL="0" algn="r">
+            <a:lvl3pPr marL="0" lvl="2" indent="0" algn="r">
               <a:spcBef>
                 <a:spcPts val="0"/>
               </a:spcBef>
               <a:buNone/>
               <a:defRPr/>
             </a:lvl3pPr>
-            <a:lvl4pPr indent="0" lvl="3" marL="0" algn="r">
+            <a:lvl4pPr marL="0" lvl="3" indent="0" algn="r">
               <a:spcBef>
                 <a:spcPts val="0"/>
               </a:spcBef>
               <a:buNone/>
               <a:defRPr/>
             </a:lvl4pPr>
-            <a:lvl5pPr indent="0" lvl="4" marL="0" algn="r">
+            <a:lvl5pPr marL="0" lvl="4" indent="0" algn="r">
               <a:spcBef>
                 <a:spcPts val="0"/>
               </a:spcBef>
               <a:buNone/>
               <a:defRPr/>
             </a:lvl5pPr>
-            <a:lvl6pPr indent="0" lvl="5" marL="0" algn="r">
+            <a:lvl6pPr marL="0" lvl="5" indent="0" algn="r">
               <a:spcBef>
                 <a:spcPts val="0"/>
               </a:spcBef>
               <a:buNone/>
               <a:defRPr/>
             </a:lvl6pPr>
-            <a:lvl7pPr indent="0" lvl="6" marL="0" algn="r">
+            <a:lvl7pPr marL="0" lvl="6" indent="0" algn="r">
               <a:spcBef>
                 <a:spcPts val="0"/>
               </a:spcBef>
               <a:buNone/>
               <a:defRPr/>
             </a:lvl7pPr>
-            <a:lvl8pPr indent="0" lvl="7" marL="0" algn="r">
+            <a:lvl8pPr marL="0" lvl="7" indent="0" algn="r">
               <a:spcBef>
                 <a:spcPts val="0"/>
               </a:spcBef>
               <a:buNone/>
               <a:defRPr/>
             </a:lvl8pPr>
-            <a:lvl9pPr indent="0" lvl="8" marL="0" algn="r">
+            <a:lvl9pPr marL="0" lvl="8" indent="0" algn="r">
               <a:spcBef>
                 <a:spcPts val="0"/>
               </a:spcBef>
@@ -7937,7 +8163,7 @@
             </a:lvl9pPr>
           </a:lstStyle>
           <a:p>
-            <a:pPr indent="0" lvl="0" marL="0" rtl="0" algn="r">
+            <a:pPr marL="0" lvl="0" indent="0" algn="r" rtl="0">
               <a:spcBef>
                 <a:spcPts val="0"/>
               </a:spcBef>
@@ -7963,11 +8189,11 @@
 </file>
 
 <file path=ppt/slideLayouts/slideLayout8.xml><?xml version="1.0" encoding="utf-8"?>
-<p:sldLayout xmlns:a="http://schemas.openxmlformats.org/drawingml/2006/main" xmlns:r="http://schemas.openxmlformats.org/officeDocument/2006/relationships" xmlns:mc="http://schemas.openxmlformats.org/markup-compatibility/2006" xmlns:mv="urn:schemas-microsoft-com:mac:vml" xmlns:p="http://schemas.openxmlformats.org/presentationml/2006/main" xmlns:c="http://schemas.openxmlformats.org/drawingml/2006/chart" xmlns:dgm="http://schemas.openxmlformats.org/drawingml/2006/diagram" xmlns:o="urn:schemas-microsoft-com:office:office" xmlns:v="urn:schemas-microsoft-com:vml" xmlns:pvml="urn:schemas-microsoft-com:office:powerpoint" xmlns:com="http://schemas.openxmlformats.org/drawingml/2006/compatibility" xmlns:p14="http://schemas.microsoft.com/office/powerpoint/2010/main" xmlns:p15="http://schemas.microsoft.com/office/powerpoint/2012/main" xmlns:ahyp="http://schemas.microsoft.com/office/drawing/2018/hyperlinkcolor" matchingName="Content with Caption" type="objTx">
+<p:sldLayout xmlns:a="http://schemas.openxmlformats.org/drawingml/2006/main" xmlns:r="http://schemas.openxmlformats.org/officeDocument/2006/relationships" xmlns:p="http://schemas.openxmlformats.org/presentationml/2006/main" matchingName="Content with Caption" type="objTx">
   <p:cSld name="OBJECT_WITH_CAPTION_TEXT">
     <p:spTree>
       <p:nvGrpSpPr>
-        <p:cNvPr id="54" name="Shape 54"/>
+        <p:cNvPr id="1" name="Shape 54"/>
         <p:cNvGrpSpPr/>
         <p:nvPr/>
       </p:nvGrpSpPr>
@@ -7982,7 +8208,9 @@
       <p:sp>
         <p:nvSpPr>
           <p:cNvPr id="55" name="Google Shape;55;p9"/>
-          <p:cNvSpPr txBox="1"/>
+          <p:cNvSpPr txBox="1">
+            <a:spLocks noGrp="1"/>
+          </p:cNvSpPr>
           <p:nvPr>
             <p:ph type="title"/>
           </p:nvPr>
@@ -8001,7 +8229,7 @@
           </a:ln>
         </p:spPr>
         <p:txBody>
-          <a:bodyPr anchorCtr="0" anchor="b" bIns="45700" lIns="91425" spcFirstLastPara="1" rIns="91425" wrap="square" tIns="45700">
+          <a:bodyPr spcFirstLastPara="1" wrap="square" lIns="91425" tIns="45700" rIns="91425" bIns="45700" anchor="b" anchorCtr="0">
             <a:normAutofit/>
           </a:bodyPr>
           <a:lstStyle>
@@ -8018,7 +8246,7 @@
               <a:buSzPts val="2000"/>
               <a:buFont typeface="Calibri"/>
               <a:buNone/>
-              <a:defRPr b="1" sz="2000"/>
+              <a:defRPr sz="2000" b="1"/>
             </a:lvl1pPr>
             <a:lvl2pPr lvl="1">
               <a:spcBef>
@@ -8109,15 +8337,19 @@
               <a:defRPr/>
             </a:lvl9pPr>
           </a:lstStyle>
-          <a:p/>
+          <a:p>
+            <a:endParaRPr/>
+          </a:p>
         </p:txBody>
       </p:sp>
       <p:sp>
         <p:nvSpPr>
           <p:cNvPr id="56" name="Google Shape;56;p9"/>
-          <p:cNvSpPr txBox="1"/>
+          <p:cNvSpPr txBox="1">
+            <a:spLocks noGrp="1"/>
+          </p:cNvSpPr>
           <p:nvPr>
-            <p:ph idx="1" type="body"/>
+            <p:ph type="body" idx="1"/>
           </p:nvPr>
         </p:nvSpPr>
         <p:spPr>
@@ -8134,11 +8366,11 @@
           </a:ln>
         </p:spPr>
         <p:txBody>
-          <a:bodyPr anchorCtr="0" anchor="t" bIns="45700" lIns="91425" spcFirstLastPara="1" rIns="91425" wrap="square" tIns="45700">
+          <a:bodyPr spcFirstLastPara="1" wrap="square" lIns="91425" tIns="45700" rIns="91425" bIns="45700" anchor="t" anchorCtr="0">
             <a:normAutofit/>
           </a:bodyPr>
           <a:lstStyle>
-            <a:lvl1pPr indent="-431800" lvl="0" marL="457200" algn="l">
+            <a:lvl1pPr marL="457200" lvl="0" indent="-431800" algn="l">
               <a:spcBef>
                 <a:spcPts val="640"/>
               </a:spcBef>
@@ -8152,7 +8384,7 @@
               <a:buChar char="•"/>
               <a:defRPr sz="3200"/>
             </a:lvl1pPr>
-            <a:lvl2pPr indent="-406400" lvl="1" marL="914400" algn="l">
+            <a:lvl2pPr marL="914400" lvl="1" indent="-406400" algn="l">
               <a:spcBef>
                 <a:spcPts val="560"/>
               </a:spcBef>
@@ -8166,7 +8398,7 @@
               <a:buChar char="–"/>
               <a:defRPr sz="2800"/>
             </a:lvl2pPr>
-            <a:lvl3pPr indent="-381000" lvl="2" marL="1371600" algn="l">
+            <a:lvl3pPr marL="1371600" lvl="2" indent="-381000" algn="l">
               <a:spcBef>
                 <a:spcPts val="480"/>
               </a:spcBef>
@@ -8180,7 +8412,7 @@
               <a:buChar char="•"/>
               <a:defRPr sz="2400"/>
             </a:lvl3pPr>
-            <a:lvl4pPr indent="-355600" lvl="3" marL="1828800" algn="l">
+            <a:lvl4pPr marL="1828800" lvl="3" indent="-355600" algn="l">
               <a:spcBef>
                 <a:spcPts val="400"/>
               </a:spcBef>
@@ -8194,7 +8426,7 @@
               <a:buChar char="–"/>
               <a:defRPr sz="2000"/>
             </a:lvl4pPr>
-            <a:lvl5pPr indent="-355600" lvl="4" marL="2286000" algn="l">
+            <a:lvl5pPr marL="2286000" lvl="4" indent="-355600" algn="l">
               <a:spcBef>
                 <a:spcPts val="400"/>
               </a:spcBef>
@@ -8208,7 +8440,7 @@
               <a:buChar char="»"/>
               <a:defRPr sz="2000"/>
             </a:lvl5pPr>
-            <a:lvl6pPr indent="-355600" lvl="5" marL="2743200" algn="l">
+            <a:lvl6pPr marL="2743200" lvl="5" indent="-355600" algn="l">
               <a:spcBef>
                 <a:spcPts val="400"/>
               </a:spcBef>
@@ -8222,7 +8454,7 @@
               <a:buChar char="•"/>
               <a:defRPr sz="2000"/>
             </a:lvl6pPr>
-            <a:lvl7pPr indent="-355600" lvl="6" marL="3200400" algn="l">
+            <a:lvl7pPr marL="3200400" lvl="6" indent="-355600" algn="l">
               <a:spcBef>
                 <a:spcPts val="400"/>
               </a:spcBef>
@@ -8236,7 +8468,7 @@
               <a:buChar char="•"/>
               <a:defRPr sz="2000"/>
             </a:lvl7pPr>
-            <a:lvl8pPr indent="-355600" lvl="7" marL="3657600" algn="l">
+            <a:lvl8pPr marL="3657600" lvl="7" indent="-355600" algn="l">
               <a:spcBef>
                 <a:spcPts val="400"/>
               </a:spcBef>
@@ -8250,7 +8482,7 @@
               <a:buChar char="•"/>
               <a:defRPr sz="2000"/>
             </a:lvl8pPr>
-            <a:lvl9pPr indent="-355600" lvl="8" marL="4114800" algn="l">
+            <a:lvl9pPr marL="4114800" lvl="8" indent="-355600" algn="l">
               <a:spcBef>
                 <a:spcPts val="400"/>
               </a:spcBef>
@@ -8265,15 +8497,19 @@
               <a:defRPr sz="2000"/>
             </a:lvl9pPr>
           </a:lstStyle>
-          <a:p/>
+          <a:p>
+            <a:endParaRPr/>
+          </a:p>
         </p:txBody>
       </p:sp>
       <p:sp>
         <p:nvSpPr>
           <p:cNvPr id="57" name="Google Shape;57;p9"/>
-          <p:cNvSpPr txBox="1"/>
+          <p:cNvSpPr txBox="1">
+            <a:spLocks noGrp="1"/>
+          </p:cNvSpPr>
           <p:nvPr>
-            <p:ph idx="2" type="body"/>
+            <p:ph type="body" idx="2"/>
           </p:nvPr>
         </p:nvSpPr>
         <p:spPr>
@@ -8290,11 +8526,11 @@
           </a:ln>
         </p:spPr>
         <p:txBody>
-          <a:bodyPr anchorCtr="0" anchor="t" bIns="45700" lIns="91425" spcFirstLastPara="1" rIns="91425" wrap="square" tIns="45700">
+          <a:bodyPr spcFirstLastPara="1" wrap="square" lIns="91425" tIns="45700" rIns="91425" bIns="45700" anchor="t" anchorCtr="0">
             <a:normAutofit/>
           </a:bodyPr>
           <a:lstStyle>
-            <a:lvl1pPr indent="-228600" lvl="0" marL="457200" algn="l">
+            <a:lvl1pPr marL="457200" lvl="0" indent="-228600" algn="l">
               <a:spcBef>
                 <a:spcPts val="280"/>
               </a:spcBef>
@@ -8308,7 +8544,7 @@
               <a:buNone/>
               <a:defRPr sz="1400"/>
             </a:lvl1pPr>
-            <a:lvl2pPr indent="-228600" lvl="1" marL="914400" algn="l">
+            <a:lvl2pPr marL="914400" lvl="1" indent="-228600" algn="l">
               <a:spcBef>
                 <a:spcPts val="240"/>
               </a:spcBef>
@@ -8322,7 +8558,7 @@
               <a:buNone/>
               <a:defRPr sz="1200"/>
             </a:lvl2pPr>
-            <a:lvl3pPr indent="-228600" lvl="2" marL="1371600" algn="l">
+            <a:lvl3pPr marL="1371600" lvl="2" indent="-228600" algn="l">
               <a:spcBef>
                 <a:spcPts val="200"/>
               </a:spcBef>
@@ -8336,7 +8572,7 @@
               <a:buNone/>
               <a:defRPr sz="1000"/>
             </a:lvl3pPr>
-            <a:lvl4pPr indent="-228600" lvl="3" marL="1828800" algn="l">
+            <a:lvl4pPr marL="1828800" lvl="3" indent="-228600" algn="l">
               <a:spcBef>
                 <a:spcPts val="180"/>
               </a:spcBef>
@@ -8350,7 +8586,7 @@
               <a:buNone/>
               <a:defRPr sz="900"/>
             </a:lvl4pPr>
-            <a:lvl5pPr indent="-228600" lvl="4" marL="2286000" algn="l">
+            <a:lvl5pPr marL="2286000" lvl="4" indent="-228600" algn="l">
               <a:spcBef>
                 <a:spcPts val="180"/>
               </a:spcBef>
@@ -8364,7 +8600,7 @@
               <a:buNone/>
               <a:defRPr sz="900"/>
             </a:lvl5pPr>
-            <a:lvl6pPr indent="-228600" lvl="5" marL="2743200" algn="l">
+            <a:lvl6pPr marL="2743200" lvl="5" indent="-228600" algn="l">
               <a:spcBef>
                 <a:spcPts val="180"/>
               </a:spcBef>
@@ -8378,7 +8614,7 @@
               <a:buNone/>
               <a:defRPr sz="900"/>
             </a:lvl6pPr>
-            <a:lvl7pPr indent="-228600" lvl="6" marL="3200400" algn="l">
+            <a:lvl7pPr marL="3200400" lvl="6" indent="-228600" algn="l">
               <a:spcBef>
                 <a:spcPts val="180"/>
               </a:spcBef>
@@ -8392,7 +8628,7 @@
               <a:buNone/>
               <a:defRPr sz="900"/>
             </a:lvl7pPr>
-            <a:lvl8pPr indent="-228600" lvl="7" marL="3657600" algn="l">
+            <a:lvl8pPr marL="3657600" lvl="7" indent="-228600" algn="l">
               <a:spcBef>
                 <a:spcPts val="180"/>
               </a:spcBef>
@@ -8406,7 +8642,7 @@
               <a:buNone/>
               <a:defRPr sz="900"/>
             </a:lvl8pPr>
-            <a:lvl9pPr indent="-228600" lvl="8" marL="4114800" algn="l">
+            <a:lvl9pPr marL="4114800" lvl="8" indent="-228600" algn="l">
               <a:spcBef>
                 <a:spcPts val="180"/>
               </a:spcBef>
@@ -8421,15 +8657,19 @@
               <a:defRPr sz="900"/>
             </a:lvl9pPr>
           </a:lstStyle>
-          <a:p/>
+          <a:p>
+            <a:endParaRPr/>
+          </a:p>
         </p:txBody>
       </p:sp>
       <p:sp>
         <p:nvSpPr>
           <p:cNvPr id="58" name="Google Shape;58;p9"/>
-          <p:cNvSpPr txBox="1"/>
+          <p:cNvSpPr txBox="1">
+            <a:spLocks noGrp="1"/>
+          </p:cNvSpPr>
           <p:nvPr>
-            <p:ph idx="10" type="dt"/>
+            <p:ph type="dt" idx="10"/>
           </p:nvPr>
         </p:nvSpPr>
         <p:spPr>
@@ -8446,7 +8686,7 @@
           </a:ln>
         </p:spPr>
         <p:txBody>
-          <a:bodyPr anchorCtr="0" anchor="ctr" bIns="45700" lIns="91425" spcFirstLastPara="1" rIns="91425" wrap="square" tIns="45700">
+          <a:bodyPr spcFirstLastPara="1" wrap="square" lIns="91425" tIns="45700" rIns="91425" bIns="45700" anchor="ctr" anchorCtr="0">
             <a:noAutofit/>
           </a:bodyPr>
           <a:lstStyle>
@@ -8550,15 +8790,19 @@
               <a:defRPr/>
             </a:lvl9pPr>
           </a:lstStyle>
-          <a:p/>
+          <a:p>
+            <a:endParaRPr/>
+          </a:p>
         </p:txBody>
       </p:sp>
       <p:sp>
         <p:nvSpPr>
           <p:cNvPr id="59" name="Google Shape;59;p9"/>
-          <p:cNvSpPr txBox="1"/>
+          <p:cNvSpPr txBox="1">
+            <a:spLocks noGrp="1"/>
+          </p:cNvSpPr>
           <p:nvPr>
-            <p:ph idx="11" type="ftr"/>
+            <p:ph type="ftr" idx="11"/>
           </p:nvPr>
         </p:nvSpPr>
         <p:spPr>
@@ -8575,7 +8819,7 @@
           </a:ln>
         </p:spPr>
         <p:txBody>
-          <a:bodyPr anchorCtr="0" anchor="ctr" bIns="45700" lIns="91425" spcFirstLastPara="1" rIns="91425" wrap="square" tIns="45700">
+          <a:bodyPr spcFirstLastPara="1" wrap="square" lIns="91425" tIns="45700" rIns="91425" bIns="45700" anchor="ctr" anchorCtr="0">
             <a:noAutofit/>
           </a:bodyPr>
           <a:lstStyle>
@@ -8679,15 +8923,19 @@
               <a:defRPr/>
             </a:lvl9pPr>
           </a:lstStyle>
-          <a:p/>
+          <a:p>
+            <a:endParaRPr/>
+          </a:p>
         </p:txBody>
       </p:sp>
       <p:sp>
         <p:nvSpPr>
           <p:cNvPr id="60" name="Google Shape;60;p9"/>
-          <p:cNvSpPr txBox="1"/>
+          <p:cNvSpPr txBox="1">
+            <a:spLocks noGrp="1"/>
+          </p:cNvSpPr>
           <p:nvPr>
-            <p:ph idx="12" type="sldNum"/>
+            <p:ph type="sldNum" idx="12"/>
           </p:nvPr>
         </p:nvSpPr>
         <p:spPr>
@@ -8704,67 +8952,67 @@
           </a:ln>
         </p:spPr>
         <p:txBody>
-          <a:bodyPr anchorCtr="0" anchor="ctr" bIns="45700" lIns="91425" spcFirstLastPara="1" rIns="91425" wrap="square" tIns="45700">
+          <a:bodyPr spcFirstLastPara="1" wrap="square" lIns="91425" tIns="45700" rIns="91425" bIns="45700" anchor="ctr" anchorCtr="0">
             <a:noAutofit/>
           </a:bodyPr>
           <a:lstStyle>
-            <a:lvl1pPr indent="0" lvl="0" marL="0" algn="r">
+            <a:lvl1pPr marL="0" lvl="0" indent="0" algn="r">
               <a:spcBef>
                 <a:spcPts val="0"/>
               </a:spcBef>
               <a:buNone/>
               <a:defRPr/>
             </a:lvl1pPr>
-            <a:lvl2pPr indent="0" lvl="1" marL="0" algn="r">
+            <a:lvl2pPr marL="0" lvl="1" indent="0" algn="r">
               <a:spcBef>
                 <a:spcPts val="0"/>
               </a:spcBef>
               <a:buNone/>
               <a:defRPr/>
             </a:lvl2pPr>
-            <a:lvl3pPr indent="0" lvl="2" marL="0" algn="r">
+            <a:lvl3pPr marL="0" lvl="2" indent="0" algn="r">
               <a:spcBef>
                 <a:spcPts val="0"/>
               </a:spcBef>
               <a:buNone/>
               <a:defRPr/>
             </a:lvl3pPr>
-            <a:lvl4pPr indent="0" lvl="3" marL="0" algn="r">
+            <a:lvl4pPr marL="0" lvl="3" indent="0" algn="r">
               <a:spcBef>
                 <a:spcPts val="0"/>
               </a:spcBef>
               <a:buNone/>
               <a:defRPr/>
             </a:lvl4pPr>
-            <a:lvl5pPr indent="0" lvl="4" marL="0" algn="r">
+            <a:lvl5pPr marL="0" lvl="4" indent="0" algn="r">
               <a:spcBef>
                 <a:spcPts val="0"/>
               </a:spcBef>
               <a:buNone/>
               <a:defRPr/>
             </a:lvl5pPr>
-            <a:lvl6pPr indent="0" lvl="5" marL="0" algn="r">
+            <a:lvl6pPr marL="0" lvl="5" indent="0" algn="r">
               <a:spcBef>
                 <a:spcPts val="0"/>
               </a:spcBef>
               <a:buNone/>
               <a:defRPr/>
             </a:lvl6pPr>
-            <a:lvl7pPr indent="0" lvl="6" marL="0" algn="r">
+            <a:lvl7pPr marL="0" lvl="6" indent="0" algn="r">
               <a:spcBef>
                 <a:spcPts val="0"/>
               </a:spcBef>
               <a:buNone/>
               <a:defRPr/>
             </a:lvl7pPr>
-            <a:lvl8pPr indent="0" lvl="7" marL="0" algn="r">
+            <a:lvl8pPr marL="0" lvl="7" indent="0" algn="r">
               <a:spcBef>
                 <a:spcPts val="0"/>
               </a:spcBef>
               <a:buNone/>
               <a:defRPr/>
             </a:lvl8pPr>
-            <a:lvl9pPr indent="0" lvl="8" marL="0" algn="r">
+            <a:lvl9pPr marL="0" lvl="8" indent="0" algn="r">
               <a:spcBef>
                 <a:spcPts val="0"/>
               </a:spcBef>
@@ -8773,7 +9021,7 @@
             </a:lvl9pPr>
           </a:lstStyle>
           <a:p>
-            <a:pPr indent="0" lvl="0" marL="0" rtl="0" algn="r">
+            <a:pPr marL="0" lvl="0" indent="0" algn="r" rtl="0">
               <a:spcBef>
                 <a:spcPts val="0"/>
               </a:spcBef>
@@ -8799,11 +9047,11 @@
 </file>
 
 <file path=ppt/slideLayouts/slideLayout9.xml><?xml version="1.0" encoding="utf-8"?>
-<p:sldLayout xmlns:a="http://schemas.openxmlformats.org/drawingml/2006/main" xmlns:r="http://schemas.openxmlformats.org/officeDocument/2006/relationships" xmlns:mc="http://schemas.openxmlformats.org/markup-compatibility/2006" xmlns:mv="urn:schemas-microsoft-com:mac:vml" xmlns:p="http://schemas.openxmlformats.org/presentationml/2006/main" xmlns:c="http://schemas.openxmlformats.org/drawingml/2006/chart" xmlns:dgm="http://schemas.openxmlformats.org/drawingml/2006/diagram" xmlns:o="urn:schemas-microsoft-com:office:office" xmlns:v="urn:schemas-microsoft-com:vml" xmlns:pvml="urn:schemas-microsoft-com:office:powerpoint" xmlns:com="http://schemas.openxmlformats.org/drawingml/2006/compatibility" xmlns:p14="http://schemas.microsoft.com/office/powerpoint/2010/main" xmlns:p15="http://schemas.microsoft.com/office/powerpoint/2012/main" xmlns:ahyp="http://schemas.microsoft.com/office/drawing/2018/hyperlinkcolor" matchingName="Picture with Caption" type="picTx">
+<p:sldLayout xmlns:a="http://schemas.openxmlformats.org/drawingml/2006/main" xmlns:r="http://schemas.openxmlformats.org/officeDocument/2006/relationships" xmlns:p="http://schemas.openxmlformats.org/presentationml/2006/main" matchingName="Picture with Caption" type="picTx">
   <p:cSld name="PICTURE_WITH_CAPTION_TEXT">
     <p:spTree>
       <p:nvGrpSpPr>
-        <p:cNvPr id="61" name="Shape 61"/>
+        <p:cNvPr id="1" name="Shape 61"/>
         <p:cNvGrpSpPr/>
         <p:nvPr/>
       </p:nvGrpSpPr>
@@ -8818,7 +9066,9 @@
       <p:sp>
         <p:nvSpPr>
           <p:cNvPr id="62" name="Google Shape;62;p10"/>
-          <p:cNvSpPr txBox="1"/>
+          <p:cNvSpPr txBox="1">
+            <a:spLocks noGrp="1"/>
+          </p:cNvSpPr>
           <p:nvPr>
             <p:ph type="title"/>
           </p:nvPr>
@@ -8837,7 +9087,7 @@
           </a:ln>
         </p:spPr>
         <p:txBody>
-          <a:bodyPr anchorCtr="0" anchor="b" bIns="45700" lIns="91425" spcFirstLastPara="1" rIns="91425" wrap="square" tIns="45700">
+          <a:bodyPr spcFirstLastPara="1" wrap="square" lIns="91425" tIns="45700" rIns="91425" bIns="45700" anchor="b" anchorCtr="0">
             <a:normAutofit/>
           </a:bodyPr>
           <a:lstStyle>
@@ -8854,7 +9104,7 @@
               <a:buSzPts val="2000"/>
               <a:buFont typeface="Calibri"/>
               <a:buNone/>
-              <a:defRPr b="1" sz="2000"/>
+              <a:defRPr sz="2000" b="1"/>
             </a:lvl1pPr>
             <a:lvl2pPr lvl="1">
               <a:spcBef>
@@ -8945,15 +9195,19 @@
               <a:defRPr/>
             </a:lvl9pPr>
           </a:lstStyle>
-          <a:p/>
+          <a:p>
+            <a:endParaRPr/>
+          </a:p>
         </p:txBody>
       </p:sp>
       <p:sp>
         <p:nvSpPr>
           <p:cNvPr id="63" name="Google Shape;63;p10"/>
-          <p:cNvSpPr/>
+          <p:cNvSpPr>
+            <a:spLocks noGrp="1"/>
+          </p:cNvSpPr>
           <p:nvPr>
-            <p:ph idx="2" type="pic"/>
+            <p:ph type="pic" idx="2"/>
           </p:nvPr>
         </p:nvSpPr>
         <p:spPr>
@@ -8973,9 +9227,11 @@
       <p:sp>
         <p:nvSpPr>
           <p:cNvPr id="64" name="Google Shape;64;p10"/>
-          <p:cNvSpPr txBox="1"/>
+          <p:cNvSpPr txBox="1">
+            <a:spLocks noGrp="1"/>
+          </p:cNvSpPr>
           <p:nvPr>
-            <p:ph idx="1" type="body"/>
+            <p:ph type="body" idx="1"/>
           </p:nvPr>
         </p:nvSpPr>
         <p:spPr>
@@ -8992,11 +9248,11 @@
           </a:ln>
         </p:spPr>
         <p:txBody>
-          <a:bodyPr anchorCtr="0" anchor="t" bIns="45700" lIns="91425" spcFirstLastPara="1" rIns="91425" wrap="square" tIns="45700">
+          <a:bodyPr spcFirstLastPara="1" wrap="square" lIns="91425" tIns="45700" rIns="91425" bIns="45700" anchor="t" anchorCtr="0">
             <a:normAutofit/>
           </a:bodyPr>
           <a:lstStyle>
-            <a:lvl1pPr indent="-228600" lvl="0" marL="457200" algn="l">
+            <a:lvl1pPr marL="457200" lvl="0" indent="-228600" algn="l">
               <a:spcBef>
                 <a:spcPts val="280"/>
               </a:spcBef>
@@ -9010,7 +9266,7 @@
               <a:buNone/>
               <a:defRPr sz="1400"/>
             </a:lvl1pPr>
-            <a:lvl2pPr indent="-228600" lvl="1" marL="914400" algn="l">
+            <a:lvl2pPr marL="914400" lvl="1" indent="-228600" algn="l">
               <a:spcBef>
                 <a:spcPts val="240"/>
               </a:spcBef>
@@ -9024,7 +9280,7 @@
               <a:buNone/>
               <a:defRPr sz="1200"/>
             </a:lvl2pPr>
-            <a:lvl3pPr indent="-228600" lvl="2" marL="1371600" algn="l">
+            <a:lvl3pPr marL="1371600" lvl="2" indent="-228600" algn="l">
               <a:spcBef>
                 <a:spcPts val="200"/>
               </a:spcBef>
@@ -9038,7 +9294,7 @@
               <a:buNone/>
               <a:defRPr sz="1000"/>
             </a:lvl3pPr>
-            <a:lvl4pPr indent="-228600" lvl="3" marL="1828800" algn="l">
+            <a:lvl4pPr marL="1828800" lvl="3" indent="-228600" algn="l">
               <a:spcBef>
                 <a:spcPts val="180"/>
               </a:spcBef>
@@ -9052,7 +9308,7 @@
               <a:buNone/>
               <a:defRPr sz="900"/>
             </a:lvl4pPr>
-            <a:lvl5pPr indent="-228600" lvl="4" marL="2286000" algn="l">
+            <a:lvl5pPr marL="2286000" lvl="4" indent="-228600" algn="l">
               <a:spcBef>
                 <a:spcPts val="180"/>
               </a:spcBef>
@@ -9066,7 +9322,7 @@
               <a:buNone/>
               <a:defRPr sz="900"/>
             </a:lvl5pPr>
-            <a:lvl6pPr indent="-228600" lvl="5" marL="2743200" algn="l">
+            <a:lvl6pPr marL="2743200" lvl="5" indent="-228600" algn="l">
               <a:spcBef>
                 <a:spcPts val="180"/>
               </a:spcBef>
@@ -9080,7 +9336,7 @@
               <a:buNone/>
               <a:defRPr sz="900"/>
             </a:lvl6pPr>
-            <a:lvl7pPr indent="-228600" lvl="6" marL="3200400" algn="l">
+            <a:lvl7pPr marL="3200400" lvl="6" indent="-228600" algn="l">
               <a:spcBef>
                 <a:spcPts val="180"/>
               </a:spcBef>
@@ -9094,7 +9350,7 @@
               <a:buNone/>
               <a:defRPr sz="900"/>
             </a:lvl7pPr>
-            <a:lvl8pPr indent="-228600" lvl="7" marL="3657600" algn="l">
+            <a:lvl8pPr marL="3657600" lvl="7" indent="-228600" algn="l">
               <a:spcBef>
                 <a:spcPts val="180"/>
               </a:spcBef>
@@ -9108,7 +9364,7 @@
               <a:buNone/>
               <a:defRPr sz="900"/>
             </a:lvl8pPr>
-            <a:lvl9pPr indent="-228600" lvl="8" marL="4114800" algn="l">
+            <a:lvl9pPr marL="4114800" lvl="8" indent="-228600" algn="l">
               <a:spcBef>
                 <a:spcPts val="180"/>
               </a:spcBef>
@@ -9123,15 +9379,19 @@
               <a:defRPr sz="900"/>
             </a:lvl9pPr>
           </a:lstStyle>
-          <a:p/>
+          <a:p>
+            <a:endParaRPr/>
+          </a:p>
         </p:txBody>
       </p:sp>
       <p:sp>
         <p:nvSpPr>
           <p:cNvPr id="65" name="Google Shape;65;p10"/>
-          <p:cNvSpPr txBox="1"/>
+          <p:cNvSpPr txBox="1">
+            <a:spLocks noGrp="1"/>
+          </p:cNvSpPr>
           <p:nvPr>
-            <p:ph idx="10" type="dt"/>
+            <p:ph type="dt" idx="10"/>
           </p:nvPr>
         </p:nvSpPr>
         <p:spPr>
@@ -9148,7 +9408,7 @@
           </a:ln>
         </p:spPr>
         <p:txBody>
-          <a:bodyPr anchorCtr="0" anchor="ctr" bIns="45700" lIns="91425" spcFirstLastPara="1" rIns="91425" wrap="square" tIns="45700">
+          <a:bodyPr spcFirstLastPara="1" wrap="square" lIns="91425" tIns="45700" rIns="91425" bIns="45700" anchor="ctr" anchorCtr="0">
             <a:noAutofit/>
           </a:bodyPr>
           <a:lstStyle>
@@ -9252,15 +9512,19 @@
               <a:defRPr/>
             </a:lvl9pPr>
           </a:lstStyle>
-          <a:p/>
+          <a:p>
+            <a:endParaRPr/>
+          </a:p>
         </p:txBody>
       </p:sp>
       <p:sp>
         <p:nvSpPr>
           <p:cNvPr id="66" name="Google Shape;66;p10"/>
-          <p:cNvSpPr txBox="1"/>
+          <p:cNvSpPr txBox="1">
+            <a:spLocks noGrp="1"/>
+          </p:cNvSpPr>
           <p:nvPr>
-            <p:ph idx="11" type="ftr"/>
+            <p:ph type="ftr" idx="11"/>
           </p:nvPr>
         </p:nvSpPr>
         <p:spPr>
@@ -9277,7 +9541,7 @@
           </a:ln>
         </p:spPr>
         <p:txBody>
-          <a:bodyPr anchorCtr="0" anchor="ctr" bIns="45700" lIns="91425" spcFirstLastPara="1" rIns="91425" wrap="square" tIns="45700">
+          <a:bodyPr spcFirstLastPara="1" wrap="square" lIns="91425" tIns="45700" rIns="91425" bIns="45700" anchor="ctr" anchorCtr="0">
             <a:noAutofit/>
           </a:bodyPr>
           <a:lstStyle>
@@ -9381,15 +9645,19 @@
               <a:defRPr/>
             </a:lvl9pPr>
           </a:lstStyle>
-          <a:p/>
+          <a:p>
+            <a:endParaRPr/>
+          </a:p>
         </p:txBody>
       </p:sp>
       <p:sp>
         <p:nvSpPr>
           <p:cNvPr id="67" name="Google Shape;67;p10"/>
-          <p:cNvSpPr txBox="1"/>
+          <p:cNvSpPr txBox="1">
+            <a:spLocks noGrp="1"/>
+          </p:cNvSpPr>
           <p:nvPr>
-            <p:ph idx="12" type="sldNum"/>
+            <p:ph type="sldNum" idx="12"/>
           </p:nvPr>
         </p:nvSpPr>
         <p:spPr>
@@ -9406,67 +9674,67 @@
           </a:ln>
         </p:spPr>
         <p:txBody>
-          <a:bodyPr anchorCtr="0" anchor="ctr" bIns="45700" lIns="91425" spcFirstLastPara="1" rIns="91425" wrap="square" tIns="45700">
+          <a:bodyPr spcFirstLastPara="1" wrap="square" lIns="91425" tIns="45700" rIns="91425" bIns="45700" anchor="ctr" anchorCtr="0">
             <a:noAutofit/>
           </a:bodyPr>
           <a:lstStyle>
-            <a:lvl1pPr indent="0" lvl="0" marL="0" algn="r">
+            <a:lvl1pPr marL="0" lvl="0" indent="0" algn="r">
               <a:spcBef>
                 <a:spcPts val="0"/>
               </a:spcBef>
               <a:buNone/>
               <a:defRPr/>
             </a:lvl1pPr>
-            <a:lvl2pPr indent="0" lvl="1" marL="0" algn="r">
+            <a:lvl2pPr marL="0" lvl="1" indent="0" algn="r">
               <a:spcBef>
                 <a:spcPts val="0"/>
               </a:spcBef>
               <a:buNone/>
               <a:defRPr/>
             </a:lvl2pPr>
-            <a:lvl3pPr indent="0" lvl="2" marL="0" algn="r">
+            <a:lvl3pPr marL="0" lvl="2" indent="0" algn="r">
               <a:spcBef>
                 <a:spcPts val="0"/>
               </a:spcBef>
               <a:buNone/>
               <a:defRPr/>
             </a:lvl3pPr>
-            <a:lvl4pPr indent="0" lvl="3" marL="0" algn="r">
+            <a:lvl4pPr marL="0" lvl="3" indent="0" algn="r">
               <a:spcBef>
                 <a:spcPts val="0"/>
               </a:spcBef>
               <a:buNone/>
               <a:defRPr/>
             </a:lvl4pPr>
-            <a:lvl5pPr indent="0" lvl="4" marL="0" algn="r">
+            <a:lvl5pPr marL="0" lvl="4" indent="0" algn="r">
               <a:spcBef>
                 <a:spcPts val="0"/>
               </a:spcBef>
               <a:buNone/>
               <a:defRPr/>
             </a:lvl5pPr>
-            <a:lvl6pPr indent="0" lvl="5" marL="0" algn="r">
+            <a:lvl6pPr marL="0" lvl="5" indent="0" algn="r">
               <a:spcBef>
                 <a:spcPts val="0"/>
               </a:spcBef>
               <a:buNone/>
               <a:defRPr/>
             </a:lvl6pPr>
-            <a:lvl7pPr indent="0" lvl="6" marL="0" algn="r">
+            <a:lvl7pPr marL="0" lvl="6" indent="0" algn="r">
               <a:spcBef>
                 <a:spcPts val="0"/>
               </a:spcBef>
               <a:buNone/>
               <a:defRPr/>
             </a:lvl7pPr>
-            <a:lvl8pPr indent="0" lvl="7" marL="0" algn="r">
+            <a:lvl8pPr marL="0" lvl="7" indent="0" algn="r">
               <a:spcBef>
                 <a:spcPts val="0"/>
               </a:spcBef>
               <a:buNone/>
               <a:defRPr/>
             </a:lvl8pPr>
-            <a:lvl9pPr indent="0" lvl="8" marL="0" algn="r">
+            <a:lvl9pPr marL="0" lvl="8" indent="0" algn="r">
               <a:spcBef>
                 <a:spcPts val="0"/>
               </a:spcBef>
@@ -9475,7 +9743,7 @@
             </a:lvl9pPr>
           </a:lstStyle>
           <a:p>
-            <a:pPr indent="0" lvl="0" marL="0" rtl="0" algn="r">
+            <a:pPr marL="0" lvl="0" indent="0" algn="r" rtl="0">
               <a:spcBef>
                 <a:spcPts val="0"/>
               </a:spcBef>
@@ -9501,18 +9769,19 @@
 </file>
 
 <file path=ppt/slideMasters/slideMaster1.xml><?xml version="1.0" encoding="utf-8"?>
-<p:sldMaster xmlns:a="http://schemas.openxmlformats.org/drawingml/2006/main" xmlns:r="http://schemas.openxmlformats.org/officeDocument/2006/relationships" xmlns:mc="http://schemas.openxmlformats.org/markup-compatibility/2006" xmlns:mv="urn:schemas-microsoft-com:mac:vml" xmlns:p="http://schemas.openxmlformats.org/presentationml/2006/main" xmlns:c="http://schemas.openxmlformats.org/drawingml/2006/chart" xmlns:dgm="http://schemas.openxmlformats.org/drawingml/2006/diagram" xmlns:o="urn:schemas-microsoft-com:office:office" xmlns:v="urn:schemas-microsoft-com:vml" xmlns:pvml="urn:schemas-microsoft-com:office:powerpoint" xmlns:com="http://schemas.openxmlformats.org/drawingml/2006/compatibility" xmlns:p14="http://schemas.microsoft.com/office/powerpoint/2010/main" xmlns:p15="http://schemas.microsoft.com/office/powerpoint/2012/main" xmlns:ahyp="http://schemas.microsoft.com/office/drawing/2018/hyperlinkcolor">
+<p:sldMaster xmlns:a="http://schemas.openxmlformats.org/drawingml/2006/main" xmlns:r="http://schemas.openxmlformats.org/officeDocument/2006/relationships" xmlns:p="http://schemas.openxmlformats.org/presentationml/2006/main">
   <p:cSld>
     <p:bg>
       <p:bgPr>
         <a:solidFill>
           <a:schemeClr val="lt1"/>
         </a:solidFill>
+        <a:effectLst/>
       </p:bgPr>
     </p:bg>
     <p:spTree>
       <p:nvGrpSpPr>
-        <p:cNvPr id="5" name="Shape 5"/>
+        <p:cNvPr id="1" name="Shape 5"/>
         <p:cNvGrpSpPr/>
         <p:nvPr/>
       </p:nvGrpSpPr>
@@ -9527,7 +9796,9 @@
       <p:sp>
         <p:nvSpPr>
           <p:cNvPr id="6" name="Google Shape;6;p1"/>
-          <p:cNvSpPr txBox="1"/>
+          <p:cNvSpPr txBox="1">
+            <a:spLocks noGrp="1"/>
+          </p:cNvSpPr>
           <p:nvPr>
             <p:ph type="title"/>
           </p:nvPr>
@@ -9546,11 +9817,11 @@
           </a:ln>
         </p:spPr>
         <p:txBody>
-          <a:bodyPr anchorCtr="0" anchor="ctr" bIns="45700" lIns="91425" spcFirstLastPara="1" rIns="91425" wrap="square" tIns="45700">
+          <a:bodyPr spcFirstLastPara="1" wrap="square" lIns="91425" tIns="45700" rIns="91425" bIns="45700" anchor="ctr" anchorCtr="0">
             <a:normAutofit/>
           </a:bodyPr>
           <a:lstStyle>
-            <a:lvl1pPr lvl="0" marR="0" rtl="0" algn="ctr">
+            <a:lvl1pPr marR="0" lvl="0" algn="ctr" rtl="0">
               <a:spcBef>
                 <a:spcPts val="0"/>
               </a:spcBef>
@@ -9563,7 +9834,7 @@
               <a:buSzPts val="4400"/>
               <a:buFont typeface="Calibri"/>
               <a:buNone/>
-              <a:defRPr b="0" i="0" sz="4400" u="none" cap="none" strike="noStrike">
+              <a:defRPr sz="4400" b="0" i="0" u="none" strike="noStrike" cap="none">
                 <a:solidFill>
                   <a:schemeClr val="dk1"/>
                 </a:solidFill>
@@ -9662,15 +9933,19 @@
               <a:defRPr sz="1800"/>
             </a:lvl9pPr>
           </a:lstStyle>
-          <a:p/>
+          <a:p>
+            <a:endParaRPr/>
+          </a:p>
         </p:txBody>
       </p:sp>
       <p:sp>
         <p:nvSpPr>
           <p:cNvPr id="7" name="Google Shape;7;p1"/>
-          <p:cNvSpPr txBox="1"/>
+          <p:cNvSpPr txBox="1">
+            <a:spLocks noGrp="1"/>
+          </p:cNvSpPr>
           <p:nvPr>
-            <p:ph idx="1" type="body"/>
+            <p:ph type="body" idx="1"/>
           </p:nvPr>
         </p:nvSpPr>
         <p:spPr>
@@ -9687,11 +9962,11 @@
           </a:ln>
         </p:spPr>
         <p:txBody>
-          <a:bodyPr anchorCtr="0" anchor="t" bIns="45700" lIns="91425" spcFirstLastPara="1" rIns="91425" wrap="square" tIns="45700">
+          <a:bodyPr spcFirstLastPara="1" wrap="square" lIns="91425" tIns="45700" rIns="91425" bIns="45700" anchor="t" anchorCtr="0">
             <a:normAutofit/>
           </a:bodyPr>
           <a:lstStyle>
-            <a:lvl1pPr indent="-431800" lvl="0" marL="457200" marR="0" rtl="0" algn="l">
+            <a:lvl1pPr marL="457200" marR="0" lvl="0" indent="-431800" algn="l" rtl="0">
               <a:spcBef>
                 <a:spcPts val="640"/>
               </a:spcBef>
@@ -9704,7 +9979,7 @@
               <a:buSzPts val="3200"/>
               <a:buFont typeface="Arial"/>
               <a:buChar char="•"/>
-              <a:defRPr b="0" i="0" sz="3200" u="none" cap="none" strike="noStrike">
+              <a:defRPr sz="3200" b="0" i="0" u="none" strike="noStrike" cap="none">
                 <a:solidFill>
                   <a:schemeClr val="dk1"/>
                 </a:solidFill>
@@ -9714,7 +9989,7 @@
                 <a:sym typeface="Calibri"/>
               </a:defRPr>
             </a:lvl1pPr>
-            <a:lvl2pPr indent="-406400" lvl="1" marL="914400" marR="0" rtl="0" algn="l">
+            <a:lvl2pPr marL="914400" marR="0" lvl="1" indent="-406400" algn="l" rtl="0">
               <a:spcBef>
                 <a:spcPts val="560"/>
               </a:spcBef>
@@ -9727,7 +10002,7 @@
               <a:buSzPts val="2800"/>
               <a:buFont typeface="Arial"/>
               <a:buChar char="–"/>
-              <a:defRPr b="0" i="0" sz="2800" u="none" cap="none" strike="noStrike">
+              <a:defRPr sz="2800" b="0" i="0" u="none" strike="noStrike" cap="none">
                 <a:solidFill>
                   <a:schemeClr val="dk1"/>
                 </a:solidFill>
@@ -9737,7 +10012,7 @@
                 <a:sym typeface="Calibri"/>
               </a:defRPr>
             </a:lvl2pPr>
-            <a:lvl3pPr indent="-381000" lvl="2" marL="1371600" marR="0" rtl="0" algn="l">
+            <a:lvl3pPr marL="1371600" marR="0" lvl="2" indent="-381000" algn="l" rtl="0">
               <a:spcBef>
                 <a:spcPts val="480"/>
               </a:spcBef>
@@ -9750,7 +10025,7 @@
               <a:buSzPts val="2400"/>
               <a:buFont typeface="Arial"/>
               <a:buChar char="•"/>
-              <a:defRPr b="0" i="0" sz="2400" u="none" cap="none" strike="noStrike">
+              <a:defRPr sz="2400" b="0" i="0" u="none" strike="noStrike" cap="none">
                 <a:solidFill>
                   <a:schemeClr val="dk1"/>
                 </a:solidFill>
@@ -9760,7 +10035,7 @@
                 <a:sym typeface="Calibri"/>
               </a:defRPr>
             </a:lvl3pPr>
-            <a:lvl4pPr indent="-355600" lvl="3" marL="1828800" marR="0" rtl="0" algn="l">
+            <a:lvl4pPr marL="1828800" marR="0" lvl="3" indent="-355600" algn="l" rtl="0">
               <a:spcBef>
                 <a:spcPts val="400"/>
               </a:spcBef>
@@ -9773,7 +10048,7 @@
               <a:buSzPts val="2000"/>
               <a:buFont typeface="Arial"/>
               <a:buChar char="–"/>
-              <a:defRPr b="0" i="0" sz="2000" u="none" cap="none" strike="noStrike">
+              <a:defRPr sz="2000" b="0" i="0" u="none" strike="noStrike" cap="none">
                 <a:solidFill>
                   <a:schemeClr val="dk1"/>
                 </a:solidFill>
@@ -9783,7 +10058,7 @@
                 <a:sym typeface="Calibri"/>
               </a:defRPr>
             </a:lvl4pPr>
-            <a:lvl5pPr indent="-355600" lvl="4" marL="2286000" marR="0" rtl="0" algn="l">
+            <a:lvl5pPr marL="2286000" marR="0" lvl="4" indent="-355600" algn="l" rtl="0">
               <a:spcBef>
                 <a:spcPts val="400"/>
               </a:spcBef>
@@ -9796,7 +10071,7 @@
               <a:buSzPts val="2000"/>
               <a:buFont typeface="Arial"/>
               <a:buChar char="»"/>
-              <a:defRPr b="0" i="0" sz="2000" u="none" cap="none" strike="noStrike">
+              <a:defRPr sz="2000" b="0" i="0" u="none" strike="noStrike" cap="none">
                 <a:solidFill>
                   <a:schemeClr val="dk1"/>
                 </a:solidFill>
@@ -9806,7 +10081,7 @@
                 <a:sym typeface="Calibri"/>
               </a:defRPr>
             </a:lvl5pPr>
-            <a:lvl6pPr indent="-355600" lvl="5" marL="2743200" marR="0" rtl="0" algn="l">
+            <a:lvl6pPr marL="2743200" marR="0" lvl="5" indent="-355600" algn="l" rtl="0">
               <a:spcBef>
                 <a:spcPts val="400"/>
               </a:spcBef>
@@ -9819,7 +10094,7 @@
               <a:buSzPts val="2000"/>
               <a:buFont typeface="Arial"/>
               <a:buChar char="•"/>
-              <a:defRPr b="0" i="0" sz="2000" u="none" cap="none" strike="noStrike">
+              <a:defRPr sz="2000" b="0" i="0" u="none" strike="noStrike" cap="none">
                 <a:solidFill>
                   <a:schemeClr val="dk1"/>
                 </a:solidFill>
@@ -9829,7 +10104,7 @@
                 <a:sym typeface="Calibri"/>
               </a:defRPr>
             </a:lvl6pPr>
-            <a:lvl7pPr indent="-355600" lvl="6" marL="3200400" marR="0" rtl="0" algn="l">
+            <a:lvl7pPr marL="3200400" marR="0" lvl="6" indent="-355600" algn="l" rtl="0">
               <a:spcBef>
                 <a:spcPts val="400"/>
               </a:spcBef>
@@ -9842,7 +10117,7 @@
               <a:buSzPts val="2000"/>
               <a:buFont typeface="Arial"/>
               <a:buChar char="•"/>
-              <a:defRPr b="0" i="0" sz="2000" u="none" cap="none" strike="noStrike">
+              <a:defRPr sz="2000" b="0" i="0" u="none" strike="noStrike" cap="none">
                 <a:solidFill>
                   <a:schemeClr val="dk1"/>
                 </a:solidFill>
@@ -9852,7 +10127,7 @@
                 <a:sym typeface="Calibri"/>
               </a:defRPr>
             </a:lvl7pPr>
-            <a:lvl8pPr indent="-355600" lvl="7" marL="3657600" marR="0" rtl="0" algn="l">
+            <a:lvl8pPr marL="3657600" marR="0" lvl="7" indent="-355600" algn="l" rtl="0">
               <a:spcBef>
                 <a:spcPts val="400"/>
               </a:spcBef>
@@ -9865,7 +10140,7 @@
               <a:buSzPts val="2000"/>
               <a:buFont typeface="Arial"/>
               <a:buChar char="•"/>
-              <a:defRPr b="0" i="0" sz="2000" u="none" cap="none" strike="noStrike">
+              <a:defRPr sz="2000" b="0" i="0" u="none" strike="noStrike" cap="none">
                 <a:solidFill>
                   <a:schemeClr val="dk1"/>
                 </a:solidFill>
@@ -9875,7 +10150,7 @@
                 <a:sym typeface="Calibri"/>
               </a:defRPr>
             </a:lvl8pPr>
-            <a:lvl9pPr indent="-355600" lvl="8" marL="4114800" marR="0" rtl="0" algn="l">
+            <a:lvl9pPr marL="4114800" marR="0" lvl="8" indent="-355600" algn="l" rtl="0">
               <a:spcBef>
                 <a:spcPts val="400"/>
               </a:spcBef>
@@ -9888,7 +10163,7 @@
               <a:buSzPts val="2000"/>
               <a:buFont typeface="Arial"/>
               <a:buChar char="•"/>
-              <a:defRPr b="0" i="0" sz="2000" u="none" cap="none" strike="noStrike">
+              <a:defRPr sz="2000" b="0" i="0" u="none" strike="noStrike" cap="none">
                 <a:solidFill>
                   <a:schemeClr val="dk1"/>
                 </a:solidFill>
@@ -9899,15 +10174,19 @@
               </a:defRPr>
             </a:lvl9pPr>
           </a:lstStyle>
-          <a:p/>
+          <a:p>
+            <a:endParaRPr/>
+          </a:p>
         </p:txBody>
       </p:sp>
       <p:sp>
         <p:nvSpPr>
           <p:cNvPr id="8" name="Google Shape;8;p1"/>
-          <p:cNvSpPr txBox="1"/>
+          <p:cNvSpPr txBox="1">
+            <a:spLocks noGrp="1"/>
+          </p:cNvSpPr>
           <p:nvPr>
-            <p:ph idx="10" type="dt"/>
+            <p:ph type="dt" idx="10"/>
           </p:nvPr>
         </p:nvSpPr>
         <p:spPr>
@@ -9924,20 +10203,20 @@
           </a:ln>
         </p:spPr>
         <p:txBody>
-          <a:bodyPr anchorCtr="0" anchor="ctr" bIns="45700" lIns="91425" spcFirstLastPara="1" rIns="91425" wrap="square" tIns="45700">
+          <a:bodyPr spcFirstLastPara="1" wrap="square" lIns="91425" tIns="45700" rIns="91425" bIns="45700" anchor="ctr" anchorCtr="0">
             <a:noAutofit/>
           </a:bodyPr>
           <a:lstStyle>
-            <a:lvl1pPr lvl="0" marR="0" rtl="0" algn="l">
-              <a:spcBef>
-                <a:spcPts val="0"/>
-              </a:spcBef>
-              <a:spcAft>
-                <a:spcPts val="0"/>
-              </a:spcAft>
-              <a:buSzPts val="1400"/>
-              <a:buNone/>
-              <a:defRPr b="0" i="0" sz="1200" u="none" cap="none" strike="noStrike">
+            <a:lvl1pPr marR="0" lvl="0" algn="l" rtl="0">
+              <a:spcBef>
+                <a:spcPts val="0"/>
+              </a:spcBef>
+              <a:spcAft>
+                <a:spcPts val="0"/>
+              </a:spcAft>
+              <a:buSzPts val="1400"/>
+              <a:buNone/>
+              <a:defRPr sz="1200" b="0" i="0" u="none" strike="noStrike" cap="none">
                 <a:solidFill>
                   <a:srgbClr val="888888"/>
                 </a:solidFill>
@@ -9947,16 +10226,16 @@
                 <a:sym typeface="Calibri"/>
               </a:defRPr>
             </a:lvl1pPr>
-            <a:lvl2pPr lvl="1" marR="0" rtl="0" algn="l">
-              <a:spcBef>
-                <a:spcPts val="0"/>
-              </a:spcBef>
-              <a:spcAft>
-                <a:spcPts val="0"/>
-              </a:spcAft>
-              <a:buSzPts val="1400"/>
-              <a:buNone/>
-              <a:defRPr b="0" i="0" sz="1800" u="none" cap="none" strike="noStrike">
+            <a:lvl2pPr marR="0" lvl="1" algn="l" rtl="0">
+              <a:spcBef>
+                <a:spcPts val="0"/>
+              </a:spcBef>
+              <a:spcAft>
+                <a:spcPts val="0"/>
+              </a:spcAft>
+              <a:buSzPts val="1400"/>
+              <a:buNone/>
+              <a:defRPr sz="1800" b="0" i="0" u="none" strike="noStrike" cap="none">
                 <a:solidFill>
                   <a:schemeClr val="dk1"/>
                 </a:solidFill>
@@ -9966,16 +10245,16 @@
                 <a:sym typeface="Calibri"/>
               </a:defRPr>
             </a:lvl2pPr>
-            <a:lvl3pPr lvl="2" marR="0" rtl="0" algn="l">
-              <a:spcBef>
-                <a:spcPts val="0"/>
-              </a:spcBef>
-              <a:spcAft>
-                <a:spcPts val="0"/>
-              </a:spcAft>
-              <a:buSzPts val="1400"/>
-              <a:buNone/>
-              <a:defRPr b="0" i="0" sz="1800" u="none" cap="none" strike="noStrike">
+            <a:lvl3pPr marR="0" lvl="2" algn="l" rtl="0">
+              <a:spcBef>
+                <a:spcPts val="0"/>
+              </a:spcBef>
+              <a:spcAft>
+                <a:spcPts val="0"/>
+              </a:spcAft>
+              <a:buSzPts val="1400"/>
+              <a:buNone/>
+              <a:defRPr sz="1800" b="0" i="0" u="none" strike="noStrike" cap="none">
                 <a:solidFill>
                   <a:schemeClr val="dk1"/>
                 </a:solidFill>
@@ -9985,16 +10264,16 @@
                 <a:sym typeface="Calibri"/>
               </a:defRPr>
             </a:lvl3pPr>
-            <a:lvl4pPr lvl="3" marR="0" rtl="0" algn="l">
-              <a:spcBef>
-                <a:spcPts val="0"/>
-              </a:spcBef>
-              <a:spcAft>
-                <a:spcPts val="0"/>
-              </a:spcAft>
-              <a:buSzPts val="1400"/>
-              <a:buNone/>
-              <a:defRPr b="0" i="0" sz="1800" u="none" cap="none" strike="noStrike">
+            <a:lvl4pPr marR="0" lvl="3" algn="l" rtl="0">
+              <a:spcBef>
+                <a:spcPts val="0"/>
+              </a:spcBef>
+              <a:spcAft>
+                <a:spcPts val="0"/>
+              </a:spcAft>
+              <a:buSzPts val="1400"/>
+              <a:buNone/>
+              <a:defRPr sz="1800" b="0" i="0" u="none" strike="noStrike" cap="none">
                 <a:solidFill>
                   <a:schemeClr val="dk1"/>
                 </a:solidFill>
@@ -10004,16 +10283,16 @@
                 <a:sym typeface="Calibri"/>
               </a:defRPr>
             </a:lvl4pPr>
-            <a:lvl5pPr lvl="4" marR="0" rtl="0" algn="l">
-              <a:spcBef>
-                <a:spcPts val="0"/>
-              </a:spcBef>
-              <a:spcAft>
-                <a:spcPts val="0"/>
-              </a:spcAft>
-              <a:buSzPts val="1400"/>
-              <a:buNone/>
-              <a:defRPr b="0" i="0" sz="1800" u="none" cap="none" strike="noStrike">
+            <a:lvl5pPr marR="0" lvl="4" algn="l" rtl="0">
+              <a:spcBef>
+                <a:spcPts val="0"/>
+              </a:spcBef>
+              <a:spcAft>
+                <a:spcPts val="0"/>
+              </a:spcAft>
+              <a:buSzPts val="1400"/>
+              <a:buNone/>
+              <a:defRPr sz="1800" b="0" i="0" u="none" strike="noStrike" cap="none">
                 <a:solidFill>
                   <a:schemeClr val="dk1"/>
                 </a:solidFill>
@@ -10023,16 +10302,16 @@
                 <a:sym typeface="Calibri"/>
               </a:defRPr>
             </a:lvl5pPr>
-            <a:lvl6pPr lvl="5" marR="0" rtl="0" algn="l">
-              <a:spcBef>
-                <a:spcPts val="0"/>
-              </a:spcBef>
-              <a:spcAft>
-                <a:spcPts val="0"/>
-              </a:spcAft>
-              <a:buSzPts val="1400"/>
-              <a:buNone/>
-              <a:defRPr b="0" i="0" sz="1800" u="none" cap="none" strike="noStrike">
+            <a:lvl6pPr marR="0" lvl="5" algn="l" rtl="0">
+              <a:spcBef>
+                <a:spcPts val="0"/>
+              </a:spcBef>
+              <a:spcAft>
+                <a:spcPts val="0"/>
+              </a:spcAft>
+              <a:buSzPts val="1400"/>
+              <a:buNone/>
+              <a:defRPr sz="1800" b="0" i="0" u="none" strike="noStrike" cap="none">
                 <a:solidFill>
                   <a:schemeClr val="dk1"/>
                 </a:solidFill>
@@ -10042,16 +10321,16 @@
                 <a:sym typeface="Calibri"/>
               </a:defRPr>
             </a:lvl6pPr>
-            <a:lvl7pPr lvl="6" marR="0" rtl="0" algn="l">
-              <a:spcBef>
-                <a:spcPts val="0"/>
-              </a:spcBef>
-              <a:spcAft>
-                <a:spcPts val="0"/>
-              </a:spcAft>
-              <a:buSzPts val="1400"/>
-              <a:buNone/>
-              <a:defRPr b="0" i="0" sz="1800" u="none" cap="none" strike="noStrike">
+            <a:lvl7pPr marR="0" lvl="6" algn="l" rtl="0">
+              <a:spcBef>
+                <a:spcPts val="0"/>
+              </a:spcBef>
+              <a:spcAft>
+                <a:spcPts val="0"/>
+              </a:spcAft>
+              <a:buSzPts val="1400"/>
+              <a:buNone/>
+              <a:defRPr sz="1800" b="0" i="0" u="none" strike="noStrike" cap="none">
                 <a:solidFill>
                   <a:schemeClr val="dk1"/>
                 </a:solidFill>
@@ -10061,16 +10340,16 @@
                 <a:sym typeface="Calibri"/>
               </a:defRPr>
             </a:lvl7pPr>
-            <a:lvl8pPr lvl="7" marR="0" rtl="0" algn="l">
-              <a:spcBef>
-                <a:spcPts val="0"/>
-              </a:spcBef>
-              <a:spcAft>
-                <a:spcPts val="0"/>
-              </a:spcAft>
-              <a:buSzPts val="1400"/>
-              <a:buNone/>
-              <a:defRPr b="0" i="0" sz="1800" u="none" cap="none" strike="noStrike">
+            <a:lvl8pPr marR="0" lvl="7" algn="l" rtl="0">
+              <a:spcBef>
+                <a:spcPts val="0"/>
+              </a:spcBef>
+              <a:spcAft>
+                <a:spcPts val="0"/>
+              </a:spcAft>
+              <a:buSzPts val="1400"/>
+              <a:buNone/>
+              <a:defRPr sz="1800" b="0" i="0" u="none" strike="noStrike" cap="none">
                 <a:solidFill>
                   <a:schemeClr val="dk1"/>
                 </a:solidFill>
@@ -10080,16 +10359,16 @@
                 <a:sym typeface="Calibri"/>
               </a:defRPr>
             </a:lvl8pPr>
-            <a:lvl9pPr lvl="8" marR="0" rtl="0" algn="l">
-              <a:spcBef>
-                <a:spcPts val="0"/>
-              </a:spcBef>
-              <a:spcAft>
-                <a:spcPts val="0"/>
-              </a:spcAft>
-              <a:buSzPts val="1400"/>
-              <a:buNone/>
-              <a:defRPr b="0" i="0" sz="1800" u="none" cap="none" strike="noStrike">
+            <a:lvl9pPr marR="0" lvl="8" algn="l" rtl="0">
+              <a:spcBef>
+                <a:spcPts val="0"/>
+              </a:spcBef>
+              <a:spcAft>
+                <a:spcPts val="0"/>
+              </a:spcAft>
+              <a:buSzPts val="1400"/>
+              <a:buNone/>
+              <a:defRPr sz="1800" b="0" i="0" u="none" strike="noStrike" cap="none">
                 <a:solidFill>
                   <a:schemeClr val="dk1"/>
                 </a:solidFill>
@@ -10100,15 +10379,19 @@
               </a:defRPr>
             </a:lvl9pPr>
           </a:lstStyle>
-          <a:p/>
+          <a:p>
+            <a:endParaRPr/>
+          </a:p>
         </p:txBody>
       </p:sp>
       <p:sp>
         <p:nvSpPr>
           <p:cNvPr id="9" name="Google Shape;9;p1"/>
-          <p:cNvSpPr txBox="1"/>
+          <p:cNvSpPr txBox="1">
+            <a:spLocks noGrp="1"/>
+          </p:cNvSpPr>
           <p:nvPr>
-            <p:ph idx="11" type="ftr"/>
+            <p:ph type="ftr" idx="11"/>
           </p:nvPr>
         </p:nvSpPr>
         <p:spPr>
@@ -10125,20 +10408,20 @@
           </a:ln>
         </p:spPr>
         <p:txBody>
-          <a:bodyPr anchorCtr="0" anchor="ctr" bIns="45700" lIns="91425" spcFirstLastPara="1" rIns="91425" wrap="square" tIns="45700">
+          <a:bodyPr spcFirstLastPara="1" wrap="square" lIns="91425" tIns="45700" rIns="91425" bIns="45700" anchor="ctr" anchorCtr="0">
             <a:noAutofit/>
           </a:bodyPr>
           <a:lstStyle>
-            <a:lvl1pPr lvl="0" marR="0" rtl="0" algn="ctr">
-              <a:spcBef>
-                <a:spcPts val="0"/>
-              </a:spcBef>
-              <a:spcAft>
-                <a:spcPts val="0"/>
-              </a:spcAft>
-              <a:buSzPts val="1400"/>
-              <a:buNone/>
-              <a:defRPr b="0" i="0" sz="1200" u="none" cap="none" strike="noStrike">
+            <a:lvl1pPr marR="0" lvl="0" algn="ctr" rtl="0">
+              <a:spcBef>
+                <a:spcPts val="0"/>
+              </a:spcBef>
+              <a:spcAft>
+                <a:spcPts val="0"/>
+              </a:spcAft>
+              <a:buSzPts val="1400"/>
+              <a:buNone/>
+              <a:defRPr sz="1200" b="0" i="0" u="none" strike="noStrike" cap="none">
                 <a:solidFill>
                   <a:srgbClr val="888888"/>
                 </a:solidFill>
@@ -10148,16 +10431,16 @@
                 <a:sym typeface="Calibri"/>
               </a:defRPr>
             </a:lvl1pPr>
-            <a:lvl2pPr lvl="1" marR="0" rtl="0" algn="l">
-              <a:spcBef>
-                <a:spcPts val="0"/>
-              </a:spcBef>
-              <a:spcAft>
-                <a:spcPts val="0"/>
-              </a:spcAft>
-              <a:buSzPts val="1400"/>
-              <a:buNone/>
-              <a:defRPr b="0" i="0" sz="1800" u="none" cap="none" strike="noStrike">
+            <a:lvl2pPr marR="0" lvl="1" algn="l" rtl="0">
+              <a:spcBef>
+                <a:spcPts val="0"/>
+              </a:spcBef>
+              <a:spcAft>
+                <a:spcPts val="0"/>
+              </a:spcAft>
+              <a:buSzPts val="1400"/>
+              <a:buNone/>
+              <a:defRPr sz="1800" b="0" i="0" u="none" strike="noStrike" cap="none">
                 <a:solidFill>
                   <a:schemeClr val="dk1"/>
                 </a:solidFill>
@@ -10167,16 +10450,16 @@
                 <a:sym typeface="Calibri"/>
               </a:defRPr>
             </a:lvl2pPr>
-            <a:lvl3pPr lvl="2" marR="0" rtl="0" algn="l">
-              <a:spcBef>
-                <a:spcPts val="0"/>
-              </a:spcBef>
-              <a:spcAft>
-                <a:spcPts val="0"/>
-              </a:spcAft>
-              <a:buSzPts val="1400"/>
-              <a:buNone/>
-              <a:defRPr b="0" i="0" sz="1800" u="none" cap="none" strike="noStrike">
+            <a:lvl3pPr marR="0" lvl="2" algn="l" rtl="0">
+              <a:spcBef>
+                <a:spcPts val="0"/>
+              </a:spcBef>
+              <a:spcAft>
+                <a:spcPts val="0"/>
+              </a:spcAft>
+              <a:buSzPts val="1400"/>
+              <a:buNone/>
+              <a:defRPr sz="1800" b="0" i="0" u="none" strike="noStrike" cap="none">
                 <a:solidFill>
                   <a:schemeClr val="dk1"/>
                 </a:solidFill>
@@ -10186,16 +10469,16 @@
                 <a:sym typeface="Calibri"/>
               </a:defRPr>
             </a:lvl3pPr>
-            <a:lvl4pPr lvl="3" marR="0" rtl="0" algn="l">
-              <a:spcBef>
-                <a:spcPts val="0"/>
-              </a:spcBef>
-              <a:spcAft>
-                <a:spcPts val="0"/>
-              </a:spcAft>
-              <a:buSzPts val="1400"/>
-              <a:buNone/>
-              <a:defRPr b="0" i="0" sz="1800" u="none" cap="none" strike="noStrike">
+            <a:lvl4pPr marR="0" lvl="3" algn="l" rtl="0">
+              <a:spcBef>
+                <a:spcPts val="0"/>
+              </a:spcBef>
+              <a:spcAft>
+                <a:spcPts val="0"/>
+              </a:spcAft>
+              <a:buSzPts val="1400"/>
+              <a:buNone/>
+              <a:defRPr sz="1800" b="0" i="0" u="none" strike="noStrike" cap="none">
                 <a:solidFill>
                   <a:schemeClr val="dk1"/>
                 </a:solidFill>
@@ -10205,16 +10488,16 @@
                 <a:sym typeface="Calibri"/>
               </a:defRPr>
             </a:lvl4pPr>
-            <a:lvl5pPr lvl="4" marR="0" rtl="0" algn="l">
-              <a:spcBef>
-                <a:spcPts val="0"/>
-              </a:spcBef>
-              <a:spcAft>
-                <a:spcPts val="0"/>
-              </a:spcAft>
-              <a:buSzPts val="1400"/>
-              <a:buNone/>
-              <a:defRPr b="0" i="0" sz="1800" u="none" cap="none" strike="noStrike">
+            <a:lvl5pPr marR="0" lvl="4" algn="l" rtl="0">
+              <a:spcBef>
+                <a:spcPts val="0"/>
+              </a:spcBef>
+              <a:spcAft>
+                <a:spcPts val="0"/>
+              </a:spcAft>
+              <a:buSzPts val="1400"/>
+              <a:buNone/>
+              <a:defRPr sz="1800" b="0" i="0" u="none" strike="noStrike" cap="none">
                 <a:solidFill>
                   <a:schemeClr val="dk1"/>
                 </a:solidFill>
@@ -10224,16 +10507,16 @@
                 <a:sym typeface="Calibri"/>
               </a:defRPr>
             </a:lvl5pPr>
-            <a:lvl6pPr lvl="5" marR="0" rtl="0" algn="l">
-              <a:spcBef>
-                <a:spcPts val="0"/>
-              </a:spcBef>
-              <a:spcAft>
-                <a:spcPts val="0"/>
-              </a:spcAft>
-              <a:buSzPts val="1400"/>
-              <a:buNone/>
-              <a:defRPr b="0" i="0" sz="1800" u="none" cap="none" strike="noStrike">
+            <a:lvl6pPr marR="0" lvl="5" algn="l" rtl="0">
+              <a:spcBef>
+                <a:spcPts val="0"/>
+              </a:spcBef>
+              <a:spcAft>
+                <a:spcPts val="0"/>
+              </a:spcAft>
+              <a:buSzPts val="1400"/>
+              <a:buNone/>
+              <a:defRPr sz="1800" b="0" i="0" u="none" strike="noStrike" cap="none">
                 <a:solidFill>
                   <a:schemeClr val="dk1"/>
                 </a:solidFill>
@@ -10243,16 +10526,16 @@
                 <a:sym typeface="Calibri"/>
               </a:defRPr>
             </a:lvl6pPr>
-            <a:lvl7pPr lvl="6" marR="0" rtl="0" algn="l">
-              <a:spcBef>
-                <a:spcPts val="0"/>
-              </a:spcBef>
-              <a:spcAft>
-                <a:spcPts val="0"/>
-              </a:spcAft>
-              <a:buSzPts val="1400"/>
-              <a:buNone/>
-              <a:defRPr b="0" i="0" sz="1800" u="none" cap="none" strike="noStrike">
+            <a:lvl7pPr marR="0" lvl="6" algn="l" rtl="0">
+              <a:spcBef>
+                <a:spcPts val="0"/>
+              </a:spcBef>
+              <a:spcAft>
+                <a:spcPts val="0"/>
+              </a:spcAft>
+              <a:buSzPts val="1400"/>
+              <a:buNone/>
+              <a:defRPr sz="1800" b="0" i="0" u="none" strike="noStrike" cap="none">
                 <a:solidFill>
                   <a:schemeClr val="dk1"/>
                 </a:solidFill>
@@ -10262,16 +10545,16 @@
                 <a:sym typeface="Calibri"/>
               </a:defRPr>
             </a:lvl7pPr>
-            <a:lvl8pPr lvl="7" marR="0" rtl="0" algn="l">
-              <a:spcBef>
-                <a:spcPts val="0"/>
-              </a:spcBef>
-              <a:spcAft>
-                <a:spcPts val="0"/>
-              </a:spcAft>
-              <a:buSzPts val="1400"/>
-              <a:buNone/>
-              <a:defRPr b="0" i="0" sz="1800" u="none" cap="none" strike="noStrike">
+            <a:lvl8pPr marR="0" lvl="7" algn="l" rtl="0">
+              <a:spcBef>
+                <a:spcPts val="0"/>
+              </a:spcBef>
+              <a:spcAft>
+                <a:spcPts val="0"/>
+              </a:spcAft>
+              <a:buSzPts val="1400"/>
+              <a:buNone/>
+              <a:defRPr sz="1800" b="0" i="0" u="none" strike="noStrike" cap="none">
                 <a:solidFill>
                   <a:schemeClr val="dk1"/>
                 </a:solidFill>
@@ -10281,16 +10564,16 @@
                 <a:sym typeface="Calibri"/>
               </a:defRPr>
             </a:lvl8pPr>
-            <a:lvl9pPr lvl="8" marR="0" rtl="0" algn="l">
-              <a:spcBef>
-                <a:spcPts val="0"/>
-              </a:spcBef>
-              <a:spcAft>
-                <a:spcPts val="0"/>
-              </a:spcAft>
-              <a:buSzPts val="1400"/>
-              <a:buNone/>
-              <a:defRPr b="0" i="0" sz="1800" u="none" cap="none" strike="noStrike">
+            <a:lvl9pPr marR="0" lvl="8" algn="l" rtl="0">
+              <a:spcBef>
+                <a:spcPts val="0"/>
+              </a:spcBef>
+              <a:spcAft>
+                <a:spcPts val="0"/>
+              </a:spcAft>
+              <a:buSzPts val="1400"/>
+              <a:buNone/>
+              <a:defRPr sz="1800" b="0" i="0" u="none" strike="noStrike" cap="none">
                 <a:solidFill>
                   <a:schemeClr val="dk1"/>
                 </a:solidFill>
@@ -10301,15 +10584,19 @@
               </a:defRPr>
             </a:lvl9pPr>
           </a:lstStyle>
-          <a:p/>
+          <a:p>
+            <a:endParaRPr/>
+          </a:p>
         </p:txBody>
       </p:sp>
       <p:sp>
         <p:nvSpPr>
           <p:cNvPr id="10" name="Google Shape;10;p1"/>
-          <p:cNvSpPr txBox="1"/>
+          <p:cNvSpPr txBox="1">
+            <a:spLocks noGrp="1"/>
+          </p:cNvSpPr>
           <p:nvPr>
-            <p:ph idx="12" type="sldNum"/>
+            <p:ph type="sldNum" idx="12"/>
           </p:nvPr>
         </p:nvSpPr>
         <p:spPr>
@@ -10326,16 +10613,16 @@
           </a:ln>
         </p:spPr>
         <p:txBody>
-          <a:bodyPr anchorCtr="0" anchor="ctr" bIns="45700" lIns="91425" spcFirstLastPara="1" rIns="91425" wrap="square" tIns="45700">
+          <a:bodyPr spcFirstLastPara="1" wrap="square" lIns="91425" tIns="45700" rIns="91425" bIns="45700" anchor="ctr" anchorCtr="0">
             <a:noAutofit/>
           </a:bodyPr>
           <a:lstStyle>
-            <a:lvl1pPr indent="0" lvl="0" marL="0" marR="0" rtl="0" algn="r">
-              <a:spcBef>
-                <a:spcPts val="0"/>
-              </a:spcBef>
-              <a:buNone/>
-              <a:defRPr b="0" i="0" sz="1200" u="none" cap="none" strike="noStrike">
+            <a:lvl1pPr marL="0" marR="0" lvl="0" indent="0" algn="r" rtl="0">
+              <a:spcBef>
+                <a:spcPts val="0"/>
+              </a:spcBef>
+              <a:buNone/>
+              <a:defRPr sz="1200" b="0" i="0" u="none" strike="noStrike" cap="none">
                 <a:solidFill>
                   <a:srgbClr val="888888"/>
                 </a:solidFill>
@@ -10345,12 +10632,12 @@
                 <a:sym typeface="Calibri"/>
               </a:defRPr>
             </a:lvl1pPr>
-            <a:lvl2pPr indent="0" lvl="1" marL="0" marR="0" rtl="0" algn="r">
-              <a:spcBef>
-                <a:spcPts val="0"/>
-              </a:spcBef>
-              <a:buNone/>
-              <a:defRPr b="0" i="0" sz="1200" u="none" cap="none" strike="noStrike">
+            <a:lvl2pPr marL="0" marR="0" lvl="1" indent="0" algn="r" rtl="0">
+              <a:spcBef>
+                <a:spcPts val="0"/>
+              </a:spcBef>
+              <a:buNone/>
+              <a:defRPr sz="1200" b="0" i="0" u="none" strike="noStrike" cap="none">
                 <a:solidFill>
                   <a:srgbClr val="888888"/>
                 </a:solidFill>
@@ -10360,12 +10647,12 @@
                 <a:sym typeface="Calibri"/>
               </a:defRPr>
             </a:lvl2pPr>
-            <a:lvl3pPr indent="0" lvl="2" marL="0" marR="0" rtl="0" algn="r">
-              <a:spcBef>
-                <a:spcPts val="0"/>
-              </a:spcBef>
-              <a:buNone/>
-              <a:defRPr b="0" i="0" sz="1200" u="none" cap="none" strike="noStrike">
+            <a:lvl3pPr marL="0" marR="0" lvl="2" indent="0" algn="r" rtl="0">
+              <a:spcBef>
+                <a:spcPts val="0"/>
+              </a:spcBef>
+              <a:buNone/>
+              <a:defRPr sz="1200" b="0" i="0" u="none" strike="noStrike" cap="none">
                 <a:solidFill>
                   <a:srgbClr val="888888"/>
                 </a:solidFill>
@@ -10375,12 +10662,12 @@
                 <a:sym typeface="Calibri"/>
               </a:defRPr>
             </a:lvl3pPr>
-            <a:lvl4pPr indent="0" lvl="3" marL="0" marR="0" rtl="0" algn="r">
-              <a:spcBef>
-                <a:spcPts val="0"/>
-              </a:spcBef>
-              <a:buNone/>
-              <a:defRPr b="0" i="0" sz="1200" u="none" cap="none" strike="noStrike">
+            <a:lvl4pPr marL="0" marR="0" lvl="3" indent="0" algn="r" rtl="0">
+              <a:spcBef>
+                <a:spcPts val="0"/>
+              </a:spcBef>
+              <a:buNone/>
+              <a:defRPr sz="1200" b="0" i="0" u="none" strike="noStrike" cap="none">
                 <a:solidFill>
                   <a:srgbClr val="888888"/>
                 </a:solidFill>
@@ -10390,12 +10677,12 @@
                 <a:sym typeface="Calibri"/>
               </a:defRPr>
             </a:lvl4pPr>
-            <a:lvl5pPr indent="0" lvl="4" marL="0" marR="0" rtl="0" algn="r">
-              <a:spcBef>
-                <a:spcPts val="0"/>
-              </a:spcBef>
-              <a:buNone/>
-              <a:defRPr b="0" i="0" sz="1200" u="none" cap="none" strike="noStrike">
+            <a:lvl5pPr marL="0" marR="0" lvl="4" indent="0" algn="r" rtl="0">
+              <a:spcBef>
+                <a:spcPts val="0"/>
+              </a:spcBef>
+              <a:buNone/>
+              <a:defRPr sz="1200" b="0" i="0" u="none" strike="noStrike" cap="none">
                 <a:solidFill>
                   <a:srgbClr val="888888"/>
                 </a:solidFill>
@@ -10405,12 +10692,12 @@
                 <a:sym typeface="Calibri"/>
               </a:defRPr>
             </a:lvl5pPr>
-            <a:lvl6pPr indent="0" lvl="5" marL="0" marR="0" rtl="0" algn="r">
-              <a:spcBef>
-                <a:spcPts val="0"/>
-              </a:spcBef>
-              <a:buNone/>
-              <a:defRPr b="0" i="0" sz="1200" u="none" cap="none" strike="noStrike">
+            <a:lvl6pPr marL="0" marR="0" lvl="5" indent="0" algn="r" rtl="0">
+              <a:spcBef>
+                <a:spcPts val="0"/>
+              </a:spcBef>
+              <a:buNone/>
+              <a:defRPr sz="1200" b="0" i="0" u="none" strike="noStrike" cap="none">
                 <a:solidFill>
                   <a:srgbClr val="888888"/>
                 </a:solidFill>
@@ -10420,12 +10707,12 @@
                 <a:sym typeface="Calibri"/>
               </a:defRPr>
             </a:lvl6pPr>
-            <a:lvl7pPr indent="0" lvl="6" marL="0" marR="0" rtl="0" algn="r">
-              <a:spcBef>
-                <a:spcPts val="0"/>
-              </a:spcBef>
-              <a:buNone/>
-              <a:defRPr b="0" i="0" sz="1200" u="none" cap="none" strike="noStrike">
+            <a:lvl7pPr marL="0" marR="0" lvl="6" indent="0" algn="r" rtl="0">
+              <a:spcBef>
+                <a:spcPts val="0"/>
+              </a:spcBef>
+              <a:buNone/>
+              <a:defRPr sz="1200" b="0" i="0" u="none" strike="noStrike" cap="none">
                 <a:solidFill>
                   <a:srgbClr val="888888"/>
                 </a:solidFill>
@@ -10435,12 +10722,12 @@
                 <a:sym typeface="Calibri"/>
               </a:defRPr>
             </a:lvl7pPr>
-            <a:lvl8pPr indent="0" lvl="7" marL="0" marR="0" rtl="0" algn="r">
-              <a:spcBef>
-                <a:spcPts val="0"/>
-              </a:spcBef>
-              <a:buNone/>
-              <a:defRPr b="0" i="0" sz="1200" u="none" cap="none" strike="noStrike">
+            <a:lvl8pPr marL="0" marR="0" lvl="7" indent="0" algn="r" rtl="0">
+              <a:spcBef>
+                <a:spcPts val="0"/>
+              </a:spcBef>
+              <a:buNone/>
+              <a:defRPr sz="1200" b="0" i="0" u="none" strike="noStrike" cap="none">
                 <a:solidFill>
                   <a:srgbClr val="888888"/>
                 </a:solidFill>
@@ -10450,12 +10737,12 @@
                 <a:sym typeface="Calibri"/>
               </a:defRPr>
             </a:lvl8pPr>
-            <a:lvl9pPr indent="0" lvl="8" marL="0" marR="0" rtl="0" algn="r">
-              <a:spcBef>
-                <a:spcPts val="0"/>
-              </a:spcBef>
-              <a:buNone/>
-              <a:defRPr b="0" i="0" sz="1200" u="none" cap="none" strike="noStrike">
+            <a:lvl9pPr marL="0" marR="0" lvl="8" indent="0" algn="r" rtl="0">
+              <a:spcBef>
+                <a:spcPts val="0"/>
+              </a:spcBef>
+              <a:buNone/>
+              <a:defRPr sz="1200" b="0" i="0" u="none" strike="noStrike" cap="none">
                 <a:solidFill>
                   <a:srgbClr val="888888"/>
                 </a:solidFill>
@@ -10467,7 +10754,7 @@
             </a:lvl9pPr>
           </a:lstStyle>
           <a:p>
-            <a:pPr indent="0" lvl="0" marL="0" rtl="0" algn="r">
+            <a:pPr marL="0" lvl="0" indent="0" algn="r" rtl="0">
               <a:spcBef>
                 <a:spcPts val="0"/>
               </a:spcBef>
@@ -10486,7 +10773,7 @@
       </p:sp>
     </p:spTree>
   </p:cSld>
-  <p:clrMap accent1="accent1" accent2="accent2" accent3="accent3" accent4="accent4" accent5="accent5" accent6="accent6" bg1="lt1" bg2="dk2" tx1="dk1" tx2="lt2" folHlink="folHlink" hlink="hlink"/>
+  <p:clrMap bg1="lt1" tx1="dk1" bg2="dk2" tx2="lt2" accent1="accent1" accent2="accent2" accent3="accent3" accent4="accent4" accent5="accent5" accent6="accent6" hlink="hlink" folHlink="folHlink"/>
   <p:sldLayoutIdLst>
     <p:sldLayoutId id="2147483648" r:id="rId1"/>
     <p:sldLayoutId id="2147483649" r:id="rId2"/>
@@ -10500,10 +10787,10 @@
     <p:sldLayoutId id="2147483657" r:id="rId10"/>
     <p:sldLayoutId id="2147483658" r:id="rId11"/>
   </p:sldLayoutIdLst>
-  <p:hf dt="0" ftr="0" hdr="0" sldNum="0"/>
+  <p:hf sldNum="0" hdr="0" ftr="0" dt="0"/>
   <p:txStyles>
     <p:titleStyle>
-      <a:defPPr lvl="0" marR="0" rtl="0" algn="l">
+      <a:defPPr marR="0" lvl="0" algn="l" rtl="0">
         <a:lnSpc>
           <a:spcPct val="100000"/>
         </a:lnSpc>
@@ -10514,7 +10801,7 @@
           <a:spcPts val="0"/>
         </a:spcAft>
       </a:defPPr>
-      <a:lvl1pPr lvl="0" marR="0" rtl="0" algn="l">
+      <a:lvl1pPr marR="0" lvl="0" algn="l" rtl="0">
         <a:lnSpc>
           <a:spcPct val="100000"/>
         </a:lnSpc>
@@ -10528,7 +10815,7 @@
           <a:srgbClr val="000000"/>
         </a:buClr>
         <a:buFont typeface="Arial"/>
-        <a:defRPr b="0" i="0" sz="1400" u="none" cap="none" strike="noStrike">
+        <a:defRPr sz="1400" b="0" i="0" u="none" strike="noStrike" cap="none">
           <a:solidFill>
             <a:srgbClr val="000000"/>
           </a:solidFill>
@@ -10538,7 +10825,7 @@
           <a:sym typeface="Arial"/>
         </a:defRPr>
       </a:lvl1pPr>
-      <a:lvl2pPr lvl="1" marR="0" rtl="0" algn="l">
+      <a:lvl2pPr marR="0" lvl="1" algn="l" rtl="0">
         <a:lnSpc>
           <a:spcPct val="100000"/>
         </a:lnSpc>
@@ -10552,7 +10839,7 @@
           <a:srgbClr val="000000"/>
         </a:buClr>
         <a:buFont typeface="Arial"/>
-        <a:defRPr b="0" i="0" sz="1400" u="none" cap="none" strike="noStrike">
+        <a:defRPr sz="1400" b="0" i="0" u="none" strike="noStrike" cap="none">
           <a:solidFill>
             <a:srgbClr val="000000"/>
           </a:solidFill>
@@ -10562,7 +10849,7 @@
           <a:sym typeface="Arial"/>
         </a:defRPr>
       </a:lvl2pPr>
-      <a:lvl3pPr lvl="2" marR="0" rtl="0" algn="l">
+      <a:lvl3pPr marR="0" lvl="2" algn="l" rtl="0">
         <a:lnSpc>
           <a:spcPct val="100000"/>
         </a:lnSpc>
@@ -10576,7 +10863,7 @@
           <a:srgbClr val="000000"/>
         </a:buClr>
         <a:buFont typeface="Arial"/>
-        <a:defRPr b="0" i="0" sz="1400" u="none" cap="none" strike="noStrike">
+        <a:defRPr sz="1400" b="0" i="0" u="none" strike="noStrike" cap="none">
           <a:solidFill>
             <a:srgbClr val="000000"/>
           </a:solidFill>
@@ -10586,7 +10873,7 @@
           <a:sym typeface="Arial"/>
         </a:defRPr>
       </a:lvl3pPr>
-      <a:lvl4pPr lvl="3" marR="0" rtl="0" algn="l">
+      <a:lvl4pPr marR="0" lvl="3" algn="l" rtl="0">
         <a:lnSpc>
           <a:spcPct val="100000"/>
         </a:lnSpc>
@@ -10600,7 +10887,7 @@
           <a:srgbClr val="000000"/>
         </a:buClr>
         <a:buFont typeface="Arial"/>
-        <a:defRPr b="0" i="0" sz="1400" u="none" cap="none" strike="noStrike">
+        <a:defRPr sz="1400" b="0" i="0" u="none" strike="noStrike" cap="none">
           <a:solidFill>
             <a:srgbClr val="000000"/>
           </a:solidFill>
@@ -10610,7 +10897,7 @@
           <a:sym typeface="Arial"/>
         </a:defRPr>
       </a:lvl4pPr>
-      <a:lvl5pPr lvl="4" marR="0" rtl="0" algn="l">
+      <a:lvl5pPr marR="0" lvl="4" algn="l" rtl="0">
         <a:lnSpc>
           <a:spcPct val="100000"/>
         </a:lnSpc>
@@ -10624,7 +10911,7 @@
           <a:srgbClr val="000000"/>
         </a:buClr>
         <a:buFont typeface="Arial"/>
-        <a:defRPr b="0" i="0" sz="1400" u="none" cap="none" strike="noStrike">
+        <a:defRPr sz="1400" b="0" i="0" u="none" strike="noStrike" cap="none">
           <a:solidFill>
             <a:srgbClr val="000000"/>
           </a:solidFill>
@@ -10634,7 +10921,7 @@
           <a:sym typeface="Arial"/>
         </a:defRPr>
       </a:lvl5pPr>
-      <a:lvl6pPr lvl="5" marR="0" rtl="0" algn="l">
+      <a:lvl6pPr marR="0" lvl="5" algn="l" rtl="0">
         <a:lnSpc>
           <a:spcPct val="100000"/>
         </a:lnSpc>
@@ -10648,7 +10935,7 @@
           <a:srgbClr val="000000"/>
         </a:buClr>
         <a:buFont typeface="Arial"/>
-        <a:defRPr b="0" i="0" sz="1400" u="none" cap="none" strike="noStrike">
+        <a:defRPr sz="1400" b="0" i="0" u="none" strike="noStrike" cap="none">
           <a:solidFill>
             <a:srgbClr val="000000"/>
           </a:solidFill>
@@ -10658,7 +10945,7 @@
           <a:sym typeface="Arial"/>
         </a:defRPr>
       </a:lvl6pPr>
-      <a:lvl7pPr lvl="6" marR="0" rtl="0" algn="l">
+      <a:lvl7pPr marR="0" lvl="6" algn="l" rtl="0">
         <a:lnSpc>
           <a:spcPct val="100000"/>
         </a:lnSpc>
@@ -10672,7 +10959,7 @@
           <a:srgbClr val="000000"/>
         </a:buClr>
         <a:buFont typeface="Arial"/>
-        <a:defRPr b="0" i="0" sz="1400" u="none" cap="none" strike="noStrike">
+        <a:defRPr sz="1400" b="0" i="0" u="none" strike="noStrike" cap="none">
           <a:solidFill>
             <a:srgbClr val="000000"/>
           </a:solidFill>
@@ -10682,7 +10969,7 @@
           <a:sym typeface="Arial"/>
         </a:defRPr>
       </a:lvl7pPr>
-      <a:lvl8pPr lvl="7" marR="0" rtl="0" algn="l">
+      <a:lvl8pPr marR="0" lvl="7" algn="l" rtl="0">
         <a:lnSpc>
           <a:spcPct val="100000"/>
         </a:lnSpc>
@@ -10696,7 +10983,7 @@
           <a:srgbClr val="000000"/>
         </a:buClr>
         <a:buFont typeface="Arial"/>
-        <a:defRPr b="0" i="0" sz="1400" u="none" cap="none" strike="noStrike">
+        <a:defRPr sz="1400" b="0" i="0" u="none" strike="noStrike" cap="none">
           <a:solidFill>
             <a:srgbClr val="000000"/>
           </a:solidFill>
@@ -10706,7 +10993,7 @@
           <a:sym typeface="Arial"/>
         </a:defRPr>
       </a:lvl8pPr>
-      <a:lvl9pPr lvl="8" marR="0" rtl="0" algn="l">
+      <a:lvl9pPr marR="0" lvl="8" algn="l" rtl="0">
         <a:lnSpc>
           <a:spcPct val="100000"/>
         </a:lnSpc>
@@ -10720,7 +11007,7 @@
           <a:srgbClr val="000000"/>
         </a:buClr>
         <a:buFont typeface="Arial"/>
-        <a:defRPr b="0" i="0" sz="1400" u="none" cap="none" strike="noStrike">
+        <a:defRPr sz="1400" b="0" i="0" u="none" strike="noStrike" cap="none">
           <a:solidFill>
             <a:srgbClr val="000000"/>
           </a:solidFill>
@@ -10732,7 +11019,7 @@
       </a:lvl9pPr>
     </p:titleStyle>
     <p:bodyStyle>
-      <a:defPPr lvl="0" marR="0" rtl="0" algn="l">
+      <a:defPPr marR="0" lvl="0" algn="l" rtl="0">
         <a:lnSpc>
           <a:spcPct val="100000"/>
         </a:lnSpc>
@@ -10743,7 +11030,7 @@
           <a:spcPts val="0"/>
         </a:spcAft>
       </a:defPPr>
-      <a:lvl1pPr lvl="0" marR="0" rtl="0" algn="l">
+      <a:lvl1pPr marR="0" lvl="0" algn="l" rtl="0">
         <a:lnSpc>
           <a:spcPct val="100000"/>
         </a:lnSpc>
@@ -10757,7 +11044,7 @@
           <a:srgbClr val="000000"/>
         </a:buClr>
         <a:buFont typeface="Arial"/>
-        <a:defRPr b="0" i="0" sz="1400" u="none" cap="none" strike="noStrike">
+        <a:defRPr sz="1400" b="0" i="0" u="none" strike="noStrike" cap="none">
           <a:solidFill>
             <a:srgbClr val="000000"/>
           </a:solidFill>
@@ -10767,7 +11054,7 @@
           <a:sym typeface="Arial"/>
         </a:defRPr>
       </a:lvl1pPr>
-      <a:lvl2pPr lvl="1" marR="0" rtl="0" algn="l">
+      <a:lvl2pPr marR="0" lvl="1" algn="l" rtl="0">
         <a:lnSpc>
           <a:spcPct val="100000"/>
         </a:lnSpc>
@@ -10781,7 +11068,7 @@
           <a:srgbClr val="000000"/>
         </a:buClr>
         <a:buFont typeface="Arial"/>
-        <a:defRPr b="0" i="0" sz="1400" u="none" cap="none" strike="noStrike">
+        <a:defRPr sz="1400" b="0" i="0" u="none" strike="noStrike" cap="none">
           <a:solidFill>
             <a:srgbClr val="000000"/>
           </a:solidFill>
@@ -10791,7 +11078,7 @@
           <a:sym typeface="Arial"/>
         </a:defRPr>
       </a:lvl2pPr>
-      <a:lvl3pPr lvl="2" marR="0" rtl="0" algn="l">
+      <a:lvl3pPr marR="0" lvl="2" algn="l" rtl="0">
         <a:lnSpc>
           <a:spcPct val="100000"/>
         </a:lnSpc>
@@ -10805,7 +11092,7 @@
           <a:srgbClr val="000000"/>
         </a:buClr>
         <a:buFont typeface="Arial"/>
-        <a:defRPr b="0" i="0" sz="1400" u="none" cap="none" strike="noStrike">
+        <a:defRPr sz="1400" b="0" i="0" u="none" strike="noStrike" cap="none">
           <a:solidFill>
             <a:srgbClr val="000000"/>
           </a:solidFill>
@@ -10815,7 +11102,7 @@
           <a:sym typeface="Arial"/>
         </a:defRPr>
       </a:lvl3pPr>
-      <a:lvl4pPr lvl="3" marR="0" rtl="0" algn="l">
+      <a:lvl4pPr marR="0" lvl="3" algn="l" rtl="0">
         <a:lnSpc>
           <a:spcPct val="100000"/>
         </a:lnSpc>
@@ -10829,7 +11116,7 @@
           <a:srgbClr val="000000"/>
         </a:buClr>
         <a:buFont typeface="Arial"/>
-        <a:defRPr b="0" i="0" sz="1400" u="none" cap="none" strike="noStrike">
+        <a:defRPr sz="1400" b="0" i="0" u="none" strike="noStrike" cap="none">
           <a:solidFill>
             <a:srgbClr val="000000"/>
           </a:solidFill>
@@ -10839,7 +11126,7 @@
           <a:sym typeface="Arial"/>
         </a:defRPr>
       </a:lvl4pPr>
-      <a:lvl5pPr lvl="4" marR="0" rtl="0" algn="l">
+      <a:lvl5pPr marR="0" lvl="4" algn="l" rtl="0">
         <a:lnSpc>
           <a:spcPct val="100000"/>
         </a:lnSpc>
@@ -10853,7 +11140,7 @@
           <a:srgbClr val="000000"/>
         </a:buClr>
         <a:buFont typeface="Arial"/>
-        <a:defRPr b="0" i="0" sz="1400" u="none" cap="none" strike="noStrike">
+        <a:defRPr sz="1400" b="0" i="0" u="none" strike="noStrike" cap="none">
           <a:solidFill>
             <a:srgbClr val="000000"/>
           </a:solidFill>
@@ -10863,7 +11150,7 @@
           <a:sym typeface="Arial"/>
         </a:defRPr>
       </a:lvl5pPr>
-      <a:lvl6pPr lvl="5" marR="0" rtl="0" algn="l">
+      <a:lvl6pPr marR="0" lvl="5" algn="l" rtl="0">
         <a:lnSpc>
           <a:spcPct val="100000"/>
         </a:lnSpc>
@@ -10877,7 +11164,7 @@
           <a:srgbClr val="000000"/>
         </a:buClr>
         <a:buFont typeface="Arial"/>
-        <a:defRPr b="0" i="0" sz="1400" u="none" cap="none" strike="noStrike">
+        <a:defRPr sz="1400" b="0" i="0" u="none" strike="noStrike" cap="none">
           <a:solidFill>
             <a:srgbClr val="000000"/>
           </a:solidFill>
@@ -10887,7 +11174,7 @@
           <a:sym typeface="Arial"/>
         </a:defRPr>
       </a:lvl6pPr>
-      <a:lvl7pPr lvl="6" marR="0" rtl="0" algn="l">
+      <a:lvl7pPr marR="0" lvl="6" algn="l" rtl="0">
         <a:lnSpc>
           <a:spcPct val="100000"/>
         </a:lnSpc>
@@ -10901,7 +11188,7 @@
           <a:srgbClr val="000000"/>
         </a:buClr>
         <a:buFont typeface="Arial"/>
-        <a:defRPr b="0" i="0" sz="1400" u="none" cap="none" strike="noStrike">
+        <a:defRPr sz="1400" b="0" i="0" u="none" strike="noStrike" cap="none">
           <a:solidFill>
             <a:srgbClr val="000000"/>
           </a:solidFill>
@@ -10911,7 +11198,7 @@
           <a:sym typeface="Arial"/>
         </a:defRPr>
       </a:lvl7pPr>
-      <a:lvl8pPr lvl="7" marR="0" rtl="0" algn="l">
+      <a:lvl8pPr marR="0" lvl="7" algn="l" rtl="0">
         <a:lnSpc>
           <a:spcPct val="100000"/>
         </a:lnSpc>
@@ -10925,7 +11212,7 @@
           <a:srgbClr val="000000"/>
         </a:buClr>
         <a:buFont typeface="Arial"/>
-        <a:defRPr b="0" i="0" sz="1400" u="none" cap="none" strike="noStrike">
+        <a:defRPr sz="1400" b="0" i="0" u="none" strike="noStrike" cap="none">
           <a:solidFill>
             <a:srgbClr val="000000"/>
           </a:solidFill>
@@ -10935,7 +11222,7 @@
           <a:sym typeface="Arial"/>
         </a:defRPr>
       </a:lvl8pPr>
-      <a:lvl9pPr lvl="8" marR="0" rtl="0" algn="l">
+      <a:lvl9pPr marR="0" lvl="8" algn="l" rtl="0">
         <a:lnSpc>
           <a:spcPct val="100000"/>
         </a:lnSpc>
@@ -10949,7 +11236,7 @@
           <a:srgbClr val="000000"/>
         </a:buClr>
         <a:buFont typeface="Arial"/>
-        <a:defRPr b="0" i="0" sz="1400" u="none" cap="none" strike="noStrike">
+        <a:defRPr sz="1400" b="0" i="0" u="none" strike="noStrike" cap="none">
           <a:solidFill>
             <a:srgbClr val="000000"/>
           </a:solidFill>
@@ -10961,7 +11248,7 @@
       </a:lvl9pPr>
     </p:bodyStyle>
     <p:otherStyle>
-      <a:defPPr lvl="0" marR="0" rtl="0" algn="l">
+      <a:defPPr marR="0" lvl="0" algn="l" rtl="0">
         <a:lnSpc>
           <a:spcPct val="100000"/>
         </a:lnSpc>
@@ -10972,7 +11259,7 @@
           <a:spcPts val="0"/>
         </a:spcAft>
       </a:defPPr>
-      <a:lvl1pPr lvl="0" marR="0" rtl="0" algn="l">
+      <a:lvl1pPr marR="0" lvl="0" algn="l" rtl="0">
         <a:lnSpc>
           <a:spcPct val="100000"/>
         </a:lnSpc>
@@ -10986,7 +11273,7 @@
           <a:srgbClr val="000000"/>
         </a:buClr>
         <a:buFont typeface="Arial"/>
-        <a:defRPr b="0" i="0" sz="1400" u="none" cap="none" strike="noStrike">
+        <a:defRPr sz="1400" b="0" i="0" u="none" strike="noStrike" cap="none">
           <a:solidFill>
             <a:srgbClr val="000000"/>
           </a:solidFill>
@@ -10996,7 +11283,7 @@
           <a:sym typeface="Arial"/>
         </a:defRPr>
       </a:lvl1pPr>
-      <a:lvl2pPr lvl="1" marR="0" rtl="0" algn="l">
+      <a:lvl2pPr marR="0" lvl="1" algn="l" rtl="0">
         <a:lnSpc>
           <a:spcPct val="100000"/>
         </a:lnSpc>
@@ -11010,7 +11297,7 @@
           <a:srgbClr val="000000"/>
         </a:buClr>
         <a:buFont typeface="Arial"/>
-        <a:defRPr b="0" i="0" sz="1400" u="none" cap="none" strike="noStrike">
+        <a:defRPr sz="1400" b="0" i="0" u="none" strike="noStrike" cap="none">
           <a:solidFill>
             <a:srgbClr val="000000"/>
           </a:solidFill>
@@ -11020,7 +11307,7 @@
           <a:sym typeface="Arial"/>
         </a:defRPr>
       </a:lvl2pPr>
-      <a:lvl3pPr lvl="2" marR="0" rtl="0" algn="l">
+      <a:lvl3pPr marR="0" lvl="2" algn="l" rtl="0">
         <a:lnSpc>
           <a:spcPct val="100000"/>
         </a:lnSpc>
@@ -11034,7 +11321,7 @@
           <a:srgbClr val="000000"/>
         </a:buClr>
         <a:buFont typeface="Arial"/>
-        <a:defRPr b="0" i="0" sz="1400" u="none" cap="none" strike="noStrike">
+        <a:defRPr sz="1400" b="0" i="0" u="none" strike="noStrike" cap="none">
           <a:solidFill>
             <a:srgbClr val="000000"/>
           </a:solidFill>
@@ -11044,7 +11331,7 @@
           <a:sym typeface="Arial"/>
         </a:defRPr>
       </a:lvl3pPr>
-      <a:lvl4pPr lvl="3" marR="0" rtl="0" algn="l">
+      <a:lvl4pPr marR="0" lvl="3" algn="l" rtl="0">
         <a:lnSpc>
           <a:spcPct val="100000"/>
         </a:lnSpc>
@@ -11058,7 +11345,7 @@
           <a:srgbClr val="000000"/>
         </a:buClr>
         <a:buFont typeface="Arial"/>
-        <a:defRPr b="0" i="0" sz="1400" u="none" cap="none" strike="noStrike">
+        <a:defRPr sz="1400" b="0" i="0" u="none" strike="noStrike" cap="none">
           <a:solidFill>
             <a:srgbClr val="000000"/>
           </a:solidFill>
@@ -11068,7 +11355,7 @@
           <a:sym typeface="Arial"/>
         </a:defRPr>
       </a:lvl4pPr>
-      <a:lvl5pPr lvl="4" marR="0" rtl="0" algn="l">
+      <a:lvl5pPr marR="0" lvl="4" algn="l" rtl="0">
         <a:lnSpc>
           <a:spcPct val="100000"/>
         </a:lnSpc>
@@ -11082,7 +11369,7 @@
           <a:srgbClr val="000000"/>
         </a:buClr>
         <a:buFont typeface="Arial"/>
-        <a:defRPr b="0" i="0" sz="1400" u="none" cap="none" strike="noStrike">
+        <a:defRPr sz="1400" b="0" i="0" u="none" strike="noStrike" cap="none">
           <a:solidFill>
             <a:srgbClr val="000000"/>
           </a:solidFill>
@@ -11092,7 +11379,7 @@
           <a:sym typeface="Arial"/>
         </a:defRPr>
       </a:lvl5pPr>
-      <a:lvl6pPr lvl="5" marR="0" rtl="0" algn="l">
+      <a:lvl6pPr marR="0" lvl="5" algn="l" rtl="0">
         <a:lnSpc>
           <a:spcPct val="100000"/>
         </a:lnSpc>
@@ -11106,7 +11393,7 @@
           <a:srgbClr val="000000"/>
         </a:buClr>
         <a:buFont typeface="Arial"/>
-        <a:defRPr b="0" i="0" sz="1400" u="none" cap="none" strike="noStrike">
+        <a:defRPr sz="1400" b="0" i="0" u="none" strike="noStrike" cap="none">
           <a:solidFill>
             <a:srgbClr val="000000"/>
           </a:solidFill>
@@ -11116,7 +11403,7 @@
           <a:sym typeface="Arial"/>
         </a:defRPr>
       </a:lvl6pPr>
-      <a:lvl7pPr lvl="6" marR="0" rtl="0" algn="l">
+      <a:lvl7pPr marR="0" lvl="6" algn="l" rtl="0">
         <a:lnSpc>
           <a:spcPct val="100000"/>
         </a:lnSpc>
@@ -11130,7 +11417,7 @@
           <a:srgbClr val="000000"/>
         </a:buClr>
         <a:buFont typeface="Arial"/>
-        <a:defRPr b="0" i="0" sz="1400" u="none" cap="none" strike="noStrike">
+        <a:defRPr sz="1400" b="0" i="0" u="none" strike="noStrike" cap="none">
           <a:solidFill>
             <a:srgbClr val="000000"/>
           </a:solidFill>
@@ -11140,7 +11427,7 @@
           <a:sym typeface="Arial"/>
         </a:defRPr>
       </a:lvl7pPr>
-      <a:lvl8pPr lvl="7" marR="0" rtl="0" algn="l">
+      <a:lvl8pPr marR="0" lvl="7" algn="l" rtl="0">
         <a:lnSpc>
           <a:spcPct val="100000"/>
         </a:lnSpc>
@@ -11154,7 +11441,7 @@
           <a:srgbClr val="000000"/>
         </a:buClr>
         <a:buFont typeface="Arial"/>
-        <a:defRPr b="0" i="0" sz="1400" u="none" cap="none" strike="noStrike">
+        <a:defRPr sz="1400" b="0" i="0" u="none" strike="noStrike" cap="none">
           <a:solidFill>
             <a:srgbClr val="000000"/>
           </a:solidFill>
@@ -11164,7 +11451,7 @@
           <a:sym typeface="Arial"/>
         </a:defRPr>
       </a:lvl8pPr>
-      <a:lvl9pPr lvl="8" marR="0" rtl="0" algn="l">
+      <a:lvl9pPr marR="0" lvl="8" algn="l" rtl="0">
         <a:lnSpc>
           <a:spcPct val="100000"/>
         </a:lnSpc>
@@ -11178,7 +11465,7 @@
           <a:srgbClr val="000000"/>
         </a:buClr>
         <a:buFont typeface="Arial"/>
-        <a:defRPr b="0" i="0" sz="1400" u="none" cap="none" strike="noStrike">
+        <a:defRPr sz="1400" b="0" i="0" u="none" strike="noStrike" cap="none">
           <a:solidFill>
             <a:srgbClr val="000000"/>
           </a:solidFill>
@@ -11194,18 +11481,19 @@
 </file>
 
 <file path=ppt/slides/slide1.xml><?xml version="1.0" encoding="utf-8"?>
-<p:sld xmlns:a="http://schemas.openxmlformats.org/drawingml/2006/main" xmlns:r="http://schemas.openxmlformats.org/officeDocument/2006/relationships" xmlns:mc="http://schemas.openxmlformats.org/markup-compatibility/2006" xmlns:mv="urn:schemas-microsoft-com:mac:vml" xmlns:p="http://schemas.openxmlformats.org/presentationml/2006/main" xmlns:c="http://schemas.openxmlformats.org/drawingml/2006/chart" xmlns:dgm="http://schemas.openxmlformats.org/drawingml/2006/diagram" xmlns:o="urn:schemas-microsoft-com:office:office" xmlns:v="urn:schemas-microsoft-com:vml" xmlns:pvml="urn:schemas-microsoft-com:office:powerpoint" xmlns:com="http://schemas.openxmlformats.org/drawingml/2006/compatibility" xmlns:p14="http://schemas.microsoft.com/office/powerpoint/2010/main" xmlns:p15="http://schemas.microsoft.com/office/powerpoint/2012/main" xmlns:ahyp="http://schemas.microsoft.com/office/drawing/2018/hyperlinkcolor">
+<p:sld xmlns:a="http://schemas.openxmlformats.org/drawingml/2006/main" xmlns:r="http://schemas.openxmlformats.org/officeDocument/2006/relationships" xmlns:p="http://schemas.openxmlformats.org/presentationml/2006/main">
   <p:cSld>
     <p:bg>
       <p:bgPr>
         <a:solidFill>
           <a:srgbClr val="121212"/>
         </a:solidFill>
+        <a:effectLst/>
       </p:bgPr>
     </p:bg>
     <p:spTree>
       <p:nvGrpSpPr>
-        <p:cNvPr id="83" name="Shape 83"/>
+        <p:cNvPr id="1" name="Shape 83"/>
         <p:cNvGrpSpPr/>
         <p:nvPr/>
       </p:nvGrpSpPr>
@@ -11219,7 +11507,7 @@
       </p:grpSpPr>
       <p:pic>
         <p:nvPicPr>
-          <p:cNvPr descr="image.png" id="84" name="Google Shape;84;p13"/>
+          <p:cNvPr id="84" name="Google Shape;84;p13" descr="image.png"/>
           <p:cNvPicPr preferRelativeResize="0"/>
           <p:nvPr/>
         </p:nvPicPr>
@@ -11227,7 +11515,7 @@
           <a:blip r:embed="rId3">
             <a:alphaModFix/>
           </a:blip>
-          <a:srcRect b="0" l="0" r="0" t="0"/>
+          <a:srcRect/>
           <a:stretch/>
         </p:blipFill>
         <p:spPr>
@@ -11246,7 +11534,7 @@
       </p:pic>
       <p:pic>
         <p:nvPicPr>
-          <p:cNvPr descr="image.png" id="85" name="Google Shape;85;p13"/>
+          <p:cNvPr id="85" name="Google Shape;85;p13" descr="image.png"/>
           <p:cNvPicPr preferRelativeResize="0"/>
           <p:nvPr/>
         </p:nvPicPr>
@@ -11254,7 +11542,7 @@
           <a:blip r:embed="rId4">
             <a:alphaModFix/>
           </a:blip>
-          <a:srcRect b="0" l="0" r="0" t="0"/>
+          <a:srcRect/>
           <a:stretch/>
         </p:blipFill>
         <p:spPr>
@@ -11291,12 +11579,12 @@
           </a:ln>
         </p:spPr>
         <p:txBody>
-          <a:bodyPr anchorCtr="0" anchor="t" bIns="0" lIns="0" spcFirstLastPara="1" rIns="0" wrap="square" tIns="0">
+          <a:bodyPr spcFirstLastPara="1" wrap="square" lIns="0" tIns="0" rIns="0" bIns="0" anchor="t" anchorCtr="0">
             <a:spAutoFit/>
           </a:bodyPr>
           <a:lstStyle/>
           <a:p>
-            <a:pPr indent="0" lvl="0" marL="0" marR="0" rtl="0" algn="ctr">
+            <a:pPr marL="0" marR="0" lvl="0" indent="0" algn="ctr" rtl="0">
               <a:spcBef>
                 <a:spcPts val="0"/>
               </a:spcBef>
@@ -11306,7 +11594,7 @@
               <a:buNone/>
             </a:pPr>
             <a:r>
-              <a:rPr b="1" i="0" lang="en-US" sz="6000" u="none" cap="none" strike="noStrike">
+              <a:rPr lang="en-US" sz="6000" b="1" i="0" u="none" strike="noStrike" cap="none">
                 <a:solidFill>
                   <a:srgbClr val="FFD700"/>
                 </a:solidFill>
@@ -11341,12 +11629,12 @@
           </a:ln>
         </p:spPr>
         <p:txBody>
-          <a:bodyPr anchorCtr="0" anchor="t" bIns="0" lIns="0" spcFirstLastPara="1" rIns="0" wrap="square" tIns="0">
+          <a:bodyPr spcFirstLastPara="1" wrap="square" lIns="0" tIns="0" rIns="0" bIns="0" anchor="t" anchorCtr="0">
             <a:spAutoFit/>
           </a:bodyPr>
           <a:lstStyle/>
           <a:p>
-            <a:pPr indent="0" lvl="0" marL="0" marR="0" rtl="0" algn="ctr">
+            <a:pPr marL="0" marR="0" lvl="0" indent="0" algn="ctr" rtl="0">
               <a:lnSpc>
                 <a:spcPct val="159952"/>
               </a:lnSpc>
@@ -11359,7 +11647,7 @@
               <a:buNone/>
             </a:pPr>
             <a:r>
-              <a:rPr b="0" i="0" lang="en-US" sz="2100" u="none" cap="none" strike="noStrike">
+              <a:rPr lang="en-US" sz="2100" b="0" i="0" u="none" strike="noStrike" cap="none">
                 <a:solidFill>
                   <a:srgbClr val="4ADE80"/>
                 </a:solidFill>
@@ -11394,12 +11682,12 @@
           </a:ln>
         </p:spPr>
         <p:txBody>
-          <a:bodyPr anchorCtr="0" anchor="t" bIns="0" lIns="0" spcFirstLastPara="1" rIns="0" wrap="square" tIns="0">
+          <a:bodyPr spcFirstLastPara="1" wrap="square" lIns="0" tIns="0" rIns="0" bIns="0" anchor="t" anchorCtr="0">
             <a:spAutoFit/>
           </a:bodyPr>
           <a:lstStyle/>
           <a:p>
-            <a:pPr indent="0" lvl="0" marL="0" marR="0" rtl="0" algn="l">
+            <a:pPr marL="0" marR="0" lvl="0" indent="0" algn="l" rtl="0">
               <a:spcBef>
                 <a:spcPts val="0"/>
               </a:spcBef>
@@ -11409,7 +11697,7 @@
               <a:buNone/>
             </a:pPr>
             <a:r>
-              <a:rPr b="0" i="0" lang="en-US" sz="1050" u="none" cap="none" strike="noStrike">
+              <a:rPr lang="en-US" sz="1050" b="0" i="0" u="none" strike="noStrike" cap="none">
                 <a:solidFill>
                   <a:schemeClr val="lt1"/>
                 </a:solidFill>
@@ -11460,12 +11748,12 @@
           </a:ln>
         </p:spPr>
         <p:txBody>
-          <a:bodyPr anchorCtr="0" anchor="t" bIns="0" lIns="0" spcFirstLastPara="1" rIns="0" wrap="square" tIns="0">
+          <a:bodyPr spcFirstLastPara="1" wrap="square" lIns="0" tIns="0" rIns="0" bIns="0" anchor="t" anchorCtr="0">
             <a:spAutoFit/>
           </a:bodyPr>
           <a:lstStyle/>
           <a:p>
-            <a:pPr indent="0" lvl="0" marL="0" marR="0" rtl="0" algn="l">
+            <a:pPr marL="0" marR="0" lvl="0" indent="0" algn="l" rtl="0">
               <a:spcBef>
                 <a:spcPts val="0"/>
               </a:spcBef>
@@ -11475,7 +11763,7 @@
               <a:buNone/>
             </a:pPr>
             <a:r>
-              <a:rPr b="0" i="0" lang="en-US" sz="1150" u="none" cap="none" strike="noStrike">
+              <a:rPr lang="en-US" sz="1150" b="0" i="0" u="none" strike="noStrike" cap="none">
                 <a:solidFill>
                   <a:schemeClr val="lt1"/>
                 </a:solidFill>
@@ -11499,7 +11787,7 @@
               <a:t>OOR </a:t>
             </a:r>
             <a:r>
-              <a:rPr b="0" i="0" lang="en-US" sz="1150" u="none" cap="none" strike="noStrike">
+              <a:rPr lang="en-US" sz="1150" b="0" i="0" u="none" strike="noStrike" cap="none">
                 <a:solidFill>
                   <a:schemeClr val="lt1"/>
                 </a:solidFill>
@@ -11523,7 +11811,7 @@
               <a:t>SHAFKAT SHARIF BHUIYAN</a:t>
             </a:r>
             <a:r>
-              <a:rPr b="0" i="0" lang="en-US" sz="1150" u="none" cap="none" strike="noStrike">
+              <a:rPr lang="en-US" sz="1150" b="0" i="0" u="none" strike="noStrike" cap="none">
                 <a:solidFill>
                   <a:schemeClr val="lt1"/>
                 </a:solidFill>
@@ -11567,18 +11855,19 @@
 </file>
 
 <file path=ppt/slides/slide2.xml><?xml version="1.0" encoding="utf-8"?>
-<p:sld xmlns:a="http://schemas.openxmlformats.org/drawingml/2006/main" xmlns:r="http://schemas.openxmlformats.org/officeDocument/2006/relationships" xmlns:mc="http://schemas.openxmlformats.org/markup-compatibility/2006" xmlns:mv="urn:schemas-microsoft-com:mac:vml" xmlns:p="http://schemas.openxmlformats.org/presentationml/2006/main" xmlns:c="http://schemas.openxmlformats.org/drawingml/2006/chart" xmlns:dgm="http://schemas.openxmlformats.org/drawingml/2006/diagram" xmlns:o="urn:schemas-microsoft-com:office:office" xmlns:v="urn:schemas-microsoft-com:vml" xmlns:pvml="urn:schemas-microsoft-com:office:powerpoint" xmlns:com="http://schemas.openxmlformats.org/drawingml/2006/compatibility" xmlns:p14="http://schemas.microsoft.com/office/powerpoint/2010/main" xmlns:p15="http://schemas.microsoft.com/office/powerpoint/2012/main" xmlns:ahyp="http://schemas.microsoft.com/office/drawing/2018/hyperlinkcolor">
+<p:sld xmlns:a="http://schemas.openxmlformats.org/drawingml/2006/main" xmlns:r="http://schemas.openxmlformats.org/officeDocument/2006/relationships" xmlns:p="http://schemas.openxmlformats.org/presentationml/2006/main">
   <p:cSld>
     <p:bg>
       <p:bgPr>
         <a:solidFill>
           <a:srgbClr val="121212"/>
         </a:solidFill>
+        <a:effectLst/>
       </p:bgPr>
     </p:bg>
     <p:spTree>
       <p:nvGrpSpPr>
-        <p:cNvPr id="93" name="Shape 93"/>
+        <p:cNvPr id="1" name="Shape 93"/>
         <p:cNvGrpSpPr/>
         <p:nvPr/>
       </p:nvGrpSpPr>
@@ -11592,7 +11881,7 @@
       </p:grpSpPr>
       <p:pic>
         <p:nvPicPr>
-          <p:cNvPr descr="image.png" id="94" name="Google Shape;94;p14"/>
+          <p:cNvPr id="94" name="Google Shape;94;p14" descr="image.png"/>
           <p:cNvPicPr preferRelativeResize="0"/>
           <p:nvPr/>
         </p:nvPicPr>
@@ -11600,7 +11889,7 @@
           <a:blip r:embed="rId3">
             <a:alphaModFix/>
           </a:blip>
-          <a:srcRect b="0" l="0" r="0" t="0"/>
+          <a:srcRect/>
           <a:stretch/>
         </p:blipFill>
         <p:spPr>
@@ -11619,7 +11908,7 @@
       </p:pic>
       <p:pic>
         <p:nvPicPr>
-          <p:cNvPr descr="image.png" id="95" name="Google Shape;95;p14"/>
+          <p:cNvPr id="95" name="Google Shape;95;p14" descr="image.png"/>
           <p:cNvPicPr preferRelativeResize="0"/>
           <p:nvPr/>
         </p:nvPicPr>
@@ -11627,7 +11916,7 @@
           <a:blip r:embed="rId4">
             <a:alphaModFix/>
           </a:blip>
-          <a:srcRect b="0" l="0" r="0" t="0"/>
+          <a:srcRect/>
           <a:stretch/>
         </p:blipFill>
         <p:spPr>
@@ -11646,7 +11935,7 @@
       </p:pic>
       <p:pic>
         <p:nvPicPr>
-          <p:cNvPr descr="image.png" id="96" name="Google Shape;96;p14"/>
+          <p:cNvPr id="96" name="Google Shape;96;p14" descr="image.png"/>
           <p:cNvPicPr preferRelativeResize="0"/>
           <p:nvPr/>
         </p:nvPicPr>
@@ -11654,7 +11943,7 @@
           <a:blip r:embed="rId5">
             <a:alphaModFix/>
           </a:blip>
-          <a:srcRect b="0" l="0" r="0" t="0"/>
+          <a:srcRect/>
           <a:stretch/>
         </p:blipFill>
         <p:spPr>
@@ -11691,12 +11980,12 @@
           </a:ln>
         </p:spPr>
         <p:txBody>
-          <a:bodyPr anchorCtr="0" anchor="t" bIns="0" lIns="0" spcFirstLastPara="1" rIns="0" wrap="square" tIns="0">
+          <a:bodyPr spcFirstLastPara="1" wrap="square" lIns="0" tIns="0" rIns="0" bIns="0" anchor="t" anchorCtr="0">
             <a:spAutoFit/>
           </a:bodyPr>
           <a:lstStyle/>
           <a:p>
-            <a:pPr indent="0" lvl="0" marL="0" marR="0" rtl="0" algn="l">
+            <a:pPr marL="0" marR="0" lvl="0" indent="0" algn="l" rtl="0">
               <a:spcBef>
                 <a:spcPts val="0"/>
               </a:spcBef>
@@ -11706,7 +11995,7 @@
               <a:buNone/>
             </a:pPr>
             <a:r>
-              <a:rPr b="1" i="0" lang="en-US" sz="3600" u="none" cap="none" strike="noStrike">
+              <a:rPr lang="en-US" sz="3600" b="1" i="0" u="none" strike="noStrike" cap="none">
                 <a:solidFill>
                   <a:srgbClr val="4ADE80"/>
                 </a:solidFill>
@@ -11743,12 +12032,12 @@
           </a:ln>
         </p:spPr>
         <p:txBody>
-          <a:bodyPr anchorCtr="0" anchor="ctr" bIns="45700" lIns="91425" spcFirstLastPara="1" rIns="91425" wrap="square" tIns="45700">
+          <a:bodyPr spcFirstLastPara="1" wrap="square" lIns="91425" tIns="45700" rIns="91425" bIns="45700" anchor="ctr" anchorCtr="0">
             <a:noAutofit/>
           </a:bodyPr>
           <a:lstStyle/>
           <a:p>
-            <a:pPr indent="0" lvl="0" marL="0" marR="0" rtl="0" algn="ctr">
+            <a:pPr marL="0" marR="0" lvl="0" indent="0" algn="ctr" rtl="0">
               <a:spcBef>
                 <a:spcPts val="0"/>
               </a:spcBef>
@@ -11757,10 +12046,7 @@
               </a:spcAft>
               <a:buNone/>
             </a:pPr>
-            <a:r>
-              <a:t/>
-            </a:r>
-            <a:endParaRPr b="0" i="0" sz="1800" u="none" cap="none" strike="noStrike">
+            <a:endParaRPr sz="1800" b="0" i="0" u="none" strike="noStrike" cap="none">
               <a:solidFill>
                 <a:schemeClr val="dk1"/>
               </a:solidFill>
@@ -11792,12 +12078,12 @@
           </a:ln>
         </p:spPr>
         <p:txBody>
-          <a:bodyPr anchorCtr="0" anchor="t" bIns="0" lIns="0" spcFirstLastPara="1" rIns="0" wrap="square" tIns="0">
+          <a:bodyPr spcFirstLastPara="1" wrap="square" lIns="0" tIns="0" rIns="0" bIns="0" anchor="t" anchorCtr="0">
             <a:spAutoFit/>
           </a:bodyPr>
           <a:lstStyle/>
           <a:p>
-            <a:pPr indent="0" lvl="0" marL="0" rtl="0" algn="l">
+            <a:pPr marL="0" lvl="0" indent="0" algn="l" rtl="0">
               <a:spcBef>
                 <a:spcPts val="0"/>
               </a:spcBef>
@@ -11846,12 +12132,12 @@
           </a:ln>
         </p:spPr>
         <p:txBody>
-          <a:bodyPr anchorCtr="0" anchor="t" bIns="0" lIns="0" spcFirstLastPara="1" rIns="0" wrap="square" tIns="0">
+          <a:bodyPr spcFirstLastPara="1" wrap="square" lIns="0" tIns="0" rIns="0" bIns="0" anchor="t" anchorCtr="0">
             <a:spAutoFit/>
           </a:bodyPr>
           <a:lstStyle/>
           <a:p>
-            <a:pPr indent="0" lvl="0" marL="0" rtl="0" algn="l">
+            <a:pPr marL="0" lvl="0" indent="0" algn="l" rtl="0">
               <a:spcBef>
                 <a:spcPts val="0"/>
               </a:spcBef>
@@ -11883,7 +12169,7 @@
             </a:endParaRPr>
           </a:p>
           <a:p>
-            <a:pPr indent="0" lvl="0" marL="0" marR="0" rtl="0" algn="l">
+            <a:pPr marL="0" marR="0" lvl="0" indent="0" algn="l" rtl="0">
               <a:spcBef>
                 <a:spcPts val="0"/>
               </a:spcBef>
@@ -11892,9 +12178,6 @@
               </a:spcAft>
               <a:buNone/>
             </a:pPr>
-            <a:r>
-              <a:t/>
-            </a:r>
             <a:endParaRPr sz="1050">
               <a:solidFill>
                 <a:srgbClr val="666666"/>
@@ -11927,12 +12210,12 @@
           </a:ln>
         </p:spPr>
         <p:txBody>
-          <a:bodyPr anchorCtr="0" anchor="t" bIns="0" lIns="0" spcFirstLastPara="1" rIns="0" wrap="square" tIns="0">
+          <a:bodyPr spcFirstLastPara="1" wrap="square" lIns="0" tIns="0" rIns="0" bIns="0" anchor="t" anchorCtr="0">
             <a:spAutoFit/>
           </a:bodyPr>
           <a:lstStyle/>
           <a:p>
-            <a:pPr indent="0" lvl="0" marL="0" marR="0" rtl="0" algn="l">
+            <a:pPr marL="0" marR="0" lvl="0" indent="0" algn="l" rtl="0">
               <a:spcBef>
                 <a:spcPts val="0"/>
               </a:spcBef>
@@ -11942,7 +12225,7 @@
               <a:buNone/>
             </a:pPr>
             <a:r>
-              <a:rPr b="1" i="0" lang="en-US" sz="2400" u="none" cap="none" strike="noStrike">
+              <a:rPr lang="en-US" sz="2400" b="1" i="0" u="none" strike="noStrike" cap="none">
                 <a:solidFill>
                   <a:srgbClr val="FFFFFF"/>
                 </a:solidFill>
@@ -11967,7 +12250,7 @@
           <a:blip r:embed="rId6">
             <a:alphaModFix/>
           </a:blip>
-          <a:srcRect b="12064" l="0" r="0" t="12057"/>
+          <a:srcRect t="12057" b="12064"/>
           <a:stretch/>
         </p:blipFill>
         <p:spPr>
@@ -12004,12 +12287,12 @@
           </a:ln>
         </p:spPr>
         <p:txBody>
-          <a:bodyPr anchorCtr="0" anchor="t" bIns="0" lIns="0" spcFirstLastPara="1" rIns="0" wrap="square" tIns="0">
+          <a:bodyPr spcFirstLastPara="1" wrap="square" lIns="0" tIns="0" rIns="0" bIns="0" anchor="t" anchorCtr="0">
             <a:spAutoFit/>
           </a:bodyPr>
           <a:lstStyle/>
           <a:p>
-            <a:pPr indent="0" lvl="0" marL="0" marR="0" rtl="0" algn="l">
+            <a:pPr marL="0" marR="0" lvl="0" indent="0" algn="l" rtl="0">
               <a:spcBef>
                 <a:spcPts val="0"/>
               </a:spcBef>
@@ -12019,7 +12302,7 @@
               <a:buNone/>
             </a:pPr>
             <a:r>
-              <a:rPr b="0" i="0" lang="en-US" sz="1800" u="none" cap="none" strike="noStrike">
+              <a:rPr lang="en-US" sz="1800" b="0" i="0" u="none" strike="noStrike" cap="none">
                 <a:solidFill>
                   <a:srgbClr val="A3A3A3"/>
                 </a:solidFill>
@@ -12054,12 +12337,12 @@
           </a:ln>
         </p:spPr>
         <p:txBody>
-          <a:bodyPr anchorCtr="0" anchor="t" bIns="0" lIns="66675" spcFirstLastPara="1" rIns="0" wrap="square" tIns="0">
+          <a:bodyPr spcFirstLastPara="1" wrap="square" lIns="66675" tIns="0" rIns="0" bIns="0" anchor="t" anchorCtr="0">
             <a:spAutoFit/>
           </a:bodyPr>
           <a:lstStyle/>
           <a:p>
-            <a:pPr indent="0" lvl="0" marL="0" marR="0" rtl="0" algn="l">
+            <a:pPr marL="0" marR="0" lvl="0" indent="0" algn="l" rtl="0">
               <a:lnSpc>
                 <a:spcPct val="159944"/>
               </a:lnSpc>
@@ -12072,7 +12355,7 @@
               <a:buNone/>
             </a:pPr>
             <a:r>
-              <a:rPr b="0" i="0" lang="en-US" sz="1800" u="none" cap="none" strike="noStrike">
+              <a:rPr lang="en-US" sz="1800" b="0" i="0" u="none" strike="noStrike" cap="none">
                 <a:solidFill>
                   <a:srgbClr val="A3A3A3"/>
                 </a:solidFill>
@@ -12107,12 +12390,12 @@
           </a:ln>
         </p:spPr>
         <p:txBody>
-          <a:bodyPr anchorCtr="0" anchor="t" bIns="0" lIns="0" spcFirstLastPara="1" rIns="0" wrap="square" tIns="0">
+          <a:bodyPr spcFirstLastPara="1" wrap="square" lIns="0" tIns="0" rIns="0" bIns="0" anchor="t" anchorCtr="0">
             <a:spAutoFit/>
           </a:bodyPr>
           <a:lstStyle/>
           <a:p>
-            <a:pPr indent="0" lvl="0" marL="0" marR="0" rtl="0" algn="l">
+            <a:pPr marL="0" marR="0" lvl="0" indent="0" algn="l" rtl="0">
               <a:spcBef>
                 <a:spcPts val="0"/>
               </a:spcBef>
@@ -12122,7 +12405,7 @@
               <a:buNone/>
             </a:pPr>
             <a:r>
-              <a:rPr b="0" i="0" lang="en-US" sz="1800" u="none" cap="none" strike="noStrike">
+              <a:rPr lang="en-US" sz="1800" b="0" i="0" u="none" strike="noStrike" cap="none">
                 <a:solidFill>
                   <a:srgbClr val="A3A3A3"/>
                 </a:solidFill>
@@ -12157,12 +12440,12 @@
           </a:ln>
         </p:spPr>
         <p:txBody>
-          <a:bodyPr anchorCtr="0" anchor="t" bIns="0" lIns="66675" spcFirstLastPara="1" rIns="0" wrap="square" tIns="0">
+          <a:bodyPr spcFirstLastPara="1" wrap="square" lIns="66675" tIns="0" rIns="0" bIns="0" anchor="t" anchorCtr="0">
             <a:spAutoFit/>
           </a:bodyPr>
           <a:lstStyle/>
           <a:p>
-            <a:pPr indent="0" lvl="0" marL="0" marR="0" rtl="0" algn="l">
+            <a:pPr marL="0" marR="0" lvl="0" indent="0" algn="l" rtl="0">
               <a:lnSpc>
                 <a:spcPct val="159944"/>
               </a:lnSpc>
@@ -12175,7 +12458,7 @@
               <a:buNone/>
             </a:pPr>
             <a:r>
-              <a:rPr b="0" i="0" lang="en-US" sz="1800" u="none" cap="none" strike="noStrike">
+              <a:rPr lang="en-US" sz="1800" b="0" i="0" u="none" strike="noStrike" cap="none">
                 <a:solidFill>
                   <a:srgbClr val="A3A3A3"/>
                 </a:solidFill>
@@ -12210,12 +12493,12 @@
           </a:ln>
         </p:spPr>
         <p:txBody>
-          <a:bodyPr anchorCtr="0" anchor="t" bIns="0" lIns="0" spcFirstLastPara="1" rIns="0" wrap="square" tIns="0">
+          <a:bodyPr spcFirstLastPara="1" wrap="square" lIns="0" tIns="0" rIns="0" bIns="0" anchor="t" anchorCtr="0">
             <a:spAutoFit/>
           </a:bodyPr>
           <a:lstStyle/>
           <a:p>
-            <a:pPr indent="0" lvl="0" marL="0" marR="0" rtl="0" algn="l">
+            <a:pPr marL="0" marR="0" lvl="0" indent="0" algn="l" rtl="0">
               <a:spcBef>
                 <a:spcPts val="0"/>
               </a:spcBef>
@@ -12225,7 +12508,7 @@
               <a:buNone/>
             </a:pPr>
             <a:r>
-              <a:rPr b="0" i="0" lang="en-US" sz="1800" u="none" cap="none" strike="noStrike">
+              <a:rPr lang="en-US" sz="1800" b="0" i="0" u="none" strike="noStrike" cap="none">
                 <a:solidFill>
                   <a:srgbClr val="A3A3A3"/>
                 </a:solidFill>
@@ -12260,12 +12543,12 @@
           </a:ln>
         </p:spPr>
         <p:txBody>
-          <a:bodyPr anchorCtr="0" anchor="t" bIns="0" lIns="66675" spcFirstLastPara="1" rIns="0" wrap="square" tIns="0">
+          <a:bodyPr spcFirstLastPara="1" wrap="square" lIns="66675" tIns="0" rIns="0" bIns="0" anchor="t" anchorCtr="0">
             <a:spAutoFit/>
           </a:bodyPr>
           <a:lstStyle/>
           <a:p>
-            <a:pPr indent="0" lvl="0" marL="0" marR="0" rtl="0" algn="l">
+            <a:pPr marL="0" marR="0" lvl="0" indent="0" algn="l" rtl="0">
               <a:lnSpc>
                 <a:spcPct val="159944"/>
               </a:lnSpc>
@@ -12278,7 +12561,7 @@
               <a:buNone/>
             </a:pPr>
             <a:r>
-              <a:rPr b="1" i="0" lang="en-US" sz="1800" u="none" cap="none" strike="noStrike">
+              <a:rPr lang="en-US" sz="1800" b="1" i="0" u="none" strike="noStrike" cap="none">
                 <a:solidFill>
                   <a:srgbClr val="A3A3A3"/>
                 </a:solidFill>
@@ -12290,7 +12573,7 @@
               <a:t>Goal:</a:t>
             </a:r>
             <a:r>
-              <a:rPr b="0" i="0" lang="en-US" sz="1800" u="none" cap="none" strike="noStrike">
+              <a:rPr lang="en-US" sz="1800" b="0" i="0" u="none" strike="noStrike" cap="none">
                 <a:solidFill>
                   <a:srgbClr val="A3A3A3"/>
                 </a:solidFill>
@@ -12302,7 +12585,7 @@
               <a:t> Create a system that calculates the </a:t>
             </a:r>
             <a:r>
-              <a:rPr b="0" i="1" lang="en-US" sz="1800" u="none" cap="none" strike="noStrike">
+              <a:rPr lang="en-US" sz="1800" b="0" i="1" u="none" strike="noStrike" cap="none">
                 <a:solidFill>
                   <a:srgbClr val="A3A3A3"/>
                 </a:solidFill>
@@ -12314,7 +12597,7 @@
               <a:t>mathematical probability</a:t>
             </a:r>
             <a:r>
-              <a:rPr b="0" i="0" lang="en-US" sz="1800" u="none" cap="none" strike="noStrike">
+              <a:rPr lang="en-US" sz="1800" b="0" i="0" u="none" strike="noStrike" cap="none">
                 <a:solidFill>
                   <a:srgbClr val="A3A3A3"/>
                 </a:solidFill>
@@ -12338,18 +12621,19 @@
 </file>
 
 <file path=ppt/slides/slide3.xml><?xml version="1.0" encoding="utf-8"?>
-<p:sld xmlns:a="http://schemas.openxmlformats.org/drawingml/2006/main" xmlns:r="http://schemas.openxmlformats.org/officeDocument/2006/relationships" xmlns:mc="http://schemas.openxmlformats.org/markup-compatibility/2006" xmlns:mv="urn:schemas-microsoft-com:mac:vml" xmlns:p="http://schemas.openxmlformats.org/presentationml/2006/main" xmlns:c="http://schemas.openxmlformats.org/drawingml/2006/chart" xmlns:dgm="http://schemas.openxmlformats.org/drawingml/2006/diagram" xmlns:o="urn:schemas-microsoft-com:office:office" xmlns:v="urn:schemas-microsoft-com:vml" xmlns:pvml="urn:schemas-microsoft-com:office:powerpoint" xmlns:com="http://schemas.openxmlformats.org/drawingml/2006/compatibility" xmlns:p14="http://schemas.microsoft.com/office/powerpoint/2010/main" xmlns:p15="http://schemas.microsoft.com/office/powerpoint/2012/main" xmlns:ahyp="http://schemas.microsoft.com/office/drawing/2018/hyperlinkcolor">
+<p:sld xmlns:a="http://schemas.openxmlformats.org/drawingml/2006/main" xmlns:r="http://schemas.openxmlformats.org/officeDocument/2006/relationships" xmlns:p="http://schemas.openxmlformats.org/presentationml/2006/main">
   <p:cSld>
     <p:bg>
       <p:bgPr>
         <a:solidFill>
           <a:srgbClr val="121212"/>
         </a:solidFill>
+        <a:effectLst/>
       </p:bgPr>
     </p:bg>
     <p:spTree>
       <p:nvGrpSpPr>
-        <p:cNvPr id="112" name="Shape 112"/>
+        <p:cNvPr id="1" name="Shape 112"/>
         <p:cNvGrpSpPr/>
         <p:nvPr/>
       </p:nvGrpSpPr>
@@ -12363,7 +12647,7 @@
       </p:grpSpPr>
       <p:pic>
         <p:nvPicPr>
-          <p:cNvPr descr="image.png" id="113" name="Google Shape;113;p15"/>
+          <p:cNvPr id="113" name="Google Shape;113;p15" descr="image.png"/>
           <p:cNvPicPr preferRelativeResize="0"/>
           <p:nvPr/>
         </p:nvPicPr>
@@ -12371,7 +12655,7 @@
           <a:blip r:embed="rId3">
             <a:alphaModFix/>
           </a:blip>
-          <a:srcRect b="0" l="0" r="0" t="0"/>
+          <a:srcRect/>
           <a:stretch/>
         </p:blipFill>
         <p:spPr>
@@ -12390,7 +12674,7 @@
       </p:pic>
       <p:pic>
         <p:nvPicPr>
-          <p:cNvPr descr="image.png" id="114" name="Google Shape;114;p15"/>
+          <p:cNvPr id="114" name="Google Shape;114;p15" descr="image.png"/>
           <p:cNvPicPr preferRelativeResize="0"/>
           <p:nvPr/>
         </p:nvPicPr>
@@ -12398,7 +12682,7 @@
           <a:blip r:embed="rId4">
             <a:alphaModFix/>
           </a:blip>
-          <a:srcRect b="0" l="0" r="0" t="0"/>
+          <a:srcRect/>
           <a:stretch/>
         </p:blipFill>
         <p:spPr>
@@ -12417,7 +12701,7 @@
       </p:pic>
       <p:pic>
         <p:nvPicPr>
-          <p:cNvPr descr="image.png" id="115" name="Google Shape;115;p15"/>
+          <p:cNvPr id="115" name="Google Shape;115;p15" descr="image.png"/>
           <p:cNvPicPr preferRelativeResize="0"/>
           <p:nvPr/>
         </p:nvPicPr>
@@ -12425,7 +12709,7 @@
           <a:blip r:embed="rId5">
             <a:alphaModFix/>
           </a:blip>
-          <a:srcRect b="0" l="0" r="0" t="0"/>
+          <a:srcRect/>
           <a:stretch/>
         </p:blipFill>
         <p:spPr>
@@ -12444,7 +12728,7 @@
       </p:pic>
       <p:pic>
         <p:nvPicPr>
-          <p:cNvPr descr="image.png" id="116" name="Google Shape;116;p15"/>
+          <p:cNvPr id="116" name="Google Shape;116;p15" descr="image.png"/>
           <p:cNvPicPr preferRelativeResize="0"/>
           <p:nvPr/>
         </p:nvPicPr>
@@ -12452,7 +12736,7 @@
           <a:blip r:embed="rId4">
             <a:alphaModFix/>
           </a:blip>
-          <a:srcRect b="0" l="0" r="0" t="0"/>
+          <a:srcRect/>
           <a:stretch/>
         </p:blipFill>
         <p:spPr>
@@ -12471,7 +12755,7 @@
       </p:pic>
       <p:pic>
         <p:nvPicPr>
-          <p:cNvPr descr="image.png" id="117" name="Google Shape;117;p15"/>
+          <p:cNvPr id="117" name="Google Shape;117;p15" descr="image.png"/>
           <p:cNvPicPr preferRelativeResize="0"/>
           <p:nvPr/>
         </p:nvPicPr>
@@ -12479,7 +12763,7 @@
           <a:blip r:embed="rId5">
             <a:alphaModFix/>
           </a:blip>
-          <a:srcRect b="0" l="0" r="0" t="0"/>
+          <a:srcRect/>
           <a:stretch/>
         </p:blipFill>
         <p:spPr>
@@ -12498,7 +12782,7 @@
       </p:pic>
       <p:pic>
         <p:nvPicPr>
-          <p:cNvPr descr="image.png" id="118" name="Google Shape;118;p15"/>
+          <p:cNvPr id="118" name="Google Shape;118;p15" descr="image.png"/>
           <p:cNvPicPr preferRelativeResize="0"/>
           <p:nvPr/>
         </p:nvPicPr>
@@ -12506,7 +12790,7 @@
           <a:blip r:embed="rId6">
             <a:alphaModFix/>
           </a:blip>
-          <a:srcRect b="0" l="0" r="0" t="0"/>
+          <a:srcRect/>
           <a:stretch/>
         </p:blipFill>
         <p:spPr>
@@ -12543,12 +12827,12 @@
           </a:ln>
         </p:spPr>
         <p:txBody>
-          <a:bodyPr anchorCtr="0" anchor="t" bIns="0" lIns="0" spcFirstLastPara="1" rIns="0" wrap="square" tIns="0">
+          <a:bodyPr spcFirstLastPara="1" wrap="square" lIns="0" tIns="0" rIns="0" bIns="0" anchor="t" anchorCtr="0">
             <a:spAutoFit/>
           </a:bodyPr>
           <a:lstStyle/>
           <a:p>
-            <a:pPr indent="0" lvl="0" marL="0" marR="0" rtl="0" algn="l">
+            <a:pPr marL="0" marR="0" lvl="0" indent="0" algn="l" rtl="0">
               <a:spcBef>
                 <a:spcPts val="0"/>
               </a:spcBef>
@@ -12558,7 +12842,7 @@
               <a:buNone/>
             </a:pPr>
             <a:r>
-              <a:rPr b="1" i="0" lang="en-US" sz="3600" u="none" cap="none" strike="noStrike">
+              <a:rPr lang="en-US" sz="3600" b="1" i="0" u="none" strike="noStrike" cap="none">
                 <a:solidFill>
                   <a:srgbClr val="4ADE80"/>
                 </a:solidFill>
@@ -12595,12 +12879,12 @@
           </a:ln>
         </p:spPr>
         <p:txBody>
-          <a:bodyPr anchorCtr="0" anchor="ctr" bIns="45700" lIns="91425" spcFirstLastPara="1" rIns="91425" wrap="square" tIns="45700">
+          <a:bodyPr spcFirstLastPara="1" wrap="square" lIns="91425" tIns="45700" rIns="91425" bIns="45700" anchor="ctr" anchorCtr="0">
             <a:noAutofit/>
           </a:bodyPr>
           <a:lstStyle/>
           <a:p>
-            <a:pPr indent="0" lvl="0" marL="0" marR="0" rtl="0" algn="ctr">
+            <a:pPr marL="0" marR="0" lvl="0" indent="0" algn="ctr" rtl="0">
               <a:spcBef>
                 <a:spcPts val="0"/>
               </a:spcBef>
@@ -12609,10 +12893,7 @@
               </a:spcAft>
               <a:buNone/>
             </a:pPr>
-            <a:r>
-              <a:t/>
-            </a:r>
-            <a:endParaRPr b="0" i="0" sz="1800" u="none" cap="none" strike="noStrike">
+            <a:endParaRPr sz="1800" b="0" i="0" u="none" strike="noStrike" cap="none">
               <a:solidFill>
                 <a:schemeClr val="dk1"/>
               </a:solidFill>
@@ -12644,12 +12925,12 @@
           </a:ln>
         </p:spPr>
         <p:txBody>
-          <a:bodyPr anchorCtr="0" anchor="t" bIns="0" lIns="0" spcFirstLastPara="1" rIns="0" wrap="square" tIns="0">
+          <a:bodyPr spcFirstLastPara="1" wrap="square" lIns="0" tIns="0" rIns="0" bIns="0" anchor="t" anchorCtr="0">
             <a:spAutoFit/>
           </a:bodyPr>
           <a:lstStyle/>
           <a:p>
-            <a:pPr indent="0" lvl="0" marL="0" rtl="0" algn="l">
+            <a:pPr marL="0" lvl="0" indent="0" algn="l" rtl="0">
               <a:spcBef>
                 <a:spcPts val="0"/>
               </a:spcBef>
@@ -12698,12 +12979,12 @@
           </a:ln>
         </p:spPr>
         <p:txBody>
-          <a:bodyPr anchorCtr="0" anchor="t" bIns="0" lIns="0" spcFirstLastPara="1" rIns="0" wrap="square" tIns="0">
+          <a:bodyPr spcFirstLastPara="1" wrap="square" lIns="0" tIns="0" rIns="0" bIns="0" anchor="t" anchorCtr="0">
             <a:spAutoFit/>
           </a:bodyPr>
           <a:lstStyle/>
           <a:p>
-            <a:pPr indent="0" lvl="0" marL="0" rtl="0" algn="l">
+            <a:pPr marL="0" lvl="0" indent="0" algn="l" rtl="0">
               <a:spcBef>
                 <a:spcPts val="0"/>
               </a:spcBef>
@@ -12735,7 +13016,7 @@
             </a:endParaRPr>
           </a:p>
           <a:p>
-            <a:pPr indent="0" lvl="0" marL="0" marR="0" rtl="0" algn="l">
+            <a:pPr marL="0" marR="0" lvl="0" indent="0" algn="l" rtl="0">
               <a:spcBef>
                 <a:spcPts val="0"/>
               </a:spcBef>
@@ -12744,9 +13025,6 @@
               </a:spcAft>
               <a:buNone/>
             </a:pPr>
-            <a:r>
-              <a:t/>
-            </a:r>
             <a:endParaRPr sz="1050">
               <a:solidFill>
                 <a:srgbClr val="666666"/>
@@ -12779,12 +13057,12 @@
           </a:ln>
         </p:spPr>
         <p:txBody>
-          <a:bodyPr anchorCtr="0" anchor="t" bIns="0" lIns="0" spcFirstLastPara="1" rIns="0" wrap="square" tIns="0">
+          <a:bodyPr spcFirstLastPara="1" wrap="square" lIns="0" tIns="0" rIns="0" bIns="0" anchor="t" anchorCtr="0">
             <a:spAutoFit/>
           </a:bodyPr>
           <a:lstStyle/>
           <a:p>
-            <a:pPr indent="0" lvl="0" marL="0" marR="0" rtl="0" algn="ctr">
+            <a:pPr marL="0" marR="0" lvl="0" indent="0" algn="ctr" rtl="0">
               <a:spcBef>
                 <a:spcPts val="0"/>
               </a:spcBef>
@@ -12794,7 +13072,7 @@
               <a:buNone/>
             </a:pPr>
             <a:r>
-              <a:rPr b="1" i="0" lang="en-US" sz="2400" u="none" cap="none" strike="noStrike">
+              <a:rPr lang="en-US" sz="2400" b="1" i="0" u="none" strike="noStrike" cap="none">
                 <a:solidFill>
                   <a:srgbClr val="FFFFFF"/>
                 </a:solidFill>
@@ -12829,12 +13107,12 @@
           </a:ln>
         </p:spPr>
         <p:txBody>
-          <a:bodyPr anchorCtr="0" anchor="t" bIns="0" lIns="0" spcFirstLastPara="1" rIns="0" wrap="square" tIns="0">
+          <a:bodyPr spcFirstLastPara="1" wrap="square" lIns="0" tIns="0" rIns="0" bIns="0" anchor="t" anchorCtr="0">
             <a:spAutoFit/>
           </a:bodyPr>
           <a:lstStyle/>
           <a:p>
-            <a:pPr indent="0" lvl="0" marL="0" marR="0" rtl="0" algn="ctr">
+            <a:pPr marL="0" marR="0" lvl="0" indent="0" algn="ctr" rtl="0">
               <a:lnSpc>
                 <a:spcPct val="159944"/>
               </a:lnSpc>
@@ -12847,7 +13125,7 @@
               <a:buNone/>
             </a:pPr>
             <a:r>
-              <a:rPr b="1" i="0" lang="en-US" sz="1800" u="none" cap="none" strike="noStrike">
+              <a:rPr lang="en-US" sz="1800" b="1" i="0" u="none" strike="noStrike" cap="none">
                 <a:solidFill>
                   <a:srgbClr val="A3A3A3"/>
                 </a:solidFill>
@@ -12859,7 +13137,7 @@
               <a:t>React Frontend</a:t>
             </a:r>
             <a:br>
-              <a:rPr b="0" i="0" lang="en-US" sz="1800" u="none" cap="none" strike="noStrike">
+              <a:rPr lang="en-US" sz="1800" b="0" i="0" u="none" strike="noStrike" cap="none">
                 <a:solidFill>
                   <a:schemeClr val="dk1"/>
                 </a:solidFill>
@@ -12870,7 +13148,7 @@
               </a:rPr>
             </a:br>
             <a:r>
-              <a:rPr b="0" i="0" lang="en-US" sz="1800" u="none" cap="none" strike="noStrike">
+              <a:rPr lang="en-US" sz="1800" b="0" i="0" u="none" strike="noStrike" cap="none">
                 <a:solidFill>
                   <a:srgbClr val="A3A3A3"/>
                 </a:solidFill>
@@ -12882,7 +13160,7 @@
               <a:t> Secure Login/Signup</a:t>
             </a:r>
             <a:br>
-              <a:rPr b="0" i="0" lang="en-US" sz="1800" u="none" cap="none" strike="noStrike">
+              <a:rPr lang="en-US" sz="1800" b="0" i="0" u="none" strike="noStrike" cap="none">
                 <a:solidFill>
                   <a:schemeClr val="dk1"/>
                 </a:solidFill>
@@ -12893,7 +13171,7 @@
               </a:rPr>
             </a:br>
             <a:r>
-              <a:rPr b="0" i="0" lang="en-US" sz="1800" u="none" cap="none" strike="noStrike">
+              <a:rPr lang="en-US" sz="1800" b="0" i="0" u="none" strike="noStrike" cap="none">
                 <a:solidFill>
                   <a:srgbClr val="A3A3A3"/>
                 </a:solidFill>
@@ -12928,12 +13206,12 @@
           </a:ln>
         </p:spPr>
         <p:txBody>
-          <a:bodyPr anchorCtr="0" anchor="t" bIns="0" lIns="0" spcFirstLastPara="1" rIns="0" wrap="square" tIns="0">
+          <a:bodyPr spcFirstLastPara="1" wrap="square" lIns="0" tIns="0" rIns="0" bIns="0" anchor="t" anchorCtr="0">
             <a:spAutoFit/>
           </a:bodyPr>
           <a:lstStyle/>
           <a:p>
-            <a:pPr indent="0" lvl="0" marL="0" marR="0" rtl="0" algn="ctr">
+            <a:pPr marL="0" marR="0" lvl="0" indent="0" algn="ctr" rtl="0">
               <a:spcBef>
                 <a:spcPts val="0"/>
               </a:spcBef>
@@ -12943,7 +13221,7 @@
               <a:buNone/>
             </a:pPr>
             <a:r>
-              <a:rPr b="1" i="0" lang="en-US" sz="1500" u="none" cap="none" strike="noStrike">
+              <a:rPr lang="en-US" sz="1500" b="1" i="0" u="none" strike="noStrike" cap="none">
                 <a:solidFill>
                   <a:srgbClr val="666666"/>
                 </a:solidFill>
@@ -12978,12 +13256,12 @@
           </a:ln>
         </p:spPr>
         <p:txBody>
-          <a:bodyPr anchorCtr="0" anchor="t" bIns="0" lIns="0" spcFirstLastPara="1" rIns="0" wrap="square" tIns="0">
+          <a:bodyPr spcFirstLastPara="1" wrap="square" lIns="0" tIns="0" rIns="0" bIns="0" anchor="t" anchorCtr="0">
             <a:spAutoFit/>
           </a:bodyPr>
           <a:lstStyle/>
           <a:p>
-            <a:pPr indent="0" lvl="0" marL="0" marR="0" rtl="0" algn="ctr">
+            <a:pPr marL="0" marR="0" lvl="0" indent="0" algn="ctr" rtl="0">
               <a:spcBef>
                 <a:spcPts val="0"/>
               </a:spcBef>
@@ -12993,7 +13271,7 @@
               <a:buNone/>
             </a:pPr>
             <a:r>
-              <a:rPr b="1" i="0" lang="en-US" sz="2400" u="none" cap="none" strike="noStrike">
+              <a:rPr lang="en-US" sz="2400" b="1" i="0" u="none" strike="noStrike" cap="none">
                 <a:solidFill>
                   <a:srgbClr val="FFFFFF"/>
                 </a:solidFill>
@@ -13028,12 +13306,12 @@
           </a:ln>
         </p:spPr>
         <p:txBody>
-          <a:bodyPr anchorCtr="0" anchor="t" bIns="0" lIns="0" spcFirstLastPara="1" rIns="0" wrap="square" tIns="0">
+          <a:bodyPr spcFirstLastPara="1" wrap="square" lIns="0" tIns="0" rIns="0" bIns="0" anchor="t" anchorCtr="0">
             <a:spAutoFit/>
           </a:bodyPr>
           <a:lstStyle/>
           <a:p>
-            <a:pPr indent="0" lvl="0" marL="0" marR="0" rtl="0" algn="ctr">
+            <a:pPr marL="0" marR="0" lvl="0" indent="0" algn="ctr" rtl="0">
               <a:lnSpc>
                 <a:spcPct val="159944"/>
               </a:lnSpc>
@@ -13046,7 +13324,7 @@
               <a:buNone/>
             </a:pPr>
             <a:r>
-              <a:rPr b="1" i="0" lang="en-US" sz="1800" u="none" cap="none" strike="noStrike">
+              <a:rPr lang="en-US" sz="1800" b="1" i="0" u="none" strike="noStrike" cap="none">
                 <a:solidFill>
                   <a:srgbClr val="A3A3A3"/>
                 </a:solidFill>
@@ -13058,7 +13336,7 @@
               <a:t>Streamlit App</a:t>
             </a:r>
             <a:br>
-              <a:rPr b="0" i="0" lang="en-US" sz="1800" u="none" cap="none" strike="noStrike">
+              <a:rPr lang="en-US" sz="1800" b="0" i="0" u="none" strike="noStrike" cap="none">
                 <a:solidFill>
                   <a:schemeClr val="dk1"/>
                 </a:solidFill>
@@ -13069,7 +13347,7 @@
               </a:rPr>
             </a:br>
             <a:r>
-              <a:rPr b="0" i="0" lang="en-US" sz="1800" u="none" cap="none" strike="noStrike">
+              <a:rPr lang="en-US" sz="1800" b="0" i="0" u="none" strike="noStrike" cap="none">
                 <a:solidFill>
                   <a:srgbClr val="A3A3A3"/>
                 </a:solidFill>
@@ -13081,7 +13359,7 @@
               <a:t> Interactive Evidence Log</a:t>
             </a:r>
             <a:br>
-              <a:rPr b="0" i="0" lang="en-US" sz="1800" u="none" cap="none" strike="noStrike">
+              <a:rPr lang="en-US" sz="1800" b="0" i="0" u="none" strike="noStrike" cap="none">
                 <a:solidFill>
                   <a:schemeClr val="dk1"/>
                 </a:solidFill>
@@ -13092,7 +13370,7 @@
               </a:rPr>
             </a:br>
             <a:r>
-              <a:rPr b="0" i="0" lang="en-US" sz="1800" u="none" cap="none" strike="noStrike">
+              <a:rPr lang="en-US" sz="1800" b="0" i="0" u="none" strike="noStrike" cap="none">
                 <a:solidFill>
                   <a:srgbClr val="A3A3A3"/>
                 </a:solidFill>
@@ -13127,12 +13405,12 @@
           </a:ln>
         </p:spPr>
         <p:txBody>
-          <a:bodyPr anchorCtr="0" anchor="t" bIns="0" lIns="0" spcFirstLastPara="1" rIns="0" wrap="square" tIns="0">
+          <a:bodyPr spcFirstLastPara="1" wrap="square" lIns="0" tIns="0" rIns="0" bIns="0" anchor="t" anchorCtr="0">
             <a:spAutoFit/>
           </a:bodyPr>
           <a:lstStyle/>
           <a:p>
-            <a:pPr indent="0" lvl="0" marL="0" marR="0" rtl="0" algn="ctr">
+            <a:pPr marL="0" marR="0" lvl="0" indent="0" algn="ctr" rtl="0">
               <a:spcBef>
                 <a:spcPts val="0"/>
               </a:spcBef>
@@ -13142,7 +13420,7 @@
               <a:buNone/>
             </a:pPr>
             <a:r>
-              <a:rPr b="1" i="0" lang="en-US" sz="2400" u="none" cap="none" strike="noStrike">
+              <a:rPr lang="en-US" sz="2400" b="1" i="0" u="none" strike="noStrike" cap="none">
                 <a:solidFill>
                   <a:srgbClr val="FFFFFF"/>
                 </a:solidFill>
@@ -13177,12 +13455,12 @@
           </a:ln>
         </p:spPr>
         <p:txBody>
-          <a:bodyPr anchorCtr="0" anchor="t" bIns="0" lIns="0" spcFirstLastPara="1" rIns="0" wrap="square" tIns="0">
+          <a:bodyPr spcFirstLastPara="1" wrap="square" lIns="0" tIns="0" rIns="0" bIns="0" anchor="t" anchorCtr="0">
             <a:spAutoFit/>
           </a:bodyPr>
           <a:lstStyle/>
           <a:p>
-            <a:pPr indent="0" lvl="0" marL="0" marR="0" rtl="0" algn="ctr">
+            <a:pPr marL="0" marR="0" lvl="0" indent="0" algn="ctr" rtl="0">
               <a:lnSpc>
                 <a:spcPct val="159944"/>
               </a:lnSpc>
@@ -13195,7 +13473,7 @@
               <a:buNone/>
             </a:pPr>
             <a:r>
-              <a:rPr b="1" i="0" lang="en-US" sz="1800" u="none" cap="none" strike="noStrike">
+              <a:rPr lang="en-US" sz="1800" b="1" i="0" u="none" strike="noStrike" cap="none">
                 <a:solidFill>
                   <a:srgbClr val="A3A3A3"/>
                 </a:solidFill>
@@ -13207,7 +13485,7 @@
               <a:t>Python Backend</a:t>
             </a:r>
             <a:br>
-              <a:rPr b="0" i="0" lang="en-US" sz="1800" u="none" cap="none" strike="noStrike">
+              <a:rPr lang="en-US" sz="1800" b="0" i="0" u="none" strike="noStrike" cap="none">
                 <a:solidFill>
                   <a:schemeClr val="dk1"/>
                 </a:solidFill>
@@ -13218,7 +13496,7 @@
               </a:rPr>
             </a:br>
             <a:r>
-              <a:rPr b="0" i="0" lang="en-US" sz="1800" u="none" cap="none" strike="noStrike">
+              <a:rPr lang="en-US" sz="1800" b="0" i="0" u="none" strike="noStrike" cap="none">
                 <a:solidFill>
                   <a:srgbClr val="A3A3A3"/>
                 </a:solidFill>
@@ -13230,7 +13508,7 @@
               <a:t> Bayesian Logic (pgmpy)</a:t>
             </a:r>
             <a:br>
-              <a:rPr b="0" i="0" lang="en-US" sz="1800" u="none" cap="none" strike="noStrike">
+              <a:rPr lang="en-US" sz="1800" b="0" i="0" u="none" strike="noStrike" cap="none">
                 <a:solidFill>
                   <a:schemeClr val="dk1"/>
                 </a:solidFill>
@@ -13241,7 +13519,7 @@
               </a:rPr>
             </a:br>
             <a:r>
-              <a:rPr b="0" i="0" lang="en-US" sz="1800" u="none" cap="none" strike="noStrike">
+              <a:rPr lang="en-US" sz="1800" b="0" i="0" u="none" strike="noStrike" cap="none">
                 <a:solidFill>
                   <a:srgbClr val="A3A3A3"/>
                 </a:solidFill>
@@ -13258,7 +13536,7 @@
       </p:sp>
       <p:pic>
         <p:nvPicPr>
-          <p:cNvPr descr="image.png" id="130" name="Google Shape;130;p15"/>
+          <p:cNvPr id="130" name="Google Shape;130;p15" descr="image.png"/>
           <p:cNvPicPr preferRelativeResize="0"/>
           <p:nvPr/>
         </p:nvPicPr>
@@ -13266,7 +13544,7 @@
           <a:blip r:embed="rId7">
             <a:alphaModFix/>
           </a:blip>
-          <a:srcRect b="0" l="0" r="0" t="0"/>
+          <a:srcRect/>
           <a:stretch/>
         </p:blipFill>
         <p:spPr>
@@ -13285,7 +13563,7 @@
       </p:pic>
       <p:pic>
         <p:nvPicPr>
-          <p:cNvPr descr="image.png" id="131" name="Google Shape;131;p15"/>
+          <p:cNvPr id="131" name="Google Shape;131;p15" descr="image.png"/>
           <p:cNvPicPr preferRelativeResize="0"/>
           <p:nvPr/>
         </p:nvPicPr>
@@ -13293,7 +13571,7 @@
           <a:blip r:embed="rId8">
             <a:alphaModFix/>
           </a:blip>
-          <a:srcRect b="0" l="0" r="0" t="0"/>
+          <a:srcRect/>
           <a:stretch/>
         </p:blipFill>
         <p:spPr>
@@ -13312,7 +13590,7 @@
       </p:pic>
       <p:pic>
         <p:nvPicPr>
-          <p:cNvPr descr="image.png" id="132" name="Google Shape;132;p15"/>
+          <p:cNvPr id="132" name="Google Shape;132;p15" descr="image.png"/>
           <p:cNvPicPr preferRelativeResize="0"/>
           <p:nvPr/>
         </p:nvPicPr>
@@ -13320,7 +13598,7 @@
           <a:blip r:embed="rId9">
             <a:alphaModFix/>
           </a:blip>
-          <a:srcRect b="0" l="0" r="0" t="0"/>
+          <a:srcRect/>
           <a:stretch/>
         </p:blipFill>
         <p:spPr>
@@ -13339,7 +13617,7 @@
       </p:pic>
       <p:pic>
         <p:nvPicPr>
-          <p:cNvPr descr="image.png" id="133" name="Google Shape;133;p15"/>
+          <p:cNvPr id="133" name="Google Shape;133;p15" descr="image.png"/>
           <p:cNvPicPr preferRelativeResize="0"/>
           <p:nvPr/>
         </p:nvPicPr>
@@ -13347,7 +13625,7 @@
           <a:blip r:embed="rId10">
             <a:alphaModFix/>
           </a:blip>
-          <a:srcRect b="0" l="0" r="0" t="0"/>
+          <a:srcRect/>
           <a:stretch/>
         </p:blipFill>
         <p:spPr>
@@ -13373,18 +13651,19 @@
 </file>
 
 <file path=ppt/slides/slide4.xml><?xml version="1.0" encoding="utf-8"?>
-<p:sld xmlns:a="http://schemas.openxmlformats.org/drawingml/2006/main" xmlns:r="http://schemas.openxmlformats.org/officeDocument/2006/relationships" xmlns:mc="http://schemas.openxmlformats.org/markup-compatibility/2006" xmlns:mv="urn:schemas-microsoft-com:mac:vml" xmlns:p="http://schemas.openxmlformats.org/presentationml/2006/main" xmlns:c="http://schemas.openxmlformats.org/drawingml/2006/chart" xmlns:dgm="http://schemas.openxmlformats.org/drawingml/2006/diagram" xmlns:o="urn:schemas-microsoft-com:office:office" xmlns:v="urn:schemas-microsoft-com:vml" xmlns:pvml="urn:schemas-microsoft-com:office:powerpoint" xmlns:com="http://schemas.openxmlformats.org/drawingml/2006/compatibility" xmlns:p14="http://schemas.microsoft.com/office/powerpoint/2010/main" xmlns:p15="http://schemas.microsoft.com/office/powerpoint/2012/main" xmlns:ahyp="http://schemas.microsoft.com/office/drawing/2018/hyperlinkcolor">
+<p:sld xmlns:a="http://schemas.openxmlformats.org/drawingml/2006/main" xmlns:r="http://schemas.openxmlformats.org/officeDocument/2006/relationships" xmlns:p="http://schemas.openxmlformats.org/presentationml/2006/main">
   <p:cSld>
     <p:bg>
       <p:bgPr>
         <a:solidFill>
           <a:srgbClr val="121212"/>
         </a:solidFill>
+        <a:effectLst/>
       </p:bgPr>
     </p:bg>
     <p:spTree>
       <p:nvGrpSpPr>
-        <p:cNvPr id="137" name="Shape 137"/>
+        <p:cNvPr id="1" name="Shape 137"/>
         <p:cNvGrpSpPr/>
         <p:nvPr/>
       </p:nvGrpSpPr>
@@ -13398,7 +13677,7 @@
       </p:grpSpPr>
       <p:pic>
         <p:nvPicPr>
-          <p:cNvPr descr="image.png" id="138" name="Google Shape;138;p16"/>
+          <p:cNvPr id="138" name="Google Shape;138;p16" descr="image.png"/>
           <p:cNvPicPr preferRelativeResize="0"/>
           <p:nvPr/>
         </p:nvPicPr>
@@ -13406,7 +13685,7 @@
           <a:blip r:embed="rId3">
             <a:alphaModFix/>
           </a:blip>
-          <a:srcRect b="0" l="0" r="0" t="0"/>
+          <a:srcRect/>
           <a:stretch/>
         </p:blipFill>
         <p:spPr>
@@ -13425,7 +13704,7 @@
       </p:pic>
       <p:pic>
         <p:nvPicPr>
-          <p:cNvPr descr="image.png" id="139" name="Google Shape;139;p16"/>
+          <p:cNvPr id="139" name="Google Shape;139;p16" descr="image.png"/>
           <p:cNvPicPr preferRelativeResize="0"/>
           <p:nvPr/>
         </p:nvPicPr>
@@ -13433,7 +13712,7 @@
           <a:blip r:embed="rId4">
             <a:alphaModFix/>
           </a:blip>
-          <a:srcRect b="0" l="0" r="0" t="0"/>
+          <a:srcRect/>
           <a:stretch/>
         </p:blipFill>
         <p:spPr>
@@ -13470,12 +13749,12 @@
           </a:ln>
         </p:spPr>
         <p:txBody>
-          <a:bodyPr anchorCtr="0" anchor="t" bIns="0" lIns="0" spcFirstLastPara="1" rIns="0" wrap="square" tIns="0">
+          <a:bodyPr spcFirstLastPara="1" wrap="square" lIns="0" tIns="0" rIns="0" bIns="0" anchor="t" anchorCtr="0">
             <a:spAutoFit/>
           </a:bodyPr>
           <a:lstStyle/>
           <a:p>
-            <a:pPr indent="0" lvl="0" marL="0" marR="0" rtl="0" algn="l">
+            <a:pPr marL="0" marR="0" lvl="0" indent="0" algn="l" rtl="0">
               <a:spcBef>
                 <a:spcPts val="0"/>
               </a:spcBef>
@@ -13485,7 +13764,7 @@
               <a:buNone/>
             </a:pPr>
             <a:r>
-              <a:rPr b="1" lang="en-US" sz="3600">
+              <a:rPr lang="en-US" sz="3600" b="1">
                 <a:solidFill>
                   <a:srgbClr val="4ADE80"/>
                 </a:solidFill>
@@ -13522,12 +13801,12 @@
           </a:ln>
         </p:spPr>
         <p:txBody>
-          <a:bodyPr anchorCtr="0" anchor="ctr" bIns="45700" lIns="91425" spcFirstLastPara="1" rIns="91425" wrap="square" tIns="45700">
+          <a:bodyPr spcFirstLastPara="1" wrap="square" lIns="91425" tIns="45700" rIns="91425" bIns="45700" anchor="ctr" anchorCtr="0">
             <a:noAutofit/>
           </a:bodyPr>
           <a:lstStyle/>
           <a:p>
-            <a:pPr indent="0" lvl="0" marL="0" marR="0" rtl="0" algn="ctr">
+            <a:pPr marL="0" marR="0" lvl="0" indent="0" algn="ctr" rtl="0">
               <a:spcBef>
                 <a:spcPts val="0"/>
               </a:spcBef>
@@ -13536,10 +13815,7 @@
               </a:spcAft>
               <a:buNone/>
             </a:pPr>
-            <a:r>
-              <a:t/>
-            </a:r>
-            <a:endParaRPr b="0" i="0" sz="1800" u="none" cap="none" strike="noStrike">
+            <a:endParaRPr sz="1800" b="0" i="0" u="none" strike="noStrike" cap="none">
               <a:solidFill>
                 <a:schemeClr val="dk1"/>
               </a:solidFill>
@@ -13571,12 +13847,12 @@
           </a:ln>
         </p:spPr>
         <p:txBody>
-          <a:bodyPr anchorCtr="0" anchor="t" bIns="0" lIns="0" spcFirstLastPara="1" rIns="0" wrap="square" tIns="0">
+          <a:bodyPr spcFirstLastPara="1" wrap="square" lIns="0" tIns="0" rIns="0" bIns="0" anchor="t" anchorCtr="0">
             <a:spAutoFit/>
           </a:bodyPr>
           <a:lstStyle/>
           <a:p>
-            <a:pPr indent="0" lvl="0" marL="0" rtl="0" algn="l">
+            <a:pPr marL="0" lvl="0" indent="0" algn="l" rtl="0">
               <a:spcBef>
                 <a:spcPts val="0"/>
               </a:spcBef>
@@ -13625,12 +13901,12 @@
           </a:ln>
         </p:spPr>
         <p:txBody>
-          <a:bodyPr anchorCtr="0" anchor="t" bIns="0" lIns="0" spcFirstLastPara="1" rIns="0" wrap="square" tIns="0">
+          <a:bodyPr spcFirstLastPara="1" wrap="square" lIns="0" tIns="0" rIns="0" bIns="0" anchor="t" anchorCtr="0">
             <a:spAutoFit/>
           </a:bodyPr>
           <a:lstStyle/>
           <a:p>
-            <a:pPr indent="0" lvl="0" marL="0" rtl="0" algn="l">
+            <a:pPr marL="0" lvl="0" indent="0" algn="l" rtl="0">
               <a:spcBef>
                 <a:spcPts val="0"/>
               </a:spcBef>
@@ -13662,7 +13938,7 @@
             </a:endParaRPr>
           </a:p>
           <a:p>
-            <a:pPr indent="0" lvl="0" marL="0" marR="0" rtl="0" algn="l">
+            <a:pPr marL="0" marR="0" lvl="0" indent="0" algn="l" rtl="0">
               <a:spcBef>
                 <a:spcPts val="0"/>
               </a:spcBef>
@@ -13671,9 +13947,6 @@
               </a:spcAft>
               <a:buNone/>
             </a:pPr>
-            <a:r>
-              <a:t/>
-            </a:r>
             <a:endParaRPr sz="1050">
               <a:solidFill>
                 <a:srgbClr val="666666"/>
@@ -13723,18 +13996,19 @@
 </file>
 
 <file path=ppt/slides/slide5.xml><?xml version="1.0" encoding="utf-8"?>
-<p:sld xmlns:a="http://schemas.openxmlformats.org/drawingml/2006/main" xmlns:r="http://schemas.openxmlformats.org/officeDocument/2006/relationships" xmlns:mc="http://schemas.openxmlformats.org/markup-compatibility/2006" xmlns:mv="urn:schemas-microsoft-com:mac:vml" xmlns:p="http://schemas.openxmlformats.org/presentationml/2006/main" xmlns:c="http://schemas.openxmlformats.org/drawingml/2006/chart" xmlns:dgm="http://schemas.openxmlformats.org/drawingml/2006/diagram" xmlns:o="urn:schemas-microsoft-com:office:office" xmlns:v="urn:schemas-microsoft-com:vml" xmlns:pvml="urn:schemas-microsoft-com:office:powerpoint" xmlns:com="http://schemas.openxmlformats.org/drawingml/2006/compatibility" xmlns:p14="http://schemas.microsoft.com/office/powerpoint/2010/main" xmlns:p15="http://schemas.microsoft.com/office/powerpoint/2012/main" xmlns:ahyp="http://schemas.microsoft.com/office/drawing/2018/hyperlinkcolor">
+<p:sld xmlns:a="http://schemas.openxmlformats.org/drawingml/2006/main" xmlns:r="http://schemas.openxmlformats.org/officeDocument/2006/relationships" xmlns:p="http://schemas.openxmlformats.org/presentationml/2006/main">
   <p:cSld>
     <p:bg>
       <p:bgPr>
         <a:solidFill>
           <a:srgbClr val="121212"/>
         </a:solidFill>
+        <a:effectLst/>
       </p:bgPr>
     </p:bg>
     <p:spTree>
       <p:nvGrpSpPr>
-        <p:cNvPr id="148" name="Shape 148"/>
+        <p:cNvPr id="1" name="Shape 148"/>
         <p:cNvGrpSpPr/>
         <p:nvPr/>
       </p:nvGrpSpPr>
@@ -13748,7 +14022,7 @@
       </p:grpSpPr>
       <p:pic>
         <p:nvPicPr>
-          <p:cNvPr descr="image.png" id="149" name="Google Shape;149;p17"/>
+          <p:cNvPr id="149" name="Google Shape;149;p17" descr="image.png"/>
           <p:cNvPicPr preferRelativeResize="0"/>
           <p:nvPr/>
         </p:nvPicPr>
@@ -13756,7 +14030,7 @@
           <a:blip r:embed="rId3">
             <a:alphaModFix/>
           </a:blip>
-          <a:srcRect b="0" l="0" r="0" t="0"/>
+          <a:srcRect/>
           <a:stretch/>
         </p:blipFill>
         <p:spPr>
@@ -13775,7 +14049,7 @@
       </p:pic>
       <p:pic>
         <p:nvPicPr>
-          <p:cNvPr descr="image.png" id="150" name="Google Shape;150;p17"/>
+          <p:cNvPr id="150" name="Google Shape;150;p17" descr="image.png"/>
           <p:cNvPicPr preferRelativeResize="0"/>
           <p:nvPr/>
         </p:nvPicPr>
@@ -13783,7 +14057,7 @@
           <a:blip r:embed="rId4">
             <a:alphaModFix/>
           </a:blip>
-          <a:srcRect b="0" l="0" r="0" t="0"/>
+          <a:srcRect/>
           <a:stretch/>
         </p:blipFill>
         <p:spPr>
@@ -13820,12 +14094,12 @@
           </a:ln>
         </p:spPr>
         <p:txBody>
-          <a:bodyPr anchorCtr="0" anchor="t" bIns="0" lIns="0" spcFirstLastPara="1" rIns="0" wrap="square" tIns="0">
+          <a:bodyPr spcFirstLastPara="1" wrap="square" lIns="0" tIns="0" rIns="0" bIns="0" anchor="t" anchorCtr="0">
             <a:spAutoFit/>
           </a:bodyPr>
           <a:lstStyle/>
           <a:p>
-            <a:pPr indent="0" lvl="0" marL="0" marR="0" rtl="0" algn="l">
+            <a:pPr marL="0" marR="0" lvl="0" indent="0" algn="l" rtl="0">
               <a:spcBef>
                 <a:spcPts val="0"/>
               </a:spcBef>
@@ -13835,7 +14109,7 @@
               <a:buNone/>
             </a:pPr>
             <a:r>
-              <a:rPr b="1" i="0" lang="en-US" sz="3600" u="none" cap="none" strike="noStrike">
+              <a:rPr lang="en-US" sz="3600" b="1" i="0" u="none" strike="noStrike" cap="none">
                 <a:solidFill>
                   <a:srgbClr val="4ADE80"/>
                 </a:solidFill>
@@ -13872,12 +14146,12 @@
           </a:ln>
         </p:spPr>
         <p:txBody>
-          <a:bodyPr anchorCtr="0" anchor="ctr" bIns="45700" lIns="91425" spcFirstLastPara="1" rIns="91425" wrap="square" tIns="45700">
+          <a:bodyPr spcFirstLastPara="1" wrap="square" lIns="91425" tIns="45700" rIns="91425" bIns="45700" anchor="ctr" anchorCtr="0">
             <a:noAutofit/>
           </a:bodyPr>
           <a:lstStyle/>
           <a:p>
-            <a:pPr indent="0" lvl="0" marL="0" marR="0" rtl="0" algn="ctr">
+            <a:pPr marL="0" marR="0" lvl="0" indent="0" algn="ctr" rtl="0">
               <a:spcBef>
                 <a:spcPts val="0"/>
               </a:spcBef>
@@ -13886,10 +14160,7 @@
               </a:spcAft>
               <a:buNone/>
             </a:pPr>
-            <a:r>
-              <a:t/>
-            </a:r>
-            <a:endParaRPr b="0" i="0" sz="1800" u="none" cap="none" strike="noStrike">
+            <a:endParaRPr sz="1800" b="0" i="0" u="none" strike="noStrike" cap="none">
               <a:solidFill>
                 <a:schemeClr val="dk1"/>
               </a:solidFill>
@@ -13921,12 +14192,12 @@
           </a:ln>
         </p:spPr>
         <p:txBody>
-          <a:bodyPr anchorCtr="0" anchor="t" bIns="0" lIns="0" spcFirstLastPara="1" rIns="0" wrap="square" tIns="0">
+          <a:bodyPr spcFirstLastPara="1" wrap="square" lIns="0" tIns="0" rIns="0" bIns="0" anchor="t" anchorCtr="0">
             <a:spAutoFit/>
           </a:bodyPr>
           <a:lstStyle/>
           <a:p>
-            <a:pPr indent="0" lvl="0" marL="0" rtl="0" algn="l">
+            <a:pPr marL="0" lvl="0" indent="0" algn="l" rtl="0">
               <a:spcBef>
                 <a:spcPts val="0"/>
               </a:spcBef>
@@ -13975,12 +14246,12 @@
           </a:ln>
         </p:spPr>
         <p:txBody>
-          <a:bodyPr anchorCtr="0" anchor="t" bIns="0" lIns="0" spcFirstLastPara="1" rIns="0" wrap="square" tIns="0">
+          <a:bodyPr spcFirstLastPara="1" wrap="square" lIns="0" tIns="0" rIns="0" bIns="0" anchor="t" anchorCtr="0">
             <a:spAutoFit/>
           </a:bodyPr>
           <a:lstStyle/>
           <a:p>
-            <a:pPr indent="0" lvl="0" marL="0" rtl="0" algn="l">
+            <a:pPr marL="0" lvl="0" indent="0" algn="l" rtl="0">
               <a:spcBef>
                 <a:spcPts val="0"/>
               </a:spcBef>
@@ -14012,7 +14283,7 @@
             </a:endParaRPr>
           </a:p>
           <a:p>
-            <a:pPr indent="0" lvl="0" marL="0" marR="0" rtl="0" algn="l">
+            <a:pPr marL="0" marR="0" lvl="0" indent="0" algn="l" rtl="0">
               <a:spcBef>
                 <a:spcPts val="0"/>
               </a:spcBef>
@@ -14021,9 +14292,6 @@
               </a:spcAft>
               <a:buNone/>
             </a:pPr>
-            <a:r>
-              <a:t/>
-            </a:r>
             <a:endParaRPr sz="1050">
               <a:solidFill>
                 <a:srgbClr val="666666"/>
@@ -14038,7 +14306,7 @@
       </p:sp>
       <p:pic>
         <p:nvPicPr>
-          <p:cNvPr descr="image.png" id="155" name="Google Shape;155;p17"/>
+          <p:cNvPr id="155" name="Google Shape;155;p17" descr="image.png"/>
           <p:cNvPicPr preferRelativeResize="0"/>
           <p:nvPr/>
         </p:nvPicPr>
@@ -14046,7 +14314,7 @@
           <a:blip r:embed="rId5">
             <a:alphaModFix/>
           </a:blip>
-          <a:srcRect b="0" l="0" r="0" t="0"/>
+          <a:srcRect/>
           <a:stretch/>
         </p:blipFill>
         <p:spPr>
@@ -14083,12 +14351,12 @@
           </a:ln>
         </p:spPr>
         <p:txBody>
-          <a:bodyPr anchorCtr="0" anchor="t" bIns="0" lIns="0" spcFirstLastPara="1" rIns="0" wrap="square" tIns="0">
+          <a:bodyPr spcFirstLastPara="1" wrap="square" lIns="0" tIns="0" rIns="0" bIns="0" anchor="t" anchorCtr="0">
             <a:spAutoFit/>
           </a:bodyPr>
           <a:lstStyle/>
           <a:p>
-            <a:pPr indent="0" lvl="0" marL="0" marR="0" rtl="0" algn="l">
+            <a:pPr marL="0" marR="0" lvl="0" indent="0" algn="l" rtl="0">
               <a:spcBef>
                 <a:spcPts val="0"/>
               </a:spcBef>
@@ -14098,7 +14366,7 @@
               <a:buNone/>
             </a:pPr>
             <a:r>
-              <a:rPr b="1" i="0" lang="en-US" sz="2400" u="none" cap="none" strike="noStrike">
+              <a:rPr lang="en-US" sz="2400" b="1" i="0" u="none" strike="noStrike" cap="none">
                 <a:solidFill>
                   <a:srgbClr val="FFFFFF"/>
                 </a:solidFill>
@@ -14133,12 +14401,12 @@
           </a:ln>
         </p:spPr>
         <p:txBody>
-          <a:bodyPr anchorCtr="0" anchor="t" bIns="0" lIns="0" spcFirstLastPara="1" rIns="0" wrap="square" tIns="0">
+          <a:bodyPr spcFirstLastPara="1" wrap="square" lIns="0" tIns="0" rIns="0" bIns="0" anchor="t" anchorCtr="0">
             <a:spAutoFit/>
           </a:bodyPr>
           <a:lstStyle/>
           <a:p>
-            <a:pPr indent="0" lvl="0" marL="0" marR="0" rtl="0" algn="l">
+            <a:pPr marL="0" marR="0" lvl="0" indent="0" algn="l" rtl="0">
               <a:lnSpc>
                 <a:spcPct val="159944"/>
               </a:lnSpc>
@@ -14151,7 +14419,7 @@
               <a:buNone/>
             </a:pPr>
             <a:r>
-              <a:rPr b="0" i="0" lang="en-US" sz="1800" u="none" cap="none" strike="noStrike">
+              <a:rPr lang="en-US" sz="1800" b="0" i="0" u="none" strike="noStrike" cap="none">
                 <a:solidFill>
                   <a:srgbClr val="A3A3A3"/>
                 </a:solidFill>
@@ -14186,12 +14454,12 @@
           </a:ln>
         </p:spPr>
         <p:txBody>
-          <a:bodyPr anchorCtr="0" anchor="ctr" bIns="0" lIns="0" spcFirstLastPara="1" rIns="0" wrap="square" tIns="0">
+          <a:bodyPr spcFirstLastPara="1" wrap="square" lIns="0" tIns="0" rIns="0" bIns="0" anchor="ctr" anchorCtr="0">
             <a:spAutoFit/>
           </a:bodyPr>
           <a:lstStyle/>
           <a:p>
-            <a:pPr indent="0" lvl="0" marL="0" marR="0" rtl="0" algn="l">
+            <a:pPr marL="0" marR="0" lvl="0" indent="0" algn="l" rtl="0">
               <a:lnSpc>
                 <a:spcPct val="159952"/>
               </a:lnSpc>
@@ -14204,7 +14472,7 @@
               <a:buNone/>
             </a:pPr>
             <a:r>
-              <a:rPr b="1" i="0" lang="en-US" sz="2100" u="none" cap="none" strike="noStrike">
+              <a:rPr lang="en-US" sz="2100" b="1" i="0" u="none" strike="noStrike" cap="none">
                 <a:solidFill>
                   <a:srgbClr val="A3A3A3"/>
                 </a:solidFill>
@@ -14216,7 +14484,7 @@
               <a:t>Factory Pattern:</a:t>
             </a:r>
             <a:r>
-              <a:rPr b="0" i="0" lang="en-US" sz="2100" u="none" cap="none" strike="noStrike">
+              <a:rPr lang="en-US" sz="2100" b="0" i="0" u="none" strike="noStrike" cap="none">
                 <a:solidFill>
                   <a:srgbClr val="A3A3A3"/>
                 </a:solidFill>
@@ -14251,12 +14519,12 @@
           </a:ln>
         </p:spPr>
         <p:txBody>
-          <a:bodyPr anchorCtr="0" anchor="ctr" bIns="0" lIns="0" spcFirstLastPara="1" rIns="0" wrap="square" tIns="0">
+          <a:bodyPr spcFirstLastPara="1" wrap="square" lIns="0" tIns="0" rIns="0" bIns="0" anchor="ctr" anchorCtr="0">
             <a:spAutoFit/>
           </a:bodyPr>
           <a:lstStyle/>
           <a:p>
-            <a:pPr indent="0" lvl="0" marL="0" marR="0" rtl="0" algn="l">
+            <a:pPr marL="0" marR="0" lvl="0" indent="0" algn="l" rtl="0">
               <a:lnSpc>
                 <a:spcPct val="159952"/>
               </a:lnSpc>
@@ -14269,7 +14537,7 @@
               <a:buNone/>
             </a:pPr>
             <a:r>
-              <a:rPr b="1" i="0" lang="en-US" sz="2100" u="none" cap="none" strike="noStrike">
+              <a:rPr lang="en-US" sz="2100" b="1" i="0" u="none" strike="noStrike" cap="none">
                 <a:solidFill>
                   <a:srgbClr val="A3A3A3"/>
                 </a:solidFill>
@@ -14281,7 +14549,7 @@
               <a:t>Inference:</a:t>
             </a:r>
             <a:r>
-              <a:rPr b="0" i="0" lang="en-US" sz="2100" u="none" cap="none" strike="noStrike">
+              <a:rPr lang="en-US" sz="2100" b="0" i="0" u="none" strike="noStrike" cap="none">
                 <a:solidFill>
                   <a:srgbClr val="A3A3A3"/>
                 </a:solidFill>
@@ -14293,7 +14561,7 @@
               <a:t> Uses Variable Elimination to calculate posterior probability: </a:t>
             </a:r>
             <a:br>
-              <a:rPr b="0" i="0" lang="en-US" sz="1800" u="none" cap="none" strike="noStrike">
+              <a:rPr lang="en-US" sz="1800" b="0" i="0" u="none" strike="noStrike" cap="none">
                 <a:solidFill>
                   <a:schemeClr val="dk1"/>
                 </a:solidFill>
@@ -14304,7 +14572,7 @@
               </a:rPr>
             </a:br>
             <a:r>
-              <a:rPr b="0" i="0" lang="en-US" sz="2100" u="none" cap="none" strike="noStrike">
+              <a:rPr lang="en-US" sz="2100" b="0" i="0" u="none" strike="noStrike" cap="none">
                 <a:solidFill>
                   <a:srgbClr val="FFD700"/>
                 </a:solidFill>
@@ -14339,12 +14607,12 @@
           </a:ln>
         </p:spPr>
         <p:txBody>
-          <a:bodyPr anchorCtr="0" anchor="ctr" bIns="0" lIns="0" spcFirstLastPara="1" rIns="0" wrap="square" tIns="0">
+          <a:bodyPr spcFirstLastPara="1" wrap="square" lIns="0" tIns="0" rIns="0" bIns="0" anchor="ctr" anchorCtr="0">
             <a:spAutoFit/>
           </a:bodyPr>
           <a:lstStyle/>
           <a:p>
-            <a:pPr indent="0" lvl="0" marL="0" marR="0" rtl="0" algn="l">
+            <a:pPr marL="0" marR="0" lvl="0" indent="0" algn="l" rtl="0">
               <a:lnSpc>
                 <a:spcPct val="159952"/>
               </a:lnSpc>
@@ -14357,7 +14625,7 @@
               <a:buNone/>
             </a:pPr>
             <a:r>
-              <a:rPr b="1" i="0" lang="en-US" sz="2100" u="none" cap="none" strike="noStrike">
+              <a:rPr lang="en-US" sz="2100" b="1" i="0" u="none" strike="noStrike" cap="none">
                 <a:solidFill>
                   <a:srgbClr val="A3A3A3"/>
                 </a:solidFill>
@@ -14369,7 +14637,7 @@
               <a:t>Scalable:</a:t>
             </a:r>
             <a:r>
-              <a:rPr b="0" i="0" lang="en-US" sz="2100" u="none" cap="none" strike="noStrike">
+              <a:rPr lang="en-US" sz="2100" b="0" i="0" u="none" strike="noStrike" cap="none">
                 <a:solidFill>
                   <a:srgbClr val="A3A3A3"/>
                 </a:solidFill>
@@ -14386,7 +14654,7 @@
       </p:sp>
       <p:pic>
         <p:nvPicPr>
-          <p:cNvPr descr="image.png" id="161" name="Google Shape;161;p17"/>
+          <p:cNvPr id="161" name="Google Shape;161;p17" descr="image.png"/>
           <p:cNvPicPr preferRelativeResize="0"/>
           <p:nvPr/>
         </p:nvPicPr>
@@ -14394,7 +14662,7 @@
           <a:blip r:embed="rId6">
             <a:alphaModFix/>
           </a:blip>
-          <a:srcRect b="0" l="0" r="0" t="0"/>
+          <a:srcRect/>
           <a:stretch/>
         </p:blipFill>
         <p:spPr>
@@ -14413,7 +14681,7 @@
       </p:pic>
       <p:pic>
         <p:nvPicPr>
-          <p:cNvPr descr="image.png" id="162" name="Google Shape;162;p17"/>
+          <p:cNvPr id="162" name="Google Shape;162;p17" descr="image.png"/>
           <p:cNvPicPr preferRelativeResize="0"/>
           <p:nvPr/>
         </p:nvPicPr>
@@ -14421,7 +14689,7 @@
           <a:blip r:embed="rId6">
             <a:alphaModFix/>
           </a:blip>
-          <a:srcRect b="0" l="0" r="0" t="0"/>
+          <a:srcRect/>
           <a:stretch/>
         </p:blipFill>
         <p:spPr>
@@ -14440,7 +14708,7 @@
       </p:pic>
       <p:pic>
         <p:nvPicPr>
-          <p:cNvPr descr="image.png" id="163" name="Google Shape;163;p17"/>
+          <p:cNvPr id="163" name="Google Shape;163;p17" descr="image.png"/>
           <p:cNvPicPr preferRelativeResize="0"/>
           <p:nvPr/>
         </p:nvPicPr>
@@ -14448,7 +14716,7 @@
           <a:blip r:embed="rId6">
             <a:alphaModFix/>
           </a:blip>
-          <a:srcRect b="0" l="0" r="0" t="0"/>
+          <a:srcRect/>
           <a:stretch/>
         </p:blipFill>
         <p:spPr>
@@ -14474,18 +14742,19 @@
 </file>
 
 <file path=ppt/slides/slide6.xml><?xml version="1.0" encoding="utf-8"?>
-<p:sld xmlns:a="http://schemas.openxmlformats.org/drawingml/2006/main" xmlns:r="http://schemas.openxmlformats.org/officeDocument/2006/relationships" xmlns:mc="http://schemas.openxmlformats.org/markup-compatibility/2006" xmlns:mv="urn:schemas-microsoft-com:mac:vml" xmlns:p="http://schemas.openxmlformats.org/presentationml/2006/main" xmlns:c="http://schemas.openxmlformats.org/drawingml/2006/chart" xmlns:dgm="http://schemas.openxmlformats.org/drawingml/2006/diagram" xmlns:o="urn:schemas-microsoft-com:office:office" xmlns:v="urn:schemas-microsoft-com:vml" xmlns:pvml="urn:schemas-microsoft-com:office:powerpoint" xmlns:com="http://schemas.openxmlformats.org/drawingml/2006/compatibility" xmlns:p14="http://schemas.microsoft.com/office/powerpoint/2010/main" xmlns:p15="http://schemas.microsoft.com/office/powerpoint/2012/main" xmlns:ahyp="http://schemas.microsoft.com/office/drawing/2018/hyperlinkcolor">
+<p:sld xmlns:a="http://schemas.openxmlformats.org/drawingml/2006/main" xmlns:r="http://schemas.openxmlformats.org/officeDocument/2006/relationships" xmlns:p="http://schemas.openxmlformats.org/presentationml/2006/main">
   <p:cSld>
     <p:bg>
       <p:bgPr>
         <a:solidFill>
           <a:srgbClr val="121212"/>
         </a:solidFill>
+        <a:effectLst/>
       </p:bgPr>
     </p:bg>
     <p:spTree>
       <p:nvGrpSpPr>
-        <p:cNvPr id="167" name="Shape 167"/>
+        <p:cNvPr id="1" name="Shape 167"/>
         <p:cNvGrpSpPr/>
         <p:nvPr/>
       </p:nvGrpSpPr>
@@ -14499,7 +14768,7 @@
       </p:grpSpPr>
       <p:pic>
         <p:nvPicPr>
-          <p:cNvPr descr="image.png" id="168" name="Google Shape;168;p18"/>
+          <p:cNvPr id="168" name="Google Shape;168;p18" descr="image.png"/>
           <p:cNvPicPr preferRelativeResize="0"/>
           <p:nvPr/>
         </p:nvPicPr>
@@ -14507,7 +14776,7 @@
           <a:blip r:embed="rId3">
             <a:alphaModFix/>
           </a:blip>
-          <a:srcRect b="0" l="0" r="0" t="0"/>
+          <a:srcRect/>
           <a:stretch/>
         </p:blipFill>
         <p:spPr>
@@ -14526,7 +14795,7 @@
       </p:pic>
       <p:pic>
         <p:nvPicPr>
-          <p:cNvPr descr="image.png" id="169" name="Google Shape;169;p18"/>
+          <p:cNvPr id="169" name="Google Shape;169;p18" descr="image.png"/>
           <p:cNvPicPr preferRelativeResize="0"/>
           <p:nvPr/>
         </p:nvPicPr>
@@ -14534,7 +14803,7 @@
           <a:blip r:embed="rId4">
             <a:alphaModFix/>
           </a:blip>
-          <a:srcRect b="0" l="0" r="0" t="0"/>
+          <a:srcRect/>
           <a:stretch/>
         </p:blipFill>
         <p:spPr>
@@ -14571,12 +14840,12 @@
           </a:ln>
         </p:spPr>
         <p:txBody>
-          <a:bodyPr anchorCtr="0" anchor="t" bIns="0" lIns="0" spcFirstLastPara="1" rIns="0" wrap="square" tIns="0">
+          <a:bodyPr spcFirstLastPara="1" wrap="square" lIns="0" tIns="0" rIns="0" bIns="0" anchor="t" anchorCtr="0">
             <a:spAutoFit/>
           </a:bodyPr>
           <a:lstStyle/>
           <a:p>
-            <a:pPr indent="0" lvl="0" marL="0" marR="0" rtl="0" algn="l">
+            <a:pPr marL="0" marR="0" lvl="0" indent="0" algn="l" rtl="0">
               <a:spcBef>
                 <a:spcPts val="0"/>
               </a:spcBef>
@@ -14586,7 +14855,7 @@
               <a:buNone/>
             </a:pPr>
             <a:r>
-              <a:rPr b="1" i="0" lang="en-US" sz="3600" u="none" cap="none" strike="noStrike">
+              <a:rPr lang="en-US" sz="3600" b="1" i="0" u="none" strike="noStrike" cap="none">
                 <a:solidFill>
                   <a:srgbClr val="4ADE80"/>
                 </a:solidFill>
@@ -14623,12 +14892,12 @@
           </a:ln>
         </p:spPr>
         <p:txBody>
-          <a:bodyPr anchorCtr="0" anchor="ctr" bIns="45700" lIns="91425" spcFirstLastPara="1" rIns="91425" wrap="square" tIns="45700">
+          <a:bodyPr spcFirstLastPara="1" wrap="square" lIns="91425" tIns="45700" rIns="91425" bIns="45700" anchor="ctr" anchorCtr="0">
             <a:noAutofit/>
           </a:bodyPr>
           <a:lstStyle/>
           <a:p>
-            <a:pPr indent="0" lvl="0" marL="0" marR="0" rtl="0" algn="ctr">
+            <a:pPr marL="0" marR="0" lvl="0" indent="0" algn="ctr" rtl="0">
               <a:spcBef>
                 <a:spcPts val="0"/>
               </a:spcBef>
@@ -14637,10 +14906,7 @@
               </a:spcAft>
               <a:buNone/>
             </a:pPr>
-            <a:r>
-              <a:t/>
-            </a:r>
-            <a:endParaRPr b="0" i="0" sz="1800" u="none" cap="none" strike="noStrike">
+            <a:endParaRPr sz="1800" b="0" i="0" u="none" strike="noStrike" cap="none">
               <a:solidFill>
                 <a:schemeClr val="dk1"/>
               </a:solidFill>
@@ -14672,12 +14938,12 @@
           </a:ln>
         </p:spPr>
         <p:txBody>
-          <a:bodyPr anchorCtr="0" anchor="t" bIns="0" lIns="0" spcFirstLastPara="1" rIns="0" wrap="square" tIns="0">
+          <a:bodyPr spcFirstLastPara="1" wrap="square" lIns="0" tIns="0" rIns="0" bIns="0" anchor="t" anchorCtr="0">
             <a:spAutoFit/>
           </a:bodyPr>
           <a:lstStyle/>
           <a:p>
-            <a:pPr indent="0" lvl="0" marL="0" rtl="0" algn="l">
+            <a:pPr marL="0" lvl="0" indent="0" algn="l" rtl="0">
               <a:spcBef>
                 <a:spcPts val="0"/>
               </a:spcBef>
@@ -14726,12 +14992,12 @@
           </a:ln>
         </p:spPr>
         <p:txBody>
-          <a:bodyPr anchorCtr="0" anchor="t" bIns="0" lIns="0" spcFirstLastPara="1" rIns="0" wrap="square" tIns="0">
+          <a:bodyPr spcFirstLastPara="1" wrap="square" lIns="0" tIns="0" rIns="0" bIns="0" anchor="t" anchorCtr="0">
             <a:spAutoFit/>
           </a:bodyPr>
           <a:lstStyle/>
           <a:p>
-            <a:pPr indent="0" lvl="0" marL="0" rtl="0" algn="l">
+            <a:pPr marL="0" lvl="0" indent="0" algn="l" rtl="0">
               <a:spcBef>
                 <a:spcPts val="0"/>
               </a:spcBef>
@@ -14763,7 +15029,7 @@
             </a:endParaRPr>
           </a:p>
           <a:p>
-            <a:pPr indent="0" lvl="0" marL="0" marR="0" rtl="0" algn="l">
+            <a:pPr marL="0" marR="0" lvl="0" indent="0" algn="l" rtl="0">
               <a:spcBef>
                 <a:spcPts val="0"/>
               </a:spcBef>
@@ -14772,9 +15038,6 @@
               </a:spcAft>
               <a:buNone/>
             </a:pPr>
-            <a:r>
-              <a:t/>
-            </a:r>
             <a:endParaRPr sz="1050">
               <a:solidFill>
                 <a:srgbClr val="666666"/>
@@ -14807,12 +15070,12 @@
           </a:ln>
         </p:spPr>
         <p:txBody>
-          <a:bodyPr anchorCtr="0" anchor="ctr" bIns="0" lIns="0" spcFirstLastPara="1" rIns="0" wrap="square" tIns="0">
+          <a:bodyPr spcFirstLastPara="1" wrap="square" lIns="0" tIns="0" rIns="0" bIns="0" anchor="ctr" anchorCtr="0">
             <a:spAutoFit/>
           </a:bodyPr>
           <a:lstStyle/>
           <a:p>
-            <a:pPr indent="0" lvl="0" marL="0" marR="0" rtl="0" algn="l">
+            <a:pPr marL="0" marR="0" lvl="0" indent="0" algn="l" rtl="0">
               <a:lnSpc>
                 <a:spcPct val="159952"/>
               </a:lnSpc>
@@ -14825,7 +15088,7 @@
               <a:buNone/>
             </a:pPr>
             <a:r>
-              <a:rPr b="1" i="0" lang="en-US" sz="2100" u="none" cap="none" strike="noStrike">
+              <a:rPr lang="en-US" sz="2100" b="1" i="0" u="none" strike="noStrike" cap="none">
                 <a:solidFill>
                   <a:srgbClr val="A3A3A3"/>
                 </a:solidFill>
@@ -14837,7 +15100,7 @@
               <a:t>Languages:</a:t>
             </a:r>
             <a:r>
-              <a:rPr b="0" i="0" lang="en-US" sz="2100" u="none" cap="none" strike="noStrike">
+              <a:rPr lang="en-US" sz="2100" b="0" i="0" u="none" strike="noStrike" cap="none">
                 <a:solidFill>
                   <a:srgbClr val="A3A3A3"/>
                 </a:solidFill>
@@ -14872,12 +15135,12 @@
           </a:ln>
         </p:spPr>
         <p:txBody>
-          <a:bodyPr anchorCtr="0" anchor="ctr" bIns="0" lIns="0" spcFirstLastPara="1" rIns="0" wrap="square" tIns="0">
+          <a:bodyPr spcFirstLastPara="1" wrap="square" lIns="0" tIns="0" rIns="0" bIns="0" anchor="ctr" anchorCtr="0">
             <a:spAutoFit/>
           </a:bodyPr>
           <a:lstStyle/>
           <a:p>
-            <a:pPr indent="0" lvl="0" marL="0" marR="0" rtl="0" algn="l">
+            <a:pPr marL="0" marR="0" lvl="0" indent="0" algn="l" rtl="0">
               <a:lnSpc>
                 <a:spcPct val="159952"/>
               </a:lnSpc>
@@ -14890,7 +15153,7 @@
               <a:buNone/>
             </a:pPr>
             <a:r>
-              <a:rPr b="1" i="0" lang="en-US" sz="2100" u="none" cap="none" strike="noStrike">
+              <a:rPr lang="en-US" sz="2100" b="1" i="0" u="none" strike="noStrike" cap="none">
                 <a:solidFill>
                   <a:srgbClr val="A3A3A3"/>
                 </a:solidFill>
@@ -14902,7 +15165,7 @@
               <a:t>Frameworks:</a:t>
             </a:r>
             <a:r>
-              <a:rPr b="0" i="0" lang="en-US" sz="2100" u="none" cap="none" strike="noStrike">
+              <a:rPr lang="en-US" sz="2100" b="0" i="0" u="none" strike="noStrike" cap="none">
                 <a:solidFill>
                   <a:srgbClr val="A3A3A3"/>
                 </a:solidFill>
@@ -14937,12 +15200,12 @@
           </a:ln>
         </p:spPr>
         <p:txBody>
-          <a:bodyPr anchorCtr="0" anchor="ctr" bIns="0" lIns="0" spcFirstLastPara="1" rIns="0" wrap="square" tIns="0">
+          <a:bodyPr spcFirstLastPara="1" wrap="square" lIns="0" tIns="0" rIns="0" bIns="0" anchor="ctr" anchorCtr="0">
             <a:spAutoFit/>
           </a:bodyPr>
           <a:lstStyle/>
           <a:p>
-            <a:pPr indent="0" lvl="0" marL="0" marR="0" rtl="0" algn="l">
+            <a:pPr marL="0" marR="0" lvl="0" indent="0" algn="l" rtl="0">
               <a:lnSpc>
                 <a:spcPct val="159952"/>
               </a:lnSpc>
@@ -14955,7 +15218,7 @@
               <a:buNone/>
             </a:pPr>
             <a:r>
-              <a:rPr b="1" i="0" lang="en-US" sz="2100" u="none" cap="none" strike="noStrike">
+              <a:rPr lang="en-US" sz="2100" b="1" i="0" u="none" strike="noStrike" cap="none">
                 <a:solidFill>
                   <a:srgbClr val="A3A3A3"/>
                 </a:solidFill>
@@ -14967,7 +15230,7 @@
               <a:t>Libraries:</a:t>
             </a:r>
             <a:r>
-              <a:rPr b="0" i="0" lang="en-US" sz="2100" u="none" cap="none" strike="noStrike">
+              <a:rPr lang="en-US" sz="2100" b="0" i="0" u="none" strike="noStrike" cap="none">
                 <a:solidFill>
                   <a:srgbClr val="A3A3A3"/>
                 </a:solidFill>
@@ -15002,12 +15265,12 @@
           </a:ln>
         </p:spPr>
         <p:txBody>
-          <a:bodyPr anchorCtr="0" anchor="ctr" bIns="0" lIns="0" spcFirstLastPara="1" rIns="0" wrap="square" tIns="0">
+          <a:bodyPr spcFirstLastPara="1" wrap="square" lIns="0" tIns="0" rIns="0" bIns="0" anchor="ctr" anchorCtr="0">
             <a:spAutoFit/>
           </a:bodyPr>
           <a:lstStyle/>
           <a:p>
-            <a:pPr indent="0" lvl="0" marL="0" marR="0" rtl="0" algn="l">
+            <a:pPr marL="0" marR="0" lvl="0" indent="0" algn="l" rtl="0">
               <a:lnSpc>
                 <a:spcPct val="159952"/>
               </a:lnSpc>
@@ -15020,7 +15283,7 @@
               <a:buNone/>
             </a:pPr>
             <a:r>
-              <a:rPr b="1" i="0" lang="en-US" sz="2100" u="none" cap="none" strike="noStrike">
+              <a:rPr lang="en-US" sz="2100" b="1" i="0" u="none" strike="noStrike" cap="none">
                 <a:solidFill>
                   <a:srgbClr val="A3A3A3"/>
                 </a:solidFill>
@@ -15032,7 +15295,7 @@
               <a:t>Styling:</a:t>
             </a:r>
             <a:r>
-              <a:rPr b="0" i="0" lang="en-US" sz="2100" u="none" cap="none" strike="noStrike">
+              <a:rPr lang="en-US" sz="2100" b="0" i="0" u="none" strike="noStrike" cap="none">
                 <a:solidFill>
                   <a:srgbClr val="A3A3A3"/>
                 </a:solidFill>
@@ -15049,7 +15312,7 @@
       </p:sp>
       <p:pic>
         <p:nvPicPr>
-          <p:cNvPr descr="image.png" id="178" name="Google Shape;178;p18"/>
+          <p:cNvPr id="178" name="Google Shape;178;p18" descr="image.png"/>
           <p:cNvPicPr preferRelativeResize="0"/>
           <p:nvPr/>
         </p:nvPicPr>
@@ -15057,7 +15320,7 @@
           <a:blip r:embed="rId5">
             <a:alphaModFix/>
           </a:blip>
-          <a:srcRect b="0" l="0" r="0" t="0"/>
+          <a:srcRect/>
           <a:stretch/>
         </p:blipFill>
         <p:spPr>
@@ -15076,7 +15339,7 @@
       </p:pic>
       <p:pic>
         <p:nvPicPr>
-          <p:cNvPr descr="image.png" id="179" name="Google Shape;179;p18"/>
+          <p:cNvPr id="179" name="Google Shape;179;p18" descr="image.png"/>
           <p:cNvPicPr preferRelativeResize="0"/>
           <p:nvPr/>
         </p:nvPicPr>
@@ -15084,7 +15347,7 @@
           <a:blip r:embed="rId6">
             <a:alphaModFix/>
           </a:blip>
-          <a:srcRect b="0" l="0" r="0" t="0"/>
+          <a:srcRect/>
           <a:stretch/>
         </p:blipFill>
         <p:spPr>
@@ -15103,7 +15366,7 @@
       </p:pic>
       <p:pic>
         <p:nvPicPr>
-          <p:cNvPr descr="image.png" id="180" name="Google Shape;180;p18"/>
+          <p:cNvPr id="180" name="Google Shape;180;p18" descr="image.png"/>
           <p:cNvPicPr preferRelativeResize="0"/>
           <p:nvPr/>
         </p:nvPicPr>
@@ -15111,7 +15374,7 @@
           <a:blip r:embed="rId7">
             <a:alphaModFix/>
           </a:blip>
-          <a:srcRect b="0" l="0" r="0" t="0"/>
+          <a:srcRect/>
           <a:stretch/>
         </p:blipFill>
         <p:spPr>
@@ -15130,7 +15393,7 @@
       </p:pic>
       <p:pic>
         <p:nvPicPr>
-          <p:cNvPr descr="image.png" id="181" name="Google Shape;181;p18"/>
+          <p:cNvPr id="181" name="Google Shape;181;p18" descr="image.png"/>
           <p:cNvPicPr preferRelativeResize="0"/>
           <p:nvPr/>
         </p:nvPicPr>
@@ -15138,7 +15401,7 @@
           <a:blip r:embed="rId7">
             <a:alphaModFix/>
           </a:blip>
-          <a:srcRect b="0" l="0" r="0" t="0"/>
+          <a:srcRect/>
           <a:stretch/>
         </p:blipFill>
         <p:spPr>
@@ -15157,7 +15420,7 @@
       </p:pic>
       <p:pic>
         <p:nvPicPr>
-          <p:cNvPr descr="image.png" id="182" name="Google Shape;182;p18"/>
+          <p:cNvPr id="182" name="Google Shape;182;p18" descr="image.png"/>
           <p:cNvPicPr preferRelativeResize="0"/>
           <p:nvPr/>
         </p:nvPicPr>
@@ -15165,7 +15428,7 @@
           <a:blip r:embed="rId7">
             <a:alphaModFix/>
           </a:blip>
-          <a:srcRect b="0" l="0" r="0" t="0"/>
+          <a:srcRect/>
           <a:stretch/>
         </p:blipFill>
         <p:spPr>
@@ -15184,7 +15447,7 @@
       </p:pic>
       <p:pic>
         <p:nvPicPr>
-          <p:cNvPr descr="image.png" id="183" name="Google Shape;183;p18"/>
+          <p:cNvPr id="183" name="Google Shape;183;p18" descr="image.png"/>
           <p:cNvPicPr preferRelativeResize="0"/>
           <p:nvPr/>
         </p:nvPicPr>
@@ -15192,7 +15455,7 @@
           <a:blip r:embed="rId7">
             <a:alphaModFix/>
           </a:blip>
-          <a:srcRect b="0" l="0" r="0" t="0"/>
+          <a:srcRect/>
           <a:stretch/>
         </p:blipFill>
         <p:spPr>
@@ -15218,18 +15481,19 @@
 </file>
 
 <file path=ppt/slides/slide7.xml><?xml version="1.0" encoding="utf-8"?>
-<p:sld xmlns:a="http://schemas.openxmlformats.org/drawingml/2006/main" xmlns:r="http://schemas.openxmlformats.org/officeDocument/2006/relationships" xmlns:mc="http://schemas.openxmlformats.org/markup-compatibility/2006" xmlns:mv="urn:schemas-microsoft-com:mac:vml" xmlns:p="http://schemas.openxmlformats.org/presentationml/2006/main" xmlns:c="http://schemas.openxmlformats.org/drawingml/2006/chart" xmlns:dgm="http://schemas.openxmlformats.org/drawingml/2006/diagram" xmlns:o="urn:schemas-microsoft-com:office:office" xmlns:v="urn:schemas-microsoft-com:vml" xmlns:pvml="urn:schemas-microsoft-com:office:powerpoint" xmlns:com="http://schemas.openxmlformats.org/drawingml/2006/compatibility" xmlns:p14="http://schemas.microsoft.com/office/powerpoint/2010/main" xmlns:p15="http://schemas.microsoft.com/office/powerpoint/2012/main" xmlns:ahyp="http://schemas.microsoft.com/office/drawing/2018/hyperlinkcolor">
+<p:sld xmlns:a="http://schemas.openxmlformats.org/drawingml/2006/main" xmlns:r="http://schemas.openxmlformats.org/officeDocument/2006/relationships" xmlns:p="http://schemas.openxmlformats.org/presentationml/2006/main">
   <p:cSld>
     <p:bg>
       <p:bgPr>
         <a:solidFill>
           <a:srgbClr val="121212"/>
         </a:solidFill>
+        <a:effectLst/>
       </p:bgPr>
     </p:bg>
     <p:spTree>
       <p:nvGrpSpPr>
-        <p:cNvPr id="187" name="Shape 187"/>
+        <p:cNvPr id="1" name="Shape 187"/>
         <p:cNvGrpSpPr/>
         <p:nvPr/>
       </p:nvGrpSpPr>
@@ -15243,7 +15507,7 @@
       </p:grpSpPr>
       <p:pic>
         <p:nvPicPr>
-          <p:cNvPr descr="image.png" id="188" name="Google Shape;188;p19"/>
+          <p:cNvPr id="188" name="Google Shape;188;p19" descr="image.png"/>
           <p:cNvPicPr preferRelativeResize="0"/>
           <p:nvPr/>
         </p:nvPicPr>
@@ -15251,12 +15515,12 @@
           <a:blip r:embed="rId3">
             <a:alphaModFix/>
           </a:blip>
-          <a:srcRect b="0" l="0" r="0" t="0"/>
+          <a:srcRect/>
           <a:stretch/>
         </p:blipFill>
         <p:spPr>
           <a:xfrm>
-            <a:off x="0" y="0"/>
+            <a:off x="10633" y="0"/>
             <a:ext cx="12192000" cy="6858000"/>
           </a:xfrm>
           <a:prstGeom prst="rect">
@@ -15270,7 +15534,7 @@
       </p:pic>
       <p:pic>
         <p:nvPicPr>
-          <p:cNvPr descr="image.png" id="189" name="Google Shape;189;p19"/>
+          <p:cNvPr id="189" name="Google Shape;189;p19" descr="image.png"/>
           <p:cNvPicPr preferRelativeResize="0"/>
           <p:nvPr/>
         </p:nvPicPr>
@@ -15278,7 +15542,7 @@
           <a:blip r:embed="rId4">
             <a:alphaModFix/>
           </a:blip>
-          <a:srcRect b="0" l="0" r="0" t="0"/>
+          <a:srcRect/>
           <a:stretch/>
         </p:blipFill>
         <p:spPr>
@@ -15315,12 +15579,12 @@
           </a:ln>
         </p:spPr>
         <p:txBody>
-          <a:bodyPr anchorCtr="0" anchor="t" bIns="0" lIns="0" spcFirstLastPara="1" rIns="0" wrap="square" tIns="0">
+          <a:bodyPr spcFirstLastPara="1" wrap="square" lIns="0" tIns="0" rIns="0" bIns="0" anchor="t" anchorCtr="0">
             <a:spAutoFit/>
           </a:bodyPr>
           <a:lstStyle/>
           <a:p>
-            <a:pPr indent="0" lvl="0" marL="0" marR="0" rtl="0" algn="l">
+            <a:pPr marL="0" marR="0" lvl="0" indent="0" algn="l" rtl="0">
               <a:spcBef>
                 <a:spcPts val="0"/>
               </a:spcBef>
@@ -15330,7 +15594,7 @@
               <a:buNone/>
             </a:pPr>
             <a:r>
-              <a:rPr b="1" i="0" lang="en-US" sz="3600" u="none" cap="none" strike="noStrike">
+              <a:rPr lang="en-US" sz="3600" b="1" i="0" u="none" strike="noStrike" cap="none">
                 <a:solidFill>
                   <a:srgbClr val="4ADE80"/>
                 </a:solidFill>
@@ -15367,12 +15631,12 @@
           </a:ln>
         </p:spPr>
         <p:txBody>
-          <a:bodyPr anchorCtr="0" anchor="ctr" bIns="45700" lIns="91425" spcFirstLastPara="1" rIns="91425" wrap="square" tIns="45700">
+          <a:bodyPr spcFirstLastPara="1" wrap="square" lIns="91425" tIns="45700" rIns="91425" bIns="45700" anchor="ctr" anchorCtr="0">
             <a:noAutofit/>
           </a:bodyPr>
           <a:lstStyle/>
           <a:p>
-            <a:pPr indent="0" lvl="0" marL="0" marR="0" rtl="0" algn="ctr">
+            <a:pPr marL="0" marR="0" lvl="0" indent="0" algn="ctr" rtl="0">
               <a:spcBef>
                 <a:spcPts val="0"/>
               </a:spcBef>
@@ -15381,10 +15645,7 @@
               </a:spcAft>
               <a:buNone/>
             </a:pPr>
-            <a:r>
-              <a:t/>
-            </a:r>
-            <a:endParaRPr b="0" i="0" sz="1800" u="none" cap="none" strike="noStrike">
+            <a:endParaRPr sz="1800" b="0" i="0" u="none" strike="noStrike" cap="none">
               <a:solidFill>
                 <a:schemeClr val="dk1"/>
               </a:solidFill>
@@ -15416,12 +15677,12 @@
           </a:ln>
         </p:spPr>
         <p:txBody>
-          <a:bodyPr anchorCtr="0" anchor="t" bIns="0" lIns="0" spcFirstLastPara="1" rIns="0" wrap="square" tIns="0">
+          <a:bodyPr spcFirstLastPara="1" wrap="square" lIns="0" tIns="0" rIns="0" bIns="0" anchor="t" anchorCtr="0">
             <a:spAutoFit/>
           </a:bodyPr>
           <a:lstStyle/>
           <a:p>
-            <a:pPr indent="0" lvl="0" marL="0" rtl="0" algn="l">
+            <a:pPr marL="0" lvl="0" indent="0" algn="l" rtl="0">
               <a:spcBef>
                 <a:spcPts val="0"/>
               </a:spcBef>
@@ -15470,12 +15731,12 @@
           </a:ln>
         </p:spPr>
         <p:txBody>
-          <a:bodyPr anchorCtr="0" anchor="t" bIns="0" lIns="0" spcFirstLastPara="1" rIns="0" wrap="square" tIns="0">
+          <a:bodyPr spcFirstLastPara="1" wrap="square" lIns="0" tIns="0" rIns="0" bIns="0" anchor="t" anchorCtr="0">
             <a:spAutoFit/>
           </a:bodyPr>
           <a:lstStyle/>
           <a:p>
-            <a:pPr indent="0" lvl="0" marL="0" rtl="0" algn="l">
+            <a:pPr marL="0" lvl="0" indent="0" algn="l" rtl="0">
               <a:spcBef>
                 <a:spcPts val="0"/>
               </a:spcBef>
@@ -15507,7 +15768,7 @@
             </a:endParaRPr>
           </a:p>
           <a:p>
-            <a:pPr indent="0" lvl="0" marL="0" marR="0" rtl="0" algn="l">
+            <a:pPr marL="0" marR="0" lvl="0" indent="0" algn="l" rtl="0">
               <a:spcBef>
                 <a:spcPts val="0"/>
               </a:spcBef>
@@ -15516,9 +15777,6 @@
               </a:spcAft>
               <a:buNone/>
             </a:pPr>
-            <a:r>
-              <a:t/>
-            </a:r>
             <a:endParaRPr sz="1050">
               <a:solidFill>
                 <a:srgbClr val="666666"/>
@@ -15551,12 +15809,12 @@
           </a:ln>
         </p:spPr>
         <p:txBody>
-          <a:bodyPr anchorCtr="0" anchor="t" bIns="0" lIns="0" spcFirstLastPara="1" rIns="0" wrap="square" tIns="0">
+          <a:bodyPr spcFirstLastPara="1" wrap="square" lIns="0" tIns="0" rIns="0" bIns="0" anchor="t" anchorCtr="0">
             <a:spAutoFit/>
           </a:bodyPr>
           <a:lstStyle/>
           <a:p>
-            <a:pPr indent="0" lvl="0" marL="0" marR="0" rtl="0" algn="ctr">
+            <a:pPr marL="0" marR="0" lvl="0" indent="0" algn="ctr" rtl="0">
               <a:lnSpc>
                 <a:spcPct val="159944"/>
               </a:lnSpc>
@@ -15569,7 +15827,7 @@
               <a:buNone/>
             </a:pPr>
             <a:r>
-              <a:rPr b="1" i="0" lang="en-US" sz="1800" u="none" cap="none" strike="noStrike">
+              <a:rPr lang="en-US" sz="1800" b="1" i="0" u="none" strike="noStrike" cap="none">
                 <a:solidFill>
                   <a:srgbClr val="A3A3A3"/>
                 </a:solidFill>
@@ -15581,7 +15839,7 @@
               <a:t>Conclusion:</a:t>
             </a:r>
             <a:r>
-              <a:rPr b="0" i="0" lang="en-US" sz="1800" u="none" cap="none" strike="noStrike">
+              <a:rPr lang="en-US" sz="1800" b="0" i="0" u="none" strike="noStrike" cap="none">
                 <a:solidFill>
                   <a:srgbClr val="A3A3A3"/>
                 </a:solidFill>
@@ -15616,12 +15874,12 @@
           </a:ln>
         </p:spPr>
         <p:txBody>
-          <a:bodyPr anchorCtr="0" anchor="t" bIns="0" lIns="0" spcFirstLastPara="1" rIns="0" wrap="square" tIns="0">
+          <a:bodyPr spcFirstLastPara="1" wrap="square" lIns="0" tIns="0" rIns="0" bIns="0" anchor="t" anchorCtr="0">
             <a:spAutoFit/>
           </a:bodyPr>
           <a:lstStyle/>
           <a:p>
-            <a:pPr indent="0" lvl="0" marL="0" marR="0" rtl="0" algn="ctr">
+            <a:pPr marL="0" marR="0" lvl="0" indent="0" algn="ctr" rtl="0">
               <a:lnSpc>
                 <a:spcPct val="100000"/>
               </a:lnSpc>
@@ -15634,7 +15892,7 @@
               <a:buNone/>
             </a:pPr>
             <a:r>
-              <a:rPr b="0" i="0" lang="en-US" sz="7500" u="none" cap="none" strike="noStrike">
+              <a:rPr lang="en-US" sz="7500" b="0" i="0" u="none" strike="noStrike" cap="none">
                 <a:solidFill>
                   <a:srgbClr val="4ADE80"/>
                 </a:solidFill>
@@ -15669,12 +15927,12 @@
           </a:ln>
         </p:spPr>
         <p:txBody>
-          <a:bodyPr anchorCtr="0" anchor="t" bIns="0" lIns="0" spcFirstLastPara="1" rIns="0" wrap="square" tIns="0">
+          <a:bodyPr spcFirstLastPara="1" wrap="square" lIns="0" tIns="0" rIns="0" bIns="0" anchor="t" anchorCtr="0">
             <a:spAutoFit/>
           </a:bodyPr>
           <a:lstStyle/>
           <a:p>
-            <a:pPr indent="0" lvl="0" marL="0" marR="0" rtl="0" algn="ctr">
+            <a:pPr marL="0" marR="0" lvl="0" indent="0" algn="ctr" rtl="0">
               <a:spcBef>
                 <a:spcPts val="0"/>
               </a:spcBef>
@@ -15684,7 +15942,7 @@
               <a:buNone/>
             </a:pPr>
             <a:r>
-              <a:rPr b="0" i="0" lang="en-US" sz="1500" u="none" cap="none" strike="noStrike">
+              <a:rPr lang="en-US" sz="1500" b="0" i="0" u="none" strike="noStrike" cap="none">
                 <a:solidFill>
                   <a:srgbClr val="FFFFFF"/>
                 </a:solidFill>
@@ -15719,12 +15977,12 @@
           </a:ln>
         </p:spPr>
         <p:txBody>
-          <a:bodyPr anchorCtr="0" anchor="ctr" bIns="0" lIns="0" spcFirstLastPara="1" rIns="0" wrap="square" tIns="0">
+          <a:bodyPr spcFirstLastPara="1" wrap="square" lIns="0" tIns="0" rIns="0" bIns="0" anchor="ctr" anchorCtr="0">
             <a:noAutofit/>
           </a:bodyPr>
           <a:lstStyle/>
           <a:p>
-            <a:pPr indent="0" lvl="0" marL="0" marR="0" rtl="0" algn="ctr">
+            <a:pPr marL="0" marR="0" lvl="0" indent="0" algn="ctr" rtl="0">
               <a:lnSpc>
                 <a:spcPct val="100000"/>
               </a:lnSpc>
@@ -15737,7 +15995,7 @@
               <a:buNone/>
             </a:pPr>
             <a:r>
-              <a:rPr b="0" i="0" lang="en-US" sz="7500" u="none" cap="none" strike="noStrike">
+              <a:rPr lang="en-US" sz="7500" b="0" i="0" u="none" strike="noStrike" cap="none">
                 <a:solidFill>
                   <a:srgbClr val="4ADE80"/>
                 </a:solidFill>
@@ -15761,7 +16019,7 @@
               <a:t>0</a:t>
             </a:r>
             <a:r>
-              <a:rPr b="0" i="0" lang="en-US" sz="7500" u="none" cap="none" strike="noStrike">
+              <a:rPr lang="en-US" sz="7500" b="0" i="0" u="none" strike="noStrike" cap="none">
                 <a:solidFill>
                   <a:srgbClr val="4ADE80"/>
                 </a:solidFill>
@@ -15796,12 +16054,12 @@
           </a:ln>
         </p:spPr>
         <p:txBody>
-          <a:bodyPr anchorCtr="0" anchor="t" bIns="0" lIns="0" spcFirstLastPara="1" rIns="0" wrap="square" tIns="0">
+          <a:bodyPr spcFirstLastPara="1" wrap="square" lIns="0" tIns="0" rIns="0" bIns="0" anchor="t" anchorCtr="0">
             <a:spAutoFit/>
           </a:bodyPr>
           <a:lstStyle/>
           <a:p>
-            <a:pPr indent="0" lvl="0" marL="0" marR="0" rtl="0" algn="ctr">
+            <a:pPr marL="0" marR="0" lvl="0" indent="0" algn="ctr" rtl="0">
               <a:spcBef>
                 <a:spcPts val="0"/>
               </a:spcBef>
@@ -15811,7 +16069,7 @@
               <a:buNone/>
             </a:pPr>
             <a:r>
-              <a:rPr b="0" i="0" lang="en-US" sz="1500" u="none" cap="none" strike="noStrike">
+              <a:rPr lang="en-US" sz="1500" b="0" i="0" u="none" strike="noStrike" cap="none">
                 <a:solidFill>
                   <a:srgbClr val="FFFFFF"/>
                 </a:solidFill>
@@ -15834,8 +16092,8 @@
         </p:nvSpPr>
         <p:spPr>
           <a:xfrm>
-            <a:off x="9289851" y="2534691"/>
-            <a:ext cx="1476375" cy="952500"/>
+            <a:off x="9133400" y="2534691"/>
+            <a:ext cx="1789275" cy="1154162"/>
           </a:xfrm>
           <a:prstGeom prst="rect">
             <a:avLst/>
@@ -15846,12 +16104,12 @@
           </a:ln>
         </p:spPr>
         <p:txBody>
-          <a:bodyPr anchorCtr="0" anchor="t" bIns="0" lIns="0" spcFirstLastPara="1" rIns="0" wrap="square" tIns="0">
+          <a:bodyPr spcFirstLastPara="1" wrap="square" lIns="0" tIns="0" rIns="0" bIns="0" anchor="t" anchorCtr="0">
             <a:spAutoFit/>
           </a:bodyPr>
           <a:lstStyle/>
           <a:p>
-            <a:pPr indent="0" lvl="0" marL="0" marR="0" rtl="0" algn="ctr">
+            <a:pPr marL="0" marR="0" lvl="0" indent="0" algn="ctr" rtl="0">
               <a:lnSpc>
                 <a:spcPct val="100000"/>
               </a:lnSpc>
@@ -15864,7 +16122,7 @@
               <a:buNone/>
             </a:pPr>
             <a:r>
-              <a:rPr b="0" i="0" lang="en-US" sz="7500" u="none" cap="none" strike="noStrike">
+              <a:rPr lang="en-US" sz="7500" b="0" i="0" u="none" strike="noStrike" cap="none" dirty="0">
                 <a:solidFill>
                   <a:srgbClr val="4ADE80"/>
                 </a:solidFill>
@@ -15875,7 +16133,7 @@
               </a:rPr>
               <a:t>&lt;1s</a:t>
             </a:r>
-            <a:endParaRPr/>
+            <a:endParaRPr dirty="0"/>
           </a:p>
         </p:txBody>
       </p:sp>
@@ -15899,12 +16157,12 @@
           </a:ln>
         </p:spPr>
         <p:txBody>
-          <a:bodyPr anchorCtr="0" anchor="t" bIns="0" lIns="0" spcFirstLastPara="1" rIns="0" wrap="square" tIns="0">
+          <a:bodyPr spcFirstLastPara="1" wrap="square" lIns="0" tIns="0" rIns="0" bIns="0" anchor="t" anchorCtr="0">
             <a:spAutoFit/>
           </a:bodyPr>
           <a:lstStyle/>
           <a:p>
-            <a:pPr indent="0" lvl="0" marL="0" marR="0" rtl="0" algn="ctr">
+            <a:pPr marL="0" marR="0" lvl="0" indent="0" algn="ctr" rtl="0">
               <a:spcBef>
                 <a:spcPts val="0"/>
               </a:spcBef>
@@ -15914,7 +16172,7 @@
               <a:buNone/>
             </a:pPr>
             <a:r>
-              <a:rPr b="0" i="0" lang="en-US" sz="1500" u="none" cap="none" strike="noStrike">
+              <a:rPr lang="en-US" sz="1500" b="0" i="0" u="none" strike="noStrike" cap="none">
                 <a:solidFill>
                   <a:srgbClr val="FFFFFF"/>
                 </a:solidFill>
@@ -15938,18 +16196,19 @@
 </file>
 
 <file path=ppt/slides/slide8.xml><?xml version="1.0" encoding="utf-8"?>
-<p:sld xmlns:a="http://schemas.openxmlformats.org/drawingml/2006/main" xmlns:r="http://schemas.openxmlformats.org/officeDocument/2006/relationships" xmlns:mc="http://schemas.openxmlformats.org/markup-compatibility/2006" xmlns:mv="urn:schemas-microsoft-com:mac:vml" xmlns:p="http://schemas.openxmlformats.org/presentationml/2006/main" xmlns:c="http://schemas.openxmlformats.org/drawingml/2006/chart" xmlns:dgm="http://schemas.openxmlformats.org/drawingml/2006/diagram" xmlns:o="urn:schemas-microsoft-com:office:office" xmlns:v="urn:schemas-microsoft-com:vml" xmlns:pvml="urn:schemas-microsoft-com:office:powerpoint" xmlns:com="http://schemas.openxmlformats.org/drawingml/2006/compatibility" xmlns:p14="http://schemas.microsoft.com/office/powerpoint/2010/main" xmlns:p15="http://schemas.microsoft.com/office/powerpoint/2012/main" xmlns:ahyp="http://schemas.microsoft.com/office/drawing/2018/hyperlinkcolor">
+<p:sld xmlns:a="http://schemas.openxmlformats.org/drawingml/2006/main" xmlns:r="http://schemas.openxmlformats.org/officeDocument/2006/relationships" xmlns:p="http://schemas.openxmlformats.org/presentationml/2006/main">
   <p:cSld>
     <p:bg>
       <p:bgPr>
         <a:solidFill>
           <a:srgbClr val="121212"/>
         </a:solidFill>
+        <a:effectLst/>
       </p:bgPr>
     </p:bg>
     <p:spTree>
       <p:nvGrpSpPr>
-        <p:cNvPr id="204" name="Shape 204"/>
+        <p:cNvPr id="1" name="Shape 204"/>
         <p:cNvGrpSpPr/>
         <p:nvPr/>
       </p:nvGrpSpPr>
@@ -15963,7 +16222,7 @@
       </p:grpSpPr>
       <p:pic>
         <p:nvPicPr>
-          <p:cNvPr descr="image.png" id="205" name="Google Shape;205;p20"/>
+          <p:cNvPr id="205" name="Google Shape;205;p20" descr="image.png"/>
           <p:cNvPicPr preferRelativeResize="0"/>
           <p:nvPr/>
         </p:nvPicPr>
@@ -15971,7 +16230,7 @@
           <a:blip r:embed="rId3">
             <a:alphaModFix/>
           </a:blip>
-          <a:srcRect b="0" l="0" r="0" t="0"/>
+          <a:srcRect/>
           <a:stretch/>
         </p:blipFill>
         <p:spPr>
@@ -15990,7 +16249,7 @@
       </p:pic>
       <p:pic>
         <p:nvPicPr>
-          <p:cNvPr descr="image.png" id="206" name="Google Shape;206;p20"/>
+          <p:cNvPr id="206" name="Google Shape;206;p20" descr="image.png"/>
           <p:cNvPicPr preferRelativeResize="0"/>
           <p:nvPr/>
         </p:nvPicPr>
@@ -15998,7 +16257,7 @@
           <a:blip r:embed="rId4">
             <a:alphaModFix/>
           </a:blip>
-          <a:srcRect b="0" l="0" r="0" t="0"/>
+          <a:srcRect/>
           <a:stretch/>
         </p:blipFill>
         <p:spPr>
@@ -16017,7 +16276,7 @@
       </p:pic>
       <p:pic>
         <p:nvPicPr>
-          <p:cNvPr descr="image.png" id="207" name="Google Shape;207;p20"/>
+          <p:cNvPr id="207" name="Google Shape;207;p20" descr="image.png"/>
           <p:cNvPicPr preferRelativeResize="0"/>
           <p:nvPr/>
         </p:nvPicPr>
@@ -16025,7 +16284,7 @@
           <a:blip r:embed="rId5">
             <a:alphaModFix/>
           </a:blip>
-          <a:srcRect b="0" l="0" r="0" t="0"/>
+          <a:srcRect/>
           <a:stretch/>
         </p:blipFill>
         <p:spPr>
@@ -16044,7 +16303,7 @@
       </p:pic>
       <p:pic>
         <p:nvPicPr>
-          <p:cNvPr descr="image.png" id="208" name="Google Shape;208;p20"/>
+          <p:cNvPr id="208" name="Google Shape;208;p20" descr="image.png"/>
           <p:cNvPicPr preferRelativeResize="0"/>
           <p:nvPr/>
         </p:nvPicPr>
@@ -16052,7 +16311,7 @@
           <a:blip r:embed="rId6">
             <a:alphaModFix/>
           </a:blip>
-          <a:srcRect b="0" l="0" r="0" t="0"/>
+          <a:srcRect/>
           <a:stretch/>
         </p:blipFill>
         <p:spPr>
@@ -16071,7 +16330,7 @@
       </p:pic>
       <p:pic>
         <p:nvPicPr>
-          <p:cNvPr descr="image.png" id="209" name="Google Shape;209;p20"/>
+          <p:cNvPr id="209" name="Google Shape;209;p20" descr="image.png"/>
           <p:cNvPicPr preferRelativeResize="0"/>
           <p:nvPr/>
         </p:nvPicPr>
@@ -16079,7 +16338,7 @@
           <a:blip r:embed="rId7">
             <a:alphaModFix/>
           </a:blip>
-          <a:srcRect b="0" l="0" r="0" t="0"/>
+          <a:srcRect/>
           <a:stretch/>
         </p:blipFill>
         <p:spPr>
@@ -16116,12 +16375,12 @@
           </a:ln>
         </p:spPr>
         <p:txBody>
-          <a:bodyPr anchorCtr="0" anchor="t" bIns="0" lIns="0" spcFirstLastPara="1" rIns="0" wrap="square" tIns="0">
+          <a:bodyPr spcFirstLastPara="1" wrap="square" lIns="0" tIns="0" rIns="0" bIns="0" anchor="t" anchorCtr="0">
             <a:spAutoFit/>
           </a:bodyPr>
           <a:lstStyle/>
           <a:p>
-            <a:pPr indent="0" lvl="0" marL="0" marR="0" rtl="0" algn="l">
+            <a:pPr marL="0" marR="0" lvl="0" indent="0" algn="l" rtl="0">
               <a:spcBef>
                 <a:spcPts val="0"/>
               </a:spcBef>
@@ -16131,7 +16390,7 @@
               <a:buNone/>
             </a:pPr>
             <a:r>
-              <a:rPr b="1" i="0" lang="en-US" sz="3600" u="none" cap="none" strike="noStrike">
+              <a:rPr lang="en-US" sz="3600" b="1" i="0" u="none" strike="noStrike" cap="none">
                 <a:solidFill>
                   <a:srgbClr val="4ADE80"/>
                 </a:solidFill>
@@ -16168,12 +16427,12 @@
           </a:ln>
         </p:spPr>
         <p:txBody>
-          <a:bodyPr anchorCtr="0" anchor="ctr" bIns="45700" lIns="91425" spcFirstLastPara="1" rIns="91425" wrap="square" tIns="45700">
+          <a:bodyPr spcFirstLastPara="1" wrap="square" lIns="91425" tIns="45700" rIns="91425" bIns="45700" anchor="ctr" anchorCtr="0">
             <a:noAutofit/>
           </a:bodyPr>
           <a:lstStyle/>
           <a:p>
-            <a:pPr indent="0" lvl="0" marL="0" marR="0" rtl="0" algn="ctr">
+            <a:pPr marL="0" marR="0" lvl="0" indent="0" algn="ctr" rtl="0">
               <a:spcBef>
                 <a:spcPts val="0"/>
               </a:spcBef>
@@ -16182,10 +16441,7 @@
               </a:spcAft>
               <a:buNone/>
             </a:pPr>
-            <a:r>
-              <a:t/>
-            </a:r>
-            <a:endParaRPr b="0" i="0" sz="1800" u="none" cap="none" strike="noStrike">
+            <a:endParaRPr sz="1800" b="0" i="0" u="none" strike="noStrike" cap="none">
               <a:solidFill>
                 <a:schemeClr val="dk1"/>
               </a:solidFill>
@@ -16217,12 +16473,12 @@
           </a:ln>
         </p:spPr>
         <p:txBody>
-          <a:bodyPr anchorCtr="0" anchor="t" bIns="0" lIns="0" spcFirstLastPara="1" rIns="0" wrap="square" tIns="0">
+          <a:bodyPr spcFirstLastPara="1" wrap="square" lIns="0" tIns="0" rIns="0" bIns="0" anchor="t" anchorCtr="0">
             <a:spAutoFit/>
           </a:bodyPr>
           <a:lstStyle/>
           <a:p>
-            <a:pPr indent="0" lvl="0" marL="0" rtl="0" algn="l">
+            <a:pPr marL="0" lvl="0" indent="0" algn="l" rtl="0">
               <a:spcBef>
                 <a:spcPts val="0"/>
               </a:spcBef>
@@ -16271,12 +16527,12 @@
           </a:ln>
         </p:spPr>
         <p:txBody>
-          <a:bodyPr anchorCtr="0" anchor="t" bIns="0" lIns="0" spcFirstLastPara="1" rIns="0" wrap="square" tIns="0">
+          <a:bodyPr spcFirstLastPara="1" wrap="square" lIns="0" tIns="0" rIns="0" bIns="0" anchor="t" anchorCtr="0">
             <a:spAutoFit/>
           </a:bodyPr>
           <a:lstStyle/>
           <a:p>
-            <a:pPr indent="0" lvl="0" marL="0" rtl="0" algn="l">
+            <a:pPr marL="0" lvl="0" indent="0" algn="l" rtl="0">
               <a:spcBef>
                 <a:spcPts val="0"/>
               </a:spcBef>
@@ -16308,7 +16564,7 @@
             </a:endParaRPr>
           </a:p>
           <a:p>
-            <a:pPr indent="0" lvl="0" marL="0" marR="0" rtl="0" algn="l">
+            <a:pPr marL="0" marR="0" lvl="0" indent="0" algn="l" rtl="0">
               <a:spcBef>
                 <a:spcPts val="0"/>
               </a:spcBef>
@@ -16317,9 +16573,6 @@
               </a:spcAft>
               <a:buNone/>
             </a:pPr>
-            <a:r>
-              <a:t/>
-            </a:r>
             <a:endParaRPr sz="1050">
               <a:solidFill>
                 <a:srgbClr val="666666"/>
@@ -16352,12 +16605,12 @@
           </a:ln>
         </p:spPr>
         <p:txBody>
-          <a:bodyPr anchorCtr="0" anchor="t" bIns="0" lIns="0" spcFirstLastPara="1" rIns="0" wrap="square" tIns="0">
+          <a:bodyPr spcFirstLastPara="1" wrap="square" lIns="0" tIns="0" rIns="0" bIns="0" anchor="t" anchorCtr="0">
             <a:spAutoFit/>
           </a:bodyPr>
           <a:lstStyle/>
           <a:p>
-            <a:pPr indent="0" lvl="0" marL="0" marR="0" rtl="0" algn="ctr">
+            <a:pPr marL="0" marR="0" lvl="0" indent="0" algn="ctr" rtl="0">
               <a:spcBef>
                 <a:spcPts val="0"/>
               </a:spcBef>
@@ -16367,7 +16620,7 @@
               <a:buNone/>
             </a:pPr>
             <a:r>
-              <a:rPr b="1" i="0" lang="en-US" sz="2400" u="none" cap="none" strike="noStrike">
+              <a:rPr lang="en-US" sz="2400" b="1" i="0" u="none" strike="noStrike" cap="none">
                 <a:solidFill>
                   <a:srgbClr val="FFFFFF"/>
                 </a:solidFill>
@@ -16402,12 +16655,12 @@
           </a:ln>
         </p:spPr>
         <p:txBody>
-          <a:bodyPr anchorCtr="0" anchor="t" bIns="0" lIns="0" spcFirstLastPara="1" rIns="0" wrap="square" tIns="0">
+          <a:bodyPr spcFirstLastPara="1" wrap="square" lIns="0" tIns="0" rIns="0" bIns="0" anchor="t" anchorCtr="0">
             <a:spAutoFit/>
           </a:bodyPr>
           <a:lstStyle/>
           <a:p>
-            <a:pPr indent="0" lvl="0" marL="0" marR="0" rtl="0" algn="ctr">
+            <a:pPr marL="0" marR="0" lvl="0" indent="0" algn="ctr" rtl="0">
               <a:lnSpc>
                 <a:spcPct val="159944"/>
               </a:lnSpc>
@@ -16420,7 +16673,7 @@
               <a:buNone/>
             </a:pPr>
             <a:r>
-              <a:rPr b="0" i="0" lang="en-US" sz="1800" u="none" cap="none" strike="noStrike">
+              <a:rPr lang="en-US" sz="1800" b="0" i="0" u="none" strike="noStrike" cap="none">
                 <a:solidFill>
                   <a:srgbClr val="A3A3A3"/>
                 </a:solidFill>
@@ -16455,12 +16708,12 @@
           </a:ln>
         </p:spPr>
         <p:txBody>
-          <a:bodyPr anchorCtr="0" anchor="t" bIns="0" lIns="0" spcFirstLastPara="1" rIns="0" wrap="square" tIns="0">
+          <a:bodyPr spcFirstLastPara="1" wrap="square" lIns="0" tIns="0" rIns="0" bIns="0" anchor="t" anchorCtr="0">
             <a:spAutoFit/>
           </a:bodyPr>
           <a:lstStyle/>
           <a:p>
-            <a:pPr indent="0" lvl="0" marL="0" marR="0" rtl="0" algn="ctr">
+            <a:pPr marL="0" marR="0" lvl="0" indent="0" algn="ctr" rtl="0">
               <a:spcBef>
                 <a:spcPts val="0"/>
               </a:spcBef>
@@ -16470,7 +16723,7 @@
               <a:buNone/>
             </a:pPr>
             <a:r>
-              <a:rPr b="1" i="0" lang="en-US" sz="2400" u="none" cap="none" strike="noStrike">
+              <a:rPr lang="en-US" sz="2400" b="1" i="0" u="none" strike="noStrike" cap="none">
                 <a:solidFill>
                   <a:srgbClr val="FFFFFF"/>
                 </a:solidFill>
@@ -16505,12 +16758,12 @@
           </a:ln>
         </p:spPr>
         <p:txBody>
-          <a:bodyPr anchorCtr="0" anchor="t" bIns="0" lIns="0" spcFirstLastPara="1" rIns="0" wrap="square" tIns="0">
+          <a:bodyPr spcFirstLastPara="1" wrap="square" lIns="0" tIns="0" rIns="0" bIns="0" anchor="t" anchorCtr="0">
             <a:spAutoFit/>
           </a:bodyPr>
           <a:lstStyle/>
           <a:p>
-            <a:pPr indent="0" lvl="0" marL="0" marR="0" rtl="0" algn="ctr">
+            <a:pPr marL="0" marR="0" lvl="0" indent="0" algn="ctr" rtl="0">
               <a:lnSpc>
                 <a:spcPct val="159944"/>
               </a:lnSpc>
@@ -16523,7 +16776,7 @@
               <a:buNone/>
             </a:pPr>
             <a:r>
-              <a:rPr b="0" i="0" lang="en-US" sz="1800" u="none" cap="none" strike="noStrike">
+              <a:rPr lang="en-US" sz="1800" b="0" i="0" u="none" strike="noStrike" cap="none">
                 <a:solidFill>
                   <a:srgbClr val="A3A3A3"/>
                 </a:solidFill>
@@ -16547,7 +16800,7 @@
               <a:t>further comic research</a:t>
             </a:r>
             <a:r>
-              <a:rPr b="0" i="0" lang="en-US" sz="1800" u="none" cap="none" strike="noStrike">
+              <a:rPr lang="en-US" sz="1800" b="0" i="0" u="none" strike="noStrike" cap="none">
                 <a:solidFill>
                   <a:srgbClr val="A3A3A3"/>
                 </a:solidFill>
@@ -16582,12 +16835,12 @@
           </a:ln>
         </p:spPr>
         <p:txBody>
-          <a:bodyPr anchorCtr="0" anchor="t" bIns="0" lIns="0" spcFirstLastPara="1" rIns="0" wrap="square" tIns="0">
+          <a:bodyPr spcFirstLastPara="1" wrap="square" lIns="0" tIns="0" rIns="0" bIns="0" anchor="t" anchorCtr="0">
             <a:spAutoFit/>
           </a:bodyPr>
           <a:lstStyle/>
           <a:p>
-            <a:pPr indent="0" lvl="0" marL="0" marR="0" rtl="0" algn="ctr">
+            <a:pPr marL="0" marR="0" lvl="0" indent="0" algn="ctr" rtl="0">
               <a:spcBef>
                 <a:spcPts val="0"/>
               </a:spcBef>
@@ -16597,7 +16850,7 @@
               <a:buNone/>
             </a:pPr>
             <a:r>
-              <a:rPr b="1" i="0" lang="en-US" sz="2400" u="none" cap="none" strike="noStrike">
+              <a:rPr lang="en-US" sz="2400" b="1" i="0" u="none" strike="noStrike" cap="none">
                 <a:solidFill>
                   <a:srgbClr val="FFFFFF"/>
                 </a:solidFill>
@@ -16632,12 +16885,12 @@
           </a:ln>
         </p:spPr>
         <p:txBody>
-          <a:bodyPr anchorCtr="0" anchor="t" bIns="0" lIns="0" spcFirstLastPara="1" rIns="0" wrap="square" tIns="0">
+          <a:bodyPr spcFirstLastPara="1" wrap="square" lIns="0" tIns="0" rIns="0" bIns="0" anchor="t" anchorCtr="0">
             <a:spAutoFit/>
           </a:bodyPr>
           <a:lstStyle/>
           <a:p>
-            <a:pPr indent="0" lvl="0" marL="0" marR="0" rtl="0" algn="ctr">
+            <a:pPr marL="0" marR="0" lvl="0" indent="0" algn="ctr" rtl="0">
               <a:lnSpc>
                 <a:spcPct val="159944"/>
               </a:lnSpc>
@@ -16650,7 +16903,7 @@
               <a:buNone/>
             </a:pPr>
             <a:r>
-              <a:rPr b="0" i="0" lang="en-US" sz="1800" u="none" cap="none" strike="noStrike">
+              <a:rPr lang="en-US" sz="1800" b="0" i="0" u="none" strike="noStrike" cap="none">
                 <a:solidFill>
                   <a:srgbClr val="A3A3A3"/>
                 </a:solidFill>
@@ -16667,7 +16920,7 @@
       </p:sp>
       <p:pic>
         <p:nvPicPr>
-          <p:cNvPr descr="image.png" id="220" name="Google Shape;220;p20"/>
+          <p:cNvPr id="220" name="Google Shape;220;p20" descr="image.png"/>
           <p:cNvPicPr preferRelativeResize="0"/>
           <p:nvPr/>
         </p:nvPicPr>
@@ -16675,7 +16928,7 @@
           <a:blip r:embed="rId8">
             <a:alphaModFix/>
           </a:blip>
-          <a:srcRect b="0" l="0" r="0" t="0"/>
+          <a:srcRect/>
           <a:stretch/>
         </p:blipFill>
         <p:spPr>
@@ -16694,7 +16947,7 @@
       </p:pic>
       <p:pic>
         <p:nvPicPr>
-          <p:cNvPr descr="image.png" id="221" name="Google Shape;221;p20"/>
+          <p:cNvPr id="221" name="Google Shape;221;p20" descr="image.png"/>
           <p:cNvPicPr preferRelativeResize="0"/>
           <p:nvPr/>
         </p:nvPicPr>
@@ -16702,7 +16955,7 @@
           <a:blip r:embed="rId9">
             <a:alphaModFix/>
           </a:blip>
-          <a:srcRect b="0" l="0" r="0" t="0"/>
+          <a:srcRect/>
           <a:stretch/>
         </p:blipFill>
         <p:spPr>
@@ -16721,7 +16974,7 @@
       </p:pic>
       <p:pic>
         <p:nvPicPr>
-          <p:cNvPr descr="image.png" id="222" name="Google Shape;222;p20"/>
+          <p:cNvPr id="222" name="Google Shape;222;p20" descr="image.png"/>
           <p:cNvPicPr preferRelativeResize="0"/>
           <p:nvPr/>
         </p:nvPicPr>
@@ -16729,7 +16982,7 @@
           <a:blip r:embed="rId10">
             <a:alphaModFix/>
           </a:blip>
-          <a:srcRect b="0" l="0" r="0" t="0"/>
+          <a:srcRect/>
           <a:stretch/>
         </p:blipFill>
         <p:spPr>
@@ -16755,18 +17008,19 @@
 </file>
 
 <file path=ppt/slides/slide9.xml><?xml version="1.0" encoding="utf-8"?>
-<p:sld xmlns:a="http://schemas.openxmlformats.org/drawingml/2006/main" xmlns:r="http://schemas.openxmlformats.org/officeDocument/2006/relationships" xmlns:mc="http://schemas.openxmlformats.org/markup-compatibility/2006" xmlns:mv="urn:schemas-microsoft-com:mac:vml" xmlns:p="http://schemas.openxmlformats.org/presentationml/2006/main" xmlns:c="http://schemas.openxmlformats.org/drawingml/2006/chart" xmlns:dgm="http://schemas.openxmlformats.org/drawingml/2006/diagram" xmlns:o="urn:schemas-microsoft-com:office:office" xmlns:v="urn:schemas-microsoft-com:vml" xmlns:pvml="urn:schemas-microsoft-com:office:powerpoint" xmlns:com="http://schemas.openxmlformats.org/drawingml/2006/compatibility" xmlns:p14="http://schemas.microsoft.com/office/powerpoint/2010/main" xmlns:p15="http://schemas.microsoft.com/office/powerpoint/2012/main" xmlns:ahyp="http://schemas.microsoft.com/office/drawing/2018/hyperlinkcolor">
+<p:sld xmlns:a="http://schemas.openxmlformats.org/drawingml/2006/main" xmlns:r="http://schemas.openxmlformats.org/officeDocument/2006/relationships" xmlns:p="http://schemas.openxmlformats.org/presentationml/2006/main">
   <p:cSld>
     <p:bg>
       <p:bgPr>
         <a:solidFill>
           <a:srgbClr val="121212"/>
         </a:solidFill>
+        <a:effectLst/>
       </p:bgPr>
     </p:bg>
     <p:spTree>
       <p:nvGrpSpPr>
-        <p:cNvPr id="226" name="Shape 226"/>
+        <p:cNvPr id="1" name="Shape 226"/>
         <p:cNvGrpSpPr/>
         <p:nvPr/>
       </p:nvGrpSpPr>
@@ -16780,7 +17034,7 @@
       </p:grpSpPr>
       <p:pic>
         <p:nvPicPr>
-          <p:cNvPr descr="image.png" id="227" name="Google Shape;227;p21"/>
+          <p:cNvPr id="227" name="Google Shape;227;p21" descr="image.png"/>
           <p:cNvPicPr preferRelativeResize="0"/>
           <p:nvPr/>
         </p:nvPicPr>
@@ -16788,7 +17042,7 @@
           <a:blip r:embed="rId3">
             <a:alphaModFix/>
           </a:blip>
-          <a:srcRect b="0" l="0" r="0" t="0"/>
+          <a:srcRect/>
           <a:stretch/>
         </p:blipFill>
         <p:spPr>
@@ -16807,7 +17061,7 @@
       </p:pic>
       <p:pic>
         <p:nvPicPr>
-          <p:cNvPr descr="image.png" id="228" name="Google Shape;228;p21"/>
+          <p:cNvPr id="228" name="Google Shape;228;p21" descr="image.png"/>
           <p:cNvPicPr preferRelativeResize="0"/>
           <p:nvPr/>
         </p:nvPicPr>
@@ -16815,7 +17069,7 @@
           <a:blip r:embed="rId4">
             <a:alphaModFix/>
           </a:blip>
-          <a:srcRect b="0" l="0" r="0" t="0"/>
+          <a:srcRect/>
           <a:stretch/>
         </p:blipFill>
         <p:spPr>
@@ -16852,12 +17106,12 @@
           </a:ln>
         </p:spPr>
         <p:txBody>
-          <a:bodyPr anchorCtr="0" anchor="t" bIns="0" lIns="0" spcFirstLastPara="1" rIns="0" wrap="square" tIns="0">
+          <a:bodyPr spcFirstLastPara="1" wrap="square" lIns="0" tIns="0" rIns="0" bIns="0" anchor="t" anchorCtr="0">
             <a:spAutoFit/>
           </a:bodyPr>
           <a:lstStyle/>
           <a:p>
-            <a:pPr indent="0" lvl="0" marL="0" marR="0" rtl="0" algn="ctr">
+            <a:pPr marL="0" marR="0" lvl="0" indent="0" algn="ctr" rtl="0">
               <a:spcBef>
                 <a:spcPts val="0"/>
               </a:spcBef>
@@ -16867,7 +17121,7 @@
               <a:buNone/>
             </a:pPr>
             <a:r>
-              <a:rPr b="1" i="0" lang="en-US" sz="6000" u="none" cap="none" strike="noStrike">
+              <a:rPr lang="en-US" sz="6000" b="1" i="0" u="none" strike="noStrike" cap="none">
                 <a:solidFill>
                   <a:srgbClr val="4ADE80"/>
                 </a:solidFill>
@@ -16902,12 +17156,12 @@
           </a:ln>
         </p:spPr>
         <p:txBody>
-          <a:bodyPr anchorCtr="0" anchor="t" bIns="0" lIns="0" spcFirstLastPara="1" rIns="0" wrap="square" tIns="0">
+          <a:bodyPr spcFirstLastPara="1" wrap="square" lIns="0" tIns="0" rIns="0" bIns="0" anchor="t" anchorCtr="0">
             <a:spAutoFit/>
           </a:bodyPr>
           <a:lstStyle/>
           <a:p>
-            <a:pPr indent="0" lvl="0" marL="0" marR="0" rtl="0" algn="ctr">
+            <a:pPr marL="0" marR="0" lvl="0" indent="0" algn="ctr" rtl="0">
               <a:lnSpc>
                 <a:spcPct val="159952"/>
               </a:lnSpc>
@@ -16920,7 +17174,7 @@
               <a:buNone/>
             </a:pPr>
             <a:r>
-              <a:rPr b="0" i="0" lang="en-US" sz="2100" u="none" cap="none" strike="noStrike">
+              <a:rPr lang="en-US" sz="2100" b="0" i="0" u="none" strike="noStrike" cap="none">
                 <a:solidFill>
                   <a:srgbClr val="4ADE80"/>
                 </a:solidFill>
@@ -16955,12 +17209,12 @@
           </a:ln>
         </p:spPr>
         <p:txBody>
-          <a:bodyPr anchorCtr="0" anchor="t" bIns="0" lIns="0" spcFirstLastPara="1" rIns="0" wrap="square" tIns="0">
+          <a:bodyPr spcFirstLastPara="1" wrap="square" lIns="0" tIns="0" rIns="0" bIns="0" anchor="t" anchorCtr="0">
             <a:spAutoFit/>
           </a:bodyPr>
           <a:lstStyle/>
           <a:p>
-            <a:pPr indent="0" lvl="0" marL="0" rtl="0" algn="l">
+            <a:pPr marL="0" lvl="0" indent="0" algn="l" rtl="0">
               <a:spcBef>
                 <a:spcPts val="0"/>
               </a:spcBef>
@@ -17009,12 +17263,12 @@
           </a:ln>
         </p:spPr>
         <p:txBody>
-          <a:bodyPr anchorCtr="0" anchor="t" bIns="0" lIns="0" spcFirstLastPara="1" rIns="0" wrap="square" tIns="0">
+          <a:bodyPr spcFirstLastPara="1" wrap="square" lIns="0" tIns="0" rIns="0" bIns="0" anchor="t" anchorCtr="0">
             <a:spAutoFit/>
           </a:bodyPr>
           <a:lstStyle/>
           <a:p>
-            <a:pPr indent="0" lvl="0" marL="0" rtl="0" algn="l">
+            <a:pPr marL="0" lvl="0" indent="0" algn="l" rtl="0">
               <a:spcBef>
                 <a:spcPts val="0"/>
               </a:spcBef>
@@ -17046,7 +17300,7 @@
             </a:endParaRPr>
           </a:p>
           <a:p>
-            <a:pPr indent="0" lvl="0" marL="0" marR="0" rtl="0" algn="l">
+            <a:pPr marL="0" marR="0" lvl="0" indent="0" algn="l" rtl="0">
               <a:spcBef>
                 <a:spcPts val="0"/>
               </a:spcBef>
@@ -17055,9 +17309,6 @@
               </a:spcAft>
               <a:buNone/>
             </a:pPr>
-            <a:r>
-              <a:t/>
-            </a:r>
             <a:endParaRPr sz="1050">
               <a:solidFill>
                 <a:srgbClr val="666666"/>
@@ -17072,7 +17323,7 @@
       </p:sp>
       <p:pic>
         <p:nvPicPr>
-          <p:cNvPr descr="image.png" id="233" name="Google Shape;233;p21"/>
+          <p:cNvPr id="233" name="Google Shape;233;p21" descr="image.png"/>
           <p:cNvPicPr preferRelativeResize="0"/>
           <p:nvPr/>
         </p:nvPicPr>
@@ -17080,7 +17331,7 @@
           <a:blip r:embed="rId5">
             <a:alphaModFix/>
           </a:blip>
-          <a:srcRect b="0" l="0" r="0" t="0"/>
+          <a:srcRect/>
           <a:stretch/>
         </p:blipFill>
         <p:spPr>
@@ -17105,7 +17356,7 @@
         </p:nvSpPr>
         <p:spPr>
           <a:xfrm>
-            <a:off x="580950" y="4506142"/>
+            <a:off x="581025" y="4475709"/>
             <a:ext cx="11030100" cy="323100"/>
           </a:xfrm>
           <a:prstGeom prst="rect">
@@ -17117,12 +17368,12 @@
           </a:ln>
         </p:spPr>
         <p:txBody>
-          <a:bodyPr anchorCtr="0" anchor="t" bIns="0" lIns="0" spcFirstLastPara="1" rIns="0" wrap="square" tIns="0">
+          <a:bodyPr spcFirstLastPara="1" wrap="square" lIns="0" tIns="0" rIns="0" bIns="0" anchor="t" anchorCtr="0">
             <a:spAutoFit/>
           </a:bodyPr>
           <a:lstStyle/>
           <a:p>
-            <a:pPr indent="0" lvl="0" marL="0" marR="0" rtl="0" algn="ctr">
+            <a:pPr marL="0" marR="0" lvl="0" indent="0" algn="ctr" rtl="0">
               <a:lnSpc>
                 <a:spcPct val="159952"/>
               </a:lnSpc>
@@ -17135,7 +17386,7 @@
               <a:buNone/>
             </a:pPr>
             <a:r>
-              <a:rPr lang="en-US" sz="2100" u="sng">
+              <a:rPr lang="en-US" sz="2100" u="sng" dirty="0">
                 <a:solidFill>
                   <a:schemeClr val="hlink"/>
                 </a:solidFill>
@@ -17147,7 +17398,7 @@
               </a:rPr>
               <a:t>https://github.com/Emran-Emon/DeTechtive</a:t>
             </a:r>
-            <a:endParaRPr/>
+            <a:endParaRPr dirty="0"/>
           </a:p>
         </p:txBody>
       </p:sp>
@@ -17160,7 +17411,7 @@
 </file>
 
 <file path=ppt/theme/theme1.xml><?xml version="1.0" encoding="utf-8"?>
-<a:theme xmlns:a="http://schemas.openxmlformats.org/drawingml/2006/main" xmlns:r="http://schemas.openxmlformats.org/officeDocument/2006/relationships" name="Office Theme">
+<a:theme xmlns:a="http://schemas.openxmlformats.org/drawingml/2006/main" name="Office Theme">
   <a:themeElements>
     <a:clrScheme name="Office">
       <a:dk1>
@@ -17435,11 +17686,13 @@
       </a:bgFillStyleLst>
     </a:fmtScheme>
   </a:themeElements>
+  <a:objectDefaults/>
+  <a:extraClrSchemeLst/>
 </a:theme>
 </file>
 
 <file path=ppt/theme/theme2.xml><?xml version="1.0" encoding="utf-8"?>
-<a:theme xmlns:a="http://schemas.openxmlformats.org/drawingml/2006/main" xmlns:r="http://schemas.openxmlformats.org/officeDocument/2006/relationships">
+<a:theme xmlns:a="http://schemas.openxmlformats.org/drawingml/2006/main">
   <a:themeElements>
     <a:clrScheme name="Default">
       <a:dk1>
@@ -17714,5 +17967,7 @@
       </a:bgFillStyleLst>
     </a:fmtScheme>
   </a:themeElements>
+  <a:objectDefaults/>
+  <a:extraClrSchemeLst/>
 </a:theme>
 </file>